--- a/Failures Handling for Multi-path TCP in Data Centers.pptx
+++ b/Failures Handling for Multi-path TCP in Data Centers.pptx
@@ -8,6 +8,8 @@
     <p:sldId id="256" r:id="rId2"/>
     <p:sldId id="257" r:id="rId3"/>
     <p:sldId id="258" r:id="rId4"/>
+    <p:sldId id="259" r:id="rId5"/>
+    <p:sldId id="260" r:id="rId6"/>
   </p:sldIdLst>
   <p:sldSz cx="9144000" cy="6858000" type="screen4x3"/>
   <p:notesSz cx="6858000" cy="9144000"/>
@@ -106,6 +108,22 @@
       </a:defRPr>
     </a:lvl9pPr>
   </p:defaultTextStyle>
+  <p:extLst>
+    <p:ext uri="{EFAFB233-063F-42B5-8137-9DF3F51BA10A}">
+      <p15:sldGuideLst xmlns:p15="http://schemas.microsoft.com/office/powerpoint/2012/main">
+        <p15:guide id="1" orient="horz" pos="2160">
+          <p15:clr>
+            <a:srgbClr val="A4A3A4"/>
+          </p15:clr>
+        </p15:guide>
+        <p15:guide id="2" pos="2880">
+          <p15:clr>
+            <a:srgbClr val="A4A3A4"/>
+          </p15:clr>
+        </p15:guide>
+      </p15:sldGuideLst>
+    </p:ext>
+  </p:extLst>
 </p:presentation>
 </file>
 
@@ -3114,11 +3132,7 @@
           <a:p>
             <a:r>
               <a:rPr lang="en-US" altLang="zh-CN" dirty="0" smtClean="0"/>
-              <a:t>Failures </a:t>
-            </a:r>
-            <a:r>
-              <a:rPr lang="en-US" altLang="zh-CN" dirty="0" smtClean="0"/>
-              <a:t>Handling for Multi-path TCP in Data Centers</a:t>
+              <a:t>Failures Handling for Multi-path TCP in Data Centers</a:t>
             </a:r>
             <a:endParaRPr lang="zh-CN" altLang="en-US" dirty="0"/>
           </a:p>
@@ -3139,7 +3153,7 @@
           <a:bodyPr/>
           <a:lstStyle/>
           <a:p>
-            <a:endParaRPr lang="zh-CN" altLang="en-US"/>
+            <a:endParaRPr lang="zh-CN" altLang="en-US" dirty="0"/>
           </a:p>
         </p:txBody>
       </p:sp>
@@ -3367,7 +3381,7 @@
         <p:spPr>
           <a:xfrm>
             <a:off x="4572000" y="1417638"/>
-            <a:ext cx="0" cy="4099594"/>
+            <a:ext cx="0" cy="4051393"/>
           </a:xfrm>
           <a:prstGeom prst="line">
             <a:avLst/>
@@ -3615,8 +3629,8 @@
         </p:nvSpPr>
         <p:spPr>
           <a:xfrm>
-            <a:off x="755576" y="5733256"/>
-            <a:ext cx="3384376" cy="923330"/>
+            <a:off x="539552" y="5517232"/>
+            <a:ext cx="2736304" cy="923330"/>
           </a:xfrm>
           <a:prstGeom prst="rect">
             <a:avLst/>
@@ -3631,11 +3645,7 @@
           <a:p>
             <a:r>
               <a:rPr lang="en-US" altLang="zh-CN" dirty="0" smtClean="0"/>
-              <a:t>Single-path</a:t>
-            </a:r>
-            <a:r>
-              <a:rPr lang="zh-CN" altLang="en-US" dirty="0" smtClean="0"/>
-              <a:t>：</a:t>
+              <a:t>Single-path:</a:t>
             </a:r>
             <a:endParaRPr lang="en-US" altLang="zh-CN" dirty="0" smtClean="0"/>
           </a:p>
@@ -3678,8 +3688,8 @@
         </p:nvSpPr>
         <p:spPr>
           <a:xfrm>
-            <a:off x="5076056" y="5733256"/>
-            <a:ext cx="3384376" cy="923330"/>
+            <a:off x="4860032" y="5517232"/>
+            <a:ext cx="2736304" cy="923330"/>
           </a:xfrm>
           <a:prstGeom prst="rect">
             <a:avLst/>
@@ -3694,11 +3704,7 @@
           <a:p>
             <a:r>
               <a:rPr lang="en-US" altLang="zh-CN" dirty="0" smtClean="0"/>
-              <a:t>Multi-path</a:t>
-            </a:r>
-            <a:r>
-              <a:rPr lang="zh-CN" altLang="en-US" dirty="0" smtClean="0"/>
-              <a:t>：</a:t>
+              <a:t>Multi-path:</a:t>
             </a:r>
             <a:endParaRPr lang="en-US" altLang="zh-CN" dirty="0" smtClean="0"/>
           </a:p>
@@ -3736,7 +3742,7 @@
         </p:nvSpPr>
         <p:spPr>
           <a:xfrm>
-            <a:off x="2165475" y="5229200"/>
+            <a:off x="2165475" y="5157192"/>
             <a:ext cx="564578" cy="369332"/>
           </a:xfrm>
           <a:prstGeom prst="rect">
@@ -3766,7 +3772,7 @@
         </p:nvSpPr>
         <p:spPr>
           <a:xfrm>
-            <a:off x="6485955" y="5229200"/>
+            <a:off x="6485955" y="5157192"/>
             <a:ext cx="748923" cy="369332"/>
           </a:xfrm>
           <a:prstGeom prst="rect">
@@ -3835,8 +3841,8 @@
         </p:nvSpPr>
         <p:spPr>
           <a:xfrm>
-            <a:off x="7663898" y="5469031"/>
-            <a:ext cx="1300590" cy="1200329"/>
+            <a:off x="7663898" y="5301208"/>
+            <a:ext cx="1332000" cy="1200329"/>
           </a:xfrm>
           <a:prstGeom prst="rect">
             <a:avLst/>
@@ -3867,26 +3873,18 @@
               <a:t>μ</a:t>
             </a:r>
             <a:r>
-              <a:rPr lang="zh-CN" altLang="en-US" dirty="0" smtClean="0"/>
-              <a:t>：</a:t>
-            </a:r>
-            <a:r>
               <a:rPr lang="en-US" altLang="zh-CN" dirty="0" smtClean="0"/>
-              <a:t>efficient throughput</a:t>
-            </a:r>
-          </a:p>
-          <a:p>
+              <a:t>: efficient </a:t>
+            </a:r>
             <a:r>
               <a:rPr lang="en-US" altLang="zh-CN" dirty="0" smtClean="0"/>
-              <a:t>considering </a:t>
-            </a:r>
+              <a:t>throughput</a:t>
+            </a:r>
+          </a:p>
+          <a:p>
             <a:r>
               <a:rPr lang="en-US" altLang="zh-CN" dirty="0" smtClean="0"/>
-              <a:t>ACK</a:t>
-            </a:r>
-            <a:r>
-              <a:rPr lang="en-US" altLang="zh-CN" dirty="0" smtClean="0"/>
-              <a:t>, coding.</a:t>
+              <a:t>considering ACK, coding.</a:t>
             </a:r>
             <a:endParaRPr lang="zh-CN" altLang="en-US" dirty="0"/>
           </a:p>
@@ -3902,6 +3900,13 @@
   <p:clrMapOvr>
     <a:masterClrMapping/>
   </p:clrMapOvr>
+  <p:timing>
+    <p:tnLst>
+      <p:par>
+        <p:cTn id="1" dur="indefinite" restart="never" nodeType="tmRoot"/>
+      </p:par>
+    </p:tnLst>
+  </p:timing>
 </p:sld>
 </file>
 
@@ -3953,7 +3958,7 @@
         </p:nvSpPr>
         <p:spPr>
           <a:xfrm>
-            <a:off x="683568" y="2420888"/>
+            <a:off x="683568" y="2417494"/>
             <a:ext cx="1152128" cy="2664296"/>
           </a:xfrm>
           <a:prstGeom prst="can">
@@ -3993,7 +3998,7 @@
         </p:nvSpPr>
         <p:spPr>
           <a:xfrm>
-            <a:off x="5076056" y="2408229"/>
+            <a:off x="5076056" y="2404835"/>
             <a:ext cx="1152128" cy="2664296"/>
           </a:xfrm>
           <a:prstGeom prst="can">
@@ -4033,7 +4038,7 @@
         </p:nvSpPr>
         <p:spPr>
           <a:xfrm>
-            <a:off x="7164288" y="2395653"/>
+            <a:off x="7164288" y="2392259"/>
             <a:ext cx="1152128" cy="2664296"/>
           </a:xfrm>
           <a:prstGeom prst="can">
@@ -4068,15 +4073,13 @@
       <p:cxnSp>
         <p:nvCxnSpPr>
           <p:cNvPr id="9" name="直接连接符 8"/>
-          <p:cNvCxnSpPr>
-            <a:stCxn id="2" idx="2"/>
-          </p:cNvCxnSpPr>
+          <p:cNvCxnSpPr/>
           <p:nvPr/>
         </p:nvCxnSpPr>
         <p:spPr>
           <a:xfrm>
-            <a:off x="4572000" y="1417638"/>
-            <a:ext cx="0" cy="4099594"/>
+            <a:off x="4572000" y="1414244"/>
+            <a:ext cx="0" cy="4051393"/>
           </a:xfrm>
           <a:prstGeom prst="line">
             <a:avLst/>
@@ -4111,7 +4114,7 @@
         </p:nvSpPr>
         <p:spPr>
           <a:xfrm>
-            <a:off x="1043608" y="2855367"/>
+            <a:off x="1043608" y="2851973"/>
             <a:ext cx="432048" cy="1077689"/>
           </a:xfrm>
           <a:prstGeom prst="downArrow">
@@ -4156,7 +4159,7 @@
         </p:nvCxnSpPr>
         <p:spPr>
           <a:xfrm rot="5400000">
-            <a:off x="1237738" y="1364727"/>
+            <a:off x="1237738" y="1361333"/>
             <a:ext cx="1082554" cy="1008113"/>
           </a:xfrm>
           <a:prstGeom prst="curvedConnector3">
@@ -4197,7 +4200,7 @@
         </p:nvCxnSpPr>
         <p:spPr>
           <a:xfrm rot="5400000">
-            <a:off x="5614900" y="1350319"/>
+            <a:off x="5614900" y="1346925"/>
             <a:ext cx="1082554" cy="1008113"/>
           </a:xfrm>
           <a:prstGeom prst="curvedConnector3">
@@ -4238,7 +4241,311 @@
         </p:nvCxnSpPr>
         <p:spPr>
           <a:xfrm rot="16200000" flipH="1">
-            <a:off x="6695018" y="1351137"/>
+            <a:off x="2346199" y="1358199"/>
+            <a:ext cx="1082554" cy="1008113"/>
+          </a:xfrm>
+          <a:prstGeom prst="curvedConnector3">
+            <a:avLst>
+              <a:gd name="adj1" fmla="val 30187"/>
+            </a:avLst>
+          </a:prstGeom>
+          <a:ln w="152400">
+            <a:solidFill>
+              <a:schemeClr val="bg1">
+                <a:lumMod val="75000"/>
+              </a:schemeClr>
+            </a:solidFill>
+            <a:headEnd type="none" w="med" len="med"/>
+            <a:tailEnd type="triangle" w="med" len="med"/>
+          </a:ln>
+        </p:spPr>
+        <p:style>
+          <a:lnRef idx="1">
+            <a:schemeClr val="accent1"/>
+          </a:lnRef>
+          <a:fillRef idx="0">
+            <a:schemeClr val="accent1"/>
+          </a:fillRef>
+          <a:effectRef idx="0">
+            <a:schemeClr val="accent1"/>
+          </a:effectRef>
+          <a:fontRef idx="minor">
+            <a:schemeClr val="tx1"/>
+          </a:fontRef>
+        </p:style>
+      </p:cxnSp>
+      <p:sp>
+        <p:nvSpPr>
+          <p:cNvPr id="27" name="TextBox 26"/>
+          <p:cNvSpPr txBox="1"/>
+          <p:nvPr/>
+        </p:nvSpPr>
+        <p:spPr>
+          <a:xfrm>
+            <a:off x="539552" y="5522256"/>
+            <a:ext cx="2750317" cy="923330"/>
+          </a:xfrm>
+          <a:prstGeom prst="rect">
+            <a:avLst/>
+          </a:prstGeom>
+          <a:noFill/>
+        </p:spPr>
+        <p:txBody>
+          <a:bodyPr wrap="square" rtlCol="0">
+            <a:spAutoFit/>
+          </a:bodyPr>
+          <a:lstStyle/>
+          <a:p>
+            <a:r>
+              <a:rPr lang="en-US" altLang="zh-CN" dirty="0"/>
+              <a:t>Multi-path </a:t>
+            </a:r>
+            <a:r>
+              <a:rPr lang="en-US" altLang="zh-CN" dirty="0" smtClean="0"/>
+              <a:t>failures:</a:t>
+            </a:r>
+            <a:endParaRPr lang="en-US" altLang="zh-CN" dirty="0"/>
+          </a:p>
+          <a:p>
+            <a:pPr marL="342900" indent="-342900">
+              <a:buFont typeface="+mj-lt"/>
+              <a:buAutoNum type="arabicPeriod"/>
+            </a:pPr>
+            <a:r>
+              <a:rPr lang="en-US" altLang="zh-CN" dirty="0"/>
+              <a:t>Drop two </a:t>
+            </a:r>
+            <a:r>
+              <a:rPr lang="en-US" altLang="zh-CN" dirty="0" err="1"/>
+              <a:t>subflows</a:t>
+            </a:r>
+            <a:r>
+              <a:rPr lang="en-US" altLang="zh-CN" dirty="0"/>
+              <a:t>;</a:t>
+            </a:r>
+          </a:p>
+          <a:p>
+            <a:pPr marL="342900" indent="-342900">
+              <a:buFont typeface="+mj-lt"/>
+              <a:buAutoNum type="arabicPeriod"/>
+            </a:pPr>
+            <a:r>
+              <a:rPr lang="en-US" altLang="zh-CN" dirty="0"/>
+              <a:t>Retransmit initial flow.</a:t>
+            </a:r>
+          </a:p>
+        </p:txBody>
+      </p:sp>
+      <p:sp>
+        <p:nvSpPr>
+          <p:cNvPr id="28" name="TextBox 27"/>
+          <p:cNvSpPr txBox="1"/>
+          <p:nvPr/>
+        </p:nvSpPr>
+        <p:spPr>
+          <a:xfrm>
+            <a:off x="4860032" y="5522256"/>
+            <a:ext cx="2859124" cy="1200329"/>
+          </a:xfrm>
+          <a:prstGeom prst="rect">
+            <a:avLst/>
+          </a:prstGeom>
+          <a:noFill/>
+        </p:spPr>
+        <p:txBody>
+          <a:bodyPr wrap="square" rtlCol="0">
+            <a:spAutoFit/>
+          </a:bodyPr>
+          <a:lstStyle/>
+          <a:p>
+            <a:r>
+              <a:rPr lang="en-US" altLang="zh-CN" dirty="0"/>
+              <a:t>Multi-path </a:t>
+            </a:r>
+            <a:r>
+              <a:rPr lang="en-US" altLang="zh-CN" dirty="0" smtClean="0"/>
+              <a:t>failures:</a:t>
+            </a:r>
+            <a:endParaRPr lang="en-US" altLang="zh-CN" dirty="0"/>
+          </a:p>
+          <a:p>
+            <a:pPr marL="342900" indent="-342900">
+              <a:buFont typeface="+mj-lt"/>
+              <a:buAutoNum type="arabicPeriod"/>
+            </a:pPr>
+            <a:r>
+              <a:rPr lang="en-US" altLang="zh-CN" dirty="0" smtClean="0"/>
+              <a:t>Drop two </a:t>
+            </a:r>
+            <a:r>
+              <a:rPr lang="en-US" altLang="zh-CN" dirty="0" err="1" smtClean="0"/>
+              <a:t>subflows</a:t>
+            </a:r>
+            <a:r>
+              <a:rPr lang="en-US" altLang="zh-CN" dirty="0" smtClean="0"/>
+              <a:t>;</a:t>
+            </a:r>
+            <a:endParaRPr lang="zh-CN" altLang="en-US" dirty="0"/>
+          </a:p>
+          <a:p>
+            <a:pPr marL="342900" indent="-342900">
+              <a:buFont typeface="+mj-lt"/>
+              <a:buAutoNum type="arabicPeriod"/>
+            </a:pPr>
+            <a:r>
+              <a:rPr lang="en-US" altLang="zh-CN" dirty="0"/>
+              <a:t>Retransmit </a:t>
+            </a:r>
+            <a:r>
+              <a:rPr lang="en-US" altLang="zh-CN" dirty="0" smtClean="0"/>
+              <a:t>two </a:t>
+            </a:r>
+            <a:r>
+              <a:rPr lang="en-US" altLang="zh-CN" dirty="0" err="1" smtClean="0"/>
+              <a:t>subflows</a:t>
+            </a:r>
+            <a:r>
+              <a:rPr lang="en-US" altLang="zh-CN" dirty="0" smtClean="0"/>
+              <a:t>;</a:t>
+            </a:r>
+          </a:p>
+          <a:p>
+            <a:pPr marL="342900" indent="-342900">
+              <a:buFont typeface="+mj-lt"/>
+              <a:buAutoNum type="arabicPeriod"/>
+            </a:pPr>
+            <a:r>
+              <a:rPr lang="en-US" altLang="zh-CN" dirty="0" smtClean="0"/>
+              <a:t>Decoding after transmit.</a:t>
+            </a:r>
+          </a:p>
+        </p:txBody>
+      </p:sp>
+      <p:sp>
+        <p:nvSpPr>
+          <p:cNvPr id="29" name="TextBox 28"/>
+          <p:cNvSpPr txBox="1"/>
+          <p:nvPr/>
+        </p:nvSpPr>
+        <p:spPr>
+          <a:xfrm>
+            <a:off x="1642456" y="5153798"/>
+            <a:ext cx="1417376" cy="369332"/>
+          </a:xfrm>
+          <a:prstGeom prst="rect">
+            <a:avLst/>
+          </a:prstGeom>
+          <a:noFill/>
+        </p:spPr>
+        <p:txBody>
+          <a:bodyPr wrap="none" rtlCol="0">
+            <a:spAutoFit/>
+          </a:bodyPr>
+          <a:lstStyle/>
+          <a:p>
+            <a:r>
+              <a:rPr lang="en-US" altLang="zh-CN" dirty="0" smtClean="0"/>
+              <a:t>10G·μ-T(2</a:t>
+            </a:r>
+            <a:r>
+              <a:rPr lang="en-US" altLang="zh-CN" dirty="0" smtClean="0"/>
+              <a:t>,2</a:t>
+            </a:r>
+            <a:r>
+              <a:rPr lang="en-US" altLang="zh-CN" dirty="0" smtClean="0"/>
+              <a:t>)</a:t>
+            </a:r>
+            <a:endParaRPr lang="zh-CN" altLang="en-US" dirty="0"/>
+          </a:p>
+        </p:txBody>
+      </p:sp>
+      <p:sp>
+        <p:nvSpPr>
+          <p:cNvPr id="30" name="TextBox 29"/>
+          <p:cNvSpPr txBox="1"/>
+          <p:nvPr/>
+        </p:nvSpPr>
+        <p:spPr>
+          <a:xfrm>
+            <a:off x="6012160" y="5153798"/>
+            <a:ext cx="1417376" cy="369332"/>
+          </a:xfrm>
+          <a:prstGeom prst="rect">
+            <a:avLst/>
+          </a:prstGeom>
+          <a:noFill/>
+        </p:spPr>
+        <p:txBody>
+          <a:bodyPr wrap="none" rtlCol="0">
+            <a:spAutoFit/>
+          </a:bodyPr>
+          <a:lstStyle/>
+          <a:p>
+            <a:r>
+              <a:rPr lang="en-US" altLang="zh-CN" dirty="0" smtClean="0"/>
+              <a:t>10G·μ-T(2,</a:t>
+            </a:r>
+            <a:r>
+              <a:rPr lang="en-US" altLang="zh-CN" dirty="0" smtClean="0"/>
+              <a:t>2</a:t>
+            </a:r>
+            <a:r>
+              <a:rPr lang="en-US" altLang="zh-CN" dirty="0" smtClean="0"/>
+              <a:t>)</a:t>
+            </a:r>
+            <a:endParaRPr lang="zh-CN" altLang="en-US" dirty="0"/>
+          </a:p>
+        </p:txBody>
+      </p:sp>
+      <p:sp>
+        <p:nvSpPr>
+          <p:cNvPr id="19" name="圆柱形 18"/>
+          <p:cNvSpPr/>
+          <p:nvPr/>
+        </p:nvSpPr>
+        <p:spPr>
+          <a:xfrm>
+            <a:off x="2771800" y="2406667"/>
+            <a:ext cx="1152128" cy="2664296"/>
+          </a:xfrm>
+          <a:prstGeom prst="can">
+            <a:avLst/>
+          </a:prstGeom>
+        </p:spPr>
+        <p:style>
+          <a:lnRef idx="2">
+            <a:schemeClr val="accent1">
+              <a:shade val="50000"/>
+            </a:schemeClr>
+          </a:lnRef>
+          <a:fillRef idx="1">
+            <a:schemeClr val="accent1"/>
+          </a:fillRef>
+          <a:effectRef idx="0">
+            <a:schemeClr val="accent1"/>
+          </a:effectRef>
+          <a:fontRef idx="minor">
+            <a:schemeClr val="lt1"/>
+          </a:fontRef>
+        </p:style>
+        <p:txBody>
+          <a:bodyPr rtlCol="0" anchor="ctr"/>
+          <a:lstStyle/>
+          <a:p>
+            <a:pPr algn="ctr"/>
+            <a:endParaRPr lang="zh-CN" altLang="en-US"/>
+          </a:p>
+        </p:txBody>
+      </p:sp>
+      <p:cxnSp>
+        <p:nvCxnSpPr>
+          <p:cNvPr id="20" name="曲线连接符 19"/>
+          <p:cNvCxnSpPr/>
+          <p:nvPr/>
+        </p:nvCxnSpPr>
+        <p:spPr>
+          <a:xfrm rot="16200000" flipH="1">
+            <a:off x="6673823" y="1361581"/>
             <a:ext cx="1082554" cy="1008113"/>
           </a:xfrm>
           <a:prstGeom prst="curvedConnector3">
@@ -4273,232 +4580,23 @@
       </p:cxnSp>
       <p:sp>
         <p:nvSpPr>
-          <p:cNvPr id="27" name="TextBox 26"/>
-          <p:cNvSpPr txBox="1"/>
-          <p:nvPr/>
-        </p:nvSpPr>
-        <p:spPr>
-          <a:xfrm>
-            <a:off x="755576" y="5733256"/>
-            <a:ext cx="3384376" cy="923330"/>
-          </a:xfrm>
-          <a:prstGeom prst="rect">
-            <a:avLst/>
-          </a:prstGeom>
-          <a:noFill/>
-        </p:spPr>
-        <p:txBody>
-          <a:bodyPr wrap="square" rtlCol="0">
-            <a:spAutoFit/>
-          </a:bodyPr>
-          <a:lstStyle/>
-          <a:p>
-            <a:r>
-              <a:rPr lang="en-US" altLang="zh-CN" dirty="0" smtClean="0"/>
-              <a:t>Multi-path failures</a:t>
-            </a:r>
-            <a:r>
-              <a:rPr lang="zh-CN" altLang="en-US" dirty="0" smtClean="0"/>
-              <a:t>：</a:t>
-            </a:r>
-            <a:endParaRPr lang="en-US" altLang="zh-CN" dirty="0" smtClean="0"/>
-          </a:p>
-          <a:p>
-            <a:pPr marL="342900" indent="-342900">
-              <a:buFont typeface="+mj-lt"/>
-              <a:buAutoNum type="arabicPeriod"/>
-            </a:pPr>
-            <a:r>
-              <a:rPr lang="en-US" altLang="zh-CN" dirty="0" smtClean="0"/>
-              <a:t>Drop one </a:t>
-            </a:r>
-            <a:r>
-              <a:rPr lang="en-US" altLang="zh-CN" dirty="0" err="1" smtClean="0"/>
-              <a:t>subflow</a:t>
-            </a:r>
-            <a:r>
-              <a:rPr lang="en-US" altLang="zh-CN" dirty="0" smtClean="0"/>
-              <a:t>;</a:t>
-            </a:r>
-            <a:endParaRPr lang="zh-CN" altLang="en-US" dirty="0" smtClean="0"/>
-          </a:p>
-          <a:p>
-            <a:pPr marL="342900" indent="-342900">
-              <a:buFont typeface="+mj-lt"/>
-              <a:buAutoNum type="arabicPeriod"/>
-            </a:pPr>
-            <a:r>
-              <a:rPr lang="en-US" altLang="zh-CN" dirty="0" smtClean="0"/>
-              <a:t>Retransmit two </a:t>
-            </a:r>
-            <a:r>
-              <a:rPr lang="en-US" altLang="zh-CN" dirty="0" err="1" smtClean="0"/>
-              <a:t>subflows</a:t>
-            </a:r>
-            <a:r>
-              <a:rPr lang="en-US" altLang="zh-CN" dirty="0" smtClean="0"/>
-              <a:t>.</a:t>
-            </a:r>
-          </a:p>
-        </p:txBody>
-      </p:sp>
-      <p:sp>
-        <p:nvSpPr>
-          <p:cNvPr id="28" name="TextBox 27"/>
-          <p:cNvSpPr txBox="1"/>
-          <p:nvPr/>
-        </p:nvSpPr>
-        <p:spPr>
-          <a:xfrm>
-            <a:off x="5076056" y="5733256"/>
-            <a:ext cx="3384376" cy="923330"/>
-          </a:xfrm>
-          <a:prstGeom prst="rect">
-            <a:avLst/>
-          </a:prstGeom>
-          <a:noFill/>
-        </p:spPr>
-        <p:txBody>
-          <a:bodyPr wrap="square" rtlCol="0">
-            <a:spAutoFit/>
-          </a:bodyPr>
-          <a:lstStyle/>
-          <a:p>
-            <a:r>
-              <a:rPr lang="en-US" altLang="zh-CN" dirty="0" smtClean="0"/>
-              <a:t>Multi-path failures</a:t>
-            </a:r>
-            <a:r>
-              <a:rPr lang="zh-CN" altLang="en-US" dirty="0" smtClean="0"/>
-              <a:t>：</a:t>
-            </a:r>
-            <a:endParaRPr lang="en-US" altLang="zh-CN" dirty="0" smtClean="0"/>
-          </a:p>
-          <a:p>
-            <a:pPr marL="342900" indent="-342900">
-              <a:buFont typeface="+mj-lt"/>
-              <a:buAutoNum type="arabicPeriod"/>
-            </a:pPr>
-            <a:r>
-              <a:rPr lang="en-US" altLang="zh-CN" dirty="0" smtClean="0"/>
-              <a:t>Drop two </a:t>
-            </a:r>
-            <a:r>
-              <a:rPr lang="en-US" altLang="zh-CN" dirty="0" err="1" smtClean="0"/>
-              <a:t>subflows</a:t>
-            </a:r>
-            <a:r>
-              <a:rPr lang="en-US" altLang="zh-CN" dirty="0" smtClean="0"/>
-              <a:t>;</a:t>
-            </a:r>
-          </a:p>
-          <a:p>
-            <a:pPr marL="342900" indent="-342900">
-              <a:buFont typeface="+mj-lt"/>
-              <a:buAutoNum type="arabicPeriod"/>
-            </a:pPr>
-            <a:r>
-              <a:rPr lang="en-US" altLang="zh-CN" dirty="0" smtClean="0"/>
-              <a:t>Retransmit initial flow.</a:t>
-            </a:r>
-            <a:endParaRPr lang="en-US" altLang="zh-CN" dirty="0" smtClean="0"/>
-          </a:p>
-        </p:txBody>
-      </p:sp>
-      <p:sp>
-        <p:nvSpPr>
-          <p:cNvPr id="29" name="TextBox 28"/>
-          <p:cNvSpPr txBox="1"/>
-          <p:nvPr/>
-        </p:nvSpPr>
-        <p:spPr>
-          <a:xfrm>
-            <a:off x="1331640" y="5157192"/>
-            <a:ext cx="1994841" cy="369332"/>
-          </a:xfrm>
-          <a:prstGeom prst="rect">
-            <a:avLst/>
-          </a:prstGeom>
-          <a:noFill/>
-        </p:spPr>
-        <p:txBody>
-          <a:bodyPr wrap="none" rtlCol="0">
-            <a:spAutoFit/>
-          </a:bodyPr>
-          <a:lstStyle/>
-          <a:p>
-            <a:r>
-              <a:rPr lang="en-US" altLang="zh-CN" dirty="0" smtClean="0"/>
-              <a:t>10G·μ-T</a:t>
-            </a:r>
-            <a:r>
-              <a:rPr lang="en-US" altLang="zh-CN" dirty="0" smtClean="0"/>
-              <a:t>(1 </a:t>
-            </a:r>
-            <a:r>
-              <a:rPr lang="en-US" altLang="zh-CN" dirty="0" err="1" smtClean="0"/>
-              <a:t>subflow</a:t>
-            </a:r>
-            <a:r>
-              <a:rPr lang="en-US" altLang="zh-CN" dirty="0" smtClean="0"/>
-              <a:t>)</a:t>
-            </a:r>
-            <a:endParaRPr lang="zh-CN" altLang="en-US" dirty="0"/>
-          </a:p>
-        </p:txBody>
-      </p:sp>
-      <p:sp>
-        <p:nvSpPr>
-          <p:cNvPr id="30" name="TextBox 29"/>
-          <p:cNvSpPr txBox="1"/>
-          <p:nvPr/>
-        </p:nvSpPr>
-        <p:spPr>
-          <a:xfrm>
-            <a:off x="5652120" y="5157192"/>
-            <a:ext cx="2082558" cy="369332"/>
-          </a:xfrm>
-          <a:prstGeom prst="rect">
-            <a:avLst/>
-          </a:prstGeom>
-          <a:noFill/>
-        </p:spPr>
-        <p:txBody>
-          <a:bodyPr wrap="none" rtlCol="0">
-            <a:spAutoFit/>
-          </a:bodyPr>
-          <a:lstStyle/>
-          <a:p>
-            <a:r>
-              <a:rPr lang="en-US" altLang="zh-CN" dirty="0" smtClean="0"/>
-              <a:t>10G·μ-T(2 </a:t>
-            </a:r>
-            <a:r>
-              <a:rPr lang="en-US" altLang="zh-CN" dirty="0" err="1" smtClean="0"/>
-              <a:t>subflows</a:t>
-            </a:r>
-            <a:r>
-              <a:rPr lang="en-US" altLang="zh-CN" dirty="0" smtClean="0"/>
-              <a:t>)</a:t>
-            </a:r>
-            <a:endParaRPr lang="zh-CN" altLang="en-US" dirty="0"/>
-          </a:p>
-        </p:txBody>
-      </p:sp>
-      <p:sp>
-        <p:nvSpPr>
-          <p:cNvPr id="19" name="圆柱形 18"/>
+          <p:cNvPr id="21" name="下箭头 20"/>
           <p:cNvSpPr/>
           <p:nvPr/>
         </p:nvSpPr>
         <p:spPr>
           <a:xfrm>
-            <a:off x="2771800" y="2410061"/>
-            <a:ext cx="1152128" cy="2664296"/>
-          </a:xfrm>
-          <a:prstGeom prst="can">
-            <a:avLst/>
-          </a:prstGeom>
+            <a:off x="7719156" y="3832718"/>
+            <a:ext cx="432048" cy="955269"/>
+          </a:xfrm>
+          <a:prstGeom prst="downArrow">
+            <a:avLst/>
+          </a:prstGeom>
+          <a:solidFill>
+            <a:schemeClr val="bg1">
+              <a:lumMod val="75000"/>
+            </a:schemeClr>
+          </a:solidFill>
         </p:spPr>
         <p:style>
           <a:lnRef idx="2">
@@ -4525,64 +4623,23 @@
           </a:p>
         </p:txBody>
       </p:sp>
-      <p:cxnSp>
-        <p:nvCxnSpPr>
-          <p:cNvPr id="20" name="曲线连接符 19"/>
-          <p:cNvCxnSpPr/>
-          <p:nvPr/>
-        </p:nvCxnSpPr>
-        <p:spPr>
-          <a:xfrm rot="16200000" flipH="1">
-            <a:off x="2302530" y="1365545"/>
-            <a:ext cx="1082554" cy="1008113"/>
-          </a:xfrm>
-          <a:prstGeom prst="curvedConnector3">
-            <a:avLst>
-              <a:gd name="adj1" fmla="val 30187"/>
-            </a:avLst>
-          </a:prstGeom>
-          <a:ln w="76200">
-            <a:solidFill>
-              <a:schemeClr val="bg1">
-                <a:lumMod val="75000"/>
-              </a:schemeClr>
-            </a:solidFill>
-            <a:headEnd type="none" w="med" len="med"/>
-            <a:tailEnd type="triangle" w="med" len="med"/>
-          </a:ln>
-        </p:spPr>
-        <p:style>
-          <a:lnRef idx="1">
-            <a:schemeClr val="accent1"/>
-          </a:lnRef>
-          <a:fillRef idx="0">
-            <a:schemeClr val="accent1"/>
-          </a:fillRef>
-          <a:effectRef idx="0">
-            <a:schemeClr val="accent1"/>
-          </a:effectRef>
-          <a:fontRef idx="minor">
-            <a:schemeClr val="tx1"/>
-          </a:fontRef>
-        </p:style>
-      </p:cxnSp>
-      <p:sp>
-        <p:nvSpPr>
-          <p:cNvPr id="21" name="下箭头 20"/>
+      <p:sp>
+        <p:nvSpPr>
+          <p:cNvPr id="8" name="下箭头 7"/>
           <p:cNvSpPr/>
           <p:nvPr/>
         </p:nvSpPr>
         <p:spPr>
-          <a:xfrm>
-            <a:off x="3347864" y="3839452"/>
-            <a:ext cx="432048" cy="955269"/>
+          <a:xfrm rot="2700000">
+            <a:off x="678778" y="3638969"/>
+            <a:ext cx="391477" cy="963283"/>
           </a:xfrm>
           <a:prstGeom prst="downArrow">
             <a:avLst/>
           </a:prstGeom>
           <a:solidFill>
             <a:schemeClr val="bg1">
-              <a:lumMod val="75000"/>
+              <a:lumMod val="50000"/>
             </a:schemeClr>
           </a:solidFill>
         </p:spPr>
@@ -4607,28 +4664,26 @@
           <a:lstStyle/>
           <a:p>
             <a:pPr algn="ctr"/>
-            <a:endParaRPr lang="zh-CN" altLang="en-US"/>
-          </a:p>
-        </p:txBody>
-      </p:sp>
-      <p:sp>
-        <p:nvSpPr>
-          <p:cNvPr id="8" name="下箭头 7"/>
+            <a:endParaRPr lang="zh-CN" altLang="en-US" dirty="0"/>
+          </a:p>
+        </p:txBody>
+      </p:sp>
+      <p:sp>
+        <p:nvSpPr>
+          <p:cNvPr id="3" name="流程图: 汇总连接 2"/>
           <p:cNvSpPr/>
           <p:nvPr/>
         </p:nvSpPr>
         <p:spPr>
-          <a:xfrm rot="2700000">
-            <a:off x="678778" y="3642363"/>
-            <a:ext cx="391477" cy="963283"/>
-          </a:xfrm>
-          <a:prstGeom prst="downArrow">
-            <a:avLst/>
-          </a:prstGeom>
-          <a:solidFill>
-            <a:schemeClr val="bg1">
-              <a:lumMod val="50000"/>
-            </a:schemeClr>
+          <a:xfrm>
+            <a:off x="1010035" y="3464041"/>
+            <a:ext cx="465621" cy="465621"/>
+          </a:xfrm>
+          <a:prstGeom prst="flowChartSummingJunction">
+            <a:avLst/>
+          </a:prstGeom>
+          <a:solidFill>
+            <a:srgbClr val="FF0000"/>
           </a:solidFill>
         </p:spPr>
         <p:style>
@@ -4658,56 +4713,13 @@
       </p:sp>
       <p:sp>
         <p:nvSpPr>
-          <p:cNvPr id="3" name="流程图: 汇总连接 2"/>
-          <p:cNvSpPr/>
-          <p:nvPr/>
-        </p:nvSpPr>
-        <p:spPr>
-          <a:xfrm>
-            <a:off x="1010035" y="3467435"/>
-            <a:ext cx="465621" cy="465621"/>
-          </a:xfrm>
-          <a:prstGeom prst="flowChartSummingJunction">
-            <a:avLst/>
-          </a:prstGeom>
-          <a:solidFill>
-            <a:srgbClr val="FF0000"/>
-          </a:solidFill>
-        </p:spPr>
-        <p:style>
-          <a:lnRef idx="2">
-            <a:schemeClr val="accent1">
-              <a:shade val="50000"/>
-            </a:schemeClr>
-          </a:lnRef>
-          <a:fillRef idx="1">
-            <a:schemeClr val="accent1"/>
-          </a:fillRef>
-          <a:effectRef idx="0">
-            <a:schemeClr val="accent1"/>
-          </a:effectRef>
-          <a:fontRef idx="minor">
-            <a:schemeClr val="lt1"/>
-          </a:fontRef>
-        </p:style>
-        <p:txBody>
-          <a:bodyPr rtlCol="0" anchor="ctr"/>
-          <a:lstStyle/>
-          <a:p>
-            <a:pPr algn="ctr"/>
-            <a:endParaRPr lang="zh-CN" altLang="en-US"/>
-          </a:p>
-        </p:txBody>
-      </p:sp>
-      <p:sp>
-        <p:nvSpPr>
           <p:cNvPr id="31" name="下箭头 30"/>
           <p:cNvSpPr/>
           <p:nvPr/>
         </p:nvSpPr>
         <p:spPr>
           <a:xfrm>
-            <a:off x="2915816" y="2852936"/>
+            <a:off x="7287108" y="2846202"/>
             <a:ext cx="432048" cy="986516"/>
           </a:xfrm>
           <a:prstGeom prst="downArrow">
@@ -4752,7 +4764,7 @@
         </p:nvCxnSpPr>
         <p:spPr>
           <a:xfrm rot="16200000" flipH="1">
-            <a:off x="2180015" y="1443828"/>
+            <a:off x="6564125" y="1412763"/>
             <a:ext cx="1054884" cy="848766"/>
           </a:xfrm>
           <a:prstGeom prst="curvedConnector3">
@@ -4793,13 +4805,13 @@
         </p:nvCxnSpPr>
         <p:spPr>
           <a:xfrm>
-            <a:off x="7740352" y="2996952"/>
+            <a:off x="3289869" y="2889475"/>
             <a:ext cx="0" cy="1797769"/>
           </a:xfrm>
           <a:prstGeom prst="straightConnector1">
             <a:avLst/>
           </a:prstGeom>
-          <a:ln w="76200">
+          <a:ln w="152400">
             <a:solidFill>
               <a:schemeClr val="bg1">
                 <a:lumMod val="75000"/>
@@ -4832,7 +4844,7 @@
         </p:nvSpPr>
         <p:spPr>
           <a:xfrm>
-            <a:off x="5436096" y="2856006"/>
+            <a:off x="5436096" y="2852612"/>
             <a:ext cx="432048" cy="1077689"/>
           </a:xfrm>
           <a:prstGeom prst="downArrow">
@@ -4877,7 +4889,7 @@
         </p:nvSpPr>
         <p:spPr>
           <a:xfrm rot="2700000">
-            <a:off x="5071266" y="3643002"/>
+            <a:off x="5071266" y="3639608"/>
             <a:ext cx="391477" cy="963283"/>
           </a:xfrm>
           <a:prstGeom prst="downArrow">
@@ -4922,7 +4934,7 @@
         </p:nvSpPr>
         <p:spPr>
           <a:xfrm>
-            <a:off x="5402523" y="3468074"/>
+            <a:off x="5402523" y="3464680"/>
             <a:ext cx="465621" cy="465621"/>
           </a:xfrm>
           <a:prstGeom prst="flowChartSummingJunction">
@@ -4965,7 +4977,7 @@
         </p:nvSpPr>
         <p:spPr>
           <a:xfrm rot="18900000" flipH="1">
-            <a:off x="8135068" y="3643002"/>
+            <a:off x="3684586" y="3472810"/>
             <a:ext cx="391477" cy="963283"/>
           </a:xfrm>
           <a:prstGeom prst="downArrow">
@@ -5010,8 +5022,8 @@
         </p:nvSpPr>
         <p:spPr>
           <a:xfrm>
-            <a:off x="7663898" y="5469031"/>
-            <a:ext cx="1300590" cy="1200329"/>
+            <a:off x="7663898" y="5295104"/>
+            <a:ext cx="1332000" cy="1200329"/>
           </a:xfrm>
           <a:prstGeom prst="rect">
             <a:avLst/>
@@ -5039,15 +5051,725 @@
           <a:p>
             <a:r>
               <a:rPr lang="en-US" altLang="zh-CN" dirty="0" smtClean="0"/>
-              <a:t>T()</a:t>
-            </a:r>
-            <a:r>
-              <a:rPr lang="zh-CN" altLang="en-US" dirty="0" smtClean="0"/>
-              <a:t>：</a:t>
+              <a:t>T(</a:t>
+            </a:r>
+            <a:r>
+              <a:rPr lang="en-US" altLang="zh-CN" dirty="0" err="1" smtClean="0"/>
+              <a:t>d,r</a:t>
             </a:r>
             <a:r>
               <a:rPr lang="en-US" altLang="zh-CN" dirty="0" smtClean="0"/>
-              <a:t>failure overhead considering flow drops.</a:t>
+              <a:t>)</a:t>
+            </a:r>
+            <a:r>
+              <a:rPr lang="en-US" altLang="zh-CN" dirty="0" smtClean="0"/>
+              <a:t>: extra </a:t>
+            </a:r>
+            <a:r>
+              <a:rPr lang="en-US" altLang="zh-CN" dirty="0" smtClean="0"/>
+              <a:t> </a:t>
+            </a:r>
+            <a:r>
+              <a:rPr lang="en-US" altLang="zh-CN" dirty="0" smtClean="0"/>
+              <a:t>overhead </a:t>
+            </a:r>
+            <a:r>
+              <a:rPr lang="en-US" altLang="zh-CN" dirty="0" smtClean="0"/>
+              <a:t>of drops and retransmit.</a:t>
+            </a:r>
+            <a:endParaRPr lang="zh-CN" altLang="en-US" dirty="0"/>
+          </a:p>
+        </p:txBody>
+      </p:sp>
+      <p:sp>
+        <p:nvSpPr>
+          <p:cNvPr id="10" name="文本框 9"/>
+          <p:cNvSpPr txBox="1"/>
+          <p:nvPr/>
+        </p:nvSpPr>
+        <p:spPr>
+          <a:xfrm>
+            <a:off x="730499" y="3941020"/>
+            <a:ext cx="288034" cy="369332"/>
+          </a:xfrm>
+          <a:prstGeom prst="rect">
+            <a:avLst/>
+          </a:prstGeom>
+          <a:solidFill>
+            <a:srgbClr val="00B050"/>
+          </a:solidFill>
+        </p:spPr>
+        <p:txBody>
+          <a:bodyPr wrap="square" rtlCol="0">
+            <a:spAutoFit/>
+          </a:bodyPr>
+          <a:lstStyle/>
+          <a:p>
+            <a:r>
+              <a:rPr lang="en-US" altLang="zh-CN" dirty="0" smtClean="0"/>
+              <a:t>1</a:t>
+            </a:r>
+            <a:endParaRPr lang="zh-CN" altLang="en-US" dirty="0"/>
+          </a:p>
+        </p:txBody>
+      </p:sp>
+      <p:sp>
+        <p:nvSpPr>
+          <p:cNvPr id="39" name="文本框 38"/>
+          <p:cNvSpPr txBox="1"/>
+          <p:nvPr/>
+        </p:nvSpPr>
+        <p:spPr>
+          <a:xfrm>
+            <a:off x="3747413" y="3769785"/>
+            <a:ext cx="288034" cy="369332"/>
+          </a:xfrm>
+          <a:prstGeom prst="rect">
+            <a:avLst/>
+          </a:prstGeom>
+          <a:solidFill>
+            <a:srgbClr val="00B050"/>
+          </a:solidFill>
+        </p:spPr>
+        <p:txBody>
+          <a:bodyPr wrap="square" rtlCol="0">
+            <a:spAutoFit/>
+          </a:bodyPr>
+          <a:lstStyle/>
+          <a:p>
+            <a:r>
+              <a:rPr lang="en-US" altLang="zh-CN" dirty="0" smtClean="0"/>
+              <a:t>1</a:t>
+            </a:r>
+            <a:endParaRPr lang="zh-CN" altLang="en-US" dirty="0"/>
+          </a:p>
+        </p:txBody>
+      </p:sp>
+      <p:sp>
+        <p:nvSpPr>
+          <p:cNvPr id="41" name="文本框 9"/>
+          <p:cNvSpPr txBox="1"/>
+          <p:nvPr/>
+        </p:nvSpPr>
+        <p:spPr>
+          <a:xfrm>
+            <a:off x="3143931" y="3769785"/>
+            <a:ext cx="288034" cy="369332"/>
+          </a:xfrm>
+          <a:prstGeom prst="rect">
+            <a:avLst/>
+          </a:prstGeom>
+          <a:solidFill>
+            <a:srgbClr val="00B050"/>
+          </a:solidFill>
+        </p:spPr>
+        <p:txBody>
+          <a:bodyPr wrap="square" rtlCol="0">
+            <a:spAutoFit/>
+          </a:bodyPr>
+          <a:lstStyle>
+            <a:defPPr>
+              <a:defRPr lang="zh-CN"/>
+            </a:defPPr>
+            <a:lvl1pPr marL="0" algn="l" defTabSz="914400" rtl="0" eaLnBrk="1" latinLnBrk="0" hangingPunct="1">
+              <a:defRPr sz="1800" kern="1200">
+                <a:solidFill>
+                  <a:schemeClr val="tx1"/>
+                </a:solidFill>
+                <a:latin typeface="+mn-lt"/>
+                <a:ea typeface="+mn-ea"/>
+                <a:cs typeface="+mn-cs"/>
+              </a:defRPr>
+            </a:lvl1pPr>
+            <a:lvl2pPr marL="457200" algn="l" defTabSz="914400" rtl="0" eaLnBrk="1" latinLnBrk="0" hangingPunct="1">
+              <a:defRPr sz="1800" kern="1200">
+                <a:solidFill>
+                  <a:schemeClr val="tx1"/>
+                </a:solidFill>
+                <a:latin typeface="+mn-lt"/>
+                <a:ea typeface="+mn-ea"/>
+                <a:cs typeface="+mn-cs"/>
+              </a:defRPr>
+            </a:lvl2pPr>
+            <a:lvl3pPr marL="914400" algn="l" defTabSz="914400" rtl="0" eaLnBrk="1" latinLnBrk="0" hangingPunct="1">
+              <a:defRPr sz="1800" kern="1200">
+                <a:solidFill>
+                  <a:schemeClr val="tx1"/>
+                </a:solidFill>
+                <a:latin typeface="+mn-lt"/>
+                <a:ea typeface="+mn-ea"/>
+                <a:cs typeface="+mn-cs"/>
+              </a:defRPr>
+            </a:lvl3pPr>
+            <a:lvl4pPr marL="1371600" algn="l" defTabSz="914400" rtl="0" eaLnBrk="1" latinLnBrk="0" hangingPunct="1">
+              <a:defRPr sz="1800" kern="1200">
+                <a:solidFill>
+                  <a:schemeClr val="tx1"/>
+                </a:solidFill>
+                <a:latin typeface="+mn-lt"/>
+                <a:ea typeface="+mn-ea"/>
+                <a:cs typeface="+mn-cs"/>
+              </a:defRPr>
+            </a:lvl4pPr>
+            <a:lvl5pPr marL="1828800" algn="l" defTabSz="914400" rtl="0" eaLnBrk="1" latinLnBrk="0" hangingPunct="1">
+              <a:defRPr sz="1800" kern="1200">
+                <a:solidFill>
+                  <a:schemeClr val="tx1"/>
+                </a:solidFill>
+                <a:latin typeface="+mn-lt"/>
+                <a:ea typeface="+mn-ea"/>
+                <a:cs typeface="+mn-cs"/>
+              </a:defRPr>
+            </a:lvl5pPr>
+            <a:lvl6pPr marL="2286000" algn="l" defTabSz="914400" rtl="0" eaLnBrk="1" latinLnBrk="0" hangingPunct="1">
+              <a:defRPr sz="1800" kern="1200">
+                <a:solidFill>
+                  <a:schemeClr val="tx1"/>
+                </a:solidFill>
+                <a:latin typeface="+mn-lt"/>
+                <a:ea typeface="+mn-ea"/>
+                <a:cs typeface="+mn-cs"/>
+              </a:defRPr>
+            </a:lvl6pPr>
+            <a:lvl7pPr marL="2743200" algn="l" defTabSz="914400" rtl="0" eaLnBrk="1" latinLnBrk="0" hangingPunct="1">
+              <a:defRPr sz="1800" kern="1200">
+                <a:solidFill>
+                  <a:schemeClr val="tx1"/>
+                </a:solidFill>
+                <a:latin typeface="+mn-lt"/>
+                <a:ea typeface="+mn-ea"/>
+                <a:cs typeface="+mn-cs"/>
+              </a:defRPr>
+            </a:lvl7pPr>
+            <a:lvl8pPr marL="3200400" algn="l" defTabSz="914400" rtl="0" eaLnBrk="1" latinLnBrk="0" hangingPunct="1">
+              <a:defRPr sz="1800" kern="1200">
+                <a:solidFill>
+                  <a:schemeClr val="tx1"/>
+                </a:solidFill>
+                <a:latin typeface="+mn-lt"/>
+                <a:ea typeface="+mn-ea"/>
+                <a:cs typeface="+mn-cs"/>
+              </a:defRPr>
+            </a:lvl8pPr>
+            <a:lvl9pPr marL="3657600" algn="l" defTabSz="914400" rtl="0" eaLnBrk="1" latinLnBrk="0" hangingPunct="1">
+              <a:defRPr sz="1800" kern="1200">
+                <a:solidFill>
+                  <a:schemeClr val="tx1"/>
+                </a:solidFill>
+                <a:latin typeface="+mn-lt"/>
+                <a:ea typeface="+mn-ea"/>
+                <a:cs typeface="+mn-cs"/>
+              </a:defRPr>
+            </a:lvl9pPr>
+          </a:lstStyle>
+          <a:p>
+            <a:r>
+              <a:rPr lang="en-US" altLang="zh-CN" dirty="0" smtClean="0"/>
+              <a:t>2</a:t>
+            </a:r>
+            <a:endParaRPr lang="zh-CN" altLang="en-US" dirty="0"/>
+          </a:p>
+        </p:txBody>
+      </p:sp>
+      <p:sp>
+        <p:nvSpPr>
+          <p:cNvPr id="42" name="文本框 9"/>
+          <p:cNvSpPr txBox="1"/>
+          <p:nvPr/>
+        </p:nvSpPr>
+        <p:spPr>
+          <a:xfrm>
+            <a:off x="5148063" y="3941020"/>
+            <a:ext cx="288034" cy="369332"/>
+          </a:xfrm>
+          <a:prstGeom prst="rect">
+            <a:avLst/>
+          </a:prstGeom>
+          <a:solidFill>
+            <a:srgbClr val="00B050"/>
+          </a:solidFill>
+        </p:spPr>
+        <p:txBody>
+          <a:bodyPr wrap="square" rtlCol="0">
+            <a:spAutoFit/>
+          </a:bodyPr>
+          <a:lstStyle>
+            <a:defPPr>
+              <a:defRPr lang="zh-CN"/>
+            </a:defPPr>
+            <a:lvl1pPr marL="0" algn="l" defTabSz="914400" rtl="0" eaLnBrk="1" latinLnBrk="0" hangingPunct="1">
+              <a:defRPr sz="1800" kern="1200">
+                <a:solidFill>
+                  <a:schemeClr val="tx1"/>
+                </a:solidFill>
+                <a:latin typeface="+mn-lt"/>
+                <a:ea typeface="+mn-ea"/>
+                <a:cs typeface="+mn-cs"/>
+              </a:defRPr>
+            </a:lvl1pPr>
+            <a:lvl2pPr marL="457200" algn="l" defTabSz="914400" rtl="0" eaLnBrk="1" latinLnBrk="0" hangingPunct="1">
+              <a:defRPr sz="1800" kern="1200">
+                <a:solidFill>
+                  <a:schemeClr val="tx1"/>
+                </a:solidFill>
+                <a:latin typeface="+mn-lt"/>
+                <a:ea typeface="+mn-ea"/>
+                <a:cs typeface="+mn-cs"/>
+              </a:defRPr>
+            </a:lvl2pPr>
+            <a:lvl3pPr marL="914400" algn="l" defTabSz="914400" rtl="0" eaLnBrk="1" latinLnBrk="0" hangingPunct="1">
+              <a:defRPr sz="1800" kern="1200">
+                <a:solidFill>
+                  <a:schemeClr val="tx1"/>
+                </a:solidFill>
+                <a:latin typeface="+mn-lt"/>
+                <a:ea typeface="+mn-ea"/>
+                <a:cs typeface="+mn-cs"/>
+              </a:defRPr>
+            </a:lvl3pPr>
+            <a:lvl4pPr marL="1371600" algn="l" defTabSz="914400" rtl="0" eaLnBrk="1" latinLnBrk="0" hangingPunct="1">
+              <a:defRPr sz="1800" kern="1200">
+                <a:solidFill>
+                  <a:schemeClr val="tx1"/>
+                </a:solidFill>
+                <a:latin typeface="+mn-lt"/>
+                <a:ea typeface="+mn-ea"/>
+                <a:cs typeface="+mn-cs"/>
+              </a:defRPr>
+            </a:lvl4pPr>
+            <a:lvl5pPr marL="1828800" algn="l" defTabSz="914400" rtl="0" eaLnBrk="1" latinLnBrk="0" hangingPunct="1">
+              <a:defRPr sz="1800" kern="1200">
+                <a:solidFill>
+                  <a:schemeClr val="tx1"/>
+                </a:solidFill>
+                <a:latin typeface="+mn-lt"/>
+                <a:ea typeface="+mn-ea"/>
+                <a:cs typeface="+mn-cs"/>
+              </a:defRPr>
+            </a:lvl5pPr>
+            <a:lvl6pPr marL="2286000" algn="l" defTabSz="914400" rtl="0" eaLnBrk="1" latinLnBrk="0" hangingPunct="1">
+              <a:defRPr sz="1800" kern="1200">
+                <a:solidFill>
+                  <a:schemeClr val="tx1"/>
+                </a:solidFill>
+                <a:latin typeface="+mn-lt"/>
+                <a:ea typeface="+mn-ea"/>
+                <a:cs typeface="+mn-cs"/>
+              </a:defRPr>
+            </a:lvl6pPr>
+            <a:lvl7pPr marL="2743200" algn="l" defTabSz="914400" rtl="0" eaLnBrk="1" latinLnBrk="0" hangingPunct="1">
+              <a:defRPr sz="1800" kern="1200">
+                <a:solidFill>
+                  <a:schemeClr val="tx1"/>
+                </a:solidFill>
+                <a:latin typeface="+mn-lt"/>
+                <a:ea typeface="+mn-ea"/>
+                <a:cs typeface="+mn-cs"/>
+              </a:defRPr>
+            </a:lvl7pPr>
+            <a:lvl8pPr marL="3200400" algn="l" defTabSz="914400" rtl="0" eaLnBrk="1" latinLnBrk="0" hangingPunct="1">
+              <a:defRPr sz="1800" kern="1200">
+                <a:solidFill>
+                  <a:schemeClr val="tx1"/>
+                </a:solidFill>
+                <a:latin typeface="+mn-lt"/>
+                <a:ea typeface="+mn-ea"/>
+                <a:cs typeface="+mn-cs"/>
+              </a:defRPr>
+            </a:lvl8pPr>
+            <a:lvl9pPr marL="3657600" algn="l" defTabSz="914400" rtl="0" eaLnBrk="1" latinLnBrk="0" hangingPunct="1">
+              <a:defRPr sz="1800" kern="1200">
+                <a:solidFill>
+                  <a:schemeClr val="tx1"/>
+                </a:solidFill>
+                <a:latin typeface="+mn-lt"/>
+                <a:ea typeface="+mn-ea"/>
+                <a:cs typeface="+mn-cs"/>
+              </a:defRPr>
+            </a:lvl9pPr>
+          </a:lstStyle>
+          <a:p>
+            <a:r>
+              <a:rPr lang="en-US" altLang="zh-CN" dirty="0" smtClean="0"/>
+              <a:t>1</a:t>
+            </a:r>
+            <a:endParaRPr lang="zh-CN" altLang="en-US" dirty="0"/>
+          </a:p>
+        </p:txBody>
+      </p:sp>
+      <p:sp>
+        <p:nvSpPr>
+          <p:cNvPr id="43" name="文本框 9"/>
+          <p:cNvSpPr txBox="1"/>
+          <p:nvPr/>
+        </p:nvSpPr>
+        <p:spPr>
+          <a:xfrm>
+            <a:off x="7359115" y="3147420"/>
+            <a:ext cx="288034" cy="369332"/>
+          </a:xfrm>
+          <a:prstGeom prst="rect">
+            <a:avLst/>
+          </a:prstGeom>
+          <a:solidFill>
+            <a:srgbClr val="00B050"/>
+          </a:solidFill>
+        </p:spPr>
+        <p:txBody>
+          <a:bodyPr wrap="square" rtlCol="0">
+            <a:spAutoFit/>
+          </a:bodyPr>
+          <a:lstStyle>
+            <a:defPPr>
+              <a:defRPr lang="zh-CN"/>
+            </a:defPPr>
+            <a:lvl1pPr marL="0" algn="l" defTabSz="914400" rtl="0" eaLnBrk="1" latinLnBrk="0" hangingPunct="1">
+              <a:defRPr sz="1800" kern="1200">
+                <a:solidFill>
+                  <a:schemeClr val="tx1"/>
+                </a:solidFill>
+                <a:latin typeface="+mn-lt"/>
+                <a:ea typeface="+mn-ea"/>
+                <a:cs typeface="+mn-cs"/>
+              </a:defRPr>
+            </a:lvl1pPr>
+            <a:lvl2pPr marL="457200" algn="l" defTabSz="914400" rtl="0" eaLnBrk="1" latinLnBrk="0" hangingPunct="1">
+              <a:defRPr sz="1800" kern="1200">
+                <a:solidFill>
+                  <a:schemeClr val="tx1"/>
+                </a:solidFill>
+                <a:latin typeface="+mn-lt"/>
+                <a:ea typeface="+mn-ea"/>
+                <a:cs typeface="+mn-cs"/>
+              </a:defRPr>
+            </a:lvl2pPr>
+            <a:lvl3pPr marL="914400" algn="l" defTabSz="914400" rtl="0" eaLnBrk="1" latinLnBrk="0" hangingPunct="1">
+              <a:defRPr sz="1800" kern="1200">
+                <a:solidFill>
+                  <a:schemeClr val="tx1"/>
+                </a:solidFill>
+                <a:latin typeface="+mn-lt"/>
+                <a:ea typeface="+mn-ea"/>
+                <a:cs typeface="+mn-cs"/>
+              </a:defRPr>
+            </a:lvl3pPr>
+            <a:lvl4pPr marL="1371600" algn="l" defTabSz="914400" rtl="0" eaLnBrk="1" latinLnBrk="0" hangingPunct="1">
+              <a:defRPr sz="1800" kern="1200">
+                <a:solidFill>
+                  <a:schemeClr val="tx1"/>
+                </a:solidFill>
+                <a:latin typeface="+mn-lt"/>
+                <a:ea typeface="+mn-ea"/>
+                <a:cs typeface="+mn-cs"/>
+              </a:defRPr>
+            </a:lvl4pPr>
+            <a:lvl5pPr marL="1828800" algn="l" defTabSz="914400" rtl="0" eaLnBrk="1" latinLnBrk="0" hangingPunct="1">
+              <a:defRPr sz="1800" kern="1200">
+                <a:solidFill>
+                  <a:schemeClr val="tx1"/>
+                </a:solidFill>
+                <a:latin typeface="+mn-lt"/>
+                <a:ea typeface="+mn-ea"/>
+                <a:cs typeface="+mn-cs"/>
+              </a:defRPr>
+            </a:lvl5pPr>
+            <a:lvl6pPr marL="2286000" algn="l" defTabSz="914400" rtl="0" eaLnBrk="1" latinLnBrk="0" hangingPunct="1">
+              <a:defRPr sz="1800" kern="1200">
+                <a:solidFill>
+                  <a:schemeClr val="tx1"/>
+                </a:solidFill>
+                <a:latin typeface="+mn-lt"/>
+                <a:ea typeface="+mn-ea"/>
+                <a:cs typeface="+mn-cs"/>
+              </a:defRPr>
+            </a:lvl6pPr>
+            <a:lvl7pPr marL="2743200" algn="l" defTabSz="914400" rtl="0" eaLnBrk="1" latinLnBrk="0" hangingPunct="1">
+              <a:defRPr sz="1800" kern="1200">
+                <a:solidFill>
+                  <a:schemeClr val="tx1"/>
+                </a:solidFill>
+                <a:latin typeface="+mn-lt"/>
+                <a:ea typeface="+mn-ea"/>
+                <a:cs typeface="+mn-cs"/>
+              </a:defRPr>
+            </a:lvl7pPr>
+            <a:lvl8pPr marL="3200400" algn="l" defTabSz="914400" rtl="0" eaLnBrk="1" latinLnBrk="0" hangingPunct="1">
+              <a:defRPr sz="1800" kern="1200">
+                <a:solidFill>
+                  <a:schemeClr val="tx1"/>
+                </a:solidFill>
+                <a:latin typeface="+mn-lt"/>
+                <a:ea typeface="+mn-ea"/>
+                <a:cs typeface="+mn-cs"/>
+              </a:defRPr>
+            </a:lvl8pPr>
+            <a:lvl9pPr marL="3657600" algn="l" defTabSz="914400" rtl="0" eaLnBrk="1" latinLnBrk="0" hangingPunct="1">
+              <a:defRPr sz="1800" kern="1200">
+                <a:solidFill>
+                  <a:schemeClr val="tx1"/>
+                </a:solidFill>
+                <a:latin typeface="+mn-lt"/>
+                <a:ea typeface="+mn-ea"/>
+                <a:cs typeface="+mn-cs"/>
+              </a:defRPr>
+            </a:lvl9pPr>
+          </a:lstStyle>
+          <a:p>
+            <a:r>
+              <a:rPr lang="en-US" altLang="zh-CN" dirty="0" smtClean="0"/>
+              <a:t>2</a:t>
+            </a:r>
+            <a:endParaRPr lang="zh-CN" altLang="en-US" dirty="0"/>
+          </a:p>
+        </p:txBody>
+      </p:sp>
+      <p:sp>
+        <p:nvSpPr>
+          <p:cNvPr id="44" name="文本框 9"/>
+          <p:cNvSpPr txBox="1"/>
+          <p:nvPr/>
+        </p:nvSpPr>
+        <p:spPr>
+          <a:xfrm>
+            <a:off x="2765931" y="1488772"/>
+            <a:ext cx="288034" cy="369332"/>
+          </a:xfrm>
+          <a:prstGeom prst="rect">
+            <a:avLst/>
+          </a:prstGeom>
+          <a:solidFill>
+            <a:srgbClr val="00B050"/>
+          </a:solidFill>
+        </p:spPr>
+        <p:txBody>
+          <a:bodyPr wrap="square" rtlCol="0">
+            <a:spAutoFit/>
+          </a:bodyPr>
+          <a:lstStyle>
+            <a:defPPr>
+              <a:defRPr lang="zh-CN"/>
+            </a:defPPr>
+            <a:lvl1pPr marL="0" algn="l" defTabSz="914400" rtl="0" eaLnBrk="1" latinLnBrk="0" hangingPunct="1">
+              <a:defRPr sz="1800" kern="1200">
+                <a:solidFill>
+                  <a:schemeClr val="tx1"/>
+                </a:solidFill>
+                <a:latin typeface="+mn-lt"/>
+                <a:ea typeface="+mn-ea"/>
+                <a:cs typeface="+mn-cs"/>
+              </a:defRPr>
+            </a:lvl1pPr>
+            <a:lvl2pPr marL="457200" algn="l" defTabSz="914400" rtl="0" eaLnBrk="1" latinLnBrk="0" hangingPunct="1">
+              <a:defRPr sz="1800" kern="1200">
+                <a:solidFill>
+                  <a:schemeClr val="tx1"/>
+                </a:solidFill>
+                <a:latin typeface="+mn-lt"/>
+                <a:ea typeface="+mn-ea"/>
+                <a:cs typeface="+mn-cs"/>
+              </a:defRPr>
+            </a:lvl2pPr>
+            <a:lvl3pPr marL="914400" algn="l" defTabSz="914400" rtl="0" eaLnBrk="1" latinLnBrk="0" hangingPunct="1">
+              <a:defRPr sz="1800" kern="1200">
+                <a:solidFill>
+                  <a:schemeClr val="tx1"/>
+                </a:solidFill>
+                <a:latin typeface="+mn-lt"/>
+                <a:ea typeface="+mn-ea"/>
+                <a:cs typeface="+mn-cs"/>
+              </a:defRPr>
+            </a:lvl3pPr>
+            <a:lvl4pPr marL="1371600" algn="l" defTabSz="914400" rtl="0" eaLnBrk="1" latinLnBrk="0" hangingPunct="1">
+              <a:defRPr sz="1800" kern="1200">
+                <a:solidFill>
+                  <a:schemeClr val="tx1"/>
+                </a:solidFill>
+                <a:latin typeface="+mn-lt"/>
+                <a:ea typeface="+mn-ea"/>
+                <a:cs typeface="+mn-cs"/>
+              </a:defRPr>
+            </a:lvl4pPr>
+            <a:lvl5pPr marL="1828800" algn="l" defTabSz="914400" rtl="0" eaLnBrk="1" latinLnBrk="0" hangingPunct="1">
+              <a:defRPr sz="1800" kern="1200">
+                <a:solidFill>
+                  <a:schemeClr val="tx1"/>
+                </a:solidFill>
+                <a:latin typeface="+mn-lt"/>
+                <a:ea typeface="+mn-ea"/>
+                <a:cs typeface="+mn-cs"/>
+              </a:defRPr>
+            </a:lvl5pPr>
+            <a:lvl6pPr marL="2286000" algn="l" defTabSz="914400" rtl="0" eaLnBrk="1" latinLnBrk="0" hangingPunct="1">
+              <a:defRPr sz="1800" kern="1200">
+                <a:solidFill>
+                  <a:schemeClr val="tx1"/>
+                </a:solidFill>
+                <a:latin typeface="+mn-lt"/>
+                <a:ea typeface="+mn-ea"/>
+                <a:cs typeface="+mn-cs"/>
+              </a:defRPr>
+            </a:lvl6pPr>
+            <a:lvl7pPr marL="2743200" algn="l" defTabSz="914400" rtl="0" eaLnBrk="1" latinLnBrk="0" hangingPunct="1">
+              <a:defRPr sz="1800" kern="1200">
+                <a:solidFill>
+                  <a:schemeClr val="tx1"/>
+                </a:solidFill>
+                <a:latin typeface="+mn-lt"/>
+                <a:ea typeface="+mn-ea"/>
+                <a:cs typeface="+mn-cs"/>
+              </a:defRPr>
+            </a:lvl7pPr>
+            <a:lvl8pPr marL="3200400" algn="l" defTabSz="914400" rtl="0" eaLnBrk="1" latinLnBrk="0" hangingPunct="1">
+              <a:defRPr sz="1800" kern="1200">
+                <a:solidFill>
+                  <a:schemeClr val="tx1"/>
+                </a:solidFill>
+                <a:latin typeface="+mn-lt"/>
+                <a:ea typeface="+mn-ea"/>
+                <a:cs typeface="+mn-cs"/>
+              </a:defRPr>
+            </a:lvl8pPr>
+            <a:lvl9pPr marL="3657600" algn="l" defTabSz="914400" rtl="0" eaLnBrk="1" latinLnBrk="0" hangingPunct="1">
+              <a:defRPr sz="1800" kern="1200">
+                <a:solidFill>
+                  <a:schemeClr val="tx1"/>
+                </a:solidFill>
+                <a:latin typeface="+mn-lt"/>
+                <a:ea typeface="+mn-ea"/>
+                <a:cs typeface="+mn-cs"/>
+              </a:defRPr>
+            </a:lvl9pPr>
+          </a:lstStyle>
+          <a:p>
+            <a:r>
+              <a:rPr lang="en-US" altLang="zh-CN" dirty="0" smtClean="0"/>
+              <a:t>2</a:t>
+            </a:r>
+            <a:endParaRPr lang="zh-CN" altLang="en-US" dirty="0"/>
+          </a:p>
+        </p:txBody>
+      </p:sp>
+      <p:sp>
+        <p:nvSpPr>
+          <p:cNvPr id="45" name="文本框 9"/>
+          <p:cNvSpPr txBox="1"/>
+          <p:nvPr/>
+        </p:nvSpPr>
+        <p:spPr>
+          <a:xfrm>
+            <a:off x="6957625" y="1709656"/>
+            <a:ext cx="288034" cy="369332"/>
+          </a:xfrm>
+          <a:prstGeom prst="rect">
+            <a:avLst/>
+          </a:prstGeom>
+          <a:solidFill>
+            <a:srgbClr val="00B050"/>
+          </a:solidFill>
+        </p:spPr>
+        <p:txBody>
+          <a:bodyPr wrap="square" rtlCol="0">
+            <a:spAutoFit/>
+          </a:bodyPr>
+          <a:lstStyle>
+            <a:defPPr>
+              <a:defRPr lang="zh-CN"/>
+            </a:defPPr>
+            <a:lvl1pPr marL="0" algn="l" defTabSz="914400" rtl="0" eaLnBrk="1" latinLnBrk="0" hangingPunct="1">
+              <a:defRPr sz="1800" kern="1200">
+                <a:solidFill>
+                  <a:schemeClr val="tx1"/>
+                </a:solidFill>
+                <a:latin typeface="+mn-lt"/>
+                <a:ea typeface="+mn-ea"/>
+                <a:cs typeface="+mn-cs"/>
+              </a:defRPr>
+            </a:lvl1pPr>
+            <a:lvl2pPr marL="457200" algn="l" defTabSz="914400" rtl="0" eaLnBrk="1" latinLnBrk="0" hangingPunct="1">
+              <a:defRPr sz="1800" kern="1200">
+                <a:solidFill>
+                  <a:schemeClr val="tx1"/>
+                </a:solidFill>
+                <a:latin typeface="+mn-lt"/>
+                <a:ea typeface="+mn-ea"/>
+                <a:cs typeface="+mn-cs"/>
+              </a:defRPr>
+            </a:lvl2pPr>
+            <a:lvl3pPr marL="914400" algn="l" defTabSz="914400" rtl="0" eaLnBrk="1" latinLnBrk="0" hangingPunct="1">
+              <a:defRPr sz="1800" kern="1200">
+                <a:solidFill>
+                  <a:schemeClr val="tx1"/>
+                </a:solidFill>
+                <a:latin typeface="+mn-lt"/>
+                <a:ea typeface="+mn-ea"/>
+                <a:cs typeface="+mn-cs"/>
+              </a:defRPr>
+            </a:lvl3pPr>
+            <a:lvl4pPr marL="1371600" algn="l" defTabSz="914400" rtl="0" eaLnBrk="1" latinLnBrk="0" hangingPunct="1">
+              <a:defRPr sz="1800" kern="1200">
+                <a:solidFill>
+                  <a:schemeClr val="tx1"/>
+                </a:solidFill>
+                <a:latin typeface="+mn-lt"/>
+                <a:ea typeface="+mn-ea"/>
+                <a:cs typeface="+mn-cs"/>
+              </a:defRPr>
+            </a:lvl4pPr>
+            <a:lvl5pPr marL="1828800" algn="l" defTabSz="914400" rtl="0" eaLnBrk="1" latinLnBrk="0" hangingPunct="1">
+              <a:defRPr sz="1800" kern="1200">
+                <a:solidFill>
+                  <a:schemeClr val="tx1"/>
+                </a:solidFill>
+                <a:latin typeface="+mn-lt"/>
+                <a:ea typeface="+mn-ea"/>
+                <a:cs typeface="+mn-cs"/>
+              </a:defRPr>
+            </a:lvl5pPr>
+            <a:lvl6pPr marL="2286000" algn="l" defTabSz="914400" rtl="0" eaLnBrk="1" latinLnBrk="0" hangingPunct="1">
+              <a:defRPr sz="1800" kern="1200">
+                <a:solidFill>
+                  <a:schemeClr val="tx1"/>
+                </a:solidFill>
+                <a:latin typeface="+mn-lt"/>
+                <a:ea typeface="+mn-ea"/>
+                <a:cs typeface="+mn-cs"/>
+              </a:defRPr>
+            </a:lvl6pPr>
+            <a:lvl7pPr marL="2743200" algn="l" defTabSz="914400" rtl="0" eaLnBrk="1" latinLnBrk="0" hangingPunct="1">
+              <a:defRPr sz="1800" kern="1200">
+                <a:solidFill>
+                  <a:schemeClr val="tx1"/>
+                </a:solidFill>
+                <a:latin typeface="+mn-lt"/>
+                <a:ea typeface="+mn-ea"/>
+                <a:cs typeface="+mn-cs"/>
+              </a:defRPr>
+            </a:lvl7pPr>
+            <a:lvl8pPr marL="3200400" algn="l" defTabSz="914400" rtl="0" eaLnBrk="1" latinLnBrk="0" hangingPunct="1">
+              <a:defRPr sz="1800" kern="1200">
+                <a:solidFill>
+                  <a:schemeClr val="tx1"/>
+                </a:solidFill>
+                <a:latin typeface="+mn-lt"/>
+                <a:ea typeface="+mn-ea"/>
+                <a:cs typeface="+mn-cs"/>
+              </a:defRPr>
+            </a:lvl8pPr>
+            <a:lvl9pPr marL="3657600" algn="l" defTabSz="914400" rtl="0" eaLnBrk="1" latinLnBrk="0" hangingPunct="1">
+              <a:defRPr sz="1800" kern="1200">
+                <a:solidFill>
+                  <a:schemeClr val="tx1"/>
+                </a:solidFill>
+                <a:latin typeface="+mn-lt"/>
+                <a:ea typeface="+mn-ea"/>
+                <a:cs typeface="+mn-cs"/>
+              </a:defRPr>
+            </a:lvl9pPr>
+          </a:lstStyle>
+          <a:p>
+            <a:r>
+              <a:rPr lang="en-US" altLang="zh-CN" dirty="0" smtClean="0"/>
+              <a:t>2</a:t>
             </a:r>
             <a:endParaRPr lang="zh-CN" altLang="en-US" dirty="0"/>
           </a:p>
@@ -5063,6 +5785,8198 @@
   <p:clrMapOvr>
     <a:masterClrMapping/>
   </p:clrMapOvr>
+  <p:timing>
+    <p:tnLst>
+      <p:par>
+        <p:cTn id="1" dur="indefinite" restart="never" nodeType="tmRoot">
+          <p:childTnLst>
+            <p:seq concurrent="1" nextAc="seek">
+              <p:cTn id="2" dur="indefinite" nodeType="mainSeq">
+                <p:childTnLst>
+                  <p:par>
+                    <p:cTn id="3" fill="hold">
+                      <p:stCondLst>
+                        <p:cond delay="indefinite"/>
+                      </p:stCondLst>
+                      <p:childTnLst>
+                        <p:par>
+                          <p:cTn id="4" fill="hold">
+                            <p:stCondLst>
+                              <p:cond delay="0"/>
+                            </p:stCondLst>
+                            <p:childTnLst>
+                              <p:par>
+                                <p:cTn id="5" presetID="1" presetClass="entr" presetSubtype="0" fill="hold" grpId="0" nodeType="clickEffect">
+                                  <p:stCondLst>
+                                    <p:cond delay="0"/>
+                                  </p:stCondLst>
+                                  <p:childTnLst>
+                                    <p:set>
+                                      <p:cBhvr>
+                                        <p:cTn id="6" dur="1" fill="hold">
+                                          <p:stCondLst>
+                                            <p:cond delay="0"/>
+                                          </p:stCondLst>
+                                        </p:cTn>
+                                        <p:tgtEl>
+                                          <p:spTgt spid="10"/>
+                                        </p:tgtEl>
+                                        <p:attrNameLst>
+                                          <p:attrName>style.visibility</p:attrName>
+                                        </p:attrNameLst>
+                                      </p:cBhvr>
+                                      <p:to>
+                                        <p:strVal val="visible"/>
+                                      </p:to>
+                                    </p:set>
+                                  </p:childTnLst>
+                                </p:cTn>
+                              </p:par>
+                              <p:par>
+                                <p:cTn id="7" presetID="1" presetClass="entr" presetSubtype="0" fill="hold" grpId="0" nodeType="withEffect">
+                                  <p:stCondLst>
+                                    <p:cond delay="0"/>
+                                  </p:stCondLst>
+                                  <p:childTnLst>
+                                    <p:set>
+                                      <p:cBhvr>
+                                        <p:cTn id="8" dur="1" fill="hold">
+                                          <p:stCondLst>
+                                            <p:cond delay="0"/>
+                                          </p:stCondLst>
+                                        </p:cTn>
+                                        <p:tgtEl>
+                                          <p:spTgt spid="8"/>
+                                        </p:tgtEl>
+                                        <p:attrNameLst>
+                                          <p:attrName>style.visibility</p:attrName>
+                                        </p:attrNameLst>
+                                      </p:cBhvr>
+                                      <p:to>
+                                        <p:strVal val="visible"/>
+                                      </p:to>
+                                    </p:set>
+                                  </p:childTnLst>
+                                </p:cTn>
+                              </p:par>
+                              <p:par>
+                                <p:cTn id="9" presetID="1" presetClass="entr" presetSubtype="0" fill="hold" grpId="0" nodeType="withEffect">
+                                  <p:stCondLst>
+                                    <p:cond delay="0"/>
+                                  </p:stCondLst>
+                                  <p:childTnLst>
+                                    <p:set>
+                                      <p:cBhvr>
+                                        <p:cTn id="10" dur="1" fill="hold">
+                                          <p:stCondLst>
+                                            <p:cond delay="0"/>
+                                          </p:stCondLst>
+                                        </p:cTn>
+                                        <p:tgtEl>
+                                          <p:spTgt spid="39"/>
+                                        </p:tgtEl>
+                                        <p:attrNameLst>
+                                          <p:attrName>style.visibility</p:attrName>
+                                        </p:attrNameLst>
+                                      </p:cBhvr>
+                                      <p:to>
+                                        <p:strVal val="visible"/>
+                                      </p:to>
+                                    </p:set>
+                                  </p:childTnLst>
+                                </p:cTn>
+                              </p:par>
+                              <p:par>
+                                <p:cTn id="11" presetID="1" presetClass="entr" presetSubtype="0" fill="hold" grpId="0" nodeType="withEffect">
+                                  <p:stCondLst>
+                                    <p:cond delay="0"/>
+                                  </p:stCondLst>
+                                  <p:childTnLst>
+                                    <p:set>
+                                      <p:cBhvr>
+                                        <p:cTn id="12" dur="1" fill="hold">
+                                          <p:stCondLst>
+                                            <p:cond delay="0"/>
+                                          </p:stCondLst>
+                                        </p:cTn>
+                                        <p:tgtEl>
+                                          <p:spTgt spid="38"/>
+                                        </p:tgtEl>
+                                        <p:attrNameLst>
+                                          <p:attrName>style.visibility</p:attrName>
+                                        </p:attrNameLst>
+                                      </p:cBhvr>
+                                      <p:to>
+                                        <p:strVal val="visible"/>
+                                      </p:to>
+                                    </p:set>
+                                  </p:childTnLst>
+                                </p:cTn>
+                              </p:par>
+                            </p:childTnLst>
+                          </p:cTn>
+                        </p:par>
+                      </p:childTnLst>
+                    </p:cTn>
+                  </p:par>
+                  <p:par>
+                    <p:cTn id="13" fill="hold">
+                      <p:stCondLst>
+                        <p:cond delay="indefinite"/>
+                      </p:stCondLst>
+                      <p:childTnLst>
+                        <p:par>
+                          <p:cTn id="14" fill="hold">
+                            <p:stCondLst>
+                              <p:cond delay="0"/>
+                            </p:stCondLst>
+                            <p:childTnLst>
+                              <p:par>
+                                <p:cTn id="15" presetID="1" presetClass="entr" presetSubtype="0" fill="hold" grpId="0" nodeType="clickEffect">
+                                  <p:stCondLst>
+                                    <p:cond delay="0"/>
+                                  </p:stCondLst>
+                                  <p:childTnLst>
+                                    <p:set>
+                                      <p:cBhvr>
+                                        <p:cTn id="16" dur="1" fill="hold">
+                                          <p:stCondLst>
+                                            <p:cond delay="0"/>
+                                          </p:stCondLst>
+                                        </p:cTn>
+                                        <p:tgtEl>
+                                          <p:spTgt spid="41"/>
+                                        </p:tgtEl>
+                                        <p:attrNameLst>
+                                          <p:attrName>style.visibility</p:attrName>
+                                        </p:attrNameLst>
+                                      </p:cBhvr>
+                                      <p:to>
+                                        <p:strVal val="visible"/>
+                                      </p:to>
+                                    </p:set>
+                                  </p:childTnLst>
+                                </p:cTn>
+                              </p:par>
+                              <p:par>
+                                <p:cTn id="17" presetID="1" presetClass="entr" presetSubtype="0" fill="hold" nodeType="withEffect">
+                                  <p:stCondLst>
+                                    <p:cond delay="0"/>
+                                  </p:stCondLst>
+                                  <p:childTnLst>
+                                    <p:set>
+                                      <p:cBhvr>
+                                        <p:cTn id="18" dur="1" fill="hold">
+                                          <p:stCondLst>
+                                            <p:cond delay="0"/>
+                                          </p:stCondLst>
+                                        </p:cTn>
+                                        <p:tgtEl>
+                                          <p:spTgt spid="33"/>
+                                        </p:tgtEl>
+                                        <p:attrNameLst>
+                                          <p:attrName>style.visibility</p:attrName>
+                                        </p:attrNameLst>
+                                      </p:cBhvr>
+                                      <p:to>
+                                        <p:strVal val="visible"/>
+                                      </p:to>
+                                    </p:set>
+                                  </p:childTnLst>
+                                </p:cTn>
+                              </p:par>
+                              <p:par>
+                                <p:cTn id="19" presetID="1" presetClass="entr" presetSubtype="0" fill="hold" grpId="0" nodeType="withEffect">
+                                  <p:stCondLst>
+                                    <p:cond delay="0"/>
+                                  </p:stCondLst>
+                                  <p:childTnLst>
+                                    <p:set>
+                                      <p:cBhvr>
+                                        <p:cTn id="20" dur="1" fill="hold">
+                                          <p:stCondLst>
+                                            <p:cond delay="0"/>
+                                          </p:stCondLst>
+                                        </p:cTn>
+                                        <p:tgtEl>
+                                          <p:spTgt spid="44"/>
+                                        </p:tgtEl>
+                                        <p:attrNameLst>
+                                          <p:attrName>style.visibility</p:attrName>
+                                        </p:attrNameLst>
+                                      </p:cBhvr>
+                                      <p:to>
+                                        <p:strVal val="visible"/>
+                                      </p:to>
+                                    </p:set>
+                                  </p:childTnLst>
+                                </p:cTn>
+                              </p:par>
+                              <p:par>
+                                <p:cTn id="21" presetID="1" presetClass="entr" presetSubtype="0" fill="hold" nodeType="withEffect">
+                                  <p:stCondLst>
+                                    <p:cond delay="0"/>
+                                  </p:stCondLst>
+                                  <p:childTnLst>
+                                    <p:set>
+                                      <p:cBhvr>
+                                        <p:cTn id="22" dur="1" fill="hold">
+                                          <p:stCondLst>
+                                            <p:cond delay="0"/>
+                                          </p:stCondLst>
+                                        </p:cTn>
+                                        <p:tgtEl>
+                                          <p:spTgt spid="25"/>
+                                        </p:tgtEl>
+                                        <p:attrNameLst>
+                                          <p:attrName>style.visibility</p:attrName>
+                                        </p:attrNameLst>
+                                      </p:cBhvr>
+                                      <p:to>
+                                        <p:strVal val="visible"/>
+                                      </p:to>
+                                    </p:set>
+                                  </p:childTnLst>
+                                </p:cTn>
+                              </p:par>
+                            </p:childTnLst>
+                          </p:cTn>
+                        </p:par>
+                      </p:childTnLst>
+                    </p:cTn>
+                  </p:par>
+                  <p:par>
+                    <p:cTn id="23" fill="hold">
+                      <p:stCondLst>
+                        <p:cond delay="indefinite"/>
+                      </p:stCondLst>
+                      <p:childTnLst>
+                        <p:par>
+                          <p:cTn id="24" fill="hold">
+                            <p:stCondLst>
+                              <p:cond delay="0"/>
+                            </p:stCondLst>
+                            <p:childTnLst>
+                              <p:par>
+                                <p:cTn id="25" presetID="1" presetClass="entr" presetSubtype="0" fill="hold" grpId="0" nodeType="clickEffect">
+                                  <p:stCondLst>
+                                    <p:cond delay="0"/>
+                                  </p:stCondLst>
+                                  <p:childTnLst>
+                                    <p:set>
+                                      <p:cBhvr>
+                                        <p:cTn id="26" dur="1" fill="hold">
+                                          <p:stCondLst>
+                                            <p:cond delay="0"/>
+                                          </p:stCondLst>
+                                        </p:cTn>
+                                        <p:tgtEl>
+                                          <p:spTgt spid="42"/>
+                                        </p:tgtEl>
+                                        <p:attrNameLst>
+                                          <p:attrName>style.visibility</p:attrName>
+                                        </p:attrNameLst>
+                                      </p:cBhvr>
+                                      <p:to>
+                                        <p:strVal val="visible"/>
+                                      </p:to>
+                                    </p:set>
+                                  </p:childTnLst>
+                                </p:cTn>
+                              </p:par>
+                              <p:par>
+                                <p:cTn id="27" presetID="1" presetClass="entr" presetSubtype="0" fill="hold" grpId="0" nodeType="withEffect">
+                                  <p:stCondLst>
+                                    <p:cond delay="0"/>
+                                  </p:stCondLst>
+                                  <p:childTnLst>
+                                    <p:set>
+                                      <p:cBhvr>
+                                        <p:cTn id="28" dur="1" fill="hold">
+                                          <p:stCondLst>
+                                            <p:cond delay="0"/>
+                                          </p:stCondLst>
+                                        </p:cTn>
+                                        <p:tgtEl>
+                                          <p:spTgt spid="35"/>
+                                        </p:tgtEl>
+                                        <p:attrNameLst>
+                                          <p:attrName>style.visibility</p:attrName>
+                                        </p:attrNameLst>
+                                      </p:cBhvr>
+                                      <p:to>
+                                        <p:strVal val="visible"/>
+                                      </p:to>
+                                    </p:set>
+                                  </p:childTnLst>
+                                </p:cTn>
+                              </p:par>
+                              <p:par>
+                                <p:cTn id="29" presetID="1" presetClass="entr" presetSubtype="0" fill="hold" grpId="0" nodeType="withEffect">
+                                  <p:stCondLst>
+                                    <p:cond delay="0"/>
+                                  </p:stCondLst>
+                                  <p:childTnLst>
+                                    <p:set>
+                                      <p:cBhvr>
+                                        <p:cTn id="30" dur="1" fill="hold">
+                                          <p:stCondLst>
+                                            <p:cond delay="0"/>
+                                          </p:stCondLst>
+                                        </p:cTn>
+                                        <p:tgtEl>
+                                          <p:spTgt spid="21"/>
+                                        </p:tgtEl>
+                                        <p:attrNameLst>
+                                          <p:attrName>style.visibility</p:attrName>
+                                        </p:attrNameLst>
+                                      </p:cBhvr>
+                                      <p:to>
+                                        <p:strVal val="visible"/>
+                                      </p:to>
+                                    </p:set>
+                                  </p:childTnLst>
+                                </p:cTn>
+                              </p:par>
+                            </p:childTnLst>
+                          </p:cTn>
+                        </p:par>
+                      </p:childTnLst>
+                    </p:cTn>
+                  </p:par>
+                  <p:par>
+                    <p:cTn id="31" fill="hold">
+                      <p:stCondLst>
+                        <p:cond delay="indefinite"/>
+                      </p:stCondLst>
+                      <p:childTnLst>
+                        <p:par>
+                          <p:cTn id="32" fill="hold">
+                            <p:stCondLst>
+                              <p:cond delay="0"/>
+                            </p:stCondLst>
+                            <p:childTnLst>
+                              <p:par>
+                                <p:cTn id="33" presetID="1" presetClass="entr" presetSubtype="0" fill="hold" nodeType="clickEffect">
+                                  <p:stCondLst>
+                                    <p:cond delay="0"/>
+                                  </p:stCondLst>
+                                  <p:childTnLst>
+                                    <p:set>
+                                      <p:cBhvr>
+                                        <p:cTn id="34" dur="1" fill="hold">
+                                          <p:stCondLst>
+                                            <p:cond delay="0"/>
+                                          </p:stCondLst>
+                                        </p:cTn>
+                                        <p:tgtEl>
+                                          <p:spTgt spid="32"/>
+                                        </p:tgtEl>
+                                        <p:attrNameLst>
+                                          <p:attrName>style.visibility</p:attrName>
+                                        </p:attrNameLst>
+                                      </p:cBhvr>
+                                      <p:to>
+                                        <p:strVal val="visible"/>
+                                      </p:to>
+                                    </p:set>
+                                  </p:childTnLst>
+                                </p:cTn>
+                              </p:par>
+                              <p:par>
+                                <p:cTn id="35" presetID="1" presetClass="entr" presetSubtype="0" fill="hold" grpId="0" nodeType="withEffect">
+                                  <p:stCondLst>
+                                    <p:cond delay="0"/>
+                                  </p:stCondLst>
+                                  <p:childTnLst>
+                                    <p:set>
+                                      <p:cBhvr>
+                                        <p:cTn id="36" dur="1" fill="hold">
+                                          <p:stCondLst>
+                                            <p:cond delay="0"/>
+                                          </p:stCondLst>
+                                        </p:cTn>
+                                        <p:tgtEl>
+                                          <p:spTgt spid="45"/>
+                                        </p:tgtEl>
+                                        <p:attrNameLst>
+                                          <p:attrName>style.visibility</p:attrName>
+                                        </p:attrNameLst>
+                                      </p:cBhvr>
+                                      <p:to>
+                                        <p:strVal val="visible"/>
+                                      </p:to>
+                                    </p:set>
+                                  </p:childTnLst>
+                                </p:cTn>
+                              </p:par>
+                              <p:par>
+                                <p:cTn id="37" presetID="1" presetClass="entr" presetSubtype="0" fill="hold" grpId="0" nodeType="withEffect">
+                                  <p:stCondLst>
+                                    <p:cond delay="0"/>
+                                  </p:stCondLst>
+                                  <p:childTnLst>
+                                    <p:set>
+                                      <p:cBhvr>
+                                        <p:cTn id="38" dur="1" fill="hold">
+                                          <p:stCondLst>
+                                            <p:cond delay="0"/>
+                                          </p:stCondLst>
+                                        </p:cTn>
+                                        <p:tgtEl>
+                                          <p:spTgt spid="31"/>
+                                        </p:tgtEl>
+                                        <p:attrNameLst>
+                                          <p:attrName>style.visibility</p:attrName>
+                                        </p:attrNameLst>
+                                      </p:cBhvr>
+                                      <p:to>
+                                        <p:strVal val="visible"/>
+                                      </p:to>
+                                    </p:set>
+                                  </p:childTnLst>
+                                </p:cTn>
+                              </p:par>
+                              <p:par>
+                                <p:cTn id="39" presetID="1" presetClass="entr" presetSubtype="0" fill="hold" grpId="0" nodeType="withEffect">
+                                  <p:stCondLst>
+                                    <p:cond delay="0"/>
+                                  </p:stCondLst>
+                                  <p:childTnLst>
+                                    <p:set>
+                                      <p:cBhvr>
+                                        <p:cTn id="40" dur="1" fill="hold">
+                                          <p:stCondLst>
+                                            <p:cond delay="0"/>
+                                          </p:stCondLst>
+                                        </p:cTn>
+                                        <p:tgtEl>
+                                          <p:spTgt spid="43"/>
+                                        </p:tgtEl>
+                                        <p:attrNameLst>
+                                          <p:attrName>style.visibility</p:attrName>
+                                        </p:attrNameLst>
+                                      </p:cBhvr>
+                                      <p:to>
+                                        <p:strVal val="visible"/>
+                                      </p:to>
+                                    </p:set>
+                                  </p:childTnLst>
+                                </p:cTn>
+                              </p:par>
+                            </p:childTnLst>
+                          </p:cTn>
+                        </p:par>
+                      </p:childTnLst>
+                    </p:cTn>
+                  </p:par>
+                </p:childTnLst>
+              </p:cTn>
+              <p:prevCondLst>
+                <p:cond evt="onPrev" delay="0">
+                  <p:tgtEl>
+                    <p:sldTgt/>
+                  </p:tgtEl>
+                </p:cond>
+              </p:prevCondLst>
+              <p:nextCondLst>
+                <p:cond evt="onNext" delay="0">
+                  <p:tgtEl>
+                    <p:sldTgt/>
+                  </p:tgtEl>
+                </p:cond>
+              </p:nextCondLst>
+            </p:seq>
+          </p:childTnLst>
+        </p:cTn>
+      </p:par>
+    </p:tnLst>
+    <p:bldLst>
+      <p:bldP spid="21" grpId="0" animBg="1"/>
+      <p:bldP spid="8" grpId="0" animBg="1"/>
+      <p:bldP spid="31" grpId="0" animBg="1"/>
+      <p:bldP spid="35" grpId="0" animBg="1"/>
+      <p:bldP spid="38" grpId="0" animBg="1"/>
+      <p:bldP spid="10" grpId="0" animBg="1"/>
+      <p:bldP spid="39" grpId="0" animBg="1"/>
+      <p:bldP spid="41" grpId="0" animBg="1"/>
+      <p:bldP spid="42" grpId="0" animBg="1"/>
+      <p:bldP spid="43" grpId="0" animBg="1"/>
+      <p:bldP spid="44" grpId="0" animBg="1"/>
+      <p:bldP spid="45" grpId="0" animBg="1"/>
+    </p:bldLst>
+  </p:timing>
+</p:sld>
+</file>
+
+<file path=ppt/slides/slide4.xml><?xml version="1.0" encoding="utf-8"?>
+<p:sld xmlns:a="http://schemas.openxmlformats.org/drawingml/2006/main" xmlns:r="http://schemas.openxmlformats.org/officeDocument/2006/relationships" xmlns:p="http://schemas.openxmlformats.org/presentationml/2006/main">
+  <p:cSld>
+    <p:spTree>
+      <p:nvGrpSpPr>
+        <p:cNvPr id="1" name=""/>
+        <p:cNvGrpSpPr/>
+        <p:nvPr/>
+      </p:nvGrpSpPr>
+      <p:grpSpPr>
+        <a:xfrm>
+          <a:off x="0" y="0"/>
+          <a:ext cx="0" cy="0"/>
+          <a:chOff x="0" y="0"/>
+          <a:chExt cx="0" cy="0"/>
+        </a:xfrm>
+      </p:grpSpPr>
+      <p:cxnSp>
+        <p:nvCxnSpPr>
+          <p:cNvPr id="60" name="直接箭头连接符 59"/>
+          <p:cNvCxnSpPr/>
+          <p:nvPr/>
+        </p:nvCxnSpPr>
+        <p:spPr>
+          <a:xfrm flipV="1">
+            <a:off x="2560895" y="1628800"/>
+            <a:ext cx="0" cy="1080120"/>
+          </a:xfrm>
+          <a:prstGeom prst="straightConnector1">
+            <a:avLst/>
+          </a:prstGeom>
+          <a:ln w="38100">
+            <a:solidFill>
+              <a:schemeClr val="bg1">
+                <a:lumMod val="75000"/>
+              </a:schemeClr>
+            </a:solidFill>
+            <a:headEnd type="triangle" w="med" len="med"/>
+            <a:tailEnd type="none" w="med" len="med"/>
+          </a:ln>
+        </p:spPr>
+        <p:style>
+          <a:lnRef idx="1">
+            <a:schemeClr val="accent1"/>
+          </a:lnRef>
+          <a:fillRef idx="0">
+            <a:schemeClr val="accent1"/>
+          </a:fillRef>
+          <a:effectRef idx="0">
+            <a:schemeClr val="accent1"/>
+          </a:effectRef>
+          <a:fontRef idx="minor">
+            <a:schemeClr val="tx1"/>
+          </a:fontRef>
+        </p:style>
+      </p:cxnSp>
+      <p:sp>
+        <p:nvSpPr>
+          <p:cNvPr id="2" name="标题 1"/>
+          <p:cNvSpPr>
+            <a:spLocks noGrp="1"/>
+          </p:cNvSpPr>
+          <p:nvPr>
+            <p:ph type="title"/>
+          </p:nvPr>
+        </p:nvSpPr>
+        <p:spPr/>
+        <p:txBody>
+          <a:bodyPr/>
+          <a:lstStyle/>
+          <a:p>
+            <a:r>
+              <a:rPr lang="en-US" altLang="zh-CN" dirty="0" smtClean="0"/>
+              <a:t>Static Data Centers</a:t>
+            </a:r>
+            <a:endParaRPr lang="zh-CN" altLang="en-US" dirty="0"/>
+          </a:p>
+        </p:txBody>
+      </p:sp>
+      <p:sp>
+        <p:nvSpPr>
+          <p:cNvPr id="4" name="圆柱形 3"/>
+          <p:cNvSpPr/>
+          <p:nvPr/>
+        </p:nvSpPr>
+        <p:spPr>
+          <a:xfrm>
+            <a:off x="683568" y="2420888"/>
+            <a:ext cx="1152128" cy="2664296"/>
+          </a:xfrm>
+          <a:prstGeom prst="can">
+            <a:avLst/>
+          </a:prstGeom>
+        </p:spPr>
+        <p:style>
+          <a:lnRef idx="2">
+            <a:schemeClr val="accent1">
+              <a:shade val="50000"/>
+            </a:schemeClr>
+          </a:lnRef>
+          <a:fillRef idx="1">
+            <a:schemeClr val="accent1"/>
+          </a:fillRef>
+          <a:effectRef idx="0">
+            <a:schemeClr val="accent1"/>
+          </a:effectRef>
+          <a:fontRef idx="minor">
+            <a:schemeClr val="lt1"/>
+          </a:fontRef>
+        </p:style>
+        <p:txBody>
+          <a:bodyPr rtlCol="0" anchor="ctr"/>
+          <a:lstStyle/>
+          <a:p>
+            <a:pPr algn="ctr"/>
+            <a:endParaRPr lang="zh-CN" altLang="en-US"/>
+          </a:p>
+        </p:txBody>
+      </p:sp>
+      <p:sp>
+        <p:nvSpPr>
+          <p:cNvPr id="6" name="圆柱形 5"/>
+          <p:cNvSpPr/>
+          <p:nvPr/>
+        </p:nvSpPr>
+        <p:spPr>
+          <a:xfrm>
+            <a:off x="5076056" y="2408229"/>
+            <a:ext cx="1152128" cy="2664296"/>
+          </a:xfrm>
+          <a:prstGeom prst="can">
+            <a:avLst/>
+          </a:prstGeom>
+        </p:spPr>
+        <p:style>
+          <a:lnRef idx="2">
+            <a:schemeClr val="accent1">
+              <a:shade val="50000"/>
+            </a:schemeClr>
+          </a:lnRef>
+          <a:fillRef idx="1">
+            <a:schemeClr val="accent1"/>
+          </a:fillRef>
+          <a:effectRef idx="0">
+            <a:schemeClr val="accent1"/>
+          </a:effectRef>
+          <a:fontRef idx="minor">
+            <a:schemeClr val="lt1"/>
+          </a:fontRef>
+        </p:style>
+        <p:txBody>
+          <a:bodyPr rtlCol="0" anchor="ctr"/>
+          <a:lstStyle/>
+          <a:p>
+            <a:pPr algn="ctr"/>
+            <a:endParaRPr lang="zh-CN" altLang="en-US"/>
+          </a:p>
+        </p:txBody>
+      </p:sp>
+      <p:sp>
+        <p:nvSpPr>
+          <p:cNvPr id="7" name="圆柱形 6"/>
+          <p:cNvSpPr/>
+          <p:nvPr/>
+        </p:nvSpPr>
+        <p:spPr>
+          <a:xfrm>
+            <a:off x="7164288" y="2395653"/>
+            <a:ext cx="1152128" cy="2664296"/>
+          </a:xfrm>
+          <a:prstGeom prst="can">
+            <a:avLst/>
+          </a:prstGeom>
+        </p:spPr>
+        <p:style>
+          <a:lnRef idx="2">
+            <a:schemeClr val="accent1">
+              <a:shade val="50000"/>
+            </a:schemeClr>
+          </a:lnRef>
+          <a:fillRef idx="1">
+            <a:schemeClr val="accent1"/>
+          </a:fillRef>
+          <a:effectRef idx="0">
+            <a:schemeClr val="accent1"/>
+          </a:effectRef>
+          <a:fontRef idx="minor">
+            <a:schemeClr val="lt1"/>
+          </a:fontRef>
+        </p:style>
+        <p:txBody>
+          <a:bodyPr rtlCol="0" anchor="ctr"/>
+          <a:lstStyle/>
+          <a:p>
+            <a:pPr algn="ctr"/>
+            <a:endParaRPr lang="zh-CN" altLang="en-US"/>
+          </a:p>
+        </p:txBody>
+      </p:sp>
+      <p:cxnSp>
+        <p:nvCxnSpPr>
+          <p:cNvPr id="9" name="直接连接符 8"/>
+          <p:cNvCxnSpPr>
+            <a:stCxn id="2" idx="2"/>
+          </p:cNvCxnSpPr>
+          <p:nvPr/>
+        </p:nvCxnSpPr>
+        <p:spPr>
+          <a:xfrm>
+            <a:off x="4572000" y="1417638"/>
+            <a:ext cx="0" cy="4051393"/>
+          </a:xfrm>
+          <a:prstGeom prst="line">
+            <a:avLst/>
+          </a:prstGeom>
+          <a:ln w="38100">
+            <a:solidFill>
+              <a:schemeClr val="tx1"/>
+            </a:solidFill>
+            <a:prstDash val="lgDash"/>
+          </a:ln>
+        </p:spPr>
+        <p:style>
+          <a:lnRef idx="1">
+            <a:schemeClr val="accent1"/>
+          </a:lnRef>
+          <a:fillRef idx="0">
+            <a:schemeClr val="accent1"/>
+          </a:fillRef>
+          <a:effectRef idx="0">
+            <a:schemeClr val="accent1"/>
+          </a:effectRef>
+          <a:fontRef idx="minor">
+            <a:schemeClr val="tx1"/>
+          </a:fontRef>
+        </p:style>
+      </p:cxnSp>
+      <p:sp>
+        <p:nvSpPr>
+          <p:cNvPr id="11" name="下箭头 10"/>
+          <p:cNvSpPr/>
+          <p:nvPr/>
+        </p:nvSpPr>
+        <p:spPr>
+          <a:xfrm>
+            <a:off x="1043608" y="2855367"/>
+            <a:ext cx="432048" cy="1077689"/>
+          </a:xfrm>
+          <a:prstGeom prst="downArrow">
+            <a:avLst/>
+          </a:prstGeom>
+          <a:solidFill>
+            <a:schemeClr val="bg1">
+              <a:lumMod val="50000"/>
+            </a:schemeClr>
+          </a:solidFill>
+        </p:spPr>
+        <p:style>
+          <a:lnRef idx="2">
+            <a:schemeClr val="accent1">
+              <a:shade val="50000"/>
+            </a:schemeClr>
+          </a:lnRef>
+          <a:fillRef idx="1">
+            <a:schemeClr val="accent1"/>
+          </a:fillRef>
+          <a:effectRef idx="0">
+            <a:schemeClr val="accent1"/>
+          </a:effectRef>
+          <a:fontRef idx="minor">
+            <a:schemeClr val="lt1"/>
+          </a:fontRef>
+        </p:style>
+        <p:txBody>
+          <a:bodyPr rtlCol="0" anchor="ctr"/>
+          <a:lstStyle/>
+          <a:p>
+            <a:pPr algn="ctr"/>
+            <a:endParaRPr lang="zh-CN" altLang="en-US"/>
+          </a:p>
+        </p:txBody>
+      </p:sp>
+      <p:cxnSp>
+        <p:nvCxnSpPr>
+          <p:cNvPr id="18" name="曲线连接符 17"/>
+          <p:cNvCxnSpPr/>
+          <p:nvPr/>
+        </p:nvCxnSpPr>
+        <p:spPr>
+          <a:xfrm rot="5400000">
+            <a:off x="1237738" y="1364727"/>
+            <a:ext cx="1082554" cy="1008113"/>
+          </a:xfrm>
+          <a:prstGeom prst="curvedConnector3">
+            <a:avLst>
+              <a:gd name="adj1" fmla="val 30187"/>
+            </a:avLst>
+          </a:prstGeom>
+          <a:ln w="76200">
+            <a:solidFill>
+              <a:schemeClr val="bg1">
+                <a:lumMod val="50000"/>
+              </a:schemeClr>
+            </a:solidFill>
+            <a:headEnd type="none" w="med" len="med"/>
+            <a:tailEnd type="triangle" w="med" len="med"/>
+          </a:ln>
+        </p:spPr>
+        <p:style>
+          <a:lnRef idx="1">
+            <a:schemeClr val="accent1"/>
+          </a:lnRef>
+          <a:fillRef idx="0">
+            <a:schemeClr val="accent1"/>
+          </a:fillRef>
+          <a:effectRef idx="0">
+            <a:schemeClr val="accent1"/>
+          </a:effectRef>
+          <a:fontRef idx="minor">
+            <a:schemeClr val="tx1"/>
+          </a:fontRef>
+        </p:style>
+      </p:cxnSp>
+      <p:cxnSp>
+        <p:nvCxnSpPr>
+          <p:cNvPr id="24" name="曲线连接符 23"/>
+          <p:cNvCxnSpPr/>
+          <p:nvPr/>
+        </p:nvCxnSpPr>
+        <p:spPr>
+          <a:xfrm rot="5400000">
+            <a:off x="5614900" y="1350319"/>
+            <a:ext cx="1082554" cy="1008113"/>
+          </a:xfrm>
+          <a:prstGeom prst="curvedConnector3">
+            <a:avLst>
+              <a:gd name="adj1" fmla="val 30187"/>
+            </a:avLst>
+          </a:prstGeom>
+          <a:ln w="76200">
+            <a:solidFill>
+              <a:schemeClr val="bg1">
+                <a:lumMod val="50000"/>
+              </a:schemeClr>
+            </a:solidFill>
+            <a:headEnd type="none" w="med" len="med"/>
+            <a:tailEnd type="triangle" w="med" len="med"/>
+          </a:ln>
+        </p:spPr>
+        <p:style>
+          <a:lnRef idx="1">
+            <a:schemeClr val="accent1"/>
+          </a:lnRef>
+          <a:fillRef idx="0">
+            <a:schemeClr val="accent1"/>
+          </a:fillRef>
+          <a:effectRef idx="0">
+            <a:schemeClr val="accent1"/>
+          </a:effectRef>
+          <a:fontRef idx="minor">
+            <a:schemeClr val="tx1"/>
+          </a:fontRef>
+        </p:style>
+      </p:cxnSp>
+      <p:cxnSp>
+        <p:nvCxnSpPr>
+          <p:cNvPr id="25" name="曲线连接符 24"/>
+          <p:cNvCxnSpPr/>
+          <p:nvPr/>
+        </p:nvCxnSpPr>
+        <p:spPr>
+          <a:xfrm rot="16200000" flipH="1">
+            <a:off x="6695018" y="1351137"/>
+            <a:ext cx="1082554" cy="1008113"/>
+          </a:xfrm>
+          <a:prstGeom prst="curvedConnector3">
+            <a:avLst>
+              <a:gd name="adj1" fmla="val 30187"/>
+            </a:avLst>
+          </a:prstGeom>
+          <a:ln w="76200">
+            <a:solidFill>
+              <a:schemeClr val="bg1">
+                <a:lumMod val="75000"/>
+              </a:schemeClr>
+            </a:solidFill>
+            <a:headEnd type="none" w="med" len="med"/>
+            <a:tailEnd type="triangle" w="med" len="med"/>
+          </a:ln>
+        </p:spPr>
+        <p:style>
+          <a:lnRef idx="1">
+            <a:schemeClr val="accent1"/>
+          </a:lnRef>
+          <a:fillRef idx="0">
+            <a:schemeClr val="accent1"/>
+          </a:fillRef>
+          <a:effectRef idx="0">
+            <a:schemeClr val="accent1"/>
+          </a:effectRef>
+          <a:fontRef idx="minor">
+            <a:schemeClr val="tx1"/>
+          </a:fontRef>
+        </p:style>
+      </p:cxnSp>
+      <p:sp>
+        <p:nvSpPr>
+          <p:cNvPr id="19" name="圆柱形 18"/>
+          <p:cNvSpPr/>
+          <p:nvPr/>
+        </p:nvSpPr>
+        <p:spPr>
+          <a:xfrm>
+            <a:off x="2771800" y="2410061"/>
+            <a:ext cx="1152128" cy="2664296"/>
+          </a:xfrm>
+          <a:prstGeom prst="can">
+            <a:avLst/>
+          </a:prstGeom>
+        </p:spPr>
+        <p:style>
+          <a:lnRef idx="2">
+            <a:schemeClr val="accent1">
+              <a:shade val="50000"/>
+            </a:schemeClr>
+          </a:lnRef>
+          <a:fillRef idx="1">
+            <a:schemeClr val="accent1"/>
+          </a:fillRef>
+          <a:effectRef idx="0">
+            <a:schemeClr val="accent1"/>
+          </a:effectRef>
+          <a:fontRef idx="minor">
+            <a:schemeClr val="lt1"/>
+          </a:fontRef>
+        </p:style>
+        <p:txBody>
+          <a:bodyPr rtlCol="0" anchor="ctr"/>
+          <a:lstStyle/>
+          <a:p>
+            <a:pPr algn="ctr"/>
+            <a:endParaRPr lang="zh-CN" altLang="en-US"/>
+          </a:p>
+        </p:txBody>
+      </p:sp>
+      <p:cxnSp>
+        <p:nvCxnSpPr>
+          <p:cNvPr id="20" name="曲线连接符 19"/>
+          <p:cNvCxnSpPr/>
+          <p:nvPr/>
+        </p:nvCxnSpPr>
+        <p:spPr>
+          <a:xfrm rot="16200000" flipH="1">
+            <a:off x="2302530" y="1365545"/>
+            <a:ext cx="1082554" cy="1008113"/>
+          </a:xfrm>
+          <a:prstGeom prst="curvedConnector3">
+            <a:avLst>
+              <a:gd name="adj1" fmla="val 30187"/>
+            </a:avLst>
+          </a:prstGeom>
+          <a:ln w="76200">
+            <a:solidFill>
+              <a:schemeClr val="bg1">
+                <a:lumMod val="75000"/>
+              </a:schemeClr>
+            </a:solidFill>
+            <a:headEnd type="none" w="med" len="med"/>
+            <a:tailEnd type="triangle" w="med" len="med"/>
+          </a:ln>
+        </p:spPr>
+        <p:style>
+          <a:lnRef idx="1">
+            <a:schemeClr val="accent1"/>
+          </a:lnRef>
+          <a:fillRef idx="0">
+            <a:schemeClr val="accent1"/>
+          </a:fillRef>
+          <a:effectRef idx="0">
+            <a:schemeClr val="accent1"/>
+          </a:effectRef>
+          <a:fontRef idx="minor">
+            <a:schemeClr val="tx1"/>
+          </a:fontRef>
+        </p:style>
+      </p:cxnSp>
+      <p:sp>
+        <p:nvSpPr>
+          <p:cNvPr id="21" name="下箭头 20"/>
+          <p:cNvSpPr/>
+          <p:nvPr/>
+        </p:nvSpPr>
+        <p:spPr>
+          <a:xfrm>
+            <a:off x="3347864" y="3839452"/>
+            <a:ext cx="432048" cy="955269"/>
+          </a:xfrm>
+          <a:prstGeom prst="downArrow">
+            <a:avLst/>
+          </a:prstGeom>
+          <a:solidFill>
+            <a:schemeClr val="bg1">
+              <a:lumMod val="75000"/>
+            </a:schemeClr>
+          </a:solidFill>
+        </p:spPr>
+        <p:style>
+          <a:lnRef idx="2">
+            <a:schemeClr val="accent1">
+              <a:shade val="50000"/>
+            </a:schemeClr>
+          </a:lnRef>
+          <a:fillRef idx="1">
+            <a:schemeClr val="accent1"/>
+          </a:fillRef>
+          <a:effectRef idx="0">
+            <a:schemeClr val="accent1"/>
+          </a:effectRef>
+          <a:fontRef idx="minor">
+            <a:schemeClr val="lt1"/>
+          </a:fontRef>
+        </p:style>
+        <p:txBody>
+          <a:bodyPr rtlCol="0" anchor="ctr"/>
+          <a:lstStyle/>
+          <a:p>
+            <a:pPr algn="ctr"/>
+            <a:endParaRPr lang="zh-CN" altLang="en-US"/>
+          </a:p>
+        </p:txBody>
+      </p:sp>
+      <p:sp>
+        <p:nvSpPr>
+          <p:cNvPr id="8" name="下箭头 7"/>
+          <p:cNvSpPr/>
+          <p:nvPr/>
+        </p:nvSpPr>
+        <p:spPr>
+          <a:xfrm rot="2700000">
+            <a:off x="678778" y="3642363"/>
+            <a:ext cx="391477" cy="963283"/>
+          </a:xfrm>
+          <a:prstGeom prst="downArrow">
+            <a:avLst/>
+          </a:prstGeom>
+          <a:solidFill>
+            <a:schemeClr val="bg1">
+              <a:lumMod val="50000"/>
+            </a:schemeClr>
+          </a:solidFill>
+        </p:spPr>
+        <p:style>
+          <a:lnRef idx="2">
+            <a:schemeClr val="accent1">
+              <a:shade val="50000"/>
+            </a:schemeClr>
+          </a:lnRef>
+          <a:fillRef idx="1">
+            <a:schemeClr val="accent1"/>
+          </a:fillRef>
+          <a:effectRef idx="0">
+            <a:schemeClr val="accent1"/>
+          </a:effectRef>
+          <a:fontRef idx="minor">
+            <a:schemeClr val="lt1"/>
+          </a:fontRef>
+        </p:style>
+        <p:txBody>
+          <a:bodyPr rtlCol="0" anchor="ctr"/>
+          <a:lstStyle/>
+          <a:p>
+            <a:pPr algn="ctr"/>
+            <a:endParaRPr lang="zh-CN" altLang="en-US"/>
+          </a:p>
+        </p:txBody>
+      </p:sp>
+      <p:sp>
+        <p:nvSpPr>
+          <p:cNvPr id="3" name="流程图: 汇总连接 2"/>
+          <p:cNvSpPr/>
+          <p:nvPr/>
+        </p:nvSpPr>
+        <p:spPr>
+          <a:xfrm>
+            <a:off x="1010035" y="3467435"/>
+            <a:ext cx="465621" cy="465621"/>
+          </a:xfrm>
+          <a:prstGeom prst="flowChartSummingJunction">
+            <a:avLst/>
+          </a:prstGeom>
+          <a:solidFill>
+            <a:srgbClr val="FF0000"/>
+          </a:solidFill>
+        </p:spPr>
+        <p:style>
+          <a:lnRef idx="2">
+            <a:schemeClr val="accent1">
+              <a:shade val="50000"/>
+            </a:schemeClr>
+          </a:lnRef>
+          <a:fillRef idx="1">
+            <a:schemeClr val="accent1"/>
+          </a:fillRef>
+          <a:effectRef idx="0">
+            <a:schemeClr val="accent1"/>
+          </a:effectRef>
+          <a:fontRef idx="minor">
+            <a:schemeClr val="lt1"/>
+          </a:fontRef>
+        </p:style>
+        <p:txBody>
+          <a:bodyPr rtlCol="0" anchor="ctr"/>
+          <a:lstStyle/>
+          <a:p>
+            <a:pPr algn="ctr"/>
+            <a:endParaRPr lang="zh-CN" altLang="en-US"/>
+          </a:p>
+        </p:txBody>
+      </p:sp>
+      <p:sp>
+        <p:nvSpPr>
+          <p:cNvPr id="31" name="下箭头 30"/>
+          <p:cNvSpPr/>
+          <p:nvPr/>
+        </p:nvSpPr>
+        <p:spPr>
+          <a:xfrm>
+            <a:off x="2915816" y="2852936"/>
+            <a:ext cx="432048" cy="986516"/>
+          </a:xfrm>
+          <a:prstGeom prst="downArrow">
+            <a:avLst/>
+          </a:prstGeom>
+          <a:solidFill>
+            <a:schemeClr val="bg1">
+              <a:lumMod val="50000"/>
+            </a:schemeClr>
+          </a:solidFill>
+        </p:spPr>
+        <p:style>
+          <a:lnRef idx="2">
+            <a:schemeClr val="accent1">
+              <a:shade val="50000"/>
+            </a:schemeClr>
+          </a:lnRef>
+          <a:fillRef idx="1">
+            <a:schemeClr val="accent1"/>
+          </a:fillRef>
+          <a:effectRef idx="0">
+            <a:schemeClr val="accent1"/>
+          </a:effectRef>
+          <a:fontRef idx="minor">
+            <a:schemeClr val="lt1"/>
+          </a:fontRef>
+        </p:style>
+        <p:txBody>
+          <a:bodyPr rtlCol="0" anchor="ctr"/>
+          <a:lstStyle/>
+          <a:p>
+            <a:pPr algn="ctr"/>
+            <a:endParaRPr lang="zh-CN" altLang="en-US"/>
+          </a:p>
+        </p:txBody>
+      </p:sp>
+      <p:sp>
+        <p:nvSpPr>
+          <p:cNvPr id="34" name="下箭头 33"/>
+          <p:cNvSpPr/>
+          <p:nvPr/>
+        </p:nvSpPr>
+        <p:spPr>
+          <a:xfrm>
+            <a:off x="5436096" y="2856006"/>
+            <a:ext cx="432048" cy="1077689"/>
+          </a:xfrm>
+          <a:prstGeom prst="downArrow">
+            <a:avLst/>
+          </a:prstGeom>
+          <a:solidFill>
+            <a:schemeClr val="bg1">
+              <a:lumMod val="50000"/>
+            </a:schemeClr>
+          </a:solidFill>
+        </p:spPr>
+        <p:style>
+          <a:lnRef idx="2">
+            <a:schemeClr val="accent1">
+              <a:shade val="50000"/>
+            </a:schemeClr>
+          </a:lnRef>
+          <a:fillRef idx="1">
+            <a:schemeClr val="accent1"/>
+          </a:fillRef>
+          <a:effectRef idx="0">
+            <a:schemeClr val="accent1"/>
+          </a:effectRef>
+          <a:fontRef idx="minor">
+            <a:schemeClr val="lt1"/>
+          </a:fontRef>
+        </p:style>
+        <p:txBody>
+          <a:bodyPr rtlCol="0" anchor="ctr"/>
+          <a:lstStyle/>
+          <a:p>
+            <a:pPr algn="ctr"/>
+            <a:endParaRPr lang="zh-CN" altLang="en-US"/>
+          </a:p>
+        </p:txBody>
+      </p:sp>
+      <p:sp>
+        <p:nvSpPr>
+          <p:cNvPr id="35" name="下箭头 34"/>
+          <p:cNvSpPr/>
+          <p:nvPr/>
+        </p:nvSpPr>
+        <p:spPr>
+          <a:xfrm rot="2700000">
+            <a:off x="5071266" y="3643002"/>
+            <a:ext cx="391477" cy="963283"/>
+          </a:xfrm>
+          <a:prstGeom prst="downArrow">
+            <a:avLst/>
+          </a:prstGeom>
+          <a:solidFill>
+            <a:schemeClr val="bg1">
+              <a:lumMod val="50000"/>
+            </a:schemeClr>
+          </a:solidFill>
+        </p:spPr>
+        <p:style>
+          <a:lnRef idx="2">
+            <a:schemeClr val="accent1">
+              <a:shade val="50000"/>
+            </a:schemeClr>
+          </a:lnRef>
+          <a:fillRef idx="1">
+            <a:schemeClr val="accent1"/>
+          </a:fillRef>
+          <a:effectRef idx="0">
+            <a:schemeClr val="accent1"/>
+          </a:effectRef>
+          <a:fontRef idx="minor">
+            <a:schemeClr val="lt1"/>
+          </a:fontRef>
+        </p:style>
+        <p:txBody>
+          <a:bodyPr rtlCol="0" anchor="ctr"/>
+          <a:lstStyle/>
+          <a:p>
+            <a:pPr algn="ctr"/>
+            <a:endParaRPr lang="zh-CN" altLang="en-US"/>
+          </a:p>
+        </p:txBody>
+      </p:sp>
+      <p:sp>
+        <p:nvSpPr>
+          <p:cNvPr id="36" name="流程图: 汇总连接 35"/>
+          <p:cNvSpPr/>
+          <p:nvPr/>
+        </p:nvSpPr>
+        <p:spPr>
+          <a:xfrm>
+            <a:off x="5402523" y="3468074"/>
+            <a:ext cx="465621" cy="465621"/>
+          </a:xfrm>
+          <a:prstGeom prst="flowChartSummingJunction">
+            <a:avLst/>
+          </a:prstGeom>
+          <a:solidFill>
+            <a:srgbClr val="FF0000"/>
+          </a:solidFill>
+        </p:spPr>
+        <p:style>
+          <a:lnRef idx="2">
+            <a:schemeClr val="accent1">
+              <a:shade val="50000"/>
+            </a:schemeClr>
+          </a:lnRef>
+          <a:fillRef idx="1">
+            <a:schemeClr val="accent1"/>
+          </a:fillRef>
+          <a:effectRef idx="0">
+            <a:schemeClr val="accent1"/>
+          </a:effectRef>
+          <a:fontRef idx="minor">
+            <a:schemeClr val="lt1"/>
+          </a:fontRef>
+        </p:style>
+        <p:txBody>
+          <a:bodyPr rtlCol="0" anchor="ctr"/>
+          <a:lstStyle/>
+          <a:p>
+            <a:pPr algn="ctr"/>
+            <a:endParaRPr lang="zh-CN" altLang="en-US"/>
+          </a:p>
+        </p:txBody>
+      </p:sp>
+      <p:sp>
+        <p:nvSpPr>
+          <p:cNvPr id="38" name="下箭头 37"/>
+          <p:cNvSpPr/>
+          <p:nvPr/>
+        </p:nvSpPr>
+        <p:spPr>
+          <a:xfrm rot="18900000" flipH="1">
+            <a:off x="8135068" y="3643002"/>
+            <a:ext cx="391477" cy="963283"/>
+          </a:xfrm>
+          <a:prstGeom prst="downArrow">
+            <a:avLst/>
+          </a:prstGeom>
+          <a:solidFill>
+            <a:schemeClr val="bg1">
+              <a:lumMod val="75000"/>
+            </a:schemeClr>
+          </a:solidFill>
+        </p:spPr>
+        <p:style>
+          <a:lnRef idx="2">
+            <a:schemeClr val="accent1">
+              <a:shade val="50000"/>
+            </a:schemeClr>
+          </a:lnRef>
+          <a:fillRef idx="1">
+            <a:schemeClr val="accent1"/>
+          </a:fillRef>
+          <a:effectRef idx="0">
+            <a:schemeClr val="accent1"/>
+          </a:effectRef>
+          <a:fontRef idx="minor">
+            <a:schemeClr val="lt1"/>
+          </a:fontRef>
+        </p:style>
+        <p:txBody>
+          <a:bodyPr rtlCol="0" anchor="ctr"/>
+          <a:lstStyle/>
+          <a:p>
+            <a:pPr algn="ctr"/>
+            <a:endParaRPr lang="zh-CN" altLang="en-US"/>
+          </a:p>
+        </p:txBody>
+      </p:sp>
+      <p:sp>
+        <p:nvSpPr>
+          <p:cNvPr id="5" name="矩形 4"/>
+          <p:cNvSpPr/>
+          <p:nvPr/>
+        </p:nvSpPr>
+        <p:spPr>
+          <a:xfrm>
+            <a:off x="1947169" y="2708920"/>
+            <a:ext cx="205680" cy="144016"/>
+          </a:xfrm>
+          <a:prstGeom prst="rect">
+            <a:avLst/>
+          </a:prstGeom>
+          <a:solidFill>
+            <a:schemeClr val="bg1">
+              <a:lumMod val="50000"/>
+            </a:schemeClr>
+          </a:solidFill>
+        </p:spPr>
+        <p:style>
+          <a:lnRef idx="2">
+            <a:schemeClr val="accent1">
+              <a:shade val="50000"/>
+            </a:schemeClr>
+          </a:lnRef>
+          <a:fillRef idx="1">
+            <a:schemeClr val="accent1"/>
+          </a:fillRef>
+          <a:effectRef idx="0">
+            <a:schemeClr val="accent1"/>
+          </a:effectRef>
+          <a:fontRef idx="minor">
+            <a:schemeClr val="lt1"/>
+          </a:fontRef>
+        </p:style>
+        <p:txBody>
+          <a:bodyPr rtlCol="0" anchor="ctr"/>
+          <a:lstStyle/>
+          <a:p>
+            <a:pPr algn="ctr"/>
+            <a:endParaRPr lang="zh-CN" altLang="en-US"/>
+          </a:p>
+        </p:txBody>
+      </p:sp>
+      <p:sp>
+        <p:nvSpPr>
+          <p:cNvPr id="37" name="矩形 36"/>
+          <p:cNvSpPr/>
+          <p:nvPr/>
+        </p:nvSpPr>
+        <p:spPr>
+          <a:xfrm>
+            <a:off x="1947169" y="2861320"/>
+            <a:ext cx="205680" cy="144016"/>
+          </a:xfrm>
+          <a:prstGeom prst="rect">
+            <a:avLst/>
+          </a:prstGeom>
+          <a:solidFill>
+            <a:schemeClr val="bg1">
+              <a:lumMod val="50000"/>
+            </a:schemeClr>
+          </a:solidFill>
+        </p:spPr>
+        <p:style>
+          <a:lnRef idx="2">
+            <a:schemeClr val="accent1">
+              <a:shade val="50000"/>
+            </a:schemeClr>
+          </a:lnRef>
+          <a:fillRef idx="1">
+            <a:schemeClr val="accent1"/>
+          </a:fillRef>
+          <a:effectRef idx="0">
+            <a:schemeClr val="accent1"/>
+          </a:effectRef>
+          <a:fontRef idx="minor">
+            <a:schemeClr val="lt1"/>
+          </a:fontRef>
+        </p:style>
+        <p:txBody>
+          <a:bodyPr rtlCol="0" anchor="ctr"/>
+          <a:lstStyle/>
+          <a:p>
+            <a:pPr algn="ctr"/>
+            <a:endParaRPr lang="zh-CN" altLang="en-US"/>
+          </a:p>
+        </p:txBody>
+      </p:sp>
+      <p:sp>
+        <p:nvSpPr>
+          <p:cNvPr id="39" name="矩形 38"/>
+          <p:cNvSpPr/>
+          <p:nvPr/>
+        </p:nvSpPr>
+        <p:spPr>
+          <a:xfrm>
+            <a:off x="1947169" y="3013720"/>
+            <a:ext cx="205680" cy="144016"/>
+          </a:xfrm>
+          <a:prstGeom prst="rect">
+            <a:avLst/>
+          </a:prstGeom>
+          <a:solidFill>
+            <a:schemeClr val="bg1">
+              <a:lumMod val="50000"/>
+            </a:schemeClr>
+          </a:solidFill>
+        </p:spPr>
+        <p:style>
+          <a:lnRef idx="2">
+            <a:schemeClr val="accent1">
+              <a:shade val="50000"/>
+            </a:schemeClr>
+          </a:lnRef>
+          <a:fillRef idx="1">
+            <a:schemeClr val="accent1"/>
+          </a:fillRef>
+          <a:effectRef idx="0">
+            <a:schemeClr val="accent1"/>
+          </a:effectRef>
+          <a:fontRef idx="minor">
+            <a:schemeClr val="lt1"/>
+          </a:fontRef>
+        </p:style>
+        <p:txBody>
+          <a:bodyPr rtlCol="0" anchor="ctr"/>
+          <a:lstStyle/>
+          <a:p>
+            <a:pPr algn="ctr"/>
+            <a:endParaRPr lang="zh-CN" altLang="en-US"/>
+          </a:p>
+        </p:txBody>
+      </p:sp>
+      <p:sp>
+        <p:nvSpPr>
+          <p:cNvPr id="41" name="矩形 40"/>
+          <p:cNvSpPr/>
+          <p:nvPr/>
+        </p:nvSpPr>
+        <p:spPr>
+          <a:xfrm>
+            <a:off x="1947169" y="3166120"/>
+            <a:ext cx="205680" cy="144016"/>
+          </a:xfrm>
+          <a:prstGeom prst="rect">
+            <a:avLst/>
+          </a:prstGeom>
+          <a:solidFill>
+            <a:schemeClr val="bg1">
+              <a:lumMod val="50000"/>
+            </a:schemeClr>
+          </a:solidFill>
+        </p:spPr>
+        <p:style>
+          <a:lnRef idx="2">
+            <a:schemeClr val="accent1">
+              <a:shade val="50000"/>
+            </a:schemeClr>
+          </a:lnRef>
+          <a:fillRef idx="1">
+            <a:schemeClr val="accent1"/>
+          </a:fillRef>
+          <a:effectRef idx="0">
+            <a:schemeClr val="accent1"/>
+          </a:effectRef>
+          <a:fontRef idx="minor">
+            <a:schemeClr val="lt1"/>
+          </a:fontRef>
+        </p:style>
+        <p:txBody>
+          <a:bodyPr rtlCol="0" anchor="ctr"/>
+          <a:lstStyle/>
+          <a:p>
+            <a:pPr algn="ctr"/>
+            <a:endParaRPr lang="zh-CN" altLang="en-US"/>
+          </a:p>
+        </p:txBody>
+      </p:sp>
+      <p:sp>
+        <p:nvSpPr>
+          <p:cNvPr id="42" name="矩形 41"/>
+          <p:cNvSpPr/>
+          <p:nvPr/>
+        </p:nvSpPr>
+        <p:spPr>
+          <a:xfrm>
+            <a:off x="1947169" y="3318520"/>
+            <a:ext cx="205680" cy="144016"/>
+          </a:xfrm>
+          <a:prstGeom prst="rect">
+            <a:avLst/>
+          </a:prstGeom>
+          <a:solidFill>
+            <a:schemeClr val="bg1">
+              <a:lumMod val="50000"/>
+            </a:schemeClr>
+          </a:solidFill>
+        </p:spPr>
+        <p:style>
+          <a:lnRef idx="2">
+            <a:schemeClr val="accent1">
+              <a:shade val="50000"/>
+            </a:schemeClr>
+          </a:lnRef>
+          <a:fillRef idx="1">
+            <a:schemeClr val="accent1"/>
+          </a:fillRef>
+          <a:effectRef idx="0">
+            <a:schemeClr val="accent1"/>
+          </a:effectRef>
+          <a:fontRef idx="minor">
+            <a:schemeClr val="lt1"/>
+          </a:fontRef>
+        </p:style>
+        <p:txBody>
+          <a:bodyPr rtlCol="0" anchor="ctr"/>
+          <a:lstStyle/>
+          <a:p>
+            <a:pPr algn="ctr"/>
+            <a:endParaRPr lang="zh-CN" altLang="en-US"/>
+          </a:p>
+        </p:txBody>
+      </p:sp>
+      <p:sp>
+        <p:nvSpPr>
+          <p:cNvPr id="43" name="矩形 42"/>
+          <p:cNvSpPr/>
+          <p:nvPr/>
+        </p:nvSpPr>
+        <p:spPr>
+          <a:xfrm>
+            <a:off x="1947169" y="3470920"/>
+            <a:ext cx="205680" cy="144016"/>
+          </a:xfrm>
+          <a:prstGeom prst="rect">
+            <a:avLst/>
+          </a:prstGeom>
+          <a:solidFill>
+            <a:schemeClr val="bg1">
+              <a:lumMod val="50000"/>
+            </a:schemeClr>
+          </a:solidFill>
+        </p:spPr>
+        <p:style>
+          <a:lnRef idx="2">
+            <a:schemeClr val="accent1">
+              <a:shade val="50000"/>
+            </a:schemeClr>
+          </a:lnRef>
+          <a:fillRef idx="1">
+            <a:schemeClr val="accent1"/>
+          </a:fillRef>
+          <a:effectRef idx="0">
+            <a:schemeClr val="accent1"/>
+          </a:effectRef>
+          <a:fontRef idx="minor">
+            <a:schemeClr val="lt1"/>
+          </a:fontRef>
+        </p:style>
+        <p:txBody>
+          <a:bodyPr rtlCol="0" anchor="ctr"/>
+          <a:lstStyle/>
+          <a:p>
+            <a:pPr algn="ctr"/>
+            <a:endParaRPr lang="zh-CN" altLang="en-US"/>
+          </a:p>
+        </p:txBody>
+      </p:sp>
+      <p:sp>
+        <p:nvSpPr>
+          <p:cNvPr id="44" name="矩形 43"/>
+          <p:cNvSpPr/>
+          <p:nvPr/>
+        </p:nvSpPr>
+        <p:spPr>
+          <a:xfrm>
+            <a:off x="1947169" y="3623320"/>
+            <a:ext cx="205680" cy="144016"/>
+          </a:xfrm>
+          <a:prstGeom prst="rect">
+            <a:avLst/>
+          </a:prstGeom>
+          <a:solidFill>
+            <a:schemeClr val="bg1">
+              <a:lumMod val="95000"/>
+            </a:schemeClr>
+          </a:solidFill>
+        </p:spPr>
+        <p:style>
+          <a:lnRef idx="2">
+            <a:schemeClr val="accent1">
+              <a:shade val="50000"/>
+            </a:schemeClr>
+          </a:lnRef>
+          <a:fillRef idx="1">
+            <a:schemeClr val="accent1"/>
+          </a:fillRef>
+          <a:effectRef idx="0">
+            <a:schemeClr val="accent1"/>
+          </a:effectRef>
+          <a:fontRef idx="minor">
+            <a:schemeClr val="lt1"/>
+          </a:fontRef>
+        </p:style>
+        <p:txBody>
+          <a:bodyPr rtlCol="0" anchor="ctr"/>
+          <a:lstStyle/>
+          <a:p>
+            <a:pPr algn="ctr"/>
+            <a:endParaRPr lang="zh-CN" altLang="en-US"/>
+          </a:p>
+        </p:txBody>
+      </p:sp>
+      <p:sp>
+        <p:nvSpPr>
+          <p:cNvPr id="45" name="矩形 44"/>
+          <p:cNvSpPr/>
+          <p:nvPr/>
+        </p:nvSpPr>
+        <p:spPr>
+          <a:xfrm>
+            <a:off x="1947169" y="3775720"/>
+            <a:ext cx="205680" cy="144016"/>
+          </a:xfrm>
+          <a:prstGeom prst="rect">
+            <a:avLst/>
+          </a:prstGeom>
+          <a:solidFill>
+            <a:schemeClr val="bg1">
+              <a:lumMod val="95000"/>
+            </a:schemeClr>
+          </a:solidFill>
+        </p:spPr>
+        <p:style>
+          <a:lnRef idx="2">
+            <a:schemeClr val="accent1">
+              <a:shade val="50000"/>
+            </a:schemeClr>
+          </a:lnRef>
+          <a:fillRef idx="1">
+            <a:schemeClr val="accent1"/>
+          </a:fillRef>
+          <a:effectRef idx="0">
+            <a:schemeClr val="accent1"/>
+          </a:effectRef>
+          <a:fontRef idx="minor">
+            <a:schemeClr val="lt1"/>
+          </a:fontRef>
+        </p:style>
+        <p:txBody>
+          <a:bodyPr rtlCol="0" anchor="ctr"/>
+          <a:lstStyle/>
+          <a:p>
+            <a:pPr algn="ctr"/>
+            <a:endParaRPr lang="zh-CN" altLang="en-US"/>
+          </a:p>
+        </p:txBody>
+      </p:sp>
+      <p:sp>
+        <p:nvSpPr>
+          <p:cNvPr id="46" name="矩形 45"/>
+          <p:cNvSpPr/>
+          <p:nvPr/>
+        </p:nvSpPr>
+        <p:spPr>
+          <a:xfrm>
+            <a:off x="1947169" y="3928120"/>
+            <a:ext cx="205680" cy="144016"/>
+          </a:xfrm>
+          <a:prstGeom prst="rect">
+            <a:avLst/>
+          </a:prstGeom>
+          <a:solidFill>
+            <a:schemeClr val="bg1">
+              <a:lumMod val="95000"/>
+            </a:schemeClr>
+          </a:solidFill>
+        </p:spPr>
+        <p:style>
+          <a:lnRef idx="2">
+            <a:schemeClr val="accent1">
+              <a:shade val="50000"/>
+            </a:schemeClr>
+          </a:lnRef>
+          <a:fillRef idx="1">
+            <a:schemeClr val="accent1"/>
+          </a:fillRef>
+          <a:effectRef idx="0">
+            <a:schemeClr val="accent1"/>
+          </a:effectRef>
+          <a:fontRef idx="minor">
+            <a:schemeClr val="lt1"/>
+          </a:fontRef>
+        </p:style>
+        <p:txBody>
+          <a:bodyPr rtlCol="0" anchor="ctr"/>
+          <a:lstStyle/>
+          <a:p>
+            <a:pPr algn="ctr"/>
+            <a:endParaRPr lang="zh-CN" altLang="en-US"/>
+          </a:p>
+        </p:txBody>
+      </p:sp>
+      <p:sp>
+        <p:nvSpPr>
+          <p:cNvPr id="47" name="矩形 46"/>
+          <p:cNvSpPr/>
+          <p:nvPr/>
+        </p:nvSpPr>
+        <p:spPr>
+          <a:xfrm>
+            <a:off x="1947169" y="4080520"/>
+            <a:ext cx="205680" cy="144016"/>
+          </a:xfrm>
+          <a:prstGeom prst="rect">
+            <a:avLst/>
+          </a:prstGeom>
+          <a:solidFill>
+            <a:schemeClr val="bg1">
+              <a:lumMod val="95000"/>
+            </a:schemeClr>
+          </a:solidFill>
+        </p:spPr>
+        <p:style>
+          <a:lnRef idx="2">
+            <a:schemeClr val="accent1">
+              <a:shade val="50000"/>
+            </a:schemeClr>
+          </a:lnRef>
+          <a:fillRef idx="1">
+            <a:schemeClr val="accent1"/>
+          </a:fillRef>
+          <a:effectRef idx="0">
+            <a:schemeClr val="accent1"/>
+          </a:effectRef>
+          <a:fontRef idx="minor">
+            <a:schemeClr val="lt1"/>
+          </a:fontRef>
+        </p:style>
+        <p:txBody>
+          <a:bodyPr rtlCol="0" anchor="ctr"/>
+          <a:lstStyle/>
+          <a:p>
+            <a:pPr algn="ctr"/>
+            <a:endParaRPr lang="zh-CN" altLang="en-US"/>
+          </a:p>
+        </p:txBody>
+      </p:sp>
+      <p:sp>
+        <p:nvSpPr>
+          <p:cNvPr id="48" name="矩形 47"/>
+          <p:cNvSpPr/>
+          <p:nvPr/>
+        </p:nvSpPr>
+        <p:spPr>
+          <a:xfrm>
+            <a:off x="2452936" y="2708920"/>
+            <a:ext cx="205680" cy="144016"/>
+          </a:xfrm>
+          <a:prstGeom prst="rect">
+            <a:avLst/>
+          </a:prstGeom>
+          <a:solidFill>
+            <a:schemeClr val="bg1">
+              <a:lumMod val="75000"/>
+            </a:schemeClr>
+          </a:solidFill>
+        </p:spPr>
+        <p:style>
+          <a:lnRef idx="2">
+            <a:schemeClr val="accent1">
+              <a:shade val="50000"/>
+            </a:schemeClr>
+          </a:lnRef>
+          <a:fillRef idx="1">
+            <a:schemeClr val="accent1"/>
+          </a:fillRef>
+          <a:effectRef idx="0">
+            <a:schemeClr val="accent1"/>
+          </a:effectRef>
+          <a:fontRef idx="minor">
+            <a:schemeClr val="lt1"/>
+          </a:fontRef>
+        </p:style>
+        <p:txBody>
+          <a:bodyPr rtlCol="0" anchor="ctr"/>
+          <a:lstStyle/>
+          <a:p>
+            <a:pPr algn="ctr"/>
+            <a:endParaRPr lang="zh-CN" altLang="en-US"/>
+          </a:p>
+        </p:txBody>
+      </p:sp>
+      <p:sp>
+        <p:nvSpPr>
+          <p:cNvPr id="49" name="矩形 48"/>
+          <p:cNvSpPr/>
+          <p:nvPr/>
+        </p:nvSpPr>
+        <p:spPr>
+          <a:xfrm>
+            <a:off x="2452936" y="2861320"/>
+            <a:ext cx="205680" cy="144016"/>
+          </a:xfrm>
+          <a:prstGeom prst="rect">
+            <a:avLst/>
+          </a:prstGeom>
+          <a:solidFill>
+            <a:schemeClr val="bg1">
+              <a:lumMod val="75000"/>
+            </a:schemeClr>
+          </a:solidFill>
+        </p:spPr>
+        <p:style>
+          <a:lnRef idx="2">
+            <a:schemeClr val="accent1">
+              <a:shade val="50000"/>
+            </a:schemeClr>
+          </a:lnRef>
+          <a:fillRef idx="1">
+            <a:schemeClr val="accent1"/>
+          </a:fillRef>
+          <a:effectRef idx="0">
+            <a:schemeClr val="accent1"/>
+          </a:effectRef>
+          <a:fontRef idx="minor">
+            <a:schemeClr val="lt1"/>
+          </a:fontRef>
+        </p:style>
+        <p:txBody>
+          <a:bodyPr rtlCol="0" anchor="ctr"/>
+          <a:lstStyle/>
+          <a:p>
+            <a:pPr algn="ctr"/>
+            <a:endParaRPr lang="zh-CN" altLang="en-US"/>
+          </a:p>
+        </p:txBody>
+      </p:sp>
+      <p:sp>
+        <p:nvSpPr>
+          <p:cNvPr id="50" name="矩形 49"/>
+          <p:cNvSpPr/>
+          <p:nvPr/>
+        </p:nvSpPr>
+        <p:spPr>
+          <a:xfrm>
+            <a:off x="2452936" y="3013720"/>
+            <a:ext cx="205680" cy="144016"/>
+          </a:xfrm>
+          <a:prstGeom prst="rect">
+            <a:avLst/>
+          </a:prstGeom>
+          <a:solidFill>
+            <a:schemeClr val="bg1">
+              <a:lumMod val="75000"/>
+            </a:schemeClr>
+          </a:solidFill>
+        </p:spPr>
+        <p:style>
+          <a:lnRef idx="2">
+            <a:schemeClr val="accent1">
+              <a:shade val="50000"/>
+            </a:schemeClr>
+          </a:lnRef>
+          <a:fillRef idx="1">
+            <a:schemeClr val="accent1"/>
+          </a:fillRef>
+          <a:effectRef idx="0">
+            <a:schemeClr val="accent1"/>
+          </a:effectRef>
+          <a:fontRef idx="minor">
+            <a:schemeClr val="lt1"/>
+          </a:fontRef>
+        </p:style>
+        <p:txBody>
+          <a:bodyPr rtlCol="0" anchor="ctr"/>
+          <a:lstStyle/>
+          <a:p>
+            <a:pPr algn="ctr"/>
+            <a:endParaRPr lang="zh-CN" altLang="en-US"/>
+          </a:p>
+        </p:txBody>
+      </p:sp>
+      <p:sp>
+        <p:nvSpPr>
+          <p:cNvPr id="51" name="矩形 50"/>
+          <p:cNvSpPr/>
+          <p:nvPr/>
+        </p:nvSpPr>
+        <p:spPr>
+          <a:xfrm>
+            <a:off x="2452936" y="3166120"/>
+            <a:ext cx="205680" cy="144016"/>
+          </a:xfrm>
+          <a:prstGeom prst="rect">
+            <a:avLst/>
+          </a:prstGeom>
+          <a:solidFill>
+            <a:schemeClr val="bg1">
+              <a:lumMod val="75000"/>
+            </a:schemeClr>
+          </a:solidFill>
+        </p:spPr>
+        <p:style>
+          <a:lnRef idx="2">
+            <a:schemeClr val="accent1">
+              <a:shade val="50000"/>
+            </a:schemeClr>
+          </a:lnRef>
+          <a:fillRef idx="1">
+            <a:schemeClr val="accent1"/>
+          </a:fillRef>
+          <a:effectRef idx="0">
+            <a:schemeClr val="accent1"/>
+          </a:effectRef>
+          <a:fontRef idx="minor">
+            <a:schemeClr val="lt1"/>
+          </a:fontRef>
+        </p:style>
+        <p:txBody>
+          <a:bodyPr rtlCol="0" anchor="ctr"/>
+          <a:lstStyle/>
+          <a:p>
+            <a:pPr algn="ctr"/>
+            <a:endParaRPr lang="zh-CN" altLang="en-US"/>
+          </a:p>
+        </p:txBody>
+      </p:sp>
+      <p:sp>
+        <p:nvSpPr>
+          <p:cNvPr id="52" name="矩形 51"/>
+          <p:cNvSpPr/>
+          <p:nvPr/>
+        </p:nvSpPr>
+        <p:spPr>
+          <a:xfrm>
+            <a:off x="2452936" y="3318520"/>
+            <a:ext cx="205680" cy="144016"/>
+          </a:xfrm>
+          <a:prstGeom prst="rect">
+            <a:avLst/>
+          </a:prstGeom>
+          <a:solidFill>
+            <a:schemeClr val="bg1">
+              <a:lumMod val="75000"/>
+            </a:schemeClr>
+          </a:solidFill>
+        </p:spPr>
+        <p:style>
+          <a:lnRef idx="2">
+            <a:schemeClr val="accent1">
+              <a:shade val="50000"/>
+            </a:schemeClr>
+          </a:lnRef>
+          <a:fillRef idx="1">
+            <a:schemeClr val="accent1"/>
+          </a:fillRef>
+          <a:effectRef idx="0">
+            <a:schemeClr val="accent1"/>
+          </a:effectRef>
+          <a:fontRef idx="minor">
+            <a:schemeClr val="lt1"/>
+          </a:fontRef>
+        </p:style>
+        <p:txBody>
+          <a:bodyPr rtlCol="0" anchor="ctr"/>
+          <a:lstStyle/>
+          <a:p>
+            <a:pPr algn="ctr"/>
+            <a:endParaRPr lang="zh-CN" altLang="en-US"/>
+          </a:p>
+        </p:txBody>
+      </p:sp>
+      <p:sp>
+        <p:nvSpPr>
+          <p:cNvPr id="53" name="矩形 52"/>
+          <p:cNvSpPr/>
+          <p:nvPr/>
+        </p:nvSpPr>
+        <p:spPr>
+          <a:xfrm>
+            <a:off x="2452936" y="3470920"/>
+            <a:ext cx="205680" cy="144016"/>
+          </a:xfrm>
+          <a:prstGeom prst="rect">
+            <a:avLst/>
+          </a:prstGeom>
+          <a:solidFill>
+            <a:schemeClr val="bg1">
+              <a:lumMod val="75000"/>
+            </a:schemeClr>
+          </a:solidFill>
+        </p:spPr>
+        <p:style>
+          <a:lnRef idx="2">
+            <a:schemeClr val="accent1">
+              <a:shade val="50000"/>
+            </a:schemeClr>
+          </a:lnRef>
+          <a:fillRef idx="1">
+            <a:schemeClr val="accent1"/>
+          </a:fillRef>
+          <a:effectRef idx="0">
+            <a:schemeClr val="accent1"/>
+          </a:effectRef>
+          <a:fontRef idx="minor">
+            <a:schemeClr val="lt1"/>
+          </a:fontRef>
+        </p:style>
+        <p:txBody>
+          <a:bodyPr rtlCol="0" anchor="ctr"/>
+          <a:lstStyle/>
+          <a:p>
+            <a:pPr algn="ctr"/>
+            <a:endParaRPr lang="zh-CN" altLang="en-US"/>
+          </a:p>
+        </p:txBody>
+      </p:sp>
+      <p:sp>
+        <p:nvSpPr>
+          <p:cNvPr id="54" name="矩形 53"/>
+          <p:cNvSpPr/>
+          <p:nvPr/>
+        </p:nvSpPr>
+        <p:spPr>
+          <a:xfrm>
+            <a:off x="2452936" y="3623320"/>
+            <a:ext cx="205680" cy="144016"/>
+          </a:xfrm>
+          <a:prstGeom prst="rect">
+            <a:avLst/>
+          </a:prstGeom>
+          <a:solidFill>
+            <a:schemeClr val="bg1"/>
+          </a:solidFill>
+        </p:spPr>
+        <p:style>
+          <a:lnRef idx="2">
+            <a:schemeClr val="accent1">
+              <a:shade val="50000"/>
+            </a:schemeClr>
+          </a:lnRef>
+          <a:fillRef idx="1">
+            <a:schemeClr val="accent1"/>
+          </a:fillRef>
+          <a:effectRef idx="0">
+            <a:schemeClr val="accent1"/>
+          </a:effectRef>
+          <a:fontRef idx="minor">
+            <a:schemeClr val="lt1"/>
+          </a:fontRef>
+        </p:style>
+        <p:txBody>
+          <a:bodyPr rtlCol="0" anchor="ctr"/>
+          <a:lstStyle/>
+          <a:p>
+            <a:pPr algn="ctr"/>
+            <a:endParaRPr lang="zh-CN" altLang="en-US"/>
+          </a:p>
+        </p:txBody>
+      </p:sp>
+      <p:sp>
+        <p:nvSpPr>
+          <p:cNvPr id="55" name="矩形 54"/>
+          <p:cNvSpPr/>
+          <p:nvPr/>
+        </p:nvSpPr>
+        <p:spPr>
+          <a:xfrm>
+            <a:off x="2452936" y="3775720"/>
+            <a:ext cx="205680" cy="144016"/>
+          </a:xfrm>
+          <a:prstGeom prst="rect">
+            <a:avLst/>
+          </a:prstGeom>
+          <a:solidFill>
+            <a:schemeClr val="bg1"/>
+          </a:solidFill>
+        </p:spPr>
+        <p:style>
+          <a:lnRef idx="2">
+            <a:schemeClr val="accent1">
+              <a:shade val="50000"/>
+            </a:schemeClr>
+          </a:lnRef>
+          <a:fillRef idx="1">
+            <a:schemeClr val="accent1"/>
+          </a:fillRef>
+          <a:effectRef idx="0">
+            <a:schemeClr val="accent1"/>
+          </a:effectRef>
+          <a:fontRef idx="minor">
+            <a:schemeClr val="lt1"/>
+          </a:fontRef>
+        </p:style>
+        <p:txBody>
+          <a:bodyPr rtlCol="0" anchor="ctr"/>
+          <a:lstStyle/>
+          <a:p>
+            <a:pPr algn="ctr"/>
+            <a:endParaRPr lang="zh-CN" altLang="en-US"/>
+          </a:p>
+        </p:txBody>
+      </p:sp>
+      <p:sp>
+        <p:nvSpPr>
+          <p:cNvPr id="56" name="矩形 55"/>
+          <p:cNvSpPr/>
+          <p:nvPr/>
+        </p:nvSpPr>
+        <p:spPr>
+          <a:xfrm>
+            <a:off x="2452936" y="3928120"/>
+            <a:ext cx="205680" cy="144016"/>
+          </a:xfrm>
+          <a:prstGeom prst="rect">
+            <a:avLst/>
+          </a:prstGeom>
+          <a:solidFill>
+            <a:schemeClr val="bg1"/>
+          </a:solidFill>
+        </p:spPr>
+        <p:style>
+          <a:lnRef idx="2">
+            <a:schemeClr val="accent1">
+              <a:shade val="50000"/>
+            </a:schemeClr>
+          </a:lnRef>
+          <a:fillRef idx="1">
+            <a:schemeClr val="accent1"/>
+          </a:fillRef>
+          <a:effectRef idx="0">
+            <a:schemeClr val="accent1"/>
+          </a:effectRef>
+          <a:fontRef idx="minor">
+            <a:schemeClr val="lt1"/>
+          </a:fontRef>
+        </p:style>
+        <p:txBody>
+          <a:bodyPr rtlCol="0" anchor="ctr"/>
+          <a:lstStyle/>
+          <a:p>
+            <a:pPr algn="ctr"/>
+            <a:endParaRPr lang="zh-CN" altLang="en-US"/>
+          </a:p>
+        </p:txBody>
+      </p:sp>
+      <p:sp>
+        <p:nvSpPr>
+          <p:cNvPr id="57" name="矩形 56"/>
+          <p:cNvSpPr/>
+          <p:nvPr/>
+        </p:nvSpPr>
+        <p:spPr>
+          <a:xfrm>
+            <a:off x="2452936" y="4080520"/>
+            <a:ext cx="205680" cy="144016"/>
+          </a:xfrm>
+          <a:prstGeom prst="rect">
+            <a:avLst/>
+          </a:prstGeom>
+          <a:solidFill>
+            <a:schemeClr val="bg1"/>
+          </a:solidFill>
+        </p:spPr>
+        <p:style>
+          <a:lnRef idx="2">
+            <a:schemeClr val="accent1">
+              <a:shade val="50000"/>
+            </a:schemeClr>
+          </a:lnRef>
+          <a:fillRef idx="1">
+            <a:schemeClr val="accent1"/>
+          </a:fillRef>
+          <a:effectRef idx="0">
+            <a:schemeClr val="accent1"/>
+          </a:effectRef>
+          <a:fontRef idx="minor">
+            <a:schemeClr val="lt1"/>
+          </a:fontRef>
+        </p:style>
+        <p:txBody>
+          <a:bodyPr rtlCol="0" anchor="ctr"/>
+          <a:lstStyle/>
+          <a:p>
+            <a:pPr algn="ctr"/>
+            <a:endParaRPr lang="zh-CN" altLang="en-US"/>
+          </a:p>
+        </p:txBody>
+      </p:sp>
+      <p:sp>
+        <p:nvSpPr>
+          <p:cNvPr id="58" name="TextBox 28"/>
+          <p:cNvSpPr txBox="1"/>
+          <p:nvPr/>
+        </p:nvSpPr>
+        <p:spPr>
+          <a:xfrm>
+            <a:off x="1870064" y="4365104"/>
+            <a:ext cx="874440" cy="646331"/>
+          </a:xfrm>
+          <a:prstGeom prst="rect">
+            <a:avLst/>
+          </a:prstGeom>
+          <a:solidFill>
+            <a:schemeClr val="tx2"/>
+          </a:solidFill>
+        </p:spPr>
+        <p:txBody>
+          <a:bodyPr wrap="square" rtlCol="0">
+            <a:spAutoFit/>
+          </a:bodyPr>
+          <a:lstStyle/>
+          <a:p>
+            <a:pPr algn="ctr"/>
+            <a:r>
+              <a:rPr lang="en-US" altLang="zh-CN" dirty="0" smtClean="0"/>
+              <a:t>Backup </a:t>
+            </a:r>
+            <a:r>
+              <a:rPr lang="en-US" altLang="zh-CN" dirty="0" smtClean="0"/>
+              <a:t>pool</a:t>
+            </a:r>
+            <a:endParaRPr lang="zh-CN" altLang="en-US" dirty="0"/>
+          </a:p>
+        </p:txBody>
+      </p:sp>
+      <p:cxnSp>
+        <p:nvCxnSpPr>
+          <p:cNvPr id="23" name="直接箭头连接符 22"/>
+          <p:cNvCxnSpPr>
+            <a:stCxn id="5" idx="0"/>
+          </p:cNvCxnSpPr>
+          <p:nvPr/>
+        </p:nvCxnSpPr>
+        <p:spPr>
+          <a:xfrm flipV="1">
+            <a:off x="2050009" y="1628800"/>
+            <a:ext cx="0" cy="1080120"/>
+          </a:xfrm>
+          <a:prstGeom prst="straightConnector1">
+            <a:avLst/>
+          </a:prstGeom>
+          <a:ln w="38100">
+            <a:solidFill>
+              <a:schemeClr val="bg1">
+                <a:lumMod val="50000"/>
+              </a:schemeClr>
+            </a:solidFill>
+            <a:headEnd type="triangle" w="med" len="med"/>
+            <a:tailEnd type="none" w="med" len="med"/>
+          </a:ln>
+        </p:spPr>
+        <p:style>
+          <a:lnRef idx="1">
+            <a:schemeClr val="accent1"/>
+          </a:lnRef>
+          <a:fillRef idx="0">
+            <a:schemeClr val="accent1"/>
+          </a:fillRef>
+          <a:effectRef idx="0">
+            <a:schemeClr val="accent1"/>
+          </a:effectRef>
+          <a:fontRef idx="minor">
+            <a:schemeClr val="tx1"/>
+          </a:fontRef>
+        </p:style>
+      </p:cxnSp>
+      <p:sp>
+        <p:nvSpPr>
+          <p:cNvPr id="61" name="TextBox 26"/>
+          <p:cNvSpPr txBox="1"/>
+          <p:nvPr/>
+        </p:nvSpPr>
+        <p:spPr>
+          <a:xfrm>
+            <a:off x="539551" y="5522256"/>
+            <a:ext cx="3168352" cy="1200329"/>
+          </a:xfrm>
+          <a:prstGeom prst="rect">
+            <a:avLst/>
+          </a:prstGeom>
+          <a:noFill/>
+        </p:spPr>
+        <p:txBody>
+          <a:bodyPr wrap="square" rtlCol="0">
+            <a:spAutoFit/>
+          </a:bodyPr>
+          <a:lstStyle/>
+          <a:p>
+            <a:r>
+              <a:rPr lang="en-US" altLang="zh-CN" dirty="0"/>
+              <a:t>Multi-path </a:t>
+            </a:r>
+            <a:r>
+              <a:rPr lang="en-US" altLang="zh-CN" dirty="0" smtClean="0"/>
+              <a:t>failures by backup:</a:t>
+            </a:r>
+            <a:endParaRPr lang="en-US" altLang="zh-CN" dirty="0"/>
+          </a:p>
+          <a:p>
+            <a:pPr marL="342900" indent="-342900">
+              <a:buFont typeface="+mj-lt"/>
+              <a:buAutoNum type="arabicPeriod"/>
+            </a:pPr>
+            <a:r>
+              <a:rPr lang="en-US" altLang="zh-CN" dirty="0"/>
+              <a:t>Drop </a:t>
+            </a:r>
+            <a:r>
+              <a:rPr lang="en-US" altLang="zh-CN" dirty="0" smtClean="0"/>
+              <a:t>one </a:t>
+            </a:r>
+            <a:r>
+              <a:rPr lang="en-US" altLang="zh-CN" dirty="0" err="1" smtClean="0"/>
+              <a:t>subflow</a:t>
+            </a:r>
+            <a:r>
+              <a:rPr lang="en-US" altLang="zh-CN" dirty="0" smtClean="0"/>
+              <a:t>;</a:t>
+            </a:r>
+            <a:endParaRPr lang="en-US" altLang="zh-CN" dirty="0"/>
+          </a:p>
+          <a:p>
+            <a:pPr marL="342900" indent="-342900">
+              <a:buFont typeface="+mj-lt"/>
+              <a:buAutoNum type="arabicPeriod"/>
+            </a:pPr>
+            <a:r>
+              <a:rPr lang="en-US" altLang="zh-CN" dirty="0"/>
+              <a:t>Retransmit </a:t>
+            </a:r>
+            <a:r>
+              <a:rPr lang="en-US" altLang="zh-CN" dirty="0" smtClean="0"/>
+              <a:t>one </a:t>
+            </a:r>
+            <a:r>
+              <a:rPr lang="en-US" altLang="zh-CN" dirty="0" err="1" smtClean="0"/>
+              <a:t>subflow</a:t>
+            </a:r>
+            <a:r>
+              <a:rPr lang="en-US" altLang="zh-CN" dirty="0" smtClean="0"/>
+              <a:t>;</a:t>
+            </a:r>
+          </a:p>
+          <a:p>
+            <a:pPr marL="342900" indent="-342900">
+              <a:buFont typeface="+mj-lt"/>
+              <a:buAutoNum type="arabicPeriod"/>
+            </a:pPr>
+            <a:r>
+              <a:rPr lang="en-US" altLang="zh-CN" dirty="0" smtClean="0"/>
+              <a:t>Decoding after transmit.</a:t>
+            </a:r>
+            <a:endParaRPr lang="en-US" altLang="zh-CN" dirty="0"/>
+          </a:p>
+        </p:txBody>
+      </p:sp>
+      <p:sp>
+        <p:nvSpPr>
+          <p:cNvPr id="62" name="TextBox 27"/>
+          <p:cNvSpPr txBox="1"/>
+          <p:nvPr/>
+        </p:nvSpPr>
+        <p:spPr>
+          <a:xfrm>
+            <a:off x="4860032" y="5522256"/>
+            <a:ext cx="2991794" cy="923330"/>
+          </a:xfrm>
+          <a:prstGeom prst="rect">
+            <a:avLst/>
+          </a:prstGeom>
+          <a:noFill/>
+        </p:spPr>
+        <p:txBody>
+          <a:bodyPr wrap="square" rtlCol="0">
+            <a:spAutoFit/>
+          </a:bodyPr>
+          <a:lstStyle/>
+          <a:p>
+            <a:r>
+              <a:rPr lang="en-US" altLang="zh-CN" dirty="0"/>
+              <a:t>Multi-path failures</a:t>
+            </a:r>
+            <a:r>
+              <a:rPr lang="zh-CN" altLang="en-US" dirty="0"/>
+              <a:t>：</a:t>
+            </a:r>
+            <a:endParaRPr lang="en-US" altLang="zh-CN" dirty="0"/>
+          </a:p>
+          <a:p>
+            <a:pPr marL="342900" indent="-342900">
+              <a:buFont typeface="+mj-lt"/>
+              <a:buAutoNum type="arabicPeriod"/>
+            </a:pPr>
+            <a:r>
+              <a:rPr lang="en-US" altLang="zh-CN" dirty="0"/>
+              <a:t>Drop </a:t>
+            </a:r>
+            <a:r>
+              <a:rPr lang="en-US" altLang="zh-CN" dirty="0" smtClean="0"/>
+              <a:t>two </a:t>
+            </a:r>
+            <a:r>
+              <a:rPr lang="en-US" altLang="zh-CN" dirty="0" err="1" smtClean="0"/>
+              <a:t>subflows</a:t>
+            </a:r>
+            <a:r>
+              <a:rPr lang="en-US" altLang="zh-CN" dirty="0" smtClean="0"/>
+              <a:t>;</a:t>
+            </a:r>
+            <a:endParaRPr lang="zh-CN" altLang="en-US" dirty="0"/>
+          </a:p>
+          <a:p>
+            <a:pPr marL="342900" indent="-342900">
+              <a:buFont typeface="+mj-lt"/>
+              <a:buAutoNum type="arabicPeriod"/>
+            </a:pPr>
+            <a:r>
+              <a:rPr lang="en-US" altLang="zh-CN" dirty="0"/>
+              <a:t>Retransmit one </a:t>
+            </a:r>
+            <a:r>
+              <a:rPr lang="en-US" altLang="zh-CN" dirty="0" err="1"/>
+              <a:t>subflow</a:t>
+            </a:r>
+            <a:r>
+              <a:rPr lang="en-US" altLang="zh-CN" dirty="0" smtClean="0"/>
+              <a:t>.</a:t>
+            </a:r>
+          </a:p>
+        </p:txBody>
+      </p:sp>
+      <p:cxnSp>
+        <p:nvCxnSpPr>
+          <p:cNvPr id="64" name="曲线连接符 63"/>
+          <p:cNvCxnSpPr/>
+          <p:nvPr/>
+        </p:nvCxnSpPr>
+        <p:spPr>
+          <a:xfrm rot="5400000" flipH="1" flipV="1">
+            <a:off x="2518917" y="2023990"/>
+            <a:ext cx="288031" cy="1081830"/>
+          </a:xfrm>
+          <a:prstGeom prst="curvedConnector2">
+            <a:avLst/>
+          </a:prstGeom>
+          <a:ln w="76200">
+            <a:solidFill>
+              <a:schemeClr val="bg1">
+                <a:lumMod val="50000"/>
+              </a:schemeClr>
+            </a:solidFill>
+            <a:tailEnd type="triangle"/>
+          </a:ln>
+        </p:spPr>
+        <p:style>
+          <a:lnRef idx="1">
+            <a:schemeClr val="accent1"/>
+          </a:lnRef>
+          <a:fillRef idx="0">
+            <a:schemeClr val="accent1"/>
+          </a:fillRef>
+          <a:effectRef idx="0">
+            <a:schemeClr val="accent1"/>
+          </a:effectRef>
+          <a:fontRef idx="minor">
+            <a:schemeClr val="tx1"/>
+          </a:fontRef>
+        </p:style>
+      </p:cxnSp>
+      <p:sp>
+        <p:nvSpPr>
+          <p:cNvPr id="71" name="文本框 70"/>
+          <p:cNvSpPr txBox="1"/>
+          <p:nvPr/>
+        </p:nvSpPr>
+        <p:spPr>
+          <a:xfrm>
+            <a:off x="755575" y="3928788"/>
+            <a:ext cx="288034" cy="369332"/>
+          </a:xfrm>
+          <a:prstGeom prst="rect">
+            <a:avLst/>
+          </a:prstGeom>
+          <a:solidFill>
+            <a:srgbClr val="00B050"/>
+          </a:solidFill>
+        </p:spPr>
+        <p:txBody>
+          <a:bodyPr wrap="square" rtlCol="0">
+            <a:spAutoFit/>
+          </a:bodyPr>
+          <a:lstStyle/>
+          <a:p>
+            <a:r>
+              <a:rPr lang="en-US" altLang="zh-CN" dirty="0" smtClean="0"/>
+              <a:t>1</a:t>
+            </a:r>
+            <a:endParaRPr lang="zh-CN" altLang="en-US" dirty="0"/>
+          </a:p>
+        </p:txBody>
+      </p:sp>
+      <p:sp>
+        <p:nvSpPr>
+          <p:cNvPr id="72" name="文本框 9"/>
+          <p:cNvSpPr txBox="1"/>
+          <p:nvPr/>
+        </p:nvSpPr>
+        <p:spPr>
+          <a:xfrm>
+            <a:off x="2989533" y="3175486"/>
+            <a:ext cx="288034" cy="369332"/>
+          </a:xfrm>
+          <a:prstGeom prst="rect">
+            <a:avLst/>
+          </a:prstGeom>
+          <a:solidFill>
+            <a:srgbClr val="00B050"/>
+          </a:solidFill>
+        </p:spPr>
+        <p:txBody>
+          <a:bodyPr wrap="square" rtlCol="0">
+            <a:spAutoFit/>
+          </a:bodyPr>
+          <a:lstStyle>
+            <a:defPPr>
+              <a:defRPr lang="zh-CN"/>
+            </a:defPPr>
+            <a:lvl1pPr marL="0" algn="l" defTabSz="914400" rtl="0" eaLnBrk="1" latinLnBrk="0" hangingPunct="1">
+              <a:defRPr sz="1800" kern="1200">
+                <a:solidFill>
+                  <a:schemeClr val="tx1"/>
+                </a:solidFill>
+                <a:latin typeface="+mn-lt"/>
+                <a:ea typeface="+mn-ea"/>
+                <a:cs typeface="+mn-cs"/>
+              </a:defRPr>
+            </a:lvl1pPr>
+            <a:lvl2pPr marL="457200" algn="l" defTabSz="914400" rtl="0" eaLnBrk="1" latinLnBrk="0" hangingPunct="1">
+              <a:defRPr sz="1800" kern="1200">
+                <a:solidFill>
+                  <a:schemeClr val="tx1"/>
+                </a:solidFill>
+                <a:latin typeface="+mn-lt"/>
+                <a:ea typeface="+mn-ea"/>
+                <a:cs typeface="+mn-cs"/>
+              </a:defRPr>
+            </a:lvl2pPr>
+            <a:lvl3pPr marL="914400" algn="l" defTabSz="914400" rtl="0" eaLnBrk="1" latinLnBrk="0" hangingPunct="1">
+              <a:defRPr sz="1800" kern="1200">
+                <a:solidFill>
+                  <a:schemeClr val="tx1"/>
+                </a:solidFill>
+                <a:latin typeface="+mn-lt"/>
+                <a:ea typeface="+mn-ea"/>
+                <a:cs typeface="+mn-cs"/>
+              </a:defRPr>
+            </a:lvl3pPr>
+            <a:lvl4pPr marL="1371600" algn="l" defTabSz="914400" rtl="0" eaLnBrk="1" latinLnBrk="0" hangingPunct="1">
+              <a:defRPr sz="1800" kern="1200">
+                <a:solidFill>
+                  <a:schemeClr val="tx1"/>
+                </a:solidFill>
+                <a:latin typeface="+mn-lt"/>
+                <a:ea typeface="+mn-ea"/>
+                <a:cs typeface="+mn-cs"/>
+              </a:defRPr>
+            </a:lvl4pPr>
+            <a:lvl5pPr marL="1828800" algn="l" defTabSz="914400" rtl="0" eaLnBrk="1" latinLnBrk="0" hangingPunct="1">
+              <a:defRPr sz="1800" kern="1200">
+                <a:solidFill>
+                  <a:schemeClr val="tx1"/>
+                </a:solidFill>
+                <a:latin typeface="+mn-lt"/>
+                <a:ea typeface="+mn-ea"/>
+                <a:cs typeface="+mn-cs"/>
+              </a:defRPr>
+            </a:lvl5pPr>
+            <a:lvl6pPr marL="2286000" algn="l" defTabSz="914400" rtl="0" eaLnBrk="1" latinLnBrk="0" hangingPunct="1">
+              <a:defRPr sz="1800" kern="1200">
+                <a:solidFill>
+                  <a:schemeClr val="tx1"/>
+                </a:solidFill>
+                <a:latin typeface="+mn-lt"/>
+                <a:ea typeface="+mn-ea"/>
+                <a:cs typeface="+mn-cs"/>
+              </a:defRPr>
+            </a:lvl6pPr>
+            <a:lvl7pPr marL="2743200" algn="l" defTabSz="914400" rtl="0" eaLnBrk="1" latinLnBrk="0" hangingPunct="1">
+              <a:defRPr sz="1800" kern="1200">
+                <a:solidFill>
+                  <a:schemeClr val="tx1"/>
+                </a:solidFill>
+                <a:latin typeface="+mn-lt"/>
+                <a:ea typeface="+mn-ea"/>
+                <a:cs typeface="+mn-cs"/>
+              </a:defRPr>
+            </a:lvl7pPr>
+            <a:lvl8pPr marL="3200400" algn="l" defTabSz="914400" rtl="0" eaLnBrk="1" latinLnBrk="0" hangingPunct="1">
+              <a:defRPr sz="1800" kern="1200">
+                <a:solidFill>
+                  <a:schemeClr val="tx1"/>
+                </a:solidFill>
+                <a:latin typeface="+mn-lt"/>
+                <a:ea typeface="+mn-ea"/>
+                <a:cs typeface="+mn-cs"/>
+              </a:defRPr>
+            </a:lvl8pPr>
+            <a:lvl9pPr marL="3657600" algn="l" defTabSz="914400" rtl="0" eaLnBrk="1" latinLnBrk="0" hangingPunct="1">
+              <a:defRPr sz="1800" kern="1200">
+                <a:solidFill>
+                  <a:schemeClr val="tx1"/>
+                </a:solidFill>
+                <a:latin typeface="+mn-lt"/>
+                <a:ea typeface="+mn-ea"/>
+                <a:cs typeface="+mn-cs"/>
+              </a:defRPr>
+            </a:lvl9pPr>
+          </a:lstStyle>
+          <a:p>
+            <a:r>
+              <a:rPr lang="en-US" altLang="zh-CN" dirty="0" smtClean="0"/>
+              <a:t>2</a:t>
+            </a:r>
+            <a:endParaRPr lang="zh-CN" altLang="en-US" dirty="0"/>
+          </a:p>
+        </p:txBody>
+      </p:sp>
+      <p:sp>
+        <p:nvSpPr>
+          <p:cNvPr id="73" name="文本框 9"/>
+          <p:cNvSpPr txBox="1"/>
+          <p:nvPr/>
+        </p:nvSpPr>
+        <p:spPr>
+          <a:xfrm>
+            <a:off x="2175057" y="2307323"/>
+            <a:ext cx="288034" cy="369332"/>
+          </a:xfrm>
+          <a:prstGeom prst="rect">
+            <a:avLst/>
+          </a:prstGeom>
+          <a:solidFill>
+            <a:srgbClr val="00B050"/>
+          </a:solidFill>
+        </p:spPr>
+        <p:txBody>
+          <a:bodyPr wrap="square" rtlCol="0">
+            <a:spAutoFit/>
+          </a:bodyPr>
+          <a:lstStyle>
+            <a:defPPr>
+              <a:defRPr lang="zh-CN"/>
+            </a:defPPr>
+            <a:lvl1pPr marL="0" algn="l" defTabSz="914400" rtl="0" eaLnBrk="1" latinLnBrk="0" hangingPunct="1">
+              <a:defRPr sz="1800" kern="1200">
+                <a:solidFill>
+                  <a:schemeClr val="tx1"/>
+                </a:solidFill>
+                <a:latin typeface="+mn-lt"/>
+                <a:ea typeface="+mn-ea"/>
+                <a:cs typeface="+mn-cs"/>
+              </a:defRPr>
+            </a:lvl1pPr>
+            <a:lvl2pPr marL="457200" algn="l" defTabSz="914400" rtl="0" eaLnBrk="1" latinLnBrk="0" hangingPunct="1">
+              <a:defRPr sz="1800" kern="1200">
+                <a:solidFill>
+                  <a:schemeClr val="tx1"/>
+                </a:solidFill>
+                <a:latin typeface="+mn-lt"/>
+                <a:ea typeface="+mn-ea"/>
+                <a:cs typeface="+mn-cs"/>
+              </a:defRPr>
+            </a:lvl2pPr>
+            <a:lvl3pPr marL="914400" algn="l" defTabSz="914400" rtl="0" eaLnBrk="1" latinLnBrk="0" hangingPunct="1">
+              <a:defRPr sz="1800" kern="1200">
+                <a:solidFill>
+                  <a:schemeClr val="tx1"/>
+                </a:solidFill>
+                <a:latin typeface="+mn-lt"/>
+                <a:ea typeface="+mn-ea"/>
+                <a:cs typeface="+mn-cs"/>
+              </a:defRPr>
+            </a:lvl3pPr>
+            <a:lvl4pPr marL="1371600" algn="l" defTabSz="914400" rtl="0" eaLnBrk="1" latinLnBrk="0" hangingPunct="1">
+              <a:defRPr sz="1800" kern="1200">
+                <a:solidFill>
+                  <a:schemeClr val="tx1"/>
+                </a:solidFill>
+                <a:latin typeface="+mn-lt"/>
+                <a:ea typeface="+mn-ea"/>
+                <a:cs typeface="+mn-cs"/>
+              </a:defRPr>
+            </a:lvl4pPr>
+            <a:lvl5pPr marL="1828800" algn="l" defTabSz="914400" rtl="0" eaLnBrk="1" latinLnBrk="0" hangingPunct="1">
+              <a:defRPr sz="1800" kern="1200">
+                <a:solidFill>
+                  <a:schemeClr val="tx1"/>
+                </a:solidFill>
+                <a:latin typeface="+mn-lt"/>
+                <a:ea typeface="+mn-ea"/>
+                <a:cs typeface="+mn-cs"/>
+              </a:defRPr>
+            </a:lvl5pPr>
+            <a:lvl6pPr marL="2286000" algn="l" defTabSz="914400" rtl="0" eaLnBrk="1" latinLnBrk="0" hangingPunct="1">
+              <a:defRPr sz="1800" kern="1200">
+                <a:solidFill>
+                  <a:schemeClr val="tx1"/>
+                </a:solidFill>
+                <a:latin typeface="+mn-lt"/>
+                <a:ea typeface="+mn-ea"/>
+                <a:cs typeface="+mn-cs"/>
+              </a:defRPr>
+            </a:lvl6pPr>
+            <a:lvl7pPr marL="2743200" algn="l" defTabSz="914400" rtl="0" eaLnBrk="1" latinLnBrk="0" hangingPunct="1">
+              <a:defRPr sz="1800" kern="1200">
+                <a:solidFill>
+                  <a:schemeClr val="tx1"/>
+                </a:solidFill>
+                <a:latin typeface="+mn-lt"/>
+                <a:ea typeface="+mn-ea"/>
+                <a:cs typeface="+mn-cs"/>
+              </a:defRPr>
+            </a:lvl7pPr>
+            <a:lvl8pPr marL="3200400" algn="l" defTabSz="914400" rtl="0" eaLnBrk="1" latinLnBrk="0" hangingPunct="1">
+              <a:defRPr sz="1800" kern="1200">
+                <a:solidFill>
+                  <a:schemeClr val="tx1"/>
+                </a:solidFill>
+                <a:latin typeface="+mn-lt"/>
+                <a:ea typeface="+mn-ea"/>
+                <a:cs typeface="+mn-cs"/>
+              </a:defRPr>
+            </a:lvl8pPr>
+            <a:lvl9pPr marL="3657600" algn="l" defTabSz="914400" rtl="0" eaLnBrk="1" latinLnBrk="0" hangingPunct="1">
+              <a:defRPr sz="1800" kern="1200">
+                <a:solidFill>
+                  <a:schemeClr val="tx1"/>
+                </a:solidFill>
+                <a:latin typeface="+mn-lt"/>
+                <a:ea typeface="+mn-ea"/>
+                <a:cs typeface="+mn-cs"/>
+              </a:defRPr>
+            </a:lvl9pPr>
+          </a:lstStyle>
+          <a:p>
+            <a:r>
+              <a:rPr lang="en-US" altLang="zh-CN" dirty="0" smtClean="0"/>
+              <a:t>2</a:t>
+            </a:r>
+            <a:endParaRPr lang="zh-CN" altLang="en-US" dirty="0"/>
+          </a:p>
+        </p:txBody>
+      </p:sp>
+      <p:cxnSp>
+        <p:nvCxnSpPr>
+          <p:cNvPr id="74" name="直接箭头连接符 73"/>
+          <p:cNvCxnSpPr/>
+          <p:nvPr/>
+        </p:nvCxnSpPr>
+        <p:spPr>
+          <a:xfrm flipV="1">
+            <a:off x="6943381" y="1616893"/>
+            <a:ext cx="0" cy="1080120"/>
+          </a:xfrm>
+          <a:prstGeom prst="straightConnector1">
+            <a:avLst/>
+          </a:prstGeom>
+          <a:ln w="38100">
+            <a:solidFill>
+              <a:schemeClr val="bg1">
+                <a:lumMod val="75000"/>
+              </a:schemeClr>
+            </a:solidFill>
+            <a:headEnd type="triangle" w="med" len="med"/>
+            <a:tailEnd type="none" w="med" len="med"/>
+          </a:ln>
+        </p:spPr>
+        <p:style>
+          <a:lnRef idx="1">
+            <a:schemeClr val="accent1"/>
+          </a:lnRef>
+          <a:fillRef idx="0">
+            <a:schemeClr val="accent1"/>
+          </a:fillRef>
+          <a:effectRef idx="0">
+            <a:schemeClr val="accent1"/>
+          </a:effectRef>
+          <a:fontRef idx="minor">
+            <a:schemeClr val="tx1"/>
+          </a:fontRef>
+        </p:style>
+      </p:cxnSp>
+      <p:sp>
+        <p:nvSpPr>
+          <p:cNvPr id="76" name="下箭头 75"/>
+          <p:cNvSpPr/>
+          <p:nvPr/>
+        </p:nvSpPr>
+        <p:spPr>
+          <a:xfrm>
+            <a:off x="7298302" y="2852936"/>
+            <a:ext cx="432048" cy="986516"/>
+          </a:xfrm>
+          <a:prstGeom prst="downArrow">
+            <a:avLst/>
+          </a:prstGeom>
+          <a:solidFill>
+            <a:schemeClr val="bg1">
+              <a:lumMod val="50000"/>
+            </a:schemeClr>
+          </a:solidFill>
+        </p:spPr>
+        <p:style>
+          <a:lnRef idx="2">
+            <a:schemeClr val="accent1">
+              <a:shade val="50000"/>
+            </a:schemeClr>
+          </a:lnRef>
+          <a:fillRef idx="1">
+            <a:schemeClr val="accent1"/>
+          </a:fillRef>
+          <a:effectRef idx="0">
+            <a:schemeClr val="accent1"/>
+          </a:effectRef>
+          <a:fontRef idx="minor">
+            <a:schemeClr val="lt1"/>
+          </a:fontRef>
+        </p:style>
+        <p:txBody>
+          <a:bodyPr rtlCol="0" anchor="ctr"/>
+          <a:lstStyle/>
+          <a:p>
+            <a:pPr algn="ctr"/>
+            <a:endParaRPr lang="zh-CN" altLang="en-US"/>
+          </a:p>
+        </p:txBody>
+      </p:sp>
+      <p:sp>
+        <p:nvSpPr>
+          <p:cNvPr id="77" name="矩形 76"/>
+          <p:cNvSpPr/>
+          <p:nvPr/>
+        </p:nvSpPr>
+        <p:spPr>
+          <a:xfrm>
+            <a:off x="6329655" y="2697013"/>
+            <a:ext cx="205680" cy="144016"/>
+          </a:xfrm>
+          <a:prstGeom prst="rect">
+            <a:avLst/>
+          </a:prstGeom>
+          <a:solidFill>
+            <a:schemeClr val="bg1">
+              <a:lumMod val="50000"/>
+            </a:schemeClr>
+          </a:solidFill>
+        </p:spPr>
+        <p:style>
+          <a:lnRef idx="2">
+            <a:schemeClr val="accent1">
+              <a:shade val="50000"/>
+            </a:schemeClr>
+          </a:lnRef>
+          <a:fillRef idx="1">
+            <a:schemeClr val="accent1"/>
+          </a:fillRef>
+          <a:effectRef idx="0">
+            <a:schemeClr val="accent1"/>
+          </a:effectRef>
+          <a:fontRef idx="minor">
+            <a:schemeClr val="lt1"/>
+          </a:fontRef>
+        </p:style>
+        <p:txBody>
+          <a:bodyPr rtlCol="0" anchor="ctr"/>
+          <a:lstStyle/>
+          <a:p>
+            <a:pPr algn="ctr"/>
+            <a:endParaRPr lang="zh-CN" altLang="en-US"/>
+          </a:p>
+        </p:txBody>
+      </p:sp>
+      <p:sp>
+        <p:nvSpPr>
+          <p:cNvPr id="78" name="矩形 77"/>
+          <p:cNvSpPr/>
+          <p:nvPr/>
+        </p:nvSpPr>
+        <p:spPr>
+          <a:xfrm>
+            <a:off x="6329655" y="2849413"/>
+            <a:ext cx="205680" cy="144016"/>
+          </a:xfrm>
+          <a:prstGeom prst="rect">
+            <a:avLst/>
+          </a:prstGeom>
+          <a:solidFill>
+            <a:schemeClr val="bg1">
+              <a:lumMod val="50000"/>
+            </a:schemeClr>
+          </a:solidFill>
+        </p:spPr>
+        <p:style>
+          <a:lnRef idx="2">
+            <a:schemeClr val="accent1">
+              <a:shade val="50000"/>
+            </a:schemeClr>
+          </a:lnRef>
+          <a:fillRef idx="1">
+            <a:schemeClr val="accent1"/>
+          </a:fillRef>
+          <a:effectRef idx="0">
+            <a:schemeClr val="accent1"/>
+          </a:effectRef>
+          <a:fontRef idx="minor">
+            <a:schemeClr val="lt1"/>
+          </a:fontRef>
+        </p:style>
+        <p:txBody>
+          <a:bodyPr rtlCol="0" anchor="ctr"/>
+          <a:lstStyle/>
+          <a:p>
+            <a:pPr algn="ctr"/>
+            <a:endParaRPr lang="zh-CN" altLang="en-US"/>
+          </a:p>
+        </p:txBody>
+      </p:sp>
+      <p:sp>
+        <p:nvSpPr>
+          <p:cNvPr id="79" name="矩形 78"/>
+          <p:cNvSpPr/>
+          <p:nvPr/>
+        </p:nvSpPr>
+        <p:spPr>
+          <a:xfrm>
+            <a:off x="6329655" y="3001813"/>
+            <a:ext cx="205680" cy="144016"/>
+          </a:xfrm>
+          <a:prstGeom prst="rect">
+            <a:avLst/>
+          </a:prstGeom>
+          <a:solidFill>
+            <a:schemeClr val="bg1">
+              <a:lumMod val="50000"/>
+            </a:schemeClr>
+          </a:solidFill>
+        </p:spPr>
+        <p:style>
+          <a:lnRef idx="2">
+            <a:schemeClr val="accent1">
+              <a:shade val="50000"/>
+            </a:schemeClr>
+          </a:lnRef>
+          <a:fillRef idx="1">
+            <a:schemeClr val="accent1"/>
+          </a:fillRef>
+          <a:effectRef idx="0">
+            <a:schemeClr val="accent1"/>
+          </a:effectRef>
+          <a:fontRef idx="minor">
+            <a:schemeClr val="lt1"/>
+          </a:fontRef>
+        </p:style>
+        <p:txBody>
+          <a:bodyPr rtlCol="0" anchor="ctr"/>
+          <a:lstStyle/>
+          <a:p>
+            <a:pPr algn="ctr"/>
+            <a:endParaRPr lang="zh-CN" altLang="en-US"/>
+          </a:p>
+        </p:txBody>
+      </p:sp>
+      <p:sp>
+        <p:nvSpPr>
+          <p:cNvPr id="80" name="矩形 79"/>
+          <p:cNvSpPr/>
+          <p:nvPr/>
+        </p:nvSpPr>
+        <p:spPr>
+          <a:xfrm>
+            <a:off x="6329655" y="3154213"/>
+            <a:ext cx="205680" cy="144016"/>
+          </a:xfrm>
+          <a:prstGeom prst="rect">
+            <a:avLst/>
+          </a:prstGeom>
+          <a:solidFill>
+            <a:schemeClr val="bg1">
+              <a:lumMod val="50000"/>
+            </a:schemeClr>
+          </a:solidFill>
+        </p:spPr>
+        <p:style>
+          <a:lnRef idx="2">
+            <a:schemeClr val="accent1">
+              <a:shade val="50000"/>
+            </a:schemeClr>
+          </a:lnRef>
+          <a:fillRef idx="1">
+            <a:schemeClr val="accent1"/>
+          </a:fillRef>
+          <a:effectRef idx="0">
+            <a:schemeClr val="accent1"/>
+          </a:effectRef>
+          <a:fontRef idx="minor">
+            <a:schemeClr val="lt1"/>
+          </a:fontRef>
+        </p:style>
+        <p:txBody>
+          <a:bodyPr rtlCol="0" anchor="ctr"/>
+          <a:lstStyle/>
+          <a:p>
+            <a:pPr algn="ctr"/>
+            <a:endParaRPr lang="zh-CN" altLang="en-US"/>
+          </a:p>
+        </p:txBody>
+      </p:sp>
+      <p:sp>
+        <p:nvSpPr>
+          <p:cNvPr id="81" name="矩形 80"/>
+          <p:cNvSpPr/>
+          <p:nvPr/>
+        </p:nvSpPr>
+        <p:spPr>
+          <a:xfrm>
+            <a:off x="6329655" y="3306613"/>
+            <a:ext cx="205680" cy="144016"/>
+          </a:xfrm>
+          <a:prstGeom prst="rect">
+            <a:avLst/>
+          </a:prstGeom>
+          <a:solidFill>
+            <a:schemeClr val="bg1">
+              <a:lumMod val="50000"/>
+            </a:schemeClr>
+          </a:solidFill>
+        </p:spPr>
+        <p:style>
+          <a:lnRef idx="2">
+            <a:schemeClr val="accent1">
+              <a:shade val="50000"/>
+            </a:schemeClr>
+          </a:lnRef>
+          <a:fillRef idx="1">
+            <a:schemeClr val="accent1"/>
+          </a:fillRef>
+          <a:effectRef idx="0">
+            <a:schemeClr val="accent1"/>
+          </a:effectRef>
+          <a:fontRef idx="minor">
+            <a:schemeClr val="lt1"/>
+          </a:fontRef>
+        </p:style>
+        <p:txBody>
+          <a:bodyPr rtlCol="0" anchor="ctr"/>
+          <a:lstStyle/>
+          <a:p>
+            <a:pPr algn="ctr"/>
+            <a:endParaRPr lang="zh-CN" altLang="en-US"/>
+          </a:p>
+        </p:txBody>
+      </p:sp>
+      <p:sp>
+        <p:nvSpPr>
+          <p:cNvPr id="82" name="矩形 81"/>
+          <p:cNvSpPr/>
+          <p:nvPr/>
+        </p:nvSpPr>
+        <p:spPr>
+          <a:xfrm>
+            <a:off x="6329655" y="3459013"/>
+            <a:ext cx="205680" cy="144016"/>
+          </a:xfrm>
+          <a:prstGeom prst="rect">
+            <a:avLst/>
+          </a:prstGeom>
+          <a:solidFill>
+            <a:schemeClr val="bg1">
+              <a:lumMod val="50000"/>
+            </a:schemeClr>
+          </a:solidFill>
+        </p:spPr>
+        <p:style>
+          <a:lnRef idx="2">
+            <a:schemeClr val="accent1">
+              <a:shade val="50000"/>
+            </a:schemeClr>
+          </a:lnRef>
+          <a:fillRef idx="1">
+            <a:schemeClr val="accent1"/>
+          </a:fillRef>
+          <a:effectRef idx="0">
+            <a:schemeClr val="accent1"/>
+          </a:effectRef>
+          <a:fontRef idx="minor">
+            <a:schemeClr val="lt1"/>
+          </a:fontRef>
+        </p:style>
+        <p:txBody>
+          <a:bodyPr rtlCol="0" anchor="ctr"/>
+          <a:lstStyle/>
+          <a:p>
+            <a:pPr algn="ctr"/>
+            <a:endParaRPr lang="zh-CN" altLang="en-US"/>
+          </a:p>
+        </p:txBody>
+      </p:sp>
+      <p:sp>
+        <p:nvSpPr>
+          <p:cNvPr id="83" name="矩形 82"/>
+          <p:cNvSpPr/>
+          <p:nvPr/>
+        </p:nvSpPr>
+        <p:spPr>
+          <a:xfrm>
+            <a:off x="6329655" y="3611413"/>
+            <a:ext cx="205680" cy="144016"/>
+          </a:xfrm>
+          <a:prstGeom prst="rect">
+            <a:avLst/>
+          </a:prstGeom>
+          <a:solidFill>
+            <a:schemeClr val="bg1">
+              <a:lumMod val="95000"/>
+            </a:schemeClr>
+          </a:solidFill>
+        </p:spPr>
+        <p:style>
+          <a:lnRef idx="2">
+            <a:schemeClr val="accent1">
+              <a:shade val="50000"/>
+            </a:schemeClr>
+          </a:lnRef>
+          <a:fillRef idx="1">
+            <a:schemeClr val="accent1"/>
+          </a:fillRef>
+          <a:effectRef idx="0">
+            <a:schemeClr val="accent1"/>
+          </a:effectRef>
+          <a:fontRef idx="minor">
+            <a:schemeClr val="lt1"/>
+          </a:fontRef>
+        </p:style>
+        <p:txBody>
+          <a:bodyPr rtlCol="0" anchor="ctr"/>
+          <a:lstStyle/>
+          <a:p>
+            <a:pPr algn="ctr"/>
+            <a:endParaRPr lang="zh-CN" altLang="en-US"/>
+          </a:p>
+        </p:txBody>
+      </p:sp>
+      <p:sp>
+        <p:nvSpPr>
+          <p:cNvPr id="84" name="矩形 83"/>
+          <p:cNvSpPr/>
+          <p:nvPr/>
+        </p:nvSpPr>
+        <p:spPr>
+          <a:xfrm>
+            <a:off x="6329655" y="3763813"/>
+            <a:ext cx="205680" cy="144016"/>
+          </a:xfrm>
+          <a:prstGeom prst="rect">
+            <a:avLst/>
+          </a:prstGeom>
+          <a:solidFill>
+            <a:schemeClr val="bg1">
+              <a:lumMod val="95000"/>
+            </a:schemeClr>
+          </a:solidFill>
+        </p:spPr>
+        <p:style>
+          <a:lnRef idx="2">
+            <a:schemeClr val="accent1">
+              <a:shade val="50000"/>
+            </a:schemeClr>
+          </a:lnRef>
+          <a:fillRef idx="1">
+            <a:schemeClr val="accent1"/>
+          </a:fillRef>
+          <a:effectRef idx="0">
+            <a:schemeClr val="accent1"/>
+          </a:effectRef>
+          <a:fontRef idx="minor">
+            <a:schemeClr val="lt1"/>
+          </a:fontRef>
+        </p:style>
+        <p:txBody>
+          <a:bodyPr rtlCol="0" anchor="ctr"/>
+          <a:lstStyle/>
+          <a:p>
+            <a:pPr algn="ctr"/>
+            <a:endParaRPr lang="zh-CN" altLang="en-US"/>
+          </a:p>
+        </p:txBody>
+      </p:sp>
+      <p:sp>
+        <p:nvSpPr>
+          <p:cNvPr id="85" name="矩形 84"/>
+          <p:cNvSpPr/>
+          <p:nvPr/>
+        </p:nvSpPr>
+        <p:spPr>
+          <a:xfrm>
+            <a:off x="6329655" y="3916213"/>
+            <a:ext cx="205680" cy="144016"/>
+          </a:xfrm>
+          <a:prstGeom prst="rect">
+            <a:avLst/>
+          </a:prstGeom>
+          <a:solidFill>
+            <a:schemeClr val="bg1">
+              <a:lumMod val="95000"/>
+            </a:schemeClr>
+          </a:solidFill>
+        </p:spPr>
+        <p:style>
+          <a:lnRef idx="2">
+            <a:schemeClr val="accent1">
+              <a:shade val="50000"/>
+            </a:schemeClr>
+          </a:lnRef>
+          <a:fillRef idx="1">
+            <a:schemeClr val="accent1"/>
+          </a:fillRef>
+          <a:effectRef idx="0">
+            <a:schemeClr val="accent1"/>
+          </a:effectRef>
+          <a:fontRef idx="minor">
+            <a:schemeClr val="lt1"/>
+          </a:fontRef>
+        </p:style>
+        <p:txBody>
+          <a:bodyPr rtlCol="0" anchor="ctr"/>
+          <a:lstStyle/>
+          <a:p>
+            <a:pPr algn="ctr"/>
+            <a:endParaRPr lang="zh-CN" altLang="en-US"/>
+          </a:p>
+        </p:txBody>
+      </p:sp>
+      <p:sp>
+        <p:nvSpPr>
+          <p:cNvPr id="86" name="矩形 85"/>
+          <p:cNvSpPr/>
+          <p:nvPr/>
+        </p:nvSpPr>
+        <p:spPr>
+          <a:xfrm>
+            <a:off x="6329655" y="4068613"/>
+            <a:ext cx="205680" cy="144016"/>
+          </a:xfrm>
+          <a:prstGeom prst="rect">
+            <a:avLst/>
+          </a:prstGeom>
+          <a:solidFill>
+            <a:schemeClr val="bg1">
+              <a:lumMod val="95000"/>
+            </a:schemeClr>
+          </a:solidFill>
+        </p:spPr>
+        <p:style>
+          <a:lnRef idx="2">
+            <a:schemeClr val="accent1">
+              <a:shade val="50000"/>
+            </a:schemeClr>
+          </a:lnRef>
+          <a:fillRef idx="1">
+            <a:schemeClr val="accent1"/>
+          </a:fillRef>
+          <a:effectRef idx="0">
+            <a:schemeClr val="accent1"/>
+          </a:effectRef>
+          <a:fontRef idx="minor">
+            <a:schemeClr val="lt1"/>
+          </a:fontRef>
+        </p:style>
+        <p:txBody>
+          <a:bodyPr rtlCol="0" anchor="ctr"/>
+          <a:lstStyle/>
+          <a:p>
+            <a:pPr algn="ctr"/>
+            <a:endParaRPr lang="zh-CN" altLang="en-US"/>
+          </a:p>
+        </p:txBody>
+      </p:sp>
+      <p:sp>
+        <p:nvSpPr>
+          <p:cNvPr id="87" name="矩形 86"/>
+          <p:cNvSpPr/>
+          <p:nvPr/>
+        </p:nvSpPr>
+        <p:spPr>
+          <a:xfrm>
+            <a:off x="6835422" y="2697013"/>
+            <a:ext cx="205680" cy="144016"/>
+          </a:xfrm>
+          <a:prstGeom prst="rect">
+            <a:avLst/>
+          </a:prstGeom>
+          <a:solidFill>
+            <a:schemeClr val="bg1">
+              <a:lumMod val="75000"/>
+            </a:schemeClr>
+          </a:solidFill>
+        </p:spPr>
+        <p:style>
+          <a:lnRef idx="2">
+            <a:schemeClr val="accent1">
+              <a:shade val="50000"/>
+            </a:schemeClr>
+          </a:lnRef>
+          <a:fillRef idx="1">
+            <a:schemeClr val="accent1"/>
+          </a:fillRef>
+          <a:effectRef idx="0">
+            <a:schemeClr val="accent1"/>
+          </a:effectRef>
+          <a:fontRef idx="minor">
+            <a:schemeClr val="lt1"/>
+          </a:fontRef>
+        </p:style>
+        <p:txBody>
+          <a:bodyPr rtlCol="0" anchor="ctr"/>
+          <a:lstStyle/>
+          <a:p>
+            <a:pPr algn="ctr"/>
+            <a:endParaRPr lang="zh-CN" altLang="en-US"/>
+          </a:p>
+        </p:txBody>
+      </p:sp>
+      <p:sp>
+        <p:nvSpPr>
+          <p:cNvPr id="88" name="矩形 87"/>
+          <p:cNvSpPr/>
+          <p:nvPr/>
+        </p:nvSpPr>
+        <p:spPr>
+          <a:xfrm>
+            <a:off x="6835422" y="2849413"/>
+            <a:ext cx="205680" cy="144016"/>
+          </a:xfrm>
+          <a:prstGeom prst="rect">
+            <a:avLst/>
+          </a:prstGeom>
+          <a:solidFill>
+            <a:schemeClr val="bg1">
+              <a:lumMod val="75000"/>
+            </a:schemeClr>
+          </a:solidFill>
+        </p:spPr>
+        <p:style>
+          <a:lnRef idx="2">
+            <a:schemeClr val="accent1">
+              <a:shade val="50000"/>
+            </a:schemeClr>
+          </a:lnRef>
+          <a:fillRef idx="1">
+            <a:schemeClr val="accent1"/>
+          </a:fillRef>
+          <a:effectRef idx="0">
+            <a:schemeClr val="accent1"/>
+          </a:effectRef>
+          <a:fontRef idx="minor">
+            <a:schemeClr val="lt1"/>
+          </a:fontRef>
+        </p:style>
+        <p:txBody>
+          <a:bodyPr rtlCol="0" anchor="ctr"/>
+          <a:lstStyle/>
+          <a:p>
+            <a:pPr algn="ctr"/>
+            <a:endParaRPr lang="zh-CN" altLang="en-US"/>
+          </a:p>
+        </p:txBody>
+      </p:sp>
+      <p:sp>
+        <p:nvSpPr>
+          <p:cNvPr id="89" name="矩形 88"/>
+          <p:cNvSpPr/>
+          <p:nvPr/>
+        </p:nvSpPr>
+        <p:spPr>
+          <a:xfrm>
+            <a:off x="6835422" y="3001813"/>
+            <a:ext cx="205680" cy="144016"/>
+          </a:xfrm>
+          <a:prstGeom prst="rect">
+            <a:avLst/>
+          </a:prstGeom>
+          <a:solidFill>
+            <a:schemeClr val="bg1">
+              <a:lumMod val="75000"/>
+            </a:schemeClr>
+          </a:solidFill>
+        </p:spPr>
+        <p:style>
+          <a:lnRef idx="2">
+            <a:schemeClr val="accent1">
+              <a:shade val="50000"/>
+            </a:schemeClr>
+          </a:lnRef>
+          <a:fillRef idx="1">
+            <a:schemeClr val="accent1"/>
+          </a:fillRef>
+          <a:effectRef idx="0">
+            <a:schemeClr val="accent1"/>
+          </a:effectRef>
+          <a:fontRef idx="minor">
+            <a:schemeClr val="lt1"/>
+          </a:fontRef>
+        </p:style>
+        <p:txBody>
+          <a:bodyPr rtlCol="0" anchor="ctr"/>
+          <a:lstStyle/>
+          <a:p>
+            <a:pPr algn="ctr"/>
+            <a:endParaRPr lang="zh-CN" altLang="en-US"/>
+          </a:p>
+        </p:txBody>
+      </p:sp>
+      <p:sp>
+        <p:nvSpPr>
+          <p:cNvPr id="90" name="矩形 89"/>
+          <p:cNvSpPr/>
+          <p:nvPr/>
+        </p:nvSpPr>
+        <p:spPr>
+          <a:xfrm>
+            <a:off x="6835422" y="3154213"/>
+            <a:ext cx="205680" cy="144016"/>
+          </a:xfrm>
+          <a:prstGeom prst="rect">
+            <a:avLst/>
+          </a:prstGeom>
+          <a:solidFill>
+            <a:schemeClr val="bg1">
+              <a:lumMod val="75000"/>
+            </a:schemeClr>
+          </a:solidFill>
+        </p:spPr>
+        <p:style>
+          <a:lnRef idx="2">
+            <a:schemeClr val="accent1">
+              <a:shade val="50000"/>
+            </a:schemeClr>
+          </a:lnRef>
+          <a:fillRef idx="1">
+            <a:schemeClr val="accent1"/>
+          </a:fillRef>
+          <a:effectRef idx="0">
+            <a:schemeClr val="accent1"/>
+          </a:effectRef>
+          <a:fontRef idx="minor">
+            <a:schemeClr val="lt1"/>
+          </a:fontRef>
+        </p:style>
+        <p:txBody>
+          <a:bodyPr rtlCol="0" anchor="ctr"/>
+          <a:lstStyle/>
+          <a:p>
+            <a:pPr algn="ctr"/>
+            <a:endParaRPr lang="zh-CN" altLang="en-US"/>
+          </a:p>
+        </p:txBody>
+      </p:sp>
+      <p:sp>
+        <p:nvSpPr>
+          <p:cNvPr id="91" name="矩形 90"/>
+          <p:cNvSpPr/>
+          <p:nvPr/>
+        </p:nvSpPr>
+        <p:spPr>
+          <a:xfrm>
+            <a:off x="6835422" y="3306613"/>
+            <a:ext cx="205680" cy="144016"/>
+          </a:xfrm>
+          <a:prstGeom prst="rect">
+            <a:avLst/>
+          </a:prstGeom>
+          <a:solidFill>
+            <a:schemeClr val="bg1">
+              <a:lumMod val="75000"/>
+            </a:schemeClr>
+          </a:solidFill>
+        </p:spPr>
+        <p:style>
+          <a:lnRef idx="2">
+            <a:schemeClr val="accent1">
+              <a:shade val="50000"/>
+            </a:schemeClr>
+          </a:lnRef>
+          <a:fillRef idx="1">
+            <a:schemeClr val="accent1"/>
+          </a:fillRef>
+          <a:effectRef idx="0">
+            <a:schemeClr val="accent1"/>
+          </a:effectRef>
+          <a:fontRef idx="minor">
+            <a:schemeClr val="lt1"/>
+          </a:fontRef>
+        </p:style>
+        <p:txBody>
+          <a:bodyPr rtlCol="0" anchor="ctr"/>
+          <a:lstStyle/>
+          <a:p>
+            <a:pPr algn="ctr"/>
+            <a:endParaRPr lang="zh-CN" altLang="en-US"/>
+          </a:p>
+        </p:txBody>
+      </p:sp>
+      <p:sp>
+        <p:nvSpPr>
+          <p:cNvPr id="92" name="矩形 91"/>
+          <p:cNvSpPr/>
+          <p:nvPr/>
+        </p:nvSpPr>
+        <p:spPr>
+          <a:xfrm>
+            <a:off x="6835422" y="3459013"/>
+            <a:ext cx="205680" cy="144016"/>
+          </a:xfrm>
+          <a:prstGeom prst="rect">
+            <a:avLst/>
+          </a:prstGeom>
+          <a:solidFill>
+            <a:schemeClr val="bg1">
+              <a:lumMod val="75000"/>
+            </a:schemeClr>
+          </a:solidFill>
+        </p:spPr>
+        <p:style>
+          <a:lnRef idx="2">
+            <a:schemeClr val="accent1">
+              <a:shade val="50000"/>
+            </a:schemeClr>
+          </a:lnRef>
+          <a:fillRef idx="1">
+            <a:schemeClr val="accent1"/>
+          </a:fillRef>
+          <a:effectRef idx="0">
+            <a:schemeClr val="accent1"/>
+          </a:effectRef>
+          <a:fontRef idx="minor">
+            <a:schemeClr val="lt1"/>
+          </a:fontRef>
+        </p:style>
+        <p:txBody>
+          <a:bodyPr rtlCol="0" anchor="ctr"/>
+          <a:lstStyle/>
+          <a:p>
+            <a:pPr algn="ctr"/>
+            <a:endParaRPr lang="zh-CN" altLang="en-US"/>
+          </a:p>
+        </p:txBody>
+      </p:sp>
+      <p:sp>
+        <p:nvSpPr>
+          <p:cNvPr id="93" name="矩形 92"/>
+          <p:cNvSpPr/>
+          <p:nvPr/>
+        </p:nvSpPr>
+        <p:spPr>
+          <a:xfrm>
+            <a:off x="6835422" y="3611413"/>
+            <a:ext cx="205680" cy="144016"/>
+          </a:xfrm>
+          <a:prstGeom prst="rect">
+            <a:avLst/>
+          </a:prstGeom>
+          <a:solidFill>
+            <a:schemeClr val="bg1"/>
+          </a:solidFill>
+        </p:spPr>
+        <p:style>
+          <a:lnRef idx="2">
+            <a:schemeClr val="accent1">
+              <a:shade val="50000"/>
+            </a:schemeClr>
+          </a:lnRef>
+          <a:fillRef idx="1">
+            <a:schemeClr val="accent1"/>
+          </a:fillRef>
+          <a:effectRef idx="0">
+            <a:schemeClr val="accent1"/>
+          </a:effectRef>
+          <a:fontRef idx="minor">
+            <a:schemeClr val="lt1"/>
+          </a:fontRef>
+        </p:style>
+        <p:txBody>
+          <a:bodyPr rtlCol="0" anchor="ctr"/>
+          <a:lstStyle/>
+          <a:p>
+            <a:pPr algn="ctr"/>
+            <a:endParaRPr lang="zh-CN" altLang="en-US"/>
+          </a:p>
+        </p:txBody>
+      </p:sp>
+      <p:sp>
+        <p:nvSpPr>
+          <p:cNvPr id="94" name="矩形 93"/>
+          <p:cNvSpPr/>
+          <p:nvPr/>
+        </p:nvSpPr>
+        <p:spPr>
+          <a:xfrm>
+            <a:off x="6835422" y="3763813"/>
+            <a:ext cx="205680" cy="144016"/>
+          </a:xfrm>
+          <a:prstGeom prst="rect">
+            <a:avLst/>
+          </a:prstGeom>
+          <a:solidFill>
+            <a:schemeClr val="bg1"/>
+          </a:solidFill>
+        </p:spPr>
+        <p:style>
+          <a:lnRef idx="2">
+            <a:schemeClr val="accent1">
+              <a:shade val="50000"/>
+            </a:schemeClr>
+          </a:lnRef>
+          <a:fillRef idx="1">
+            <a:schemeClr val="accent1"/>
+          </a:fillRef>
+          <a:effectRef idx="0">
+            <a:schemeClr val="accent1"/>
+          </a:effectRef>
+          <a:fontRef idx="minor">
+            <a:schemeClr val="lt1"/>
+          </a:fontRef>
+        </p:style>
+        <p:txBody>
+          <a:bodyPr rtlCol="0" anchor="ctr"/>
+          <a:lstStyle/>
+          <a:p>
+            <a:pPr algn="ctr"/>
+            <a:endParaRPr lang="zh-CN" altLang="en-US"/>
+          </a:p>
+        </p:txBody>
+      </p:sp>
+      <p:sp>
+        <p:nvSpPr>
+          <p:cNvPr id="95" name="矩形 94"/>
+          <p:cNvSpPr/>
+          <p:nvPr/>
+        </p:nvSpPr>
+        <p:spPr>
+          <a:xfrm>
+            <a:off x="6835422" y="3916213"/>
+            <a:ext cx="205680" cy="144016"/>
+          </a:xfrm>
+          <a:prstGeom prst="rect">
+            <a:avLst/>
+          </a:prstGeom>
+          <a:solidFill>
+            <a:schemeClr val="bg1"/>
+          </a:solidFill>
+        </p:spPr>
+        <p:style>
+          <a:lnRef idx="2">
+            <a:schemeClr val="accent1">
+              <a:shade val="50000"/>
+            </a:schemeClr>
+          </a:lnRef>
+          <a:fillRef idx="1">
+            <a:schemeClr val="accent1"/>
+          </a:fillRef>
+          <a:effectRef idx="0">
+            <a:schemeClr val="accent1"/>
+          </a:effectRef>
+          <a:fontRef idx="minor">
+            <a:schemeClr val="lt1"/>
+          </a:fontRef>
+        </p:style>
+        <p:txBody>
+          <a:bodyPr rtlCol="0" anchor="ctr"/>
+          <a:lstStyle/>
+          <a:p>
+            <a:pPr algn="ctr"/>
+            <a:endParaRPr lang="zh-CN" altLang="en-US"/>
+          </a:p>
+        </p:txBody>
+      </p:sp>
+      <p:sp>
+        <p:nvSpPr>
+          <p:cNvPr id="96" name="矩形 95"/>
+          <p:cNvSpPr/>
+          <p:nvPr/>
+        </p:nvSpPr>
+        <p:spPr>
+          <a:xfrm>
+            <a:off x="6835422" y="4068613"/>
+            <a:ext cx="205680" cy="144016"/>
+          </a:xfrm>
+          <a:prstGeom prst="rect">
+            <a:avLst/>
+          </a:prstGeom>
+          <a:solidFill>
+            <a:schemeClr val="bg1"/>
+          </a:solidFill>
+        </p:spPr>
+        <p:style>
+          <a:lnRef idx="2">
+            <a:schemeClr val="accent1">
+              <a:shade val="50000"/>
+            </a:schemeClr>
+          </a:lnRef>
+          <a:fillRef idx="1">
+            <a:schemeClr val="accent1"/>
+          </a:fillRef>
+          <a:effectRef idx="0">
+            <a:schemeClr val="accent1"/>
+          </a:effectRef>
+          <a:fontRef idx="minor">
+            <a:schemeClr val="lt1"/>
+          </a:fontRef>
+        </p:style>
+        <p:txBody>
+          <a:bodyPr rtlCol="0" anchor="ctr"/>
+          <a:lstStyle/>
+          <a:p>
+            <a:pPr algn="ctr"/>
+            <a:endParaRPr lang="zh-CN" altLang="en-US"/>
+          </a:p>
+        </p:txBody>
+      </p:sp>
+      <p:sp>
+        <p:nvSpPr>
+          <p:cNvPr id="97" name="TextBox 28"/>
+          <p:cNvSpPr txBox="1"/>
+          <p:nvPr/>
+        </p:nvSpPr>
+        <p:spPr>
+          <a:xfrm>
+            <a:off x="6252550" y="4353197"/>
+            <a:ext cx="874440" cy="646331"/>
+          </a:xfrm>
+          <a:prstGeom prst="rect">
+            <a:avLst/>
+          </a:prstGeom>
+          <a:solidFill>
+            <a:schemeClr val="tx2"/>
+          </a:solidFill>
+        </p:spPr>
+        <p:txBody>
+          <a:bodyPr wrap="square" rtlCol="0">
+            <a:spAutoFit/>
+          </a:bodyPr>
+          <a:lstStyle/>
+          <a:p>
+            <a:pPr algn="ctr"/>
+            <a:r>
+              <a:rPr lang="en-US" altLang="zh-CN" dirty="0" smtClean="0"/>
+              <a:t>Backup </a:t>
+            </a:r>
+            <a:r>
+              <a:rPr lang="en-US" altLang="zh-CN" dirty="0" smtClean="0"/>
+              <a:t>pool</a:t>
+            </a:r>
+            <a:endParaRPr lang="zh-CN" altLang="en-US" dirty="0"/>
+          </a:p>
+        </p:txBody>
+      </p:sp>
+      <p:cxnSp>
+        <p:nvCxnSpPr>
+          <p:cNvPr id="98" name="直接箭头连接符 97"/>
+          <p:cNvCxnSpPr>
+            <a:stCxn id="77" idx="0"/>
+          </p:cNvCxnSpPr>
+          <p:nvPr/>
+        </p:nvCxnSpPr>
+        <p:spPr>
+          <a:xfrm flipV="1">
+            <a:off x="6432495" y="1616893"/>
+            <a:ext cx="0" cy="1080120"/>
+          </a:xfrm>
+          <a:prstGeom prst="straightConnector1">
+            <a:avLst/>
+          </a:prstGeom>
+          <a:ln w="38100">
+            <a:solidFill>
+              <a:schemeClr val="bg1">
+                <a:lumMod val="50000"/>
+              </a:schemeClr>
+            </a:solidFill>
+            <a:headEnd type="triangle" w="med" len="med"/>
+            <a:tailEnd type="none" w="med" len="med"/>
+          </a:ln>
+        </p:spPr>
+        <p:style>
+          <a:lnRef idx="1">
+            <a:schemeClr val="accent1"/>
+          </a:lnRef>
+          <a:fillRef idx="0">
+            <a:schemeClr val="accent1"/>
+          </a:fillRef>
+          <a:effectRef idx="0">
+            <a:schemeClr val="accent1"/>
+          </a:effectRef>
+          <a:fontRef idx="minor">
+            <a:schemeClr val="tx1"/>
+          </a:fontRef>
+        </p:style>
+      </p:cxnSp>
+      <p:cxnSp>
+        <p:nvCxnSpPr>
+          <p:cNvPr id="99" name="曲线连接符 98"/>
+          <p:cNvCxnSpPr/>
+          <p:nvPr/>
+        </p:nvCxnSpPr>
+        <p:spPr>
+          <a:xfrm rot="5400000" flipH="1" flipV="1">
+            <a:off x="6901403" y="2012082"/>
+            <a:ext cx="288031" cy="1081830"/>
+          </a:xfrm>
+          <a:prstGeom prst="curvedConnector2">
+            <a:avLst/>
+          </a:prstGeom>
+          <a:ln w="76200">
+            <a:solidFill>
+              <a:schemeClr val="bg1">
+                <a:lumMod val="50000"/>
+              </a:schemeClr>
+            </a:solidFill>
+            <a:tailEnd type="triangle"/>
+          </a:ln>
+        </p:spPr>
+        <p:style>
+          <a:lnRef idx="1">
+            <a:schemeClr val="accent1"/>
+          </a:lnRef>
+          <a:fillRef idx="0">
+            <a:schemeClr val="accent1"/>
+          </a:fillRef>
+          <a:effectRef idx="0">
+            <a:schemeClr val="accent1"/>
+          </a:effectRef>
+          <a:fontRef idx="minor">
+            <a:schemeClr val="tx1"/>
+          </a:fontRef>
+        </p:style>
+      </p:cxnSp>
+      <p:sp>
+        <p:nvSpPr>
+          <p:cNvPr id="100" name="文本框 99"/>
+          <p:cNvSpPr txBox="1"/>
+          <p:nvPr/>
+        </p:nvSpPr>
+        <p:spPr>
+          <a:xfrm>
+            <a:off x="5138061" y="3928788"/>
+            <a:ext cx="288034" cy="369332"/>
+          </a:xfrm>
+          <a:prstGeom prst="rect">
+            <a:avLst/>
+          </a:prstGeom>
+          <a:solidFill>
+            <a:srgbClr val="00B050"/>
+          </a:solidFill>
+        </p:spPr>
+        <p:txBody>
+          <a:bodyPr wrap="square" rtlCol="0">
+            <a:spAutoFit/>
+          </a:bodyPr>
+          <a:lstStyle/>
+          <a:p>
+            <a:r>
+              <a:rPr lang="en-US" altLang="zh-CN" dirty="0" smtClean="0"/>
+              <a:t>1</a:t>
+            </a:r>
+            <a:endParaRPr lang="zh-CN" altLang="en-US" dirty="0"/>
+          </a:p>
+        </p:txBody>
+      </p:sp>
+      <p:sp>
+        <p:nvSpPr>
+          <p:cNvPr id="101" name="文本框 9"/>
+          <p:cNvSpPr txBox="1"/>
+          <p:nvPr/>
+        </p:nvSpPr>
+        <p:spPr>
+          <a:xfrm>
+            <a:off x="7372019" y="3175486"/>
+            <a:ext cx="288034" cy="369332"/>
+          </a:xfrm>
+          <a:prstGeom prst="rect">
+            <a:avLst/>
+          </a:prstGeom>
+          <a:solidFill>
+            <a:srgbClr val="00B050"/>
+          </a:solidFill>
+        </p:spPr>
+        <p:txBody>
+          <a:bodyPr wrap="square" rtlCol="0">
+            <a:spAutoFit/>
+          </a:bodyPr>
+          <a:lstStyle>
+            <a:defPPr>
+              <a:defRPr lang="zh-CN"/>
+            </a:defPPr>
+            <a:lvl1pPr marL="0" algn="l" defTabSz="914400" rtl="0" eaLnBrk="1" latinLnBrk="0" hangingPunct="1">
+              <a:defRPr sz="1800" kern="1200">
+                <a:solidFill>
+                  <a:schemeClr val="tx1"/>
+                </a:solidFill>
+                <a:latin typeface="+mn-lt"/>
+                <a:ea typeface="+mn-ea"/>
+                <a:cs typeface="+mn-cs"/>
+              </a:defRPr>
+            </a:lvl1pPr>
+            <a:lvl2pPr marL="457200" algn="l" defTabSz="914400" rtl="0" eaLnBrk="1" latinLnBrk="0" hangingPunct="1">
+              <a:defRPr sz="1800" kern="1200">
+                <a:solidFill>
+                  <a:schemeClr val="tx1"/>
+                </a:solidFill>
+                <a:latin typeface="+mn-lt"/>
+                <a:ea typeface="+mn-ea"/>
+                <a:cs typeface="+mn-cs"/>
+              </a:defRPr>
+            </a:lvl2pPr>
+            <a:lvl3pPr marL="914400" algn="l" defTabSz="914400" rtl="0" eaLnBrk="1" latinLnBrk="0" hangingPunct="1">
+              <a:defRPr sz="1800" kern="1200">
+                <a:solidFill>
+                  <a:schemeClr val="tx1"/>
+                </a:solidFill>
+                <a:latin typeface="+mn-lt"/>
+                <a:ea typeface="+mn-ea"/>
+                <a:cs typeface="+mn-cs"/>
+              </a:defRPr>
+            </a:lvl3pPr>
+            <a:lvl4pPr marL="1371600" algn="l" defTabSz="914400" rtl="0" eaLnBrk="1" latinLnBrk="0" hangingPunct="1">
+              <a:defRPr sz="1800" kern="1200">
+                <a:solidFill>
+                  <a:schemeClr val="tx1"/>
+                </a:solidFill>
+                <a:latin typeface="+mn-lt"/>
+                <a:ea typeface="+mn-ea"/>
+                <a:cs typeface="+mn-cs"/>
+              </a:defRPr>
+            </a:lvl4pPr>
+            <a:lvl5pPr marL="1828800" algn="l" defTabSz="914400" rtl="0" eaLnBrk="1" latinLnBrk="0" hangingPunct="1">
+              <a:defRPr sz="1800" kern="1200">
+                <a:solidFill>
+                  <a:schemeClr val="tx1"/>
+                </a:solidFill>
+                <a:latin typeface="+mn-lt"/>
+                <a:ea typeface="+mn-ea"/>
+                <a:cs typeface="+mn-cs"/>
+              </a:defRPr>
+            </a:lvl5pPr>
+            <a:lvl6pPr marL="2286000" algn="l" defTabSz="914400" rtl="0" eaLnBrk="1" latinLnBrk="0" hangingPunct="1">
+              <a:defRPr sz="1800" kern="1200">
+                <a:solidFill>
+                  <a:schemeClr val="tx1"/>
+                </a:solidFill>
+                <a:latin typeface="+mn-lt"/>
+                <a:ea typeface="+mn-ea"/>
+                <a:cs typeface="+mn-cs"/>
+              </a:defRPr>
+            </a:lvl6pPr>
+            <a:lvl7pPr marL="2743200" algn="l" defTabSz="914400" rtl="0" eaLnBrk="1" latinLnBrk="0" hangingPunct="1">
+              <a:defRPr sz="1800" kern="1200">
+                <a:solidFill>
+                  <a:schemeClr val="tx1"/>
+                </a:solidFill>
+                <a:latin typeface="+mn-lt"/>
+                <a:ea typeface="+mn-ea"/>
+                <a:cs typeface="+mn-cs"/>
+              </a:defRPr>
+            </a:lvl7pPr>
+            <a:lvl8pPr marL="3200400" algn="l" defTabSz="914400" rtl="0" eaLnBrk="1" latinLnBrk="0" hangingPunct="1">
+              <a:defRPr sz="1800" kern="1200">
+                <a:solidFill>
+                  <a:schemeClr val="tx1"/>
+                </a:solidFill>
+                <a:latin typeface="+mn-lt"/>
+                <a:ea typeface="+mn-ea"/>
+                <a:cs typeface="+mn-cs"/>
+              </a:defRPr>
+            </a:lvl8pPr>
+            <a:lvl9pPr marL="3657600" algn="l" defTabSz="914400" rtl="0" eaLnBrk="1" latinLnBrk="0" hangingPunct="1">
+              <a:defRPr sz="1800" kern="1200">
+                <a:solidFill>
+                  <a:schemeClr val="tx1"/>
+                </a:solidFill>
+                <a:latin typeface="+mn-lt"/>
+                <a:ea typeface="+mn-ea"/>
+                <a:cs typeface="+mn-cs"/>
+              </a:defRPr>
+            </a:lvl9pPr>
+          </a:lstStyle>
+          <a:p>
+            <a:r>
+              <a:rPr lang="en-US" altLang="zh-CN" dirty="0" smtClean="0"/>
+              <a:t>2</a:t>
+            </a:r>
+            <a:endParaRPr lang="zh-CN" altLang="en-US" dirty="0"/>
+          </a:p>
+        </p:txBody>
+      </p:sp>
+      <p:sp>
+        <p:nvSpPr>
+          <p:cNvPr id="102" name="文本框 9"/>
+          <p:cNvSpPr txBox="1"/>
+          <p:nvPr/>
+        </p:nvSpPr>
+        <p:spPr>
+          <a:xfrm>
+            <a:off x="6557543" y="2295416"/>
+            <a:ext cx="288034" cy="369332"/>
+          </a:xfrm>
+          <a:prstGeom prst="rect">
+            <a:avLst/>
+          </a:prstGeom>
+          <a:solidFill>
+            <a:srgbClr val="00B050"/>
+          </a:solidFill>
+        </p:spPr>
+        <p:txBody>
+          <a:bodyPr wrap="square" rtlCol="0">
+            <a:spAutoFit/>
+          </a:bodyPr>
+          <a:lstStyle>
+            <a:defPPr>
+              <a:defRPr lang="zh-CN"/>
+            </a:defPPr>
+            <a:lvl1pPr marL="0" algn="l" defTabSz="914400" rtl="0" eaLnBrk="1" latinLnBrk="0" hangingPunct="1">
+              <a:defRPr sz="1800" kern="1200">
+                <a:solidFill>
+                  <a:schemeClr val="tx1"/>
+                </a:solidFill>
+                <a:latin typeface="+mn-lt"/>
+                <a:ea typeface="+mn-ea"/>
+                <a:cs typeface="+mn-cs"/>
+              </a:defRPr>
+            </a:lvl1pPr>
+            <a:lvl2pPr marL="457200" algn="l" defTabSz="914400" rtl="0" eaLnBrk="1" latinLnBrk="0" hangingPunct="1">
+              <a:defRPr sz="1800" kern="1200">
+                <a:solidFill>
+                  <a:schemeClr val="tx1"/>
+                </a:solidFill>
+                <a:latin typeface="+mn-lt"/>
+                <a:ea typeface="+mn-ea"/>
+                <a:cs typeface="+mn-cs"/>
+              </a:defRPr>
+            </a:lvl2pPr>
+            <a:lvl3pPr marL="914400" algn="l" defTabSz="914400" rtl="0" eaLnBrk="1" latinLnBrk="0" hangingPunct="1">
+              <a:defRPr sz="1800" kern="1200">
+                <a:solidFill>
+                  <a:schemeClr val="tx1"/>
+                </a:solidFill>
+                <a:latin typeface="+mn-lt"/>
+                <a:ea typeface="+mn-ea"/>
+                <a:cs typeface="+mn-cs"/>
+              </a:defRPr>
+            </a:lvl3pPr>
+            <a:lvl4pPr marL="1371600" algn="l" defTabSz="914400" rtl="0" eaLnBrk="1" latinLnBrk="0" hangingPunct="1">
+              <a:defRPr sz="1800" kern="1200">
+                <a:solidFill>
+                  <a:schemeClr val="tx1"/>
+                </a:solidFill>
+                <a:latin typeface="+mn-lt"/>
+                <a:ea typeface="+mn-ea"/>
+                <a:cs typeface="+mn-cs"/>
+              </a:defRPr>
+            </a:lvl4pPr>
+            <a:lvl5pPr marL="1828800" algn="l" defTabSz="914400" rtl="0" eaLnBrk="1" latinLnBrk="0" hangingPunct="1">
+              <a:defRPr sz="1800" kern="1200">
+                <a:solidFill>
+                  <a:schemeClr val="tx1"/>
+                </a:solidFill>
+                <a:latin typeface="+mn-lt"/>
+                <a:ea typeface="+mn-ea"/>
+                <a:cs typeface="+mn-cs"/>
+              </a:defRPr>
+            </a:lvl5pPr>
+            <a:lvl6pPr marL="2286000" algn="l" defTabSz="914400" rtl="0" eaLnBrk="1" latinLnBrk="0" hangingPunct="1">
+              <a:defRPr sz="1800" kern="1200">
+                <a:solidFill>
+                  <a:schemeClr val="tx1"/>
+                </a:solidFill>
+                <a:latin typeface="+mn-lt"/>
+                <a:ea typeface="+mn-ea"/>
+                <a:cs typeface="+mn-cs"/>
+              </a:defRPr>
+            </a:lvl6pPr>
+            <a:lvl7pPr marL="2743200" algn="l" defTabSz="914400" rtl="0" eaLnBrk="1" latinLnBrk="0" hangingPunct="1">
+              <a:defRPr sz="1800" kern="1200">
+                <a:solidFill>
+                  <a:schemeClr val="tx1"/>
+                </a:solidFill>
+                <a:latin typeface="+mn-lt"/>
+                <a:ea typeface="+mn-ea"/>
+                <a:cs typeface="+mn-cs"/>
+              </a:defRPr>
+            </a:lvl7pPr>
+            <a:lvl8pPr marL="3200400" algn="l" defTabSz="914400" rtl="0" eaLnBrk="1" latinLnBrk="0" hangingPunct="1">
+              <a:defRPr sz="1800" kern="1200">
+                <a:solidFill>
+                  <a:schemeClr val="tx1"/>
+                </a:solidFill>
+                <a:latin typeface="+mn-lt"/>
+                <a:ea typeface="+mn-ea"/>
+                <a:cs typeface="+mn-cs"/>
+              </a:defRPr>
+            </a:lvl8pPr>
+            <a:lvl9pPr marL="3657600" algn="l" defTabSz="914400" rtl="0" eaLnBrk="1" latinLnBrk="0" hangingPunct="1">
+              <a:defRPr sz="1800" kern="1200">
+                <a:solidFill>
+                  <a:schemeClr val="tx1"/>
+                </a:solidFill>
+                <a:latin typeface="+mn-lt"/>
+                <a:ea typeface="+mn-ea"/>
+                <a:cs typeface="+mn-cs"/>
+              </a:defRPr>
+            </a:lvl9pPr>
+          </a:lstStyle>
+          <a:p>
+            <a:r>
+              <a:rPr lang="en-US" altLang="zh-CN" dirty="0" smtClean="0"/>
+              <a:t>2</a:t>
+            </a:r>
+            <a:endParaRPr lang="zh-CN" altLang="en-US" dirty="0"/>
+          </a:p>
+        </p:txBody>
+      </p:sp>
+      <p:sp>
+        <p:nvSpPr>
+          <p:cNvPr id="103" name="文本框 102"/>
+          <p:cNvSpPr txBox="1"/>
+          <p:nvPr/>
+        </p:nvSpPr>
+        <p:spPr>
+          <a:xfrm>
+            <a:off x="3419869" y="4138720"/>
+            <a:ext cx="288034" cy="369332"/>
+          </a:xfrm>
+          <a:prstGeom prst="rect">
+            <a:avLst/>
+          </a:prstGeom>
+          <a:solidFill>
+            <a:srgbClr val="00B050"/>
+          </a:solidFill>
+        </p:spPr>
+        <p:txBody>
+          <a:bodyPr wrap="square" rtlCol="0">
+            <a:spAutoFit/>
+          </a:bodyPr>
+          <a:lstStyle/>
+          <a:p>
+            <a:r>
+              <a:rPr lang="en-US" altLang="zh-CN" dirty="0" smtClean="0"/>
+              <a:t>1</a:t>
+            </a:r>
+            <a:endParaRPr lang="zh-CN" altLang="en-US" dirty="0"/>
+          </a:p>
+        </p:txBody>
+      </p:sp>
+      <p:sp>
+        <p:nvSpPr>
+          <p:cNvPr id="104" name="TextBox 28"/>
+          <p:cNvSpPr txBox="1"/>
+          <p:nvPr/>
+        </p:nvSpPr>
+        <p:spPr>
+          <a:xfrm>
+            <a:off x="1642456" y="5153798"/>
+            <a:ext cx="1364476" cy="369332"/>
+          </a:xfrm>
+          <a:prstGeom prst="rect">
+            <a:avLst/>
+          </a:prstGeom>
+          <a:noFill/>
+        </p:spPr>
+        <p:txBody>
+          <a:bodyPr wrap="none" rtlCol="0">
+            <a:spAutoFit/>
+          </a:bodyPr>
+          <a:lstStyle/>
+          <a:p>
+            <a:r>
+              <a:rPr lang="en-US" altLang="zh-CN" dirty="0" smtClean="0"/>
+              <a:t>10G·μ-T(1</a:t>
+            </a:r>
+            <a:r>
+              <a:rPr lang="en-US" altLang="zh-CN" dirty="0" smtClean="0"/>
+              <a:t>,1</a:t>
+            </a:r>
+            <a:r>
+              <a:rPr lang="en-US" altLang="zh-CN" dirty="0" smtClean="0"/>
+              <a:t>)</a:t>
+            </a:r>
+            <a:endParaRPr lang="zh-CN" altLang="en-US" dirty="0"/>
+          </a:p>
+        </p:txBody>
+      </p:sp>
+      <p:sp>
+        <p:nvSpPr>
+          <p:cNvPr id="105" name="TextBox 29"/>
+          <p:cNvSpPr txBox="1"/>
+          <p:nvPr/>
+        </p:nvSpPr>
+        <p:spPr>
+          <a:xfrm>
+            <a:off x="6012160" y="5153798"/>
+            <a:ext cx="1417376" cy="369332"/>
+          </a:xfrm>
+          <a:prstGeom prst="rect">
+            <a:avLst/>
+          </a:prstGeom>
+          <a:noFill/>
+        </p:spPr>
+        <p:txBody>
+          <a:bodyPr wrap="none" rtlCol="0">
+            <a:spAutoFit/>
+          </a:bodyPr>
+          <a:lstStyle/>
+          <a:p>
+            <a:r>
+              <a:rPr lang="en-US" altLang="zh-CN" dirty="0" smtClean="0"/>
+              <a:t>10G·μ-T(2,</a:t>
+            </a:r>
+            <a:r>
+              <a:rPr lang="en-US" altLang="zh-CN" dirty="0" smtClean="0"/>
+              <a:t>2</a:t>
+            </a:r>
+            <a:r>
+              <a:rPr lang="en-US" altLang="zh-CN" dirty="0" smtClean="0"/>
+              <a:t>)</a:t>
+            </a:r>
+            <a:endParaRPr lang="zh-CN" altLang="en-US" dirty="0"/>
+          </a:p>
+        </p:txBody>
+      </p:sp>
+    </p:spTree>
+    <p:extLst>
+      <p:ext uri="{BB962C8B-B14F-4D97-AF65-F5344CB8AC3E}">
+        <p14:creationId xmlns:p14="http://schemas.microsoft.com/office/powerpoint/2010/main" val="1117728005"/>
+      </p:ext>
+    </p:extLst>
+  </p:cSld>
+  <p:clrMapOvr>
+    <a:masterClrMapping/>
+  </p:clrMapOvr>
+  <p:timing>
+    <p:tnLst>
+      <p:par>
+        <p:cTn id="1" dur="indefinite" restart="never" nodeType="tmRoot">
+          <p:childTnLst>
+            <p:seq concurrent="1" nextAc="seek">
+              <p:cTn id="2" dur="indefinite" nodeType="mainSeq">
+                <p:childTnLst>
+                  <p:par>
+                    <p:cTn id="3" fill="hold">
+                      <p:stCondLst>
+                        <p:cond delay="indefinite"/>
+                      </p:stCondLst>
+                      <p:childTnLst>
+                        <p:par>
+                          <p:cTn id="4" fill="hold">
+                            <p:stCondLst>
+                              <p:cond delay="0"/>
+                            </p:stCondLst>
+                            <p:childTnLst>
+                              <p:par>
+                                <p:cTn id="5" presetID="1" presetClass="entr" presetSubtype="0" fill="hold" grpId="0" nodeType="clickEffect">
+                                  <p:stCondLst>
+                                    <p:cond delay="0"/>
+                                  </p:stCondLst>
+                                  <p:childTnLst>
+                                    <p:set>
+                                      <p:cBhvr>
+                                        <p:cTn id="6" dur="1" fill="hold">
+                                          <p:stCondLst>
+                                            <p:cond delay="0"/>
+                                          </p:stCondLst>
+                                        </p:cTn>
+                                        <p:tgtEl>
+                                          <p:spTgt spid="71"/>
+                                        </p:tgtEl>
+                                        <p:attrNameLst>
+                                          <p:attrName>style.visibility</p:attrName>
+                                        </p:attrNameLst>
+                                      </p:cBhvr>
+                                      <p:to>
+                                        <p:strVal val="visible"/>
+                                      </p:to>
+                                    </p:set>
+                                  </p:childTnLst>
+                                </p:cTn>
+                              </p:par>
+                            </p:childTnLst>
+                          </p:cTn>
+                        </p:par>
+                      </p:childTnLst>
+                    </p:cTn>
+                  </p:par>
+                  <p:par>
+                    <p:cTn id="7" fill="hold">
+                      <p:stCondLst>
+                        <p:cond delay="indefinite"/>
+                      </p:stCondLst>
+                      <p:childTnLst>
+                        <p:par>
+                          <p:cTn id="8" fill="hold">
+                            <p:stCondLst>
+                              <p:cond delay="0"/>
+                            </p:stCondLst>
+                            <p:childTnLst>
+                              <p:par>
+                                <p:cTn id="9" presetID="1" presetClass="entr" presetSubtype="0" fill="hold" grpId="0" nodeType="clickEffect">
+                                  <p:stCondLst>
+                                    <p:cond delay="0"/>
+                                  </p:stCondLst>
+                                  <p:childTnLst>
+                                    <p:set>
+                                      <p:cBhvr>
+                                        <p:cTn id="10" dur="1" fill="hold">
+                                          <p:stCondLst>
+                                            <p:cond delay="0"/>
+                                          </p:stCondLst>
+                                        </p:cTn>
+                                        <p:tgtEl>
+                                          <p:spTgt spid="72"/>
+                                        </p:tgtEl>
+                                        <p:attrNameLst>
+                                          <p:attrName>style.visibility</p:attrName>
+                                        </p:attrNameLst>
+                                      </p:cBhvr>
+                                      <p:to>
+                                        <p:strVal val="visible"/>
+                                      </p:to>
+                                    </p:set>
+                                  </p:childTnLst>
+                                </p:cTn>
+                              </p:par>
+                              <p:par>
+                                <p:cTn id="11" presetID="1" presetClass="entr" presetSubtype="0" fill="hold" grpId="0" nodeType="withEffect">
+                                  <p:stCondLst>
+                                    <p:cond delay="0"/>
+                                  </p:stCondLst>
+                                  <p:childTnLst>
+                                    <p:set>
+                                      <p:cBhvr>
+                                        <p:cTn id="12" dur="1" fill="hold">
+                                          <p:stCondLst>
+                                            <p:cond delay="0"/>
+                                          </p:stCondLst>
+                                        </p:cTn>
+                                        <p:tgtEl>
+                                          <p:spTgt spid="73"/>
+                                        </p:tgtEl>
+                                        <p:attrNameLst>
+                                          <p:attrName>style.visibility</p:attrName>
+                                        </p:attrNameLst>
+                                      </p:cBhvr>
+                                      <p:to>
+                                        <p:strVal val="visible"/>
+                                      </p:to>
+                                    </p:set>
+                                  </p:childTnLst>
+                                </p:cTn>
+                              </p:par>
+                            </p:childTnLst>
+                          </p:cTn>
+                        </p:par>
+                      </p:childTnLst>
+                    </p:cTn>
+                  </p:par>
+                  <p:par>
+                    <p:cTn id="13" fill="hold">
+                      <p:stCondLst>
+                        <p:cond delay="indefinite"/>
+                      </p:stCondLst>
+                      <p:childTnLst>
+                        <p:par>
+                          <p:cTn id="14" fill="hold">
+                            <p:stCondLst>
+                              <p:cond delay="0"/>
+                            </p:stCondLst>
+                            <p:childTnLst>
+                              <p:par>
+                                <p:cTn id="15" presetID="1" presetClass="entr" presetSubtype="0" fill="hold" grpId="0" nodeType="clickEffect">
+                                  <p:stCondLst>
+                                    <p:cond delay="0"/>
+                                  </p:stCondLst>
+                                  <p:childTnLst>
+                                    <p:set>
+                                      <p:cBhvr>
+                                        <p:cTn id="16" dur="1" fill="hold">
+                                          <p:stCondLst>
+                                            <p:cond delay="0"/>
+                                          </p:stCondLst>
+                                        </p:cTn>
+                                        <p:tgtEl>
+                                          <p:spTgt spid="100"/>
+                                        </p:tgtEl>
+                                        <p:attrNameLst>
+                                          <p:attrName>style.visibility</p:attrName>
+                                        </p:attrNameLst>
+                                      </p:cBhvr>
+                                      <p:to>
+                                        <p:strVal val="visible"/>
+                                      </p:to>
+                                    </p:set>
+                                  </p:childTnLst>
+                                </p:cTn>
+                              </p:par>
+                            </p:childTnLst>
+                          </p:cTn>
+                        </p:par>
+                      </p:childTnLst>
+                    </p:cTn>
+                  </p:par>
+                  <p:par>
+                    <p:cTn id="17" fill="hold">
+                      <p:stCondLst>
+                        <p:cond delay="indefinite"/>
+                      </p:stCondLst>
+                      <p:childTnLst>
+                        <p:par>
+                          <p:cTn id="18" fill="hold">
+                            <p:stCondLst>
+                              <p:cond delay="0"/>
+                            </p:stCondLst>
+                            <p:childTnLst>
+                              <p:par>
+                                <p:cTn id="19" presetID="1" presetClass="entr" presetSubtype="0" fill="hold" grpId="0" nodeType="clickEffect">
+                                  <p:stCondLst>
+                                    <p:cond delay="0"/>
+                                  </p:stCondLst>
+                                  <p:childTnLst>
+                                    <p:set>
+                                      <p:cBhvr>
+                                        <p:cTn id="20" dur="1" fill="hold">
+                                          <p:stCondLst>
+                                            <p:cond delay="0"/>
+                                          </p:stCondLst>
+                                        </p:cTn>
+                                        <p:tgtEl>
+                                          <p:spTgt spid="101"/>
+                                        </p:tgtEl>
+                                        <p:attrNameLst>
+                                          <p:attrName>style.visibility</p:attrName>
+                                        </p:attrNameLst>
+                                      </p:cBhvr>
+                                      <p:to>
+                                        <p:strVal val="visible"/>
+                                      </p:to>
+                                    </p:set>
+                                  </p:childTnLst>
+                                </p:cTn>
+                              </p:par>
+                              <p:par>
+                                <p:cTn id="21" presetID="1" presetClass="entr" presetSubtype="0" fill="hold" grpId="0" nodeType="withEffect">
+                                  <p:stCondLst>
+                                    <p:cond delay="0"/>
+                                  </p:stCondLst>
+                                  <p:childTnLst>
+                                    <p:set>
+                                      <p:cBhvr>
+                                        <p:cTn id="22" dur="1" fill="hold">
+                                          <p:stCondLst>
+                                            <p:cond delay="0"/>
+                                          </p:stCondLst>
+                                        </p:cTn>
+                                        <p:tgtEl>
+                                          <p:spTgt spid="102"/>
+                                        </p:tgtEl>
+                                        <p:attrNameLst>
+                                          <p:attrName>style.visibility</p:attrName>
+                                        </p:attrNameLst>
+                                      </p:cBhvr>
+                                      <p:to>
+                                        <p:strVal val="visible"/>
+                                      </p:to>
+                                    </p:set>
+                                  </p:childTnLst>
+                                </p:cTn>
+                              </p:par>
+                            </p:childTnLst>
+                          </p:cTn>
+                        </p:par>
+                      </p:childTnLst>
+                    </p:cTn>
+                  </p:par>
+                  <p:par>
+                    <p:cTn id="23" fill="hold">
+                      <p:stCondLst>
+                        <p:cond delay="indefinite"/>
+                      </p:stCondLst>
+                      <p:childTnLst>
+                        <p:par>
+                          <p:cTn id="24" fill="hold">
+                            <p:stCondLst>
+                              <p:cond delay="0"/>
+                            </p:stCondLst>
+                            <p:childTnLst>
+                              <p:par>
+                                <p:cTn id="25" presetID="1" presetClass="entr" presetSubtype="0" fill="hold" grpId="0" nodeType="clickEffect">
+                                  <p:stCondLst>
+                                    <p:cond delay="0"/>
+                                  </p:stCondLst>
+                                  <p:childTnLst>
+                                    <p:set>
+                                      <p:cBhvr>
+                                        <p:cTn id="26" dur="1" fill="hold">
+                                          <p:stCondLst>
+                                            <p:cond delay="0"/>
+                                          </p:stCondLst>
+                                        </p:cTn>
+                                        <p:tgtEl>
+                                          <p:spTgt spid="103"/>
+                                        </p:tgtEl>
+                                        <p:attrNameLst>
+                                          <p:attrName>style.visibility</p:attrName>
+                                        </p:attrNameLst>
+                                      </p:cBhvr>
+                                      <p:to>
+                                        <p:strVal val="visible"/>
+                                      </p:to>
+                                    </p:set>
+                                  </p:childTnLst>
+                                </p:cTn>
+                              </p:par>
+                            </p:childTnLst>
+                          </p:cTn>
+                        </p:par>
+                      </p:childTnLst>
+                    </p:cTn>
+                  </p:par>
+                </p:childTnLst>
+              </p:cTn>
+              <p:prevCondLst>
+                <p:cond evt="onPrev" delay="0">
+                  <p:tgtEl>
+                    <p:sldTgt/>
+                  </p:tgtEl>
+                </p:cond>
+              </p:prevCondLst>
+              <p:nextCondLst>
+                <p:cond evt="onNext" delay="0">
+                  <p:tgtEl>
+                    <p:sldTgt/>
+                  </p:tgtEl>
+                </p:cond>
+              </p:nextCondLst>
+            </p:seq>
+          </p:childTnLst>
+        </p:cTn>
+      </p:par>
+    </p:tnLst>
+    <p:bldLst>
+      <p:bldP spid="71" grpId="0" animBg="1"/>
+      <p:bldP spid="72" grpId="0" animBg="1"/>
+      <p:bldP spid="73" grpId="0" animBg="1"/>
+      <p:bldP spid="100" grpId="0" animBg="1"/>
+      <p:bldP spid="101" grpId="0" animBg="1"/>
+      <p:bldP spid="102" grpId="0" animBg="1"/>
+      <p:bldP spid="103" grpId="0" animBg="1"/>
+    </p:bldLst>
+  </p:timing>
+</p:sld>
+</file>
+
+<file path=ppt/slides/slide5.xml><?xml version="1.0" encoding="utf-8"?>
+<p:sld xmlns:a="http://schemas.openxmlformats.org/drawingml/2006/main" xmlns:r="http://schemas.openxmlformats.org/officeDocument/2006/relationships" xmlns:p="http://schemas.openxmlformats.org/presentationml/2006/main">
+  <p:cSld>
+    <p:spTree>
+      <p:nvGrpSpPr>
+        <p:cNvPr id="1" name=""/>
+        <p:cNvGrpSpPr/>
+        <p:nvPr/>
+      </p:nvGrpSpPr>
+      <p:grpSpPr>
+        <a:xfrm>
+          <a:off x="0" y="0"/>
+          <a:ext cx="0" cy="0"/>
+          <a:chOff x="0" y="0"/>
+          <a:chExt cx="0" cy="0"/>
+        </a:xfrm>
+      </p:grpSpPr>
+      <p:sp>
+        <p:nvSpPr>
+          <p:cNvPr id="106" name="圆柱形 105"/>
+          <p:cNvSpPr/>
+          <p:nvPr/>
+        </p:nvSpPr>
+        <p:spPr>
+          <a:xfrm>
+            <a:off x="755576" y="2573288"/>
+            <a:ext cx="1152128" cy="2664296"/>
+          </a:xfrm>
+          <a:prstGeom prst="can">
+            <a:avLst/>
+          </a:prstGeom>
+          <a:solidFill>
+            <a:srgbClr val="7030A0"/>
+          </a:solidFill>
+        </p:spPr>
+        <p:style>
+          <a:lnRef idx="2">
+            <a:schemeClr val="accent1">
+              <a:shade val="50000"/>
+            </a:schemeClr>
+          </a:lnRef>
+          <a:fillRef idx="1">
+            <a:schemeClr val="accent1"/>
+          </a:fillRef>
+          <a:effectRef idx="0">
+            <a:schemeClr val="accent1"/>
+          </a:effectRef>
+          <a:fontRef idx="minor">
+            <a:schemeClr val="lt1"/>
+          </a:fontRef>
+        </p:style>
+        <p:txBody>
+          <a:bodyPr rtlCol="0" anchor="ctr"/>
+          <a:lstStyle/>
+          <a:p>
+            <a:pPr algn="ctr"/>
+            <a:endParaRPr lang="zh-CN" altLang="en-US"/>
+          </a:p>
+        </p:txBody>
+      </p:sp>
+      <p:cxnSp>
+        <p:nvCxnSpPr>
+          <p:cNvPr id="60" name="直接箭头连接符 59"/>
+          <p:cNvCxnSpPr/>
+          <p:nvPr/>
+        </p:nvCxnSpPr>
+        <p:spPr>
+          <a:xfrm flipV="1">
+            <a:off x="2560895" y="1628800"/>
+            <a:ext cx="0" cy="1080120"/>
+          </a:xfrm>
+          <a:prstGeom prst="straightConnector1">
+            <a:avLst/>
+          </a:prstGeom>
+          <a:ln w="38100">
+            <a:solidFill>
+              <a:schemeClr val="bg1">
+                <a:lumMod val="75000"/>
+              </a:schemeClr>
+            </a:solidFill>
+            <a:headEnd type="triangle" w="med" len="med"/>
+            <a:tailEnd type="none" w="med" len="med"/>
+          </a:ln>
+        </p:spPr>
+        <p:style>
+          <a:lnRef idx="1">
+            <a:schemeClr val="accent1"/>
+          </a:lnRef>
+          <a:fillRef idx="0">
+            <a:schemeClr val="accent1"/>
+          </a:fillRef>
+          <a:effectRef idx="0">
+            <a:schemeClr val="accent1"/>
+          </a:effectRef>
+          <a:fontRef idx="minor">
+            <a:schemeClr val="tx1"/>
+          </a:fontRef>
+        </p:style>
+      </p:cxnSp>
+      <p:sp>
+        <p:nvSpPr>
+          <p:cNvPr id="2" name="标题 1"/>
+          <p:cNvSpPr>
+            <a:spLocks noGrp="1"/>
+          </p:cNvSpPr>
+          <p:nvPr>
+            <p:ph type="title"/>
+          </p:nvPr>
+        </p:nvSpPr>
+        <p:spPr/>
+        <p:txBody>
+          <a:bodyPr/>
+          <a:lstStyle/>
+          <a:p>
+            <a:r>
+              <a:rPr lang="en-US" altLang="zh-CN" dirty="0" smtClean="0"/>
+              <a:t>Flexible</a:t>
+            </a:r>
+            <a:r>
+              <a:rPr lang="en-US" altLang="zh-CN" dirty="0" smtClean="0"/>
+              <a:t> </a:t>
+            </a:r>
+            <a:r>
+              <a:rPr lang="en-US" altLang="zh-CN" dirty="0" smtClean="0"/>
+              <a:t>Data Centers</a:t>
+            </a:r>
+            <a:endParaRPr lang="zh-CN" altLang="en-US" dirty="0"/>
+          </a:p>
+        </p:txBody>
+      </p:sp>
+      <p:sp>
+        <p:nvSpPr>
+          <p:cNvPr id="4" name="圆柱形 3"/>
+          <p:cNvSpPr/>
+          <p:nvPr/>
+        </p:nvSpPr>
+        <p:spPr>
+          <a:xfrm>
+            <a:off x="683568" y="2420888"/>
+            <a:ext cx="1152128" cy="2664296"/>
+          </a:xfrm>
+          <a:prstGeom prst="can">
+            <a:avLst/>
+          </a:prstGeom>
+        </p:spPr>
+        <p:style>
+          <a:lnRef idx="2">
+            <a:schemeClr val="accent1">
+              <a:shade val="50000"/>
+            </a:schemeClr>
+          </a:lnRef>
+          <a:fillRef idx="1">
+            <a:schemeClr val="accent1"/>
+          </a:fillRef>
+          <a:effectRef idx="0">
+            <a:schemeClr val="accent1"/>
+          </a:effectRef>
+          <a:fontRef idx="minor">
+            <a:schemeClr val="lt1"/>
+          </a:fontRef>
+        </p:style>
+        <p:txBody>
+          <a:bodyPr rtlCol="0" anchor="ctr"/>
+          <a:lstStyle/>
+          <a:p>
+            <a:pPr algn="ctr"/>
+            <a:endParaRPr lang="zh-CN" altLang="en-US"/>
+          </a:p>
+        </p:txBody>
+      </p:sp>
+      <p:sp>
+        <p:nvSpPr>
+          <p:cNvPr id="11" name="下箭头 10"/>
+          <p:cNvSpPr/>
+          <p:nvPr/>
+        </p:nvSpPr>
+        <p:spPr>
+          <a:xfrm>
+            <a:off x="1043608" y="2855367"/>
+            <a:ext cx="432048" cy="1077689"/>
+          </a:xfrm>
+          <a:prstGeom prst="downArrow">
+            <a:avLst/>
+          </a:prstGeom>
+          <a:solidFill>
+            <a:schemeClr val="bg1">
+              <a:lumMod val="50000"/>
+            </a:schemeClr>
+          </a:solidFill>
+        </p:spPr>
+        <p:style>
+          <a:lnRef idx="2">
+            <a:schemeClr val="accent1">
+              <a:shade val="50000"/>
+            </a:schemeClr>
+          </a:lnRef>
+          <a:fillRef idx="1">
+            <a:schemeClr val="accent1"/>
+          </a:fillRef>
+          <a:effectRef idx="0">
+            <a:schemeClr val="accent1"/>
+          </a:effectRef>
+          <a:fontRef idx="minor">
+            <a:schemeClr val="lt1"/>
+          </a:fontRef>
+        </p:style>
+        <p:txBody>
+          <a:bodyPr rtlCol="0" anchor="ctr"/>
+          <a:lstStyle/>
+          <a:p>
+            <a:pPr algn="ctr"/>
+            <a:endParaRPr lang="zh-CN" altLang="en-US"/>
+          </a:p>
+        </p:txBody>
+      </p:sp>
+      <p:cxnSp>
+        <p:nvCxnSpPr>
+          <p:cNvPr id="18" name="曲线连接符 17"/>
+          <p:cNvCxnSpPr/>
+          <p:nvPr/>
+        </p:nvCxnSpPr>
+        <p:spPr>
+          <a:xfrm rot="5400000">
+            <a:off x="1237738" y="1364727"/>
+            <a:ext cx="1082554" cy="1008113"/>
+          </a:xfrm>
+          <a:prstGeom prst="curvedConnector3">
+            <a:avLst>
+              <a:gd name="adj1" fmla="val 30187"/>
+            </a:avLst>
+          </a:prstGeom>
+          <a:ln w="76200">
+            <a:solidFill>
+              <a:schemeClr val="bg1">
+                <a:lumMod val="50000"/>
+              </a:schemeClr>
+            </a:solidFill>
+            <a:headEnd type="none" w="med" len="med"/>
+            <a:tailEnd type="triangle" w="med" len="med"/>
+          </a:ln>
+        </p:spPr>
+        <p:style>
+          <a:lnRef idx="1">
+            <a:schemeClr val="accent1"/>
+          </a:lnRef>
+          <a:fillRef idx="0">
+            <a:schemeClr val="accent1"/>
+          </a:fillRef>
+          <a:effectRef idx="0">
+            <a:schemeClr val="accent1"/>
+          </a:effectRef>
+          <a:fontRef idx="minor">
+            <a:schemeClr val="tx1"/>
+          </a:fontRef>
+        </p:style>
+      </p:cxnSp>
+      <p:sp>
+        <p:nvSpPr>
+          <p:cNvPr id="19" name="圆柱形 18"/>
+          <p:cNvSpPr/>
+          <p:nvPr/>
+        </p:nvSpPr>
+        <p:spPr>
+          <a:xfrm>
+            <a:off x="2771800" y="2410061"/>
+            <a:ext cx="1152128" cy="2664296"/>
+          </a:xfrm>
+          <a:prstGeom prst="can">
+            <a:avLst/>
+          </a:prstGeom>
+        </p:spPr>
+        <p:style>
+          <a:lnRef idx="2">
+            <a:schemeClr val="accent1">
+              <a:shade val="50000"/>
+            </a:schemeClr>
+          </a:lnRef>
+          <a:fillRef idx="1">
+            <a:schemeClr val="accent1"/>
+          </a:fillRef>
+          <a:effectRef idx="0">
+            <a:schemeClr val="accent1"/>
+          </a:effectRef>
+          <a:fontRef idx="minor">
+            <a:schemeClr val="lt1"/>
+          </a:fontRef>
+        </p:style>
+        <p:txBody>
+          <a:bodyPr rtlCol="0" anchor="ctr"/>
+          <a:lstStyle/>
+          <a:p>
+            <a:pPr algn="ctr"/>
+            <a:endParaRPr lang="zh-CN" altLang="en-US"/>
+          </a:p>
+        </p:txBody>
+      </p:sp>
+      <p:cxnSp>
+        <p:nvCxnSpPr>
+          <p:cNvPr id="20" name="曲线连接符 19"/>
+          <p:cNvCxnSpPr/>
+          <p:nvPr/>
+        </p:nvCxnSpPr>
+        <p:spPr>
+          <a:xfrm rot="16200000" flipH="1">
+            <a:off x="2302530" y="1365545"/>
+            <a:ext cx="1082554" cy="1008113"/>
+          </a:xfrm>
+          <a:prstGeom prst="curvedConnector3">
+            <a:avLst>
+              <a:gd name="adj1" fmla="val 30187"/>
+            </a:avLst>
+          </a:prstGeom>
+          <a:ln w="76200">
+            <a:solidFill>
+              <a:schemeClr val="bg1">
+                <a:lumMod val="75000"/>
+              </a:schemeClr>
+            </a:solidFill>
+            <a:headEnd type="none" w="med" len="med"/>
+            <a:tailEnd type="triangle" w="med" len="med"/>
+          </a:ln>
+        </p:spPr>
+        <p:style>
+          <a:lnRef idx="1">
+            <a:schemeClr val="accent1"/>
+          </a:lnRef>
+          <a:fillRef idx="0">
+            <a:schemeClr val="accent1"/>
+          </a:fillRef>
+          <a:effectRef idx="0">
+            <a:schemeClr val="accent1"/>
+          </a:effectRef>
+          <a:fontRef idx="minor">
+            <a:schemeClr val="tx1"/>
+          </a:fontRef>
+        </p:style>
+      </p:cxnSp>
+      <p:sp>
+        <p:nvSpPr>
+          <p:cNvPr id="8" name="下箭头 7"/>
+          <p:cNvSpPr/>
+          <p:nvPr/>
+        </p:nvSpPr>
+        <p:spPr>
+          <a:xfrm rot="2700000">
+            <a:off x="678778" y="3642363"/>
+            <a:ext cx="391477" cy="963283"/>
+          </a:xfrm>
+          <a:prstGeom prst="downArrow">
+            <a:avLst/>
+          </a:prstGeom>
+          <a:solidFill>
+            <a:schemeClr val="bg1">
+              <a:lumMod val="50000"/>
+            </a:schemeClr>
+          </a:solidFill>
+        </p:spPr>
+        <p:style>
+          <a:lnRef idx="2">
+            <a:schemeClr val="accent1">
+              <a:shade val="50000"/>
+            </a:schemeClr>
+          </a:lnRef>
+          <a:fillRef idx="1">
+            <a:schemeClr val="accent1"/>
+          </a:fillRef>
+          <a:effectRef idx="0">
+            <a:schemeClr val="accent1"/>
+          </a:effectRef>
+          <a:fontRef idx="minor">
+            <a:schemeClr val="lt1"/>
+          </a:fontRef>
+        </p:style>
+        <p:txBody>
+          <a:bodyPr rtlCol="0" anchor="ctr"/>
+          <a:lstStyle/>
+          <a:p>
+            <a:pPr algn="ctr"/>
+            <a:endParaRPr lang="zh-CN" altLang="en-US"/>
+          </a:p>
+        </p:txBody>
+      </p:sp>
+      <p:sp>
+        <p:nvSpPr>
+          <p:cNvPr id="3" name="流程图: 汇总连接 2"/>
+          <p:cNvSpPr/>
+          <p:nvPr/>
+        </p:nvSpPr>
+        <p:spPr>
+          <a:xfrm>
+            <a:off x="1010035" y="3467435"/>
+            <a:ext cx="465621" cy="465621"/>
+          </a:xfrm>
+          <a:prstGeom prst="flowChartSummingJunction">
+            <a:avLst/>
+          </a:prstGeom>
+          <a:solidFill>
+            <a:srgbClr val="FF0000"/>
+          </a:solidFill>
+        </p:spPr>
+        <p:style>
+          <a:lnRef idx="2">
+            <a:schemeClr val="accent1">
+              <a:shade val="50000"/>
+            </a:schemeClr>
+          </a:lnRef>
+          <a:fillRef idx="1">
+            <a:schemeClr val="accent1"/>
+          </a:fillRef>
+          <a:effectRef idx="0">
+            <a:schemeClr val="accent1"/>
+          </a:effectRef>
+          <a:fontRef idx="minor">
+            <a:schemeClr val="lt1"/>
+          </a:fontRef>
+        </p:style>
+        <p:txBody>
+          <a:bodyPr rtlCol="0" anchor="ctr"/>
+          <a:lstStyle/>
+          <a:p>
+            <a:pPr algn="ctr"/>
+            <a:endParaRPr lang="zh-CN" altLang="en-US"/>
+          </a:p>
+        </p:txBody>
+      </p:sp>
+      <p:sp>
+        <p:nvSpPr>
+          <p:cNvPr id="5" name="矩形 4"/>
+          <p:cNvSpPr/>
+          <p:nvPr/>
+        </p:nvSpPr>
+        <p:spPr>
+          <a:xfrm>
+            <a:off x="1947169" y="2708920"/>
+            <a:ext cx="205680" cy="144016"/>
+          </a:xfrm>
+          <a:prstGeom prst="rect">
+            <a:avLst/>
+          </a:prstGeom>
+          <a:solidFill>
+            <a:schemeClr val="bg1">
+              <a:lumMod val="50000"/>
+            </a:schemeClr>
+          </a:solidFill>
+        </p:spPr>
+        <p:style>
+          <a:lnRef idx="2">
+            <a:schemeClr val="accent1">
+              <a:shade val="50000"/>
+            </a:schemeClr>
+          </a:lnRef>
+          <a:fillRef idx="1">
+            <a:schemeClr val="accent1"/>
+          </a:fillRef>
+          <a:effectRef idx="0">
+            <a:schemeClr val="accent1"/>
+          </a:effectRef>
+          <a:fontRef idx="minor">
+            <a:schemeClr val="lt1"/>
+          </a:fontRef>
+        </p:style>
+        <p:txBody>
+          <a:bodyPr rtlCol="0" anchor="ctr"/>
+          <a:lstStyle/>
+          <a:p>
+            <a:pPr algn="ctr"/>
+            <a:endParaRPr lang="zh-CN" altLang="en-US"/>
+          </a:p>
+        </p:txBody>
+      </p:sp>
+      <p:sp>
+        <p:nvSpPr>
+          <p:cNvPr id="37" name="矩形 36"/>
+          <p:cNvSpPr/>
+          <p:nvPr/>
+        </p:nvSpPr>
+        <p:spPr>
+          <a:xfrm>
+            <a:off x="1947169" y="2861320"/>
+            <a:ext cx="205680" cy="144016"/>
+          </a:xfrm>
+          <a:prstGeom prst="rect">
+            <a:avLst/>
+          </a:prstGeom>
+          <a:solidFill>
+            <a:schemeClr val="bg1">
+              <a:lumMod val="50000"/>
+            </a:schemeClr>
+          </a:solidFill>
+        </p:spPr>
+        <p:style>
+          <a:lnRef idx="2">
+            <a:schemeClr val="accent1">
+              <a:shade val="50000"/>
+            </a:schemeClr>
+          </a:lnRef>
+          <a:fillRef idx="1">
+            <a:schemeClr val="accent1"/>
+          </a:fillRef>
+          <a:effectRef idx="0">
+            <a:schemeClr val="accent1"/>
+          </a:effectRef>
+          <a:fontRef idx="minor">
+            <a:schemeClr val="lt1"/>
+          </a:fontRef>
+        </p:style>
+        <p:txBody>
+          <a:bodyPr rtlCol="0" anchor="ctr"/>
+          <a:lstStyle/>
+          <a:p>
+            <a:pPr algn="ctr"/>
+            <a:endParaRPr lang="zh-CN" altLang="en-US"/>
+          </a:p>
+        </p:txBody>
+      </p:sp>
+      <p:sp>
+        <p:nvSpPr>
+          <p:cNvPr id="39" name="矩形 38"/>
+          <p:cNvSpPr/>
+          <p:nvPr/>
+        </p:nvSpPr>
+        <p:spPr>
+          <a:xfrm>
+            <a:off x="1947169" y="3013720"/>
+            <a:ext cx="205680" cy="144016"/>
+          </a:xfrm>
+          <a:prstGeom prst="rect">
+            <a:avLst/>
+          </a:prstGeom>
+          <a:solidFill>
+            <a:schemeClr val="bg1">
+              <a:lumMod val="50000"/>
+            </a:schemeClr>
+          </a:solidFill>
+        </p:spPr>
+        <p:style>
+          <a:lnRef idx="2">
+            <a:schemeClr val="accent1">
+              <a:shade val="50000"/>
+            </a:schemeClr>
+          </a:lnRef>
+          <a:fillRef idx="1">
+            <a:schemeClr val="accent1"/>
+          </a:fillRef>
+          <a:effectRef idx="0">
+            <a:schemeClr val="accent1"/>
+          </a:effectRef>
+          <a:fontRef idx="minor">
+            <a:schemeClr val="lt1"/>
+          </a:fontRef>
+        </p:style>
+        <p:txBody>
+          <a:bodyPr rtlCol="0" anchor="ctr"/>
+          <a:lstStyle/>
+          <a:p>
+            <a:pPr algn="ctr"/>
+            <a:endParaRPr lang="zh-CN" altLang="en-US"/>
+          </a:p>
+        </p:txBody>
+      </p:sp>
+      <p:sp>
+        <p:nvSpPr>
+          <p:cNvPr id="41" name="矩形 40"/>
+          <p:cNvSpPr/>
+          <p:nvPr/>
+        </p:nvSpPr>
+        <p:spPr>
+          <a:xfrm>
+            <a:off x="1947169" y="3166120"/>
+            <a:ext cx="205680" cy="144016"/>
+          </a:xfrm>
+          <a:prstGeom prst="rect">
+            <a:avLst/>
+          </a:prstGeom>
+          <a:solidFill>
+            <a:schemeClr val="bg1">
+              <a:lumMod val="50000"/>
+            </a:schemeClr>
+          </a:solidFill>
+        </p:spPr>
+        <p:style>
+          <a:lnRef idx="2">
+            <a:schemeClr val="accent1">
+              <a:shade val="50000"/>
+            </a:schemeClr>
+          </a:lnRef>
+          <a:fillRef idx="1">
+            <a:schemeClr val="accent1"/>
+          </a:fillRef>
+          <a:effectRef idx="0">
+            <a:schemeClr val="accent1"/>
+          </a:effectRef>
+          <a:fontRef idx="minor">
+            <a:schemeClr val="lt1"/>
+          </a:fontRef>
+        </p:style>
+        <p:txBody>
+          <a:bodyPr rtlCol="0" anchor="ctr"/>
+          <a:lstStyle/>
+          <a:p>
+            <a:pPr algn="ctr"/>
+            <a:endParaRPr lang="zh-CN" altLang="en-US"/>
+          </a:p>
+        </p:txBody>
+      </p:sp>
+      <p:sp>
+        <p:nvSpPr>
+          <p:cNvPr id="42" name="矩形 41"/>
+          <p:cNvSpPr/>
+          <p:nvPr/>
+        </p:nvSpPr>
+        <p:spPr>
+          <a:xfrm>
+            <a:off x="1947169" y="3318520"/>
+            <a:ext cx="205680" cy="144016"/>
+          </a:xfrm>
+          <a:prstGeom prst="rect">
+            <a:avLst/>
+          </a:prstGeom>
+          <a:solidFill>
+            <a:schemeClr val="bg1">
+              <a:lumMod val="50000"/>
+            </a:schemeClr>
+          </a:solidFill>
+        </p:spPr>
+        <p:style>
+          <a:lnRef idx="2">
+            <a:schemeClr val="accent1">
+              <a:shade val="50000"/>
+            </a:schemeClr>
+          </a:lnRef>
+          <a:fillRef idx="1">
+            <a:schemeClr val="accent1"/>
+          </a:fillRef>
+          <a:effectRef idx="0">
+            <a:schemeClr val="accent1"/>
+          </a:effectRef>
+          <a:fontRef idx="minor">
+            <a:schemeClr val="lt1"/>
+          </a:fontRef>
+        </p:style>
+        <p:txBody>
+          <a:bodyPr rtlCol="0" anchor="ctr"/>
+          <a:lstStyle/>
+          <a:p>
+            <a:pPr algn="ctr"/>
+            <a:endParaRPr lang="zh-CN" altLang="en-US"/>
+          </a:p>
+        </p:txBody>
+      </p:sp>
+      <p:sp>
+        <p:nvSpPr>
+          <p:cNvPr id="43" name="矩形 42"/>
+          <p:cNvSpPr/>
+          <p:nvPr/>
+        </p:nvSpPr>
+        <p:spPr>
+          <a:xfrm>
+            <a:off x="1947169" y="3470920"/>
+            <a:ext cx="205680" cy="144016"/>
+          </a:xfrm>
+          <a:prstGeom prst="rect">
+            <a:avLst/>
+          </a:prstGeom>
+          <a:solidFill>
+            <a:schemeClr val="bg1">
+              <a:lumMod val="50000"/>
+            </a:schemeClr>
+          </a:solidFill>
+        </p:spPr>
+        <p:style>
+          <a:lnRef idx="2">
+            <a:schemeClr val="accent1">
+              <a:shade val="50000"/>
+            </a:schemeClr>
+          </a:lnRef>
+          <a:fillRef idx="1">
+            <a:schemeClr val="accent1"/>
+          </a:fillRef>
+          <a:effectRef idx="0">
+            <a:schemeClr val="accent1"/>
+          </a:effectRef>
+          <a:fontRef idx="minor">
+            <a:schemeClr val="lt1"/>
+          </a:fontRef>
+        </p:style>
+        <p:txBody>
+          <a:bodyPr rtlCol="0" anchor="ctr"/>
+          <a:lstStyle/>
+          <a:p>
+            <a:pPr algn="ctr"/>
+            <a:endParaRPr lang="zh-CN" altLang="en-US"/>
+          </a:p>
+        </p:txBody>
+      </p:sp>
+      <p:sp>
+        <p:nvSpPr>
+          <p:cNvPr id="44" name="矩形 43"/>
+          <p:cNvSpPr/>
+          <p:nvPr/>
+        </p:nvSpPr>
+        <p:spPr>
+          <a:xfrm>
+            <a:off x="1947169" y="3623320"/>
+            <a:ext cx="205680" cy="144016"/>
+          </a:xfrm>
+          <a:prstGeom prst="rect">
+            <a:avLst/>
+          </a:prstGeom>
+          <a:solidFill>
+            <a:schemeClr val="bg1">
+              <a:lumMod val="95000"/>
+            </a:schemeClr>
+          </a:solidFill>
+        </p:spPr>
+        <p:style>
+          <a:lnRef idx="2">
+            <a:schemeClr val="accent1">
+              <a:shade val="50000"/>
+            </a:schemeClr>
+          </a:lnRef>
+          <a:fillRef idx="1">
+            <a:schemeClr val="accent1"/>
+          </a:fillRef>
+          <a:effectRef idx="0">
+            <a:schemeClr val="accent1"/>
+          </a:effectRef>
+          <a:fontRef idx="minor">
+            <a:schemeClr val="lt1"/>
+          </a:fontRef>
+        </p:style>
+        <p:txBody>
+          <a:bodyPr rtlCol="0" anchor="ctr"/>
+          <a:lstStyle/>
+          <a:p>
+            <a:pPr algn="ctr"/>
+            <a:endParaRPr lang="zh-CN" altLang="en-US"/>
+          </a:p>
+        </p:txBody>
+      </p:sp>
+      <p:sp>
+        <p:nvSpPr>
+          <p:cNvPr id="45" name="矩形 44"/>
+          <p:cNvSpPr/>
+          <p:nvPr/>
+        </p:nvSpPr>
+        <p:spPr>
+          <a:xfrm>
+            <a:off x="1947169" y="3775720"/>
+            <a:ext cx="205680" cy="144016"/>
+          </a:xfrm>
+          <a:prstGeom prst="rect">
+            <a:avLst/>
+          </a:prstGeom>
+          <a:solidFill>
+            <a:schemeClr val="bg1">
+              <a:lumMod val="95000"/>
+            </a:schemeClr>
+          </a:solidFill>
+        </p:spPr>
+        <p:style>
+          <a:lnRef idx="2">
+            <a:schemeClr val="accent1">
+              <a:shade val="50000"/>
+            </a:schemeClr>
+          </a:lnRef>
+          <a:fillRef idx="1">
+            <a:schemeClr val="accent1"/>
+          </a:fillRef>
+          <a:effectRef idx="0">
+            <a:schemeClr val="accent1"/>
+          </a:effectRef>
+          <a:fontRef idx="minor">
+            <a:schemeClr val="lt1"/>
+          </a:fontRef>
+        </p:style>
+        <p:txBody>
+          <a:bodyPr rtlCol="0" anchor="ctr"/>
+          <a:lstStyle/>
+          <a:p>
+            <a:pPr algn="ctr"/>
+            <a:endParaRPr lang="zh-CN" altLang="en-US"/>
+          </a:p>
+        </p:txBody>
+      </p:sp>
+      <p:sp>
+        <p:nvSpPr>
+          <p:cNvPr id="46" name="矩形 45"/>
+          <p:cNvSpPr/>
+          <p:nvPr/>
+        </p:nvSpPr>
+        <p:spPr>
+          <a:xfrm>
+            <a:off x="1947169" y="3928120"/>
+            <a:ext cx="205680" cy="144016"/>
+          </a:xfrm>
+          <a:prstGeom prst="rect">
+            <a:avLst/>
+          </a:prstGeom>
+          <a:solidFill>
+            <a:schemeClr val="bg1">
+              <a:lumMod val="95000"/>
+            </a:schemeClr>
+          </a:solidFill>
+        </p:spPr>
+        <p:style>
+          <a:lnRef idx="2">
+            <a:schemeClr val="accent1">
+              <a:shade val="50000"/>
+            </a:schemeClr>
+          </a:lnRef>
+          <a:fillRef idx="1">
+            <a:schemeClr val="accent1"/>
+          </a:fillRef>
+          <a:effectRef idx="0">
+            <a:schemeClr val="accent1"/>
+          </a:effectRef>
+          <a:fontRef idx="minor">
+            <a:schemeClr val="lt1"/>
+          </a:fontRef>
+        </p:style>
+        <p:txBody>
+          <a:bodyPr rtlCol="0" anchor="ctr"/>
+          <a:lstStyle/>
+          <a:p>
+            <a:pPr algn="ctr"/>
+            <a:endParaRPr lang="zh-CN" altLang="en-US"/>
+          </a:p>
+        </p:txBody>
+      </p:sp>
+      <p:sp>
+        <p:nvSpPr>
+          <p:cNvPr id="47" name="矩形 46"/>
+          <p:cNvSpPr/>
+          <p:nvPr/>
+        </p:nvSpPr>
+        <p:spPr>
+          <a:xfrm>
+            <a:off x="1947169" y="4080520"/>
+            <a:ext cx="205680" cy="144016"/>
+          </a:xfrm>
+          <a:prstGeom prst="rect">
+            <a:avLst/>
+          </a:prstGeom>
+          <a:solidFill>
+            <a:schemeClr val="bg1">
+              <a:lumMod val="95000"/>
+            </a:schemeClr>
+          </a:solidFill>
+        </p:spPr>
+        <p:style>
+          <a:lnRef idx="2">
+            <a:schemeClr val="accent1">
+              <a:shade val="50000"/>
+            </a:schemeClr>
+          </a:lnRef>
+          <a:fillRef idx="1">
+            <a:schemeClr val="accent1"/>
+          </a:fillRef>
+          <a:effectRef idx="0">
+            <a:schemeClr val="accent1"/>
+          </a:effectRef>
+          <a:fontRef idx="minor">
+            <a:schemeClr val="lt1"/>
+          </a:fontRef>
+        </p:style>
+        <p:txBody>
+          <a:bodyPr rtlCol="0" anchor="ctr"/>
+          <a:lstStyle/>
+          <a:p>
+            <a:pPr algn="ctr"/>
+            <a:endParaRPr lang="zh-CN" altLang="en-US"/>
+          </a:p>
+        </p:txBody>
+      </p:sp>
+      <p:sp>
+        <p:nvSpPr>
+          <p:cNvPr id="48" name="矩形 47"/>
+          <p:cNvSpPr/>
+          <p:nvPr/>
+        </p:nvSpPr>
+        <p:spPr>
+          <a:xfrm>
+            <a:off x="2452936" y="2708920"/>
+            <a:ext cx="205680" cy="144016"/>
+          </a:xfrm>
+          <a:prstGeom prst="rect">
+            <a:avLst/>
+          </a:prstGeom>
+          <a:solidFill>
+            <a:schemeClr val="bg1">
+              <a:lumMod val="75000"/>
+            </a:schemeClr>
+          </a:solidFill>
+        </p:spPr>
+        <p:style>
+          <a:lnRef idx="2">
+            <a:schemeClr val="accent1">
+              <a:shade val="50000"/>
+            </a:schemeClr>
+          </a:lnRef>
+          <a:fillRef idx="1">
+            <a:schemeClr val="accent1"/>
+          </a:fillRef>
+          <a:effectRef idx="0">
+            <a:schemeClr val="accent1"/>
+          </a:effectRef>
+          <a:fontRef idx="minor">
+            <a:schemeClr val="lt1"/>
+          </a:fontRef>
+        </p:style>
+        <p:txBody>
+          <a:bodyPr rtlCol="0" anchor="ctr"/>
+          <a:lstStyle/>
+          <a:p>
+            <a:pPr algn="ctr"/>
+            <a:endParaRPr lang="zh-CN" altLang="en-US"/>
+          </a:p>
+        </p:txBody>
+      </p:sp>
+      <p:sp>
+        <p:nvSpPr>
+          <p:cNvPr id="49" name="矩形 48"/>
+          <p:cNvSpPr/>
+          <p:nvPr/>
+        </p:nvSpPr>
+        <p:spPr>
+          <a:xfrm>
+            <a:off x="2452936" y="2861320"/>
+            <a:ext cx="205680" cy="144016"/>
+          </a:xfrm>
+          <a:prstGeom prst="rect">
+            <a:avLst/>
+          </a:prstGeom>
+          <a:solidFill>
+            <a:schemeClr val="bg1">
+              <a:lumMod val="75000"/>
+            </a:schemeClr>
+          </a:solidFill>
+        </p:spPr>
+        <p:style>
+          <a:lnRef idx="2">
+            <a:schemeClr val="accent1">
+              <a:shade val="50000"/>
+            </a:schemeClr>
+          </a:lnRef>
+          <a:fillRef idx="1">
+            <a:schemeClr val="accent1"/>
+          </a:fillRef>
+          <a:effectRef idx="0">
+            <a:schemeClr val="accent1"/>
+          </a:effectRef>
+          <a:fontRef idx="minor">
+            <a:schemeClr val="lt1"/>
+          </a:fontRef>
+        </p:style>
+        <p:txBody>
+          <a:bodyPr rtlCol="0" anchor="ctr"/>
+          <a:lstStyle/>
+          <a:p>
+            <a:pPr algn="ctr"/>
+            <a:endParaRPr lang="zh-CN" altLang="en-US"/>
+          </a:p>
+        </p:txBody>
+      </p:sp>
+      <p:sp>
+        <p:nvSpPr>
+          <p:cNvPr id="50" name="矩形 49"/>
+          <p:cNvSpPr/>
+          <p:nvPr/>
+        </p:nvSpPr>
+        <p:spPr>
+          <a:xfrm>
+            <a:off x="2452936" y="3013720"/>
+            <a:ext cx="205680" cy="144016"/>
+          </a:xfrm>
+          <a:prstGeom prst="rect">
+            <a:avLst/>
+          </a:prstGeom>
+          <a:solidFill>
+            <a:schemeClr val="bg1">
+              <a:lumMod val="75000"/>
+            </a:schemeClr>
+          </a:solidFill>
+        </p:spPr>
+        <p:style>
+          <a:lnRef idx="2">
+            <a:schemeClr val="accent1">
+              <a:shade val="50000"/>
+            </a:schemeClr>
+          </a:lnRef>
+          <a:fillRef idx="1">
+            <a:schemeClr val="accent1"/>
+          </a:fillRef>
+          <a:effectRef idx="0">
+            <a:schemeClr val="accent1"/>
+          </a:effectRef>
+          <a:fontRef idx="minor">
+            <a:schemeClr val="lt1"/>
+          </a:fontRef>
+        </p:style>
+        <p:txBody>
+          <a:bodyPr rtlCol="0" anchor="ctr"/>
+          <a:lstStyle/>
+          <a:p>
+            <a:pPr algn="ctr"/>
+            <a:endParaRPr lang="zh-CN" altLang="en-US"/>
+          </a:p>
+        </p:txBody>
+      </p:sp>
+      <p:sp>
+        <p:nvSpPr>
+          <p:cNvPr id="51" name="矩形 50"/>
+          <p:cNvSpPr/>
+          <p:nvPr/>
+        </p:nvSpPr>
+        <p:spPr>
+          <a:xfrm>
+            <a:off x="2452936" y="3166120"/>
+            <a:ext cx="205680" cy="144016"/>
+          </a:xfrm>
+          <a:prstGeom prst="rect">
+            <a:avLst/>
+          </a:prstGeom>
+          <a:solidFill>
+            <a:schemeClr val="bg1">
+              <a:lumMod val="75000"/>
+            </a:schemeClr>
+          </a:solidFill>
+        </p:spPr>
+        <p:style>
+          <a:lnRef idx="2">
+            <a:schemeClr val="accent1">
+              <a:shade val="50000"/>
+            </a:schemeClr>
+          </a:lnRef>
+          <a:fillRef idx="1">
+            <a:schemeClr val="accent1"/>
+          </a:fillRef>
+          <a:effectRef idx="0">
+            <a:schemeClr val="accent1"/>
+          </a:effectRef>
+          <a:fontRef idx="minor">
+            <a:schemeClr val="lt1"/>
+          </a:fontRef>
+        </p:style>
+        <p:txBody>
+          <a:bodyPr rtlCol="0" anchor="ctr"/>
+          <a:lstStyle/>
+          <a:p>
+            <a:pPr algn="ctr"/>
+            <a:endParaRPr lang="zh-CN" altLang="en-US"/>
+          </a:p>
+        </p:txBody>
+      </p:sp>
+      <p:sp>
+        <p:nvSpPr>
+          <p:cNvPr id="52" name="矩形 51"/>
+          <p:cNvSpPr/>
+          <p:nvPr/>
+        </p:nvSpPr>
+        <p:spPr>
+          <a:xfrm>
+            <a:off x="2452936" y="3318520"/>
+            <a:ext cx="205680" cy="144016"/>
+          </a:xfrm>
+          <a:prstGeom prst="rect">
+            <a:avLst/>
+          </a:prstGeom>
+          <a:solidFill>
+            <a:schemeClr val="bg1">
+              <a:lumMod val="75000"/>
+            </a:schemeClr>
+          </a:solidFill>
+        </p:spPr>
+        <p:style>
+          <a:lnRef idx="2">
+            <a:schemeClr val="accent1">
+              <a:shade val="50000"/>
+            </a:schemeClr>
+          </a:lnRef>
+          <a:fillRef idx="1">
+            <a:schemeClr val="accent1"/>
+          </a:fillRef>
+          <a:effectRef idx="0">
+            <a:schemeClr val="accent1"/>
+          </a:effectRef>
+          <a:fontRef idx="minor">
+            <a:schemeClr val="lt1"/>
+          </a:fontRef>
+        </p:style>
+        <p:txBody>
+          <a:bodyPr rtlCol="0" anchor="ctr"/>
+          <a:lstStyle/>
+          <a:p>
+            <a:pPr algn="ctr"/>
+            <a:endParaRPr lang="zh-CN" altLang="en-US"/>
+          </a:p>
+        </p:txBody>
+      </p:sp>
+      <p:sp>
+        <p:nvSpPr>
+          <p:cNvPr id="53" name="矩形 52"/>
+          <p:cNvSpPr/>
+          <p:nvPr/>
+        </p:nvSpPr>
+        <p:spPr>
+          <a:xfrm>
+            <a:off x="2452936" y="3470920"/>
+            <a:ext cx="205680" cy="144016"/>
+          </a:xfrm>
+          <a:prstGeom prst="rect">
+            <a:avLst/>
+          </a:prstGeom>
+          <a:solidFill>
+            <a:schemeClr val="bg1">
+              <a:lumMod val="75000"/>
+            </a:schemeClr>
+          </a:solidFill>
+        </p:spPr>
+        <p:style>
+          <a:lnRef idx="2">
+            <a:schemeClr val="accent1">
+              <a:shade val="50000"/>
+            </a:schemeClr>
+          </a:lnRef>
+          <a:fillRef idx="1">
+            <a:schemeClr val="accent1"/>
+          </a:fillRef>
+          <a:effectRef idx="0">
+            <a:schemeClr val="accent1"/>
+          </a:effectRef>
+          <a:fontRef idx="minor">
+            <a:schemeClr val="lt1"/>
+          </a:fontRef>
+        </p:style>
+        <p:txBody>
+          <a:bodyPr rtlCol="0" anchor="ctr"/>
+          <a:lstStyle/>
+          <a:p>
+            <a:pPr algn="ctr"/>
+            <a:endParaRPr lang="zh-CN" altLang="en-US"/>
+          </a:p>
+        </p:txBody>
+      </p:sp>
+      <p:sp>
+        <p:nvSpPr>
+          <p:cNvPr id="54" name="矩形 53"/>
+          <p:cNvSpPr/>
+          <p:nvPr/>
+        </p:nvSpPr>
+        <p:spPr>
+          <a:xfrm>
+            <a:off x="2452936" y="3623320"/>
+            <a:ext cx="205680" cy="144016"/>
+          </a:xfrm>
+          <a:prstGeom prst="rect">
+            <a:avLst/>
+          </a:prstGeom>
+          <a:solidFill>
+            <a:schemeClr val="bg1"/>
+          </a:solidFill>
+        </p:spPr>
+        <p:style>
+          <a:lnRef idx="2">
+            <a:schemeClr val="accent1">
+              <a:shade val="50000"/>
+            </a:schemeClr>
+          </a:lnRef>
+          <a:fillRef idx="1">
+            <a:schemeClr val="accent1"/>
+          </a:fillRef>
+          <a:effectRef idx="0">
+            <a:schemeClr val="accent1"/>
+          </a:effectRef>
+          <a:fontRef idx="minor">
+            <a:schemeClr val="lt1"/>
+          </a:fontRef>
+        </p:style>
+        <p:txBody>
+          <a:bodyPr rtlCol="0" anchor="ctr"/>
+          <a:lstStyle/>
+          <a:p>
+            <a:pPr algn="ctr"/>
+            <a:endParaRPr lang="zh-CN" altLang="en-US"/>
+          </a:p>
+        </p:txBody>
+      </p:sp>
+      <p:sp>
+        <p:nvSpPr>
+          <p:cNvPr id="55" name="矩形 54"/>
+          <p:cNvSpPr/>
+          <p:nvPr/>
+        </p:nvSpPr>
+        <p:spPr>
+          <a:xfrm>
+            <a:off x="2452936" y="3775720"/>
+            <a:ext cx="205680" cy="144016"/>
+          </a:xfrm>
+          <a:prstGeom prst="rect">
+            <a:avLst/>
+          </a:prstGeom>
+          <a:solidFill>
+            <a:schemeClr val="bg1"/>
+          </a:solidFill>
+        </p:spPr>
+        <p:style>
+          <a:lnRef idx="2">
+            <a:schemeClr val="accent1">
+              <a:shade val="50000"/>
+            </a:schemeClr>
+          </a:lnRef>
+          <a:fillRef idx="1">
+            <a:schemeClr val="accent1"/>
+          </a:fillRef>
+          <a:effectRef idx="0">
+            <a:schemeClr val="accent1"/>
+          </a:effectRef>
+          <a:fontRef idx="minor">
+            <a:schemeClr val="lt1"/>
+          </a:fontRef>
+        </p:style>
+        <p:txBody>
+          <a:bodyPr rtlCol="0" anchor="ctr"/>
+          <a:lstStyle/>
+          <a:p>
+            <a:pPr algn="ctr"/>
+            <a:endParaRPr lang="zh-CN" altLang="en-US"/>
+          </a:p>
+        </p:txBody>
+      </p:sp>
+      <p:sp>
+        <p:nvSpPr>
+          <p:cNvPr id="56" name="矩形 55"/>
+          <p:cNvSpPr/>
+          <p:nvPr/>
+        </p:nvSpPr>
+        <p:spPr>
+          <a:xfrm>
+            <a:off x="2452936" y="3928120"/>
+            <a:ext cx="205680" cy="144016"/>
+          </a:xfrm>
+          <a:prstGeom prst="rect">
+            <a:avLst/>
+          </a:prstGeom>
+          <a:solidFill>
+            <a:schemeClr val="bg1"/>
+          </a:solidFill>
+        </p:spPr>
+        <p:style>
+          <a:lnRef idx="2">
+            <a:schemeClr val="accent1">
+              <a:shade val="50000"/>
+            </a:schemeClr>
+          </a:lnRef>
+          <a:fillRef idx="1">
+            <a:schemeClr val="accent1"/>
+          </a:fillRef>
+          <a:effectRef idx="0">
+            <a:schemeClr val="accent1"/>
+          </a:effectRef>
+          <a:fontRef idx="minor">
+            <a:schemeClr val="lt1"/>
+          </a:fontRef>
+        </p:style>
+        <p:txBody>
+          <a:bodyPr rtlCol="0" anchor="ctr"/>
+          <a:lstStyle/>
+          <a:p>
+            <a:pPr algn="ctr"/>
+            <a:endParaRPr lang="zh-CN" altLang="en-US"/>
+          </a:p>
+        </p:txBody>
+      </p:sp>
+      <p:sp>
+        <p:nvSpPr>
+          <p:cNvPr id="57" name="矩形 56"/>
+          <p:cNvSpPr/>
+          <p:nvPr/>
+        </p:nvSpPr>
+        <p:spPr>
+          <a:xfrm>
+            <a:off x="2452936" y="4080520"/>
+            <a:ext cx="205680" cy="144016"/>
+          </a:xfrm>
+          <a:prstGeom prst="rect">
+            <a:avLst/>
+          </a:prstGeom>
+          <a:solidFill>
+            <a:schemeClr val="bg1"/>
+          </a:solidFill>
+        </p:spPr>
+        <p:style>
+          <a:lnRef idx="2">
+            <a:schemeClr val="accent1">
+              <a:shade val="50000"/>
+            </a:schemeClr>
+          </a:lnRef>
+          <a:fillRef idx="1">
+            <a:schemeClr val="accent1"/>
+          </a:fillRef>
+          <a:effectRef idx="0">
+            <a:schemeClr val="accent1"/>
+          </a:effectRef>
+          <a:fontRef idx="minor">
+            <a:schemeClr val="lt1"/>
+          </a:fontRef>
+        </p:style>
+        <p:txBody>
+          <a:bodyPr rtlCol="0" anchor="ctr"/>
+          <a:lstStyle/>
+          <a:p>
+            <a:pPr algn="ctr"/>
+            <a:endParaRPr lang="zh-CN" altLang="en-US"/>
+          </a:p>
+        </p:txBody>
+      </p:sp>
+      <p:sp>
+        <p:nvSpPr>
+          <p:cNvPr id="58" name="TextBox 28"/>
+          <p:cNvSpPr txBox="1"/>
+          <p:nvPr/>
+        </p:nvSpPr>
+        <p:spPr>
+          <a:xfrm>
+            <a:off x="1870064" y="4365104"/>
+            <a:ext cx="874440" cy="646331"/>
+          </a:xfrm>
+          <a:prstGeom prst="rect">
+            <a:avLst/>
+          </a:prstGeom>
+          <a:solidFill>
+            <a:schemeClr val="tx2"/>
+          </a:solidFill>
+        </p:spPr>
+        <p:txBody>
+          <a:bodyPr wrap="square" rtlCol="0">
+            <a:spAutoFit/>
+          </a:bodyPr>
+          <a:lstStyle/>
+          <a:p>
+            <a:pPr algn="ctr"/>
+            <a:r>
+              <a:rPr lang="en-US" altLang="zh-CN" dirty="0" smtClean="0"/>
+              <a:t>Backup </a:t>
+            </a:r>
+            <a:r>
+              <a:rPr lang="en-US" altLang="zh-CN" dirty="0" smtClean="0"/>
+              <a:t>pool</a:t>
+            </a:r>
+            <a:endParaRPr lang="zh-CN" altLang="en-US" dirty="0"/>
+          </a:p>
+        </p:txBody>
+      </p:sp>
+      <p:cxnSp>
+        <p:nvCxnSpPr>
+          <p:cNvPr id="23" name="直接箭头连接符 22"/>
+          <p:cNvCxnSpPr>
+            <a:stCxn id="5" idx="0"/>
+          </p:cNvCxnSpPr>
+          <p:nvPr/>
+        </p:nvCxnSpPr>
+        <p:spPr>
+          <a:xfrm flipV="1">
+            <a:off x="2050009" y="1628800"/>
+            <a:ext cx="0" cy="1080120"/>
+          </a:xfrm>
+          <a:prstGeom prst="straightConnector1">
+            <a:avLst/>
+          </a:prstGeom>
+          <a:ln w="38100">
+            <a:solidFill>
+              <a:schemeClr val="bg1">
+                <a:lumMod val="50000"/>
+              </a:schemeClr>
+            </a:solidFill>
+            <a:headEnd type="triangle" w="med" len="med"/>
+            <a:tailEnd type="none" w="med" len="med"/>
+          </a:ln>
+        </p:spPr>
+        <p:style>
+          <a:lnRef idx="1">
+            <a:schemeClr val="accent1"/>
+          </a:lnRef>
+          <a:fillRef idx="0">
+            <a:schemeClr val="accent1"/>
+          </a:fillRef>
+          <a:effectRef idx="0">
+            <a:schemeClr val="accent1"/>
+          </a:effectRef>
+          <a:fontRef idx="minor">
+            <a:schemeClr val="tx1"/>
+          </a:fontRef>
+        </p:style>
+      </p:cxnSp>
+      <p:sp>
+        <p:nvSpPr>
+          <p:cNvPr id="61" name="TextBox 26"/>
+          <p:cNvSpPr txBox="1"/>
+          <p:nvPr/>
+        </p:nvSpPr>
+        <p:spPr>
+          <a:xfrm>
+            <a:off x="2843808" y="5522256"/>
+            <a:ext cx="2952328" cy="1200329"/>
+          </a:xfrm>
+          <a:prstGeom prst="rect">
+            <a:avLst/>
+          </a:prstGeom>
+          <a:noFill/>
+        </p:spPr>
+        <p:txBody>
+          <a:bodyPr wrap="square" rtlCol="0">
+            <a:spAutoFit/>
+          </a:bodyPr>
+          <a:lstStyle/>
+          <a:p>
+            <a:r>
+              <a:rPr lang="en-US" altLang="zh-CN" dirty="0"/>
+              <a:t>Multi-path </a:t>
+            </a:r>
+            <a:r>
+              <a:rPr lang="en-US" altLang="zh-CN" dirty="0" smtClean="0"/>
+              <a:t>failures by backup:</a:t>
+            </a:r>
+            <a:endParaRPr lang="en-US" altLang="zh-CN" dirty="0"/>
+          </a:p>
+          <a:p>
+            <a:pPr marL="342900" indent="-342900">
+              <a:buFont typeface="+mj-lt"/>
+              <a:buAutoNum type="arabicPeriod"/>
+            </a:pPr>
+            <a:r>
+              <a:rPr lang="en-US" altLang="zh-CN" dirty="0"/>
+              <a:t>Drop </a:t>
+            </a:r>
+            <a:r>
+              <a:rPr lang="en-US" altLang="zh-CN" dirty="0" smtClean="0"/>
+              <a:t>one </a:t>
+            </a:r>
+            <a:r>
+              <a:rPr lang="en-US" altLang="zh-CN" dirty="0" err="1" smtClean="0"/>
+              <a:t>subflow</a:t>
+            </a:r>
+            <a:r>
+              <a:rPr lang="en-US" altLang="zh-CN" dirty="0" smtClean="0"/>
+              <a:t>;</a:t>
+            </a:r>
+            <a:endParaRPr lang="en-US" altLang="zh-CN" dirty="0"/>
+          </a:p>
+          <a:p>
+            <a:pPr marL="342900" indent="-342900">
+              <a:buFont typeface="+mj-lt"/>
+              <a:buAutoNum type="arabicPeriod"/>
+            </a:pPr>
+            <a:r>
+              <a:rPr lang="en-US" altLang="zh-CN" dirty="0"/>
+              <a:t>Retransmit </a:t>
+            </a:r>
+            <a:r>
+              <a:rPr lang="en-US" altLang="zh-CN" dirty="0" smtClean="0"/>
+              <a:t>one </a:t>
+            </a:r>
+            <a:r>
+              <a:rPr lang="en-US" altLang="zh-CN" dirty="0" err="1" smtClean="0"/>
+              <a:t>subflow</a:t>
+            </a:r>
+            <a:r>
+              <a:rPr lang="en-US" altLang="zh-CN" dirty="0" smtClean="0"/>
+              <a:t>;</a:t>
+            </a:r>
+          </a:p>
+          <a:p>
+            <a:pPr marL="342900" indent="-342900">
+              <a:buFont typeface="+mj-lt"/>
+              <a:buAutoNum type="arabicPeriod"/>
+            </a:pPr>
+            <a:r>
+              <a:rPr lang="en-US" altLang="zh-CN" dirty="0" smtClean="0"/>
+              <a:t>Decoding </a:t>
+            </a:r>
+            <a:r>
+              <a:rPr lang="en-US" altLang="zh-CN" b="1" dirty="0" smtClean="0">
+                <a:solidFill>
+                  <a:srgbClr val="FF0000"/>
+                </a:solidFill>
+              </a:rPr>
+              <a:t>as transmitting</a:t>
+            </a:r>
+            <a:r>
+              <a:rPr lang="en-US" altLang="zh-CN" dirty="0" smtClean="0"/>
+              <a:t>.</a:t>
+            </a:r>
+            <a:endParaRPr lang="en-US" altLang="zh-CN" i="1" dirty="0"/>
+          </a:p>
+        </p:txBody>
+      </p:sp>
+      <p:sp>
+        <p:nvSpPr>
+          <p:cNvPr id="71" name="文本框 70"/>
+          <p:cNvSpPr txBox="1"/>
+          <p:nvPr/>
+        </p:nvSpPr>
+        <p:spPr>
+          <a:xfrm>
+            <a:off x="755575" y="3928788"/>
+            <a:ext cx="288034" cy="369332"/>
+          </a:xfrm>
+          <a:prstGeom prst="rect">
+            <a:avLst/>
+          </a:prstGeom>
+          <a:solidFill>
+            <a:srgbClr val="00B050"/>
+          </a:solidFill>
+        </p:spPr>
+        <p:txBody>
+          <a:bodyPr wrap="square" rtlCol="0">
+            <a:spAutoFit/>
+          </a:bodyPr>
+          <a:lstStyle/>
+          <a:p>
+            <a:r>
+              <a:rPr lang="en-US" altLang="zh-CN" dirty="0" smtClean="0"/>
+              <a:t>1</a:t>
+            </a:r>
+            <a:endParaRPr lang="zh-CN" altLang="en-US" dirty="0"/>
+          </a:p>
+        </p:txBody>
+      </p:sp>
+      <p:sp>
+        <p:nvSpPr>
+          <p:cNvPr id="104" name="TextBox 28"/>
+          <p:cNvSpPr txBox="1"/>
+          <p:nvPr/>
+        </p:nvSpPr>
+        <p:spPr>
+          <a:xfrm>
+            <a:off x="3658680" y="5153798"/>
+            <a:ext cx="1364476" cy="369332"/>
+          </a:xfrm>
+          <a:prstGeom prst="rect">
+            <a:avLst/>
+          </a:prstGeom>
+          <a:noFill/>
+        </p:spPr>
+        <p:txBody>
+          <a:bodyPr wrap="none" rtlCol="0">
+            <a:spAutoFit/>
+          </a:bodyPr>
+          <a:lstStyle/>
+          <a:p>
+            <a:r>
+              <a:rPr lang="en-US" altLang="zh-CN" dirty="0"/>
+              <a:t>2</a:t>
+            </a:r>
+            <a:r>
+              <a:rPr lang="en-US" altLang="zh-CN" dirty="0" smtClean="0"/>
+              <a:t>0G·μ-T(1</a:t>
+            </a:r>
+            <a:r>
+              <a:rPr lang="en-US" altLang="zh-CN" dirty="0" smtClean="0"/>
+              <a:t>,1</a:t>
+            </a:r>
+            <a:r>
+              <a:rPr lang="en-US" altLang="zh-CN" dirty="0" smtClean="0"/>
+              <a:t>)</a:t>
+            </a:r>
+            <a:endParaRPr lang="zh-CN" altLang="en-US" dirty="0"/>
+          </a:p>
+        </p:txBody>
+      </p:sp>
+      <p:sp>
+        <p:nvSpPr>
+          <p:cNvPr id="141" name="圆柱形 140"/>
+          <p:cNvSpPr/>
+          <p:nvPr/>
+        </p:nvSpPr>
+        <p:spPr>
+          <a:xfrm>
+            <a:off x="5076056" y="2408229"/>
+            <a:ext cx="1152128" cy="2664296"/>
+          </a:xfrm>
+          <a:prstGeom prst="can">
+            <a:avLst/>
+          </a:prstGeom>
+        </p:spPr>
+        <p:style>
+          <a:lnRef idx="2">
+            <a:schemeClr val="accent1">
+              <a:shade val="50000"/>
+            </a:schemeClr>
+          </a:lnRef>
+          <a:fillRef idx="1">
+            <a:schemeClr val="accent1"/>
+          </a:fillRef>
+          <a:effectRef idx="0">
+            <a:schemeClr val="accent1"/>
+          </a:effectRef>
+          <a:fontRef idx="minor">
+            <a:schemeClr val="lt1"/>
+          </a:fontRef>
+        </p:style>
+        <p:txBody>
+          <a:bodyPr rtlCol="0" anchor="ctr"/>
+          <a:lstStyle/>
+          <a:p>
+            <a:pPr algn="ctr"/>
+            <a:endParaRPr lang="zh-CN" altLang="en-US"/>
+          </a:p>
+        </p:txBody>
+      </p:sp>
+      <p:sp>
+        <p:nvSpPr>
+          <p:cNvPr id="142" name="圆柱形 141"/>
+          <p:cNvSpPr/>
+          <p:nvPr/>
+        </p:nvSpPr>
+        <p:spPr>
+          <a:xfrm>
+            <a:off x="7164288" y="2395653"/>
+            <a:ext cx="1152128" cy="2664296"/>
+          </a:xfrm>
+          <a:prstGeom prst="can">
+            <a:avLst/>
+          </a:prstGeom>
+        </p:spPr>
+        <p:style>
+          <a:lnRef idx="2">
+            <a:schemeClr val="accent1">
+              <a:shade val="50000"/>
+            </a:schemeClr>
+          </a:lnRef>
+          <a:fillRef idx="1">
+            <a:schemeClr val="accent1"/>
+          </a:fillRef>
+          <a:effectRef idx="0">
+            <a:schemeClr val="accent1"/>
+          </a:effectRef>
+          <a:fontRef idx="minor">
+            <a:schemeClr val="lt1"/>
+          </a:fontRef>
+        </p:style>
+        <p:txBody>
+          <a:bodyPr rtlCol="0" anchor="ctr"/>
+          <a:lstStyle/>
+          <a:p>
+            <a:pPr algn="ctr"/>
+            <a:endParaRPr lang="zh-CN" altLang="en-US"/>
+          </a:p>
+        </p:txBody>
+      </p:sp>
+      <p:cxnSp>
+        <p:nvCxnSpPr>
+          <p:cNvPr id="144" name="曲线连接符 143"/>
+          <p:cNvCxnSpPr/>
+          <p:nvPr/>
+        </p:nvCxnSpPr>
+        <p:spPr>
+          <a:xfrm rot="16200000" flipH="1">
+            <a:off x="6695018" y="1351137"/>
+            <a:ext cx="1082554" cy="1008113"/>
+          </a:xfrm>
+          <a:prstGeom prst="curvedConnector3">
+            <a:avLst>
+              <a:gd name="adj1" fmla="val 30187"/>
+            </a:avLst>
+          </a:prstGeom>
+          <a:ln w="76200">
+            <a:solidFill>
+              <a:schemeClr val="bg1">
+                <a:lumMod val="75000"/>
+              </a:schemeClr>
+            </a:solidFill>
+            <a:headEnd type="none" w="med" len="med"/>
+            <a:tailEnd type="triangle" w="med" len="med"/>
+          </a:ln>
+        </p:spPr>
+        <p:style>
+          <a:lnRef idx="1">
+            <a:schemeClr val="accent1"/>
+          </a:lnRef>
+          <a:fillRef idx="0">
+            <a:schemeClr val="accent1"/>
+          </a:fillRef>
+          <a:effectRef idx="0">
+            <a:schemeClr val="accent1"/>
+          </a:effectRef>
+          <a:fontRef idx="minor">
+            <a:schemeClr val="tx1"/>
+          </a:fontRef>
+        </p:style>
+      </p:cxnSp>
+      <p:sp>
+        <p:nvSpPr>
+          <p:cNvPr id="145" name="下箭头 144"/>
+          <p:cNvSpPr/>
+          <p:nvPr/>
+        </p:nvSpPr>
+        <p:spPr>
+          <a:xfrm>
+            <a:off x="5436096" y="2856006"/>
+            <a:ext cx="432048" cy="1077689"/>
+          </a:xfrm>
+          <a:prstGeom prst="downArrow">
+            <a:avLst/>
+          </a:prstGeom>
+          <a:solidFill>
+            <a:schemeClr val="bg1">
+              <a:lumMod val="50000"/>
+            </a:schemeClr>
+          </a:solidFill>
+        </p:spPr>
+        <p:style>
+          <a:lnRef idx="2">
+            <a:schemeClr val="accent1">
+              <a:shade val="50000"/>
+            </a:schemeClr>
+          </a:lnRef>
+          <a:fillRef idx="1">
+            <a:schemeClr val="accent1"/>
+          </a:fillRef>
+          <a:effectRef idx="0">
+            <a:schemeClr val="accent1"/>
+          </a:effectRef>
+          <a:fontRef idx="minor">
+            <a:schemeClr val="lt1"/>
+          </a:fontRef>
+        </p:style>
+        <p:txBody>
+          <a:bodyPr rtlCol="0" anchor="ctr"/>
+          <a:lstStyle/>
+          <a:p>
+            <a:pPr algn="ctr"/>
+            <a:endParaRPr lang="zh-CN" altLang="en-US"/>
+          </a:p>
+        </p:txBody>
+      </p:sp>
+      <p:sp>
+        <p:nvSpPr>
+          <p:cNvPr id="147" name="流程图: 汇总连接 146"/>
+          <p:cNvSpPr/>
+          <p:nvPr/>
+        </p:nvSpPr>
+        <p:spPr>
+          <a:xfrm>
+            <a:off x="5402523" y="3468074"/>
+            <a:ext cx="465621" cy="465621"/>
+          </a:xfrm>
+          <a:prstGeom prst="flowChartSummingJunction">
+            <a:avLst/>
+          </a:prstGeom>
+          <a:solidFill>
+            <a:srgbClr val="FF0000"/>
+          </a:solidFill>
+        </p:spPr>
+        <p:style>
+          <a:lnRef idx="2">
+            <a:schemeClr val="accent1">
+              <a:shade val="50000"/>
+            </a:schemeClr>
+          </a:lnRef>
+          <a:fillRef idx="1">
+            <a:schemeClr val="accent1"/>
+          </a:fillRef>
+          <a:effectRef idx="0">
+            <a:schemeClr val="accent1"/>
+          </a:effectRef>
+          <a:fontRef idx="minor">
+            <a:schemeClr val="lt1"/>
+          </a:fontRef>
+        </p:style>
+        <p:txBody>
+          <a:bodyPr rtlCol="0" anchor="ctr"/>
+          <a:lstStyle/>
+          <a:p>
+            <a:pPr algn="ctr"/>
+            <a:endParaRPr lang="zh-CN" altLang="en-US"/>
+          </a:p>
+        </p:txBody>
+      </p:sp>
+      <p:cxnSp>
+        <p:nvCxnSpPr>
+          <p:cNvPr id="149" name="直接箭头连接符 148"/>
+          <p:cNvCxnSpPr/>
+          <p:nvPr/>
+        </p:nvCxnSpPr>
+        <p:spPr>
+          <a:xfrm flipV="1">
+            <a:off x="6943381" y="1616893"/>
+            <a:ext cx="0" cy="1080120"/>
+          </a:xfrm>
+          <a:prstGeom prst="straightConnector1">
+            <a:avLst/>
+          </a:prstGeom>
+          <a:ln w="38100">
+            <a:solidFill>
+              <a:schemeClr val="bg1">
+                <a:lumMod val="75000"/>
+              </a:schemeClr>
+            </a:solidFill>
+            <a:headEnd type="triangle" w="med" len="med"/>
+            <a:tailEnd type="none" w="med" len="med"/>
+          </a:ln>
+        </p:spPr>
+        <p:style>
+          <a:lnRef idx="1">
+            <a:schemeClr val="accent1"/>
+          </a:lnRef>
+          <a:fillRef idx="0">
+            <a:schemeClr val="accent1"/>
+          </a:fillRef>
+          <a:effectRef idx="0">
+            <a:schemeClr val="accent1"/>
+          </a:effectRef>
+          <a:fontRef idx="minor">
+            <a:schemeClr val="tx1"/>
+          </a:fontRef>
+        </p:style>
+      </p:cxnSp>
+      <p:sp>
+        <p:nvSpPr>
+          <p:cNvPr id="151" name="矩形 150"/>
+          <p:cNvSpPr/>
+          <p:nvPr/>
+        </p:nvSpPr>
+        <p:spPr>
+          <a:xfrm>
+            <a:off x="6329655" y="2697013"/>
+            <a:ext cx="205680" cy="144016"/>
+          </a:xfrm>
+          <a:prstGeom prst="rect">
+            <a:avLst/>
+          </a:prstGeom>
+          <a:solidFill>
+            <a:schemeClr val="bg1">
+              <a:lumMod val="50000"/>
+            </a:schemeClr>
+          </a:solidFill>
+        </p:spPr>
+        <p:style>
+          <a:lnRef idx="2">
+            <a:schemeClr val="accent1">
+              <a:shade val="50000"/>
+            </a:schemeClr>
+          </a:lnRef>
+          <a:fillRef idx="1">
+            <a:schemeClr val="accent1"/>
+          </a:fillRef>
+          <a:effectRef idx="0">
+            <a:schemeClr val="accent1"/>
+          </a:effectRef>
+          <a:fontRef idx="minor">
+            <a:schemeClr val="lt1"/>
+          </a:fontRef>
+        </p:style>
+        <p:txBody>
+          <a:bodyPr rtlCol="0" anchor="ctr"/>
+          <a:lstStyle/>
+          <a:p>
+            <a:pPr algn="ctr"/>
+            <a:endParaRPr lang="zh-CN" altLang="en-US"/>
+          </a:p>
+        </p:txBody>
+      </p:sp>
+      <p:sp>
+        <p:nvSpPr>
+          <p:cNvPr id="152" name="矩形 151"/>
+          <p:cNvSpPr/>
+          <p:nvPr/>
+        </p:nvSpPr>
+        <p:spPr>
+          <a:xfrm>
+            <a:off x="6329655" y="2849413"/>
+            <a:ext cx="205680" cy="144016"/>
+          </a:xfrm>
+          <a:prstGeom prst="rect">
+            <a:avLst/>
+          </a:prstGeom>
+          <a:solidFill>
+            <a:schemeClr val="bg1">
+              <a:lumMod val="50000"/>
+            </a:schemeClr>
+          </a:solidFill>
+        </p:spPr>
+        <p:style>
+          <a:lnRef idx="2">
+            <a:schemeClr val="accent1">
+              <a:shade val="50000"/>
+            </a:schemeClr>
+          </a:lnRef>
+          <a:fillRef idx="1">
+            <a:schemeClr val="accent1"/>
+          </a:fillRef>
+          <a:effectRef idx="0">
+            <a:schemeClr val="accent1"/>
+          </a:effectRef>
+          <a:fontRef idx="minor">
+            <a:schemeClr val="lt1"/>
+          </a:fontRef>
+        </p:style>
+        <p:txBody>
+          <a:bodyPr rtlCol="0" anchor="ctr"/>
+          <a:lstStyle/>
+          <a:p>
+            <a:pPr algn="ctr"/>
+            <a:endParaRPr lang="zh-CN" altLang="en-US"/>
+          </a:p>
+        </p:txBody>
+      </p:sp>
+      <p:sp>
+        <p:nvSpPr>
+          <p:cNvPr id="153" name="矩形 152"/>
+          <p:cNvSpPr/>
+          <p:nvPr/>
+        </p:nvSpPr>
+        <p:spPr>
+          <a:xfrm>
+            <a:off x="6329655" y="3001813"/>
+            <a:ext cx="205680" cy="144016"/>
+          </a:xfrm>
+          <a:prstGeom prst="rect">
+            <a:avLst/>
+          </a:prstGeom>
+          <a:solidFill>
+            <a:schemeClr val="bg1">
+              <a:lumMod val="50000"/>
+            </a:schemeClr>
+          </a:solidFill>
+        </p:spPr>
+        <p:style>
+          <a:lnRef idx="2">
+            <a:schemeClr val="accent1">
+              <a:shade val="50000"/>
+            </a:schemeClr>
+          </a:lnRef>
+          <a:fillRef idx="1">
+            <a:schemeClr val="accent1"/>
+          </a:fillRef>
+          <a:effectRef idx="0">
+            <a:schemeClr val="accent1"/>
+          </a:effectRef>
+          <a:fontRef idx="minor">
+            <a:schemeClr val="lt1"/>
+          </a:fontRef>
+        </p:style>
+        <p:txBody>
+          <a:bodyPr rtlCol="0" anchor="ctr"/>
+          <a:lstStyle/>
+          <a:p>
+            <a:pPr algn="ctr"/>
+            <a:endParaRPr lang="zh-CN" altLang="en-US"/>
+          </a:p>
+        </p:txBody>
+      </p:sp>
+      <p:sp>
+        <p:nvSpPr>
+          <p:cNvPr id="154" name="矩形 153"/>
+          <p:cNvSpPr/>
+          <p:nvPr/>
+        </p:nvSpPr>
+        <p:spPr>
+          <a:xfrm>
+            <a:off x="6329655" y="3154213"/>
+            <a:ext cx="205680" cy="144016"/>
+          </a:xfrm>
+          <a:prstGeom prst="rect">
+            <a:avLst/>
+          </a:prstGeom>
+          <a:solidFill>
+            <a:schemeClr val="bg1">
+              <a:lumMod val="50000"/>
+            </a:schemeClr>
+          </a:solidFill>
+        </p:spPr>
+        <p:style>
+          <a:lnRef idx="2">
+            <a:schemeClr val="accent1">
+              <a:shade val="50000"/>
+            </a:schemeClr>
+          </a:lnRef>
+          <a:fillRef idx="1">
+            <a:schemeClr val="accent1"/>
+          </a:fillRef>
+          <a:effectRef idx="0">
+            <a:schemeClr val="accent1"/>
+          </a:effectRef>
+          <a:fontRef idx="minor">
+            <a:schemeClr val="lt1"/>
+          </a:fontRef>
+        </p:style>
+        <p:txBody>
+          <a:bodyPr rtlCol="0" anchor="ctr"/>
+          <a:lstStyle/>
+          <a:p>
+            <a:pPr algn="ctr"/>
+            <a:endParaRPr lang="zh-CN" altLang="en-US"/>
+          </a:p>
+        </p:txBody>
+      </p:sp>
+      <p:sp>
+        <p:nvSpPr>
+          <p:cNvPr id="155" name="矩形 154"/>
+          <p:cNvSpPr/>
+          <p:nvPr/>
+        </p:nvSpPr>
+        <p:spPr>
+          <a:xfrm>
+            <a:off x="6329655" y="3306613"/>
+            <a:ext cx="205680" cy="144016"/>
+          </a:xfrm>
+          <a:prstGeom prst="rect">
+            <a:avLst/>
+          </a:prstGeom>
+          <a:solidFill>
+            <a:schemeClr val="bg1">
+              <a:lumMod val="50000"/>
+            </a:schemeClr>
+          </a:solidFill>
+        </p:spPr>
+        <p:style>
+          <a:lnRef idx="2">
+            <a:schemeClr val="accent1">
+              <a:shade val="50000"/>
+            </a:schemeClr>
+          </a:lnRef>
+          <a:fillRef idx="1">
+            <a:schemeClr val="accent1"/>
+          </a:fillRef>
+          <a:effectRef idx="0">
+            <a:schemeClr val="accent1"/>
+          </a:effectRef>
+          <a:fontRef idx="minor">
+            <a:schemeClr val="lt1"/>
+          </a:fontRef>
+        </p:style>
+        <p:txBody>
+          <a:bodyPr rtlCol="0" anchor="ctr"/>
+          <a:lstStyle/>
+          <a:p>
+            <a:pPr algn="ctr"/>
+            <a:endParaRPr lang="zh-CN" altLang="en-US"/>
+          </a:p>
+        </p:txBody>
+      </p:sp>
+      <p:sp>
+        <p:nvSpPr>
+          <p:cNvPr id="156" name="矩形 155"/>
+          <p:cNvSpPr/>
+          <p:nvPr/>
+        </p:nvSpPr>
+        <p:spPr>
+          <a:xfrm>
+            <a:off x="6329655" y="3459013"/>
+            <a:ext cx="205680" cy="144016"/>
+          </a:xfrm>
+          <a:prstGeom prst="rect">
+            <a:avLst/>
+          </a:prstGeom>
+          <a:solidFill>
+            <a:schemeClr val="bg1">
+              <a:lumMod val="50000"/>
+            </a:schemeClr>
+          </a:solidFill>
+        </p:spPr>
+        <p:style>
+          <a:lnRef idx="2">
+            <a:schemeClr val="accent1">
+              <a:shade val="50000"/>
+            </a:schemeClr>
+          </a:lnRef>
+          <a:fillRef idx="1">
+            <a:schemeClr val="accent1"/>
+          </a:fillRef>
+          <a:effectRef idx="0">
+            <a:schemeClr val="accent1"/>
+          </a:effectRef>
+          <a:fontRef idx="minor">
+            <a:schemeClr val="lt1"/>
+          </a:fontRef>
+        </p:style>
+        <p:txBody>
+          <a:bodyPr rtlCol="0" anchor="ctr"/>
+          <a:lstStyle/>
+          <a:p>
+            <a:pPr algn="ctr"/>
+            <a:endParaRPr lang="zh-CN" altLang="en-US"/>
+          </a:p>
+        </p:txBody>
+      </p:sp>
+      <p:sp>
+        <p:nvSpPr>
+          <p:cNvPr id="157" name="矩形 156"/>
+          <p:cNvSpPr/>
+          <p:nvPr/>
+        </p:nvSpPr>
+        <p:spPr>
+          <a:xfrm>
+            <a:off x="6329655" y="3611413"/>
+            <a:ext cx="205680" cy="144016"/>
+          </a:xfrm>
+          <a:prstGeom prst="rect">
+            <a:avLst/>
+          </a:prstGeom>
+          <a:solidFill>
+            <a:schemeClr val="bg1">
+              <a:lumMod val="95000"/>
+            </a:schemeClr>
+          </a:solidFill>
+        </p:spPr>
+        <p:style>
+          <a:lnRef idx="2">
+            <a:schemeClr val="accent1">
+              <a:shade val="50000"/>
+            </a:schemeClr>
+          </a:lnRef>
+          <a:fillRef idx="1">
+            <a:schemeClr val="accent1"/>
+          </a:fillRef>
+          <a:effectRef idx="0">
+            <a:schemeClr val="accent1"/>
+          </a:effectRef>
+          <a:fontRef idx="minor">
+            <a:schemeClr val="lt1"/>
+          </a:fontRef>
+        </p:style>
+        <p:txBody>
+          <a:bodyPr rtlCol="0" anchor="ctr"/>
+          <a:lstStyle/>
+          <a:p>
+            <a:pPr algn="ctr"/>
+            <a:endParaRPr lang="zh-CN" altLang="en-US"/>
+          </a:p>
+        </p:txBody>
+      </p:sp>
+      <p:sp>
+        <p:nvSpPr>
+          <p:cNvPr id="158" name="矩形 157"/>
+          <p:cNvSpPr/>
+          <p:nvPr/>
+        </p:nvSpPr>
+        <p:spPr>
+          <a:xfrm>
+            <a:off x="6329655" y="3763813"/>
+            <a:ext cx="205680" cy="144016"/>
+          </a:xfrm>
+          <a:prstGeom prst="rect">
+            <a:avLst/>
+          </a:prstGeom>
+          <a:solidFill>
+            <a:schemeClr val="bg1">
+              <a:lumMod val="95000"/>
+            </a:schemeClr>
+          </a:solidFill>
+        </p:spPr>
+        <p:style>
+          <a:lnRef idx="2">
+            <a:schemeClr val="accent1">
+              <a:shade val="50000"/>
+            </a:schemeClr>
+          </a:lnRef>
+          <a:fillRef idx="1">
+            <a:schemeClr val="accent1"/>
+          </a:fillRef>
+          <a:effectRef idx="0">
+            <a:schemeClr val="accent1"/>
+          </a:effectRef>
+          <a:fontRef idx="minor">
+            <a:schemeClr val="lt1"/>
+          </a:fontRef>
+        </p:style>
+        <p:txBody>
+          <a:bodyPr rtlCol="0" anchor="ctr"/>
+          <a:lstStyle/>
+          <a:p>
+            <a:pPr algn="ctr"/>
+            <a:endParaRPr lang="zh-CN" altLang="en-US"/>
+          </a:p>
+        </p:txBody>
+      </p:sp>
+      <p:sp>
+        <p:nvSpPr>
+          <p:cNvPr id="159" name="矩形 158"/>
+          <p:cNvSpPr/>
+          <p:nvPr/>
+        </p:nvSpPr>
+        <p:spPr>
+          <a:xfrm>
+            <a:off x="6329655" y="3916213"/>
+            <a:ext cx="205680" cy="144016"/>
+          </a:xfrm>
+          <a:prstGeom prst="rect">
+            <a:avLst/>
+          </a:prstGeom>
+          <a:solidFill>
+            <a:schemeClr val="bg1">
+              <a:lumMod val="95000"/>
+            </a:schemeClr>
+          </a:solidFill>
+        </p:spPr>
+        <p:style>
+          <a:lnRef idx="2">
+            <a:schemeClr val="accent1">
+              <a:shade val="50000"/>
+            </a:schemeClr>
+          </a:lnRef>
+          <a:fillRef idx="1">
+            <a:schemeClr val="accent1"/>
+          </a:fillRef>
+          <a:effectRef idx="0">
+            <a:schemeClr val="accent1"/>
+          </a:effectRef>
+          <a:fontRef idx="minor">
+            <a:schemeClr val="lt1"/>
+          </a:fontRef>
+        </p:style>
+        <p:txBody>
+          <a:bodyPr rtlCol="0" anchor="ctr"/>
+          <a:lstStyle/>
+          <a:p>
+            <a:pPr algn="ctr"/>
+            <a:endParaRPr lang="zh-CN" altLang="en-US"/>
+          </a:p>
+        </p:txBody>
+      </p:sp>
+      <p:sp>
+        <p:nvSpPr>
+          <p:cNvPr id="160" name="矩形 159"/>
+          <p:cNvSpPr/>
+          <p:nvPr/>
+        </p:nvSpPr>
+        <p:spPr>
+          <a:xfrm>
+            <a:off x="6329655" y="4068613"/>
+            <a:ext cx="205680" cy="144016"/>
+          </a:xfrm>
+          <a:prstGeom prst="rect">
+            <a:avLst/>
+          </a:prstGeom>
+          <a:solidFill>
+            <a:schemeClr val="bg1">
+              <a:lumMod val="95000"/>
+            </a:schemeClr>
+          </a:solidFill>
+        </p:spPr>
+        <p:style>
+          <a:lnRef idx="2">
+            <a:schemeClr val="accent1">
+              <a:shade val="50000"/>
+            </a:schemeClr>
+          </a:lnRef>
+          <a:fillRef idx="1">
+            <a:schemeClr val="accent1"/>
+          </a:fillRef>
+          <a:effectRef idx="0">
+            <a:schemeClr val="accent1"/>
+          </a:effectRef>
+          <a:fontRef idx="minor">
+            <a:schemeClr val="lt1"/>
+          </a:fontRef>
+        </p:style>
+        <p:txBody>
+          <a:bodyPr rtlCol="0" anchor="ctr"/>
+          <a:lstStyle/>
+          <a:p>
+            <a:pPr algn="ctr"/>
+            <a:endParaRPr lang="zh-CN" altLang="en-US"/>
+          </a:p>
+        </p:txBody>
+      </p:sp>
+      <p:sp>
+        <p:nvSpPr>
+          <p:cNvPr id="161" name="矩形 160"/>
+          <p:cNvSpPr/>
+          <p:nvPr/>
+        </p:nvSpPr>
+        <p:spPr>
+          <a:xfrm>
+            <a:off x="6835422" y="2697013"/>
+            <a:ext cx="205680" cy="144016"/>
+          </a:xfrm>
+          <a:prstGeom prst="rect">
+            <a:avLst/>
+          </a:prstGeom>
+          <a:solidFill>
+            <a:schemeClr val="bg1">
+              <a:lumMod val="75000"/>
+            </a:schemeClr>
+          </a:solidFill>
+        </p:spPr>
+        <p:style>
+          <a:lnRef idx="2">
+            <a:schemeClr val="accent1">
+              <a:shade val="50000"/>
+            </a:schemeClr>
+          </a:lnRef>
+          <a:fillRef idx="1">
+            <a:schemeClr val="accent1"/>
+          </a:fillRef>
+          <a:effectRef idx="0">
+            <a:schemeClr val="accent1"/>
+          </a:effectRef>
+          <a:fontRef idx="minor">
+            <a:schemeClr val="lt1"/>
+          </a:fontRef>
+        </p:style>
+        <p:txBody>
+          <a:bodyPr rtlCol="0" anchor="ctr"/>
+          <a:lstStyle/>
+          <a:p>
+            <a:pPr algn="ctr"/>
+            <a:endParaRPr lang="zh-CN" altLang="en-US"/>
+          </a:p>
+        </p:txBody>
+      </p:sp>
+      <p:sp>
+        <p:nvSpPr>
+          <p:cNvPr id="162" name="矩形 161"/>
+          <p:cNvSpPr/>
+          <p:nvPr/>
+        </p:nvSpPr>
+        <p:spPr>
+          <a:xfrm>
+            <a:off x="6835422" y="2849413"/>
+            <a:ext cx="205680" cy="144016"/>
+          </a:xfrm>
+          <a:prstGeom prst="rect">
+            <a:avLst/>
+          </a:prstGeom>
+          <a:solidFill>
+            <a:schemeClr val="bg1">
+              <a:lumMod val="75000"/>
+            </a:schemeClr>
+          </a:solidFill>
+        </p:spPr>
+        <p:style>
+          <a:lnRef idx="2">
+            <a:schemeClr val="accent1">
+              <a:shade val="50000"/>
+            </a:schemeClr>
+          </a:lnRef>
+          <a:fillRef idx="1">
+            <a:schemeClr val="accent1"/>
+          </a:fillRef>
+          <a:effectRef idx="0">
+            <a:schemeClr val="accent1"/>
+          </a:effectRef>
+          <a:fontRef idx="minor">
+            <a:schemeClr val="lt1"/>
+          </a:fontRef>
+        </p:style>
+        <p:txBody>
+          <a:bodyPr rtlCol="0" anchor="ctr"/>
+          <a:lstStyle/>
+          <a:p>
+            <a:pPr algn="ctr"/>
+            <a:endParaRPr lang="zh-CN" altLang="en-US"/>
+          </a:p>
+        </p:txBody>
+      </p:sp>
+      <p:sp>
+        <p:nvSpPr>
+          <p:cNvPr id="163" name="矩形 162"/>
+          <p:cNvSpPr/>
+          <p:nvPr/>
+        </p:nvSpPr>
+        <p:spPr>
+          <a:xfrm>
+            <a:off x="6835422" y="3001813"/>
+            <a:ext cx="205680" cy="144016"/>
+          </a:xfrm>
+          <a:prstGeom prst="rect">
+            <a:avLst/>
+          </a:prstGeom>
+          <a:solidFill>
+            <a:schemeClr val="bg1">
+              <a:lumMod val="75000"/>
+            </a:schemeClr>
+          </a:solidFill>
+        </p:spPr>
+        <p:style>
+          <a:lnRef idx="2">
+            <a:schemeClr val="accent1">
+              <a:shade val="50000"/>
+            </a:schemeClr>
+          </a:lnRef>
+          <a:fillRef idx="1">
+            <a:schemeClr val="accent1"/>
+          </a:fillRef>
+          <a:effectRef idx="0">
+            <a:schemeClr val="accent1"/>
+          </a:effectRef>
+          <a:fontRef idx="minor">
+            <a:schemeClr val="lt1"/>
+          </a:fontRef>
+        </p:style>
+        <p:txBody>
+          <a:bodyPr rtlCol="0" anchor="ctr"/>
+          <a:lstStyle/>
+          <a:p>
+            <a:pPr algn="ctr"/>
+            <a:endParaRPr lang="zh-CN" altLang="en-US"/>
+          </a:p>
+        </p:txBody>
+      </p:sp>
+      <p:sp>
+        <p:nvSpPr>
+          <p:cNvPr id="164" name="矩形 163"/>
+          <p:cNvSpPr/>
+          <p:nvPr/>
+        </p:nvSpPr>
+        <p:spPr>
+          <a:xfrm>
+            <a:off x="6835422" y="3154213"/>
+            <a:ext cx="205680" cy="144016"/>
+          </a:xfrm>
+          <a:prstGeom prst="rect">
+            <a:avLst/>
+          </a:prstGeom>
+          <a:solidFill>
+            <a:schemeClr val="bg1">
+              <a:lumMod val="75000"/>
+            </a:schemeClr>
+          </a:solidFill>
+        </p:spPr>
+        <p:style>
+          <a:lnRef idx="2">
+            <a:schemeClr val="accent1">
+              <a:shade val="50000"/>
+            </a:schemeClr>
+          </a:lnRef>
+          <a:fillRef idx="1">
+            <a:schemeClr val="accent1"/>
+          </a:fillRef>
+          <a:effectRef idx="0">
+            <a:schemeClr val="accent1"/>
+          </a:effectRef>
+          <a:fontRef idx="minor">
+            <a:schemeClr val="lt1"/>
+          </a:fontRef>
+        </p:style>
+        <p:txBody>
+          <a:bodyPr rtlCol="0" anchor="ctr"/>
+          <a:lstStyle/>
+          <a:p>
+            <a:pPr algn="ctr"/>
+            <a:endParaRPr lang="zh-CN" altLang="en-US"/>
+          </a:p>
+        </p:txBody>
+      </p:sp>
+      <p:sp>
+        <p:nvSpPr>
+          <p:cNvPr id="165" name="矩形 164"/>
+          <p:cNvSpPr/>
+          <p:nvPr/>
+        </p:nvSpPr>
+        <p:spPr>
+          <a:xfrm>
+            <a:off x="6835422" y="3306613"/>
+            <a:ext cx="205680" cy="144016"/>
+          </a:xfrm>
+          <a:prstGeom prst="rect">
+            <a:avLst/>
+          </a:prstGeom>
+          <a:solidFill>
+            <a:schemeClr val="bg1">
+              <a:lumMod val="75000"/>
+            </a:schemeClr>
+          </a:solidFill>
+        </p:spPr>
+        <p:style>
+          <a:lnRef idx="2">
+            <a:schemeClr val="accent1">
+              <a:shade val="50000"/>
+            </a:schemeClr>
+          </a:lnRef>
+          <a:fillRef idx="1">
+            <a:schemeClr val="accent1"/>
+          </a:fillRef>
+          <a:effectRef idx="0">
+            <a:schemeClr val="accent1"/>
+          </a:effectRef>
+          <a:fontRef idx="minor">
+            <a:schemeClr val="lt1"/>
+          </a:fontRef>
+        </p:style>
+        <p:txBody>
+          <a:bodyPr rtlCol="0" anchor="ctr"/>
+          <a:lstStyle/>
+          <a:p>
+            <a:pPr algn="ctr"/>
+            <a:endParaRPr lang="zh-CN" altLang="en-US"/>
+          </a:p>
+        </p:txBody>
+      </p:sp>
+      <p:sp>
+        <p:nvSpPr>
+          <p:cNvPr id="166" name="矩形 165"/>
+          <p:cNvSpPr/>
+          <p:nvPr/>
+        </p:nvSpPr>
+        <p:spPr>
+          <a:xfrm>
+            <a:off x="6835422" y="3459013"/>
+            <a:ext cx="205680" cy="144016"/>
+          </a:xfrm>
+          <a:prstGeom prst="rect">
+            <a:avLst/>
+          </a:prstGeom>
+          <a:solidFill>
+            <a:schemeClr val="bg1">
+              <a:lumMod val="75000"/>
+            </a:schemeClr>
+          </a:solidFill>
+        </p:spPr>
+        <p:style>
+          <a:lnRef idx="2">
+            <a:schemeClr val="accent1">
+              <a:shade val="50000"/>
+            </a:schemeClr>
+          </a:lnRef>
+          <a:fillRef idx="1">
+            <a:schemeClr val="accent1"/>
+          </a:fillRef>
+          <a:effectRef idx="0">
+            <a:schemeClr val="accent1"/>
+          </a:effectRef>
+          <a:fontRef idx="minor">
+            <a:schemeClr val="lt1"/>
+          </a:fontRef>
+        </p:style>
+        <p:txBody>
+          <a:bodyPr rtlCol="0" anchor="ctr"/>
+          <a:lstStyle/>
+          <a:p>
+            <a:pPr algn="ctr"/>
+            <a:endParaRPr lang="zh-CN" altLang="en-US"/>
+          </a:p>
+        </p:txBody>
+      </p:sp>
+      <p:sp>
+        <p:nvSpPr>
+          <p:cNvPr id="167" name="矩形 166"/>
+          <p:cNvSpPr/>
+          <p:nvPr/>
+        </p:nvSpPr>
+        <p:spPr>
+          <a:xfrm>
+            <a:off x="6835422" y="3611413"/>
+            <a:ext cx="205680" cy="144016"/>
+          </a:xfrm>
+          <a:prstGeom prst="rect">
+            <a:avLst/>
+          </a:prstGeom>
+          <a:solidFill>
+            <a:schemeClr val="bg1"/>
+          </a:solidFill>
+        </p:spPr>
+        <p:style>
+          <a:lnRef idx="2">
+            <a:schemeClr val="accent1">
+              <a:shade val="50000"/>
+            </a:schemeClr>
+          </a:lnRef>
+          <a:fillRef idx="1">
+            <a:schemeClr val="accent1"/>
+          </a:fillRef>
+          <a:effectRef idx="0">
+            <a:schemeClr val="accent1"/>
+          </a:effectRef>
+          <a:fontRef idx="minor">
+            <a:schemeClr val="lt1"/>
+          </a:fontRef>
+        </p:style>
+        <p:txBody>
+          <a:bodyPr rtlCol="0" anchor="ctr"/>
+          <a:lstStyle/>
+          <a:p>
+            <a:pPr algn="ctr"/>
+            <a:endParaRPr lang="zh-CN" altLang="en-US"/>
+          </a:p>
+        </p:txBody>
+      </p:sp>
+      <p:sp>
+        <p:nvSpPr>
+          <p:cNvPr id="168" name="矩形 167"/>
+          <p:cNvSpPr/>
+          <p:nvPr/>
+        </p:nvSpPr>
+        <p:spPr>
+          <a:xfrm>
+            <a:off x="6835422" y="3763813"/>
+            <a:ext cx="205680" cy="144016"/>
+          </a:xfrm>
+          <a:prstGeom prst="rect">
+            <a:avLst/>
+          </a:prstGeom>
+          <a:solidFill>
+            <a:schemeClr val="bg1"/>
+          </a:solidFill>
+        </p:spPr>
+        <p:style>
+          <a:lnRef idx="2">
+            <a:schemeClr val="accent1">
+              <a:shade val="50000"/>
+            </a:schemeClr>
+          </a:lnRef>
+          <a:fillRef idx="1">
+            <a:schemeClr val="accent1"/>
+          </a:fillRef>
+          <a:effectRef idx="0">
+            <a:schemeClr val="accent1"/>
+          </a:effectRef>
+          <a:fontRef idx="minor">
+            <a:schemeClr val="lt1"/>
+          </a:fontRef>
+        </p:style>
+        <p:txBody>
+          <a:bodyPr rtlCol="0" anchor="ctr"/>
+          <a:lstStyle/>
+          <a:p>
+            <a:pPr algn="ctr"/>
+            <a:endParaRPr lang="zh-CN" altLang="en-US"/>
+          </a:p>
+        </p:txBody>
+      </p:sp>
+      <p:sp>
+        <p:nvSpPr>
+          <p:cNvPr id="169" name="矩形 168"/>
+          <p:cNvSpPr/>
+          <p:nvPr/>
+        </p:nvSpPr>
+        <p:spPr>
+          <a:xfrm>
+            <a:off x="6835422" y="3916213"/>
+            <a:ext cx="205680" cy="144016"/>
+          </a:xfrm>
+          <a:prstGeom prst="rect">
+            <a:avLst/>
+          </a:prstGeom>
+          <a:solidFill>
+            <a:schemeClr val="bg1"/>
+          </a:solidFill>
+        </p:spPr>
+        <p:style>
+          <a:lnRef idx="2">
+            <a:schemeClr val="accent1">
+              <a:shade val="50000"/>
+            </a:schemeClr>
+          </a:lnRef>
+          <a:fillRef idx="1">
+            <a:schemeClr val="accent1"/>
+          </a:fillRef>
+          <a:effectRef idx="0">
+            <a:schemeClr val="accent1"/>
+          </a:effectRef>
+          <a:fontRef idx="minor">
+            <a:schemeClr val="lt1"/>
+          </a:fontRef>
+        </p:style>
+        <p:txBody>
+          <a:bodyPr rtlCol="0" anchor="ctr"/>
+          <a:lstStyle/>
+          <a:p>
+            <a:pPr algn="ctr"/>
+            <a:endParaRPr lang="zh-CN" altLang="en-US"/>
+          </a:p>
+        </p:txBody>
+      </p:sp>
+      <p:sp>
+        <p:nvSpPr>
+          <p:cNvPr id="170" name="矩形 169"/>
+          <p:cNvSpPr/>
+          <p:nvPr/>
+        </p:nvSpPr>
+        <p:spPr>
+          <a:xfrm>
+            <a:off x="6835422" y="4068613"/>
+            <a:ext cx="205680" cy="144016"/>
+          </a:xfrm>
+          <a:prstGeom prst="rect">
+            <a:avLst/>
+          </a:prstGeom>
+          <a:solidFill>
+            <a:schemeClr val="bg1"/>
+          </a:solidFill>
+        </p:spPr>
+        <p:style>
+          <a:lnRef idx="2">
+            <a:schemeClr val="accent1">
+              <a:shade val="50000"/>
+            </a:schemeClr>
+          </a:lnRef>
+          <a:fillRef idx="1">
+            <a:schemeClr val="accent1"/>
+          </a:fillRef>
+          <a:effectRef idx="0">
+            <a:schemeClr val="accent1"/>
+          </a:effectRef>
+          <a:fontRef idx="minor">
+            <a:schemeClr val="lt1"/>
+          </a:fontRef>
+        </p:style>
+        <p:txBody>
+          <a:bodyPr rtlCol="0" anchor="ctr"/>
+          <a:lstStyle/>
+          <a:p>
+            <a:pPr algn="ctr"/>
+            <a:endParaRPr lang="zh-CN" altLang="en-US"/>
+          </a:p>
+        </p:txBody>
+      </p:sp>
+      <p:sp>
+        <p:nvSpPr>
+          <p:cNvPr id="171" name="TextBox 28"/>
+          <p:cNvSpPr txBox="1"/>
+          <p:nvPr/>
+        </p:nvSpPr>
+        <p:spPr>
+          <a:xfrm>
+            <a:off x="6252550" y="4353197"/>
+            <a:ext cx="874440" cy="646331"/>
+          </a:xfrm>
+          <a:prstGeom prst="rect">
+            <a:avLst/>
+          </a:prstGeom>
+          <a:solidFill>
+            <a:schemeClr val="tx2"/>
+          </a:solidFill>
+        </p:spPr>
+        <p:txBody>
+          <a:bodyPr wrap="square" rtlCol="0">
+            <a:spAutoFit/>
+          </a:bodyPr>
+          <a:lstStyle/>
+          <a:p>
+            <a:pPr algn="ctr"/>
+            <a:r>
+              <a:rPr lang="en-US" altLang="zh-CN" dirty="0" smtClean="0"/>
+              <a:t>Backup </a:t>
+            </a:r>
+            <a:r>
+              <a:rPr lang="en-US" altLang="zh-CN" dirty="0" smtClean="0"/>
+              <a:t>pool</a:t>
+            </a:r>
+            <a:endParaRPr lang="zh-CN" altLang="en-US" dirty="0"/>
+          </a:p>
+        </p:txBody>
+      </p:sp>
+      <p:cxnSp>
+        <p:nvCxnSpPr>
+          <p:cNvPr id="173" name="曲线连接符 172"/>
+          <p:cNvCxnSpPr>
+            <a:stCxn id="151" idx="0"/>
+            <a:endCxn id="177" idx="1"/>
+          </p:cNvCxnSpPr>
+          <p:nvPr/>
+        </p:nvCxnSpPr>
+        <p:spPr>
+          <a:xfrm rot="16200000" flipV="1">
+            <a:off x="6016450" y="2280967"/>
+            <a:ext cx="123725" cy="708367"/>
+          </a:xfrm>
+          <a:prstGeom prst="curvedConnector3">
+            <a:avLst>
+              <a:gd name="adj1" fmla="val 284765"/>
+            </a:avLst>
+          </a:prstGeom>
+          <a:ln w="76200">
+            <a:solidFill>
+              <a:schemeClr val="bg1">
+                <a:lumMod val="50000"/>
+              </a:schemeClr>
+            </a:solidFill>
+            <a:tailEnd type="triangle"/>
+          </a:ln>
+        </p:spPr>
+        <p:style>
+          <a:lnRef idx="1">
+            <a:schemeClr val="accent1"/>
+          </a:lnRef>
+          <a:fillRef idx="0">
+            <a:schemeClr val="accent1"/>
+          </a:fillRef>
+          <a:effectRef idx="0">
+            <a:schemeClr val="accent1"/>
+          </a:effectRef>
+          <a:fontRef idx="minor">
+            <a:schemeClr val="tx1"/>
+          </a:fontRef>
+        </p:style>
+      </p:cxnSp>
+      <p:sp>
+        <p:nvSpPr>
+          <p:cNvPr id="176" name="文本框 9"/>
+          <p:cNvSpPr txBox="1"/>
+          <p:nvPr/>
+        </p:nvSpPr>
+        <p:spPr>
+          <a:xfrm>
+            <a:off x="5969186" y="2123564"/>
+            <a:ext cx="288034" cy="369332"/>
+          </a:xfrm>
+          <a:prstGeom prst="rect">
+            <a:avLst/>
+          </a:prstGeom>
+          <a:solidFill>
+            <a:srgbClr val="00B050"/>
+          </a:solidFill>
+        </p:spPr>
+        <p:txBody>
+          <a:bodyPr wrap="square" rtlCol="0">
+            <a:spAutoFit/>
+          </a:bodyPr>
+          <a:lstStyle>
+            <a:defPPr>
+              <a:defRPr lang="zh-CN"/>
+            </a:defPPr>
+            <a:lvl1pPr marL="0" algn="l" defTabSz="914400" rtl="0" eaLnBrk="1" latinLnBrk="0" hangingPunct="1">
+              <a:defRPr sz="1800" kern="1200">
+                <a:solidFill>
+                  <a:schemeClr val="tx1"/>
+                </a:solidFill>
+                <a:latin typeface="+mn-lt"/>
+                <a:ea typeface="+mn-ea"/>
+                <a:cs typeface="+mn-cs"/>
+              </a:defRPr>
+            </a:lvl1pPr>
+            <a:lvl2pPr marL="457200" algn="l" defTabSz="914400" rtl="0" eaLnBrk="1" latinLnBrk="0" hangingPunct="1">
+              <a:defRPr sz="1800" kern="1200">
+                <a:solidFill>
+                  <a:schemeClr val="tx1"/>
+                </a:solidFill>
+                <a:latin typeface="+mn-lt"/>
+                <a:ea typeface="+mn-ea"/>
+                <a:cs typeface="+mn-cs"/>
+              </a:defRPr>
+            </a:lvl2pPr>
+            <a:lvl3pPr marL="914400" algn="l" defTabSz="914400" rtl="0" eaLnBrk="1" latinLnBrk="0" hangingPunct="1">
+              <a:defRPr sz="1800" kern="1200">
+                <a:solidFill>
+                  <a:schemeClr val="tx1"/>
+                </a:solidFill>
+                <a:latin typeface="+mn-lt"/>
+                <a:ea typeface="+mn-ea"/>
+                <a:cs typeface="+mn-cs"/>
+              </a:defRPr>
+            </a:lvl3pPr>
+            <a:lvl4pPr marL="1371600" algn="l" defTabSz="914400" rtl="0" eaLnBrk="1" latinLnBrk="0" hangingPunct="1">
+              <a:defRPr sz="1800" kern="1200">
+                <a:solidFill>
+                  <a:schemeClr val="tx1"/>
+                </a:solidFill>
+                <a:latin typeface="+mn-lt"/>
+                <a:ea typeface="+mn-ea"/>
+                <a:cs typeface="+mn-cs"/>
+              </a:defRPr>
+            </a:lvl4pPr>
+            <a:lvl5pPr marL="1828800" algn="l" defTabSz="914400" rtl="0" eaLnBrk="1" latinLnBrk="0" hangingPunct="1">
+              <a:defRPr sz="1800" kern="1200">
+                <a:solidFill>
+                  <a:schemeClr val="tx1"/>
+                </a:solidFill>
+                <a:latin typeface="+mn-lt"/>
+                <a:ea typeface="+mn-ea"/>
+                <a:cs typeface="+mn-cs"/>
+              </a:defRPr>
+            </a:lvl5pPr>
+            <a:lvl6pPr marL="2286000" algn="l" defTabSz="914400" rtl="0" eaLnBrk="1" latinLnBrk="0" hangingPunct="1">
+              <a:defRPr sz="1800" kern="1200">
+                <a:solidFill>
+                  <a:schemeClr val="tx1"/>
+                </a:solidFill>
+                <a:latin typeface="+mn-lt"/>
+                <a:ea typeface="+mn-ea"/>
+                <a:cs typeface="+mn-cs"/>
+              </a:defRPr>
+            </a:lvl6pPr>
+            <a:lvl7pPr marL="2743200" algn="l" defTabSz="914400" rtl="0" eaLnBrk="1" latinLnBrk="0" hangingPunct="1">
+              <a:defRPr sz="1800" kern="1200">
+                <a:solidFill>
+                  <a:schemeClr val="tx1"/>
+                </a:solidFill>
+                <a:latin typeface="+mn-lt"/>
+                <a:ea typeface="+mn-ea"/>
+                <a:cs typeface="+mn-cs"/>
+              </a:defRPr>
+            </a:lvl7pPr>
+            <a:lvl8pPr marL="3200400" algn="l" defTabSz="914400" rtl="0" eaLnBrk="1" latinLnBrk="0" hangingPunct="1">
+              <a:defRPr sz="1800" kern="1200">
+                <a:solidFill>
+                  <a:schemeClr val="tx1"/>
+                </a:solidFill>
+                <a:latin typeface="+mn-lt"/>
+                <a:ea typeface="+mn-ea"/>
+                <a:cs typeface="+mn-cs"/>
+              </a:defRPr>
+            </a:lvl8pPr>
+            <a:lvl9pPr marL="3657600" algn="l" defTabSz="914400" rtl="0" eaLnBrk="1" latinLnBrk="0" hangingPunct="1">
+              <a:defRPr sz="1800" kern="1200">
+                <a:solidFill>
+                  <a:schemeClr val="tx1"/>
+                </a:solidFill>
+                <a:latin typeface="+mn-lt"/>
+                <a:ea typeface="+mn-ea"/>
+                <a:cs typeface="+mn-cs"/>
+              </a:defRPr>
+            </a:lvl9pPr>
+          </a:lstStyle>
+          <a:p>
+            <a:r>
+              <a:rPr lang="en-US" altLang="zh-CN" dirty="0" smtClean="0"/>
+              <a:t>2</a:t>
+            </a:r>
+            <a:endParaRPr lang="zh-CN" altLang="en-US" dirty="0"/>
+          </a:p>
+        </p:txBody>
+      </p:sp>
+      <p:sp>
+        <p:nvSpPr>
+          <p:cNvPr id="146" name="下箭头 145"/>
+          <p:cNvSpPr/>
+          <p:nvPr/>
+        </p:nvSpPr>
+        <p:spPr>
+          <a:xfrm rot="2700000">
+            <a:off x="5071266" y="3643002"/>
+            <a:ext cx="391477" cy="963283"/>
+          </a:xfrm>
+          <a:prstGeom prst="downArrow">
+            <a:avLst/>
+          </a:prstGeom>
+          <a:solidFill>
+            <a:schemeClr val="bg1">
+              <a:lumMod val="50000"/>
+            </a:schemeClr>
+          </a:solidFill>
+        </p:spPr>
+        <p:style>
+          <a:lnRef idx="2">
+            <a:schemeClr val="accent1">
+              <a:shade val="50000"/>
+            </a:schemeClr>
+          </a:lnRef>
+          <a:fillRef idx="1">
+            <a:schemeClr val="accent1"/>
+          </a:fillRef>
+          <a:effectRef idx="0">
+            <a:schemeClr val="accent1"/>
+          </a:effectRef>
+          <a:fontRef idx="minor">
+            <a:schemeClr val="lt1"/>
+          </a:fontRef>
+        </p:style>
+        <p:txBody>
+          <a:bodyPr rtlCol="0" anchor="ctr"/>
+          <a:lstStyle/>
+          <a:p>
+            <a:pPr algn="ctr"/>
+            <a:endParaRPr lang="zh-CN" altLang="en-US"/>
+          </a:p>
+        </p:txBody>
+      </p:sp>
+      <p:sp>
+        <p:nvSpPr>
+          <p:cNvPr id="174" name="文本框 173"/>
+          <p:cNvSpPr txBox="1"/>
+          <p:nvPr/>
+        </p:nvSpPr>
+        <p:spPr>
+          <a:xfrm>
+            <a:off x="5138061" y="3928788"/>
+            <a:ext cx="288034" cy="369332"/>
+          </a:xfrm>
+          <a:prstGeom prst="rect">
+            <a:avLst/>
+          </a:prstGeom>
+          <a:solidFill>
+            <a:srgbClr val="00B050"/>
+          </a:solidFill>
+        </p:spPr>
+        <p:txBody>
+          <a:bodyPr wrap="square" rtlCol="0">
+            <a:spAutoFit/>
+          </a:bodyPr>
+          <a:lstStyle/>
+          <a:p>
+            <a:r>
+              <a:rPr lang="en-US" altLang="zh-CN" dirty="0" smtClean="0"/>
+              <a:t>1</a:t>
+            </a:r>
+            <a:endParaRPr lang="zh-CN" altLang="en-US" dirty="0"/>
+          </a:p>
+        </p:txBody>
+      </p:sp>
+      <p:sp>
+        <p:nvSpPr>
+          <p:cNvPr id="177" name="圆柱形 176"/>
+          <p:cNvSpPr/>
+          <p:nvPr/>
+        </p:nvSpPr>
+        <p:spPr>
+          <a:xfrm>
+            <a:off x="5148064" y="2573288"/>
+            <a:ext cx="1152128" cy="2664296"/>
+          </a:xfrm>
+          <a:prstGeom prst="can">
+            <a:avLst/>
+          </a:prstGeom>
+          <a:solidFill>
+            <a:srgbClr val="7030A0"/>
+          </a:solidFill>
+        </p:spPr>
+        <p:style>
+          <a:lnRef idx="2">
+            <a:schemeClr val="accent1">
+              <a:shade val="50000"/>
+            </a:schemeClr>
+          </a:lnRef>
+          <a:fillRef idx="1">
+            <a:schemeClr val="accent1"/>
+          </a:fillRef>
+          <a:effectRef idx="0">
+            <a:schemeClr val="accent1"/>
+          </a:effectRef>
+          <a:fontRef idx="minor">
+            <a:schemeClr val="lt1"/>
+          </a:fontRef>
+        </p:style>
+        <p:txBody>
+          <a:bodyPr rtlCol="0" anchor="ctr"/>
+          <a:lstStyle/>
+          <a:p>
+            <a:pPr algn="ctr"/>
+            <a:endParaRPr lang="zh-CN" altLang="en-US"/>
+          </a:p>
+        </p:txBody>
+      </p:sp>
+      <p:sp>
+        <p:nvSpPr>
+          <p:cNvPr id="178" name="下箭头 177"/>
+          <p:cNvSpPr/>
+          <p:nvPr/>
+        </p:nvSpPr>
+        <p:spPr>
+          <a:xfrm>
+            <a:off x="5508104" y="3044564"/>
+            <a:ext cx="432048" cy="1879722"/>
+          </a:xfrm>
+          <a:prstGeom prst="downArrow">
+            <a:avLst/>
+          </a:prstGeom>
+          <a:solidFill>
+            <a:schemeClr val="bg1">
+              <a:lumMod val="50000"/>
+            </a:schemeClr>
+          </a:solidFill>
+        </p:spPr>
+        <p:style>
+          <a:lnRef idx="2">
+            <a:schemeClr val="accent1">
+              <a:shade val="50000"/>
+            </a:schemeClr>
+          </a:lnRef>
+          <a:fillRef idx="1">
+            <a:schemeClr val="accent1"/>
+          </a:fillRef>
+          <a:effectRef idx="0">
+            <a:schemeClr val="accent1"/>
+          </a:effectRef>
+          <a:fontRef idx="minor">
+            <a:schemeClr val="lt1"/>
+          </a:fontRef>
+        </p:style>
+        <p:txBody>
+          <a:bodyPr rtlCol="0" anchor="ctr"/>
+          <a:lstStyle/>
+          <a:p>
+            <a:pPr algn="ctr"/>
+            <a:endParaRPr lang="zh-CN" altLang="en-US"/>
+          </a:p>
+        </p:txBody>
+      </p:sp>
+      <p:sp>
+        <p:nvSpPr>
+          <p:cNvPr id="179" name="下箭头 178"/>
+          <p:cNvSpPr/>
+          <p:nvPr/>
+        </p:nvSpPr>
+        <p:spPr>
+          <a:xfrm>
+            <a:off x="7524328" y="2858003"/>
+            <a:ext cx="432048" cy="1875779"/>
+          </a:xfrm>
+          <a:prstGeom prst="downArrow">
+            <a:avLst/>
+          </a:prstGeom>
+          <a:solidFill>
+            <a:schemeClr val="bg1">
+              <a:lumMod val="75000"/>
+            </a:schemeClr>
+          </a:solidFill>
+        </p:spPr>
+        <p:style>
+          <a:lnRef idx="2">
+            <a:schemeClr val="accent1">
+              <a:shade val="50000"/>
+            </a:schemeClr>
+          </a:lnRef>
+          <a:fillRef idx="1">
+            <a:schemeClr val="accent1"/>
+          </a:fillRef>
+          <a:effectRef idx="0">
+            <a:schemeClr val="accent1"/>
+          </a:effectRef>
+          <a:fontRef idx="minor">
+            <a:schemeClr val="lt1"/>
+          </a:fontRef>
+        </p:style>
+        <p:txBody>
+          <a:bodyPr rtlCol="0" anchor="ctr"/>
+          <a:lstStyle/>
+          <a:p>
+            <a:pPr algn="ctr"/>
+            <a:endParaRPr lang="zh-CN" altLang="en-US"/>
+          </a:p>
+        </p:txBody>
+      </p:sp>
+      <p:sp>
+        <p:nvSpPr>
+          <p:cNvPr id="175" name="文本框 9"/>
+          <p:cNvSpPr txBox="1"/>
+          <p:nvPr/>
+        </p:nvSpPr>
+        <p:spPr>
+          <a:xfrm>
+            <a:off x="5580111" y="3646893"/>
+            <a:ext cx="288034" cy="369332"/>
+          </a:xfrm>
+          <a:prstGeom prst="rect">
+            <a:avLst/>
+          </a:prstGeom>
+          <a:solidFill>
+            <a:srgbClr val="00B050"/>
+          </a:solidFill>
+        </p:spPr>
+        <p:txBody>
+          <a:bodyPr wrap="square" rtlCol="0">
+            <a:spAutoFit/>
+          </a:bodyPr>
+          <a:lstStyle>
+            <a:defPPr>
+              <a:defRPr lang="zh-CN"/>
+            </a:defPPr>
+            <a:lvl1pPr marL="0" algn="l" defTabSz="914400" rtl="0" eaLnBrk="1" latinLnBrk="0" hangingPunct="1">
+              <a:defRPr sz="1800" kern="1200">
+                <a:solidFill>
+                  <a:schemeClr val="tx1"/>
+                </a:solidFill>
+                <a:latin typeface="+mn-lt"/>
+                <a:ea typeface="+mn-ea"/>
+                <a:cs typeface="+mn-cs"/>
+              </a:defRPr>
+            </a:lvl1pPr>
+            <a:lvl2pPr marL="457200" algn="l" defTabSz="914400" rtl="0" eaLnBrk="1" latinLnBrk="0" hangingPunct="1">
+              <a:defRPr sz="1800" kern="1200">
+                <a:solidFill>
+                  <a:schemeClr val="tx1"/>
+                </a:solidFill>
+                <a:latin typeface="+mn-lt"/>
+                <a:ea typeface="+mn-ea"/>
+                <a:cs typeface="+mn-cs"/>
+              </a:defRPr>
+            </a:lvl2pPr>
+            <a:lvl3pPr marL="914400" algn="l" defTabSz="914400" rtl="0" eaLnBrk="1" latinLnBrk="0" hangingPunct="1">
+              <a:defRPr sz="1800" kern="1200">
+                <a:solidFill>
+                  <a:schemeClr val="tx1"/>
+                </a:solidFill>
+                <a:latin typeface="+mn-lt"/>
+                <a:ea typeface="+mn-ea"/>
+                <a:cs typeface="+mn-cs"/>
+              </a:defRPr>
+            </a:lvl3pPr>
+            <a:lvl4pPr marL="1371600" algn="l" defTabSz="914400" rtl="0" eaLnBrk="1" latinLnBrk="0" hangingPunct="1">
+              <a:defRPr sz="1800" kern="1200">
+                <a:solidFill>
+                  <a:schemeClr val="tx1"/>
+                </a:solidFill>
+                <a:latin typeface="+mn-lt"/>
+                <a:ea typeface="+mn-ea"/>
+                <a:cs typeface="+mn-cs"/>
+              </a:defRPr>
+            </a:lvl4pPr>
+            <a:lvl5pPr marL="1828800" algn="l" defTabSz="914400" rtl="0" eaLnBrk="1" latinLnBrk="0" hangingPunct="1">
+              <a:defRPr sz="1800" kern="1200">
+                <a:solidFill>
+                  <a:schemeClr val="tx1"/>
+                </a:solidFill>
+                <a:latin typeface="+mn-lt"/>
+                <a:ea typeface="+mn-ea"/>
+                <a:cs typeface="+mn-cs"/>
+              </a:defRPr>
+            </a:lvl5pPr>
+            <a:lvl6pPr marL="2286000" algn="l" defTabSz="914400" rtl="0" eaLnBrk="1" latinLnBrk="0" hangingPunct="1">
+              <a:defRPr sz="1800" kern="1200">
+                <a:solidFill>
+                  <a:schemeClr val="tx1"/>
+                </a:solidFill>
+                <a:latin typeface="+mn-lt"/>
+                <a:ea typeface="+mn-ea"/>
+                <a:cs typeface="+mn-cs"/>
+              </a:defRPr>
+            </a:lvl6pPr>
+            <a:lvl7pPr marL="2743200" algn="l" defTabSz="914400" rtl="0" eaLnBrk="1" latinLnBrk="0" hangingPunct="1">
+              <a:defRPr sz="1800" kern="1200">
+                <a:solidFill>
+                  <a:schemeClr val="tx1"/>
+                </a:solidFill>
+                <a:latin typeface="+mn-lt"/>
+                <a:ea typeface="+mn-ea"/>
+                <a:cs typeface="+mn-cs"/>
+              </a:defRPr>
+            </a:lvl7pPr>
+            <a:lvl8pPr marL="3200400" algn="l" defTabSz="914400" rtl="0" eaLnBrk="1" latinLnBrk="0" hangingPunct="1">
+              <a:defRPr sz="1800" kern="1200">
+                <a:solidFill>
+                  <a:schemeClr val="tx1"/>
+                </a:solidFill>
+                <a:latin typeface="+mn-lt"/>
+                <a:ea typeface="+mn-ea"/>
+                <a:cs typeface="+mn-cs"/>
+              </a:defRPr>
+            </a:lvl8pPr>
+            <a:lvl9pPr marL="3657600" algn="l" defTabSz="914400" rtl="0" eaLnBrk="1" latinLnBrk="0" hangingPunct="1">
+              <a:defRPr sz="1800" kern="1200">
+                <a:solidFill>
+                  <a:schemeClr val="tx1"/>
+                </a:solidFill>
+                <a:latin typeface="+mn-lt"/>
+                <a:ea typeface="+mn-ea"/>
+                <a:cs typeface="+mn-cs"/>
+              </a:defRPr>
+            </a:lvl9pPr>
+          </a:lstStyle>
+          <a:p>
+            <a:r>
+              <a:rPr lang="en-US" altLang="zh-CN" dirty="0" smtClean="0"/>
+              <a:t>2</a:t>
+            </a:r>
+            <a:endParaRPr lang="zh-CN" altLang="en-US" dirty="0"/>
+          </a:p>
+        </p:txBody>
+      </p:sp>
+      <p:sp>
+        <p:nvSpPr>
+          <p:cNvPr id="187" name="下箭头 186"/>
+          <p:cNvSpPr/>
+          <p:nvPr/>
+        </p:nvSpPr>
+        <p:spPr>
+          <a:xfrm>
+            <a:off x="3121336" y="2858003"/>
+            <a:ext cx="432048" cy="1875779"/>
+          </a:xfrm>
+          <a:prstGeom prst="downArrow">
+            <a:avLst/>
+          </a:prstGeom>
+          <a:solidFill>
+            <a:schemeClr val="bg1">
+              <a:lumMod val="75000"/>
+            </a:schemeClr>
+          </a:solidFill>
+        </p:spPr>
+        <p:style>
+          <a:lnRef idx="2">
+            <a:schemeClr val="accent1">
+              <a:shade val="50000"/>
+            </a:schemeClr>
+          </a:lnRef>
+          <a:fillRef idx="1">
+            <a:schemeClr val="accent1"/>
+          </a:fillRef>
+          <a:effectRef idx="0">
+            <a:schemeClr val="accent1"/>
+          </a:effectRef>
+          <a:fontRef idx="minor">
+            <a:schemeClr val="lt1"/>
+          </a:fontRef>
+        </p:style>
+        <p:txBody>
+          <a:bodyPr rtlCol="0" anchor="ctr"/>
+          <a:lstStyle/>
+          <a:p>
+            <a:pPr algn="ctr"/>
+            <a:endParaRPr lang="zh-CN" altLang="en-US"/>
+          </a:p>
+        </p:txBody>
+      </p:sp>
+      <p:sp>
+        <p:nvSpPr>
+          <p:cNvPr id="27" name="右箭头 26"/>
+          <p:cNvSpPr/>
+          <p:nvPr/>
+        </p:nvSpPr>
+        <p:spPr>
+          <a:xfrm>
+            <a:off x="4283968" y="3496924"/>
+            <a:ext cx="468052" cy="364124"/>
+          </a:xfrm>
+          <a:prstGeom prst="rightArrow">
+            <a:avLst/>
+          </a:prstGeom>
+          <a:solidFill>
+            <a:schemeClr val="bg1"/>
+          </a:solidFill>
+          <a:ln>
+            <a:solidFill>
+              <a:schemeClr val="tx1"/>
+            </a:solidFill>
+          </a:ln>
+        </p:spPr>
+        <p:style>
+          <a:lnRef idx="2">
+            <a:schemeClr val="accent1">
+              <a:shade val="50000"/>
+            </a:schemeClr>
+          </a:lnRef>
+          <a:fillRef idx="1">
+            <a:schemeClr val="accent1"/>
+          </a:fillRef>
+          <a:effectRef idx="0">
+            <a:schemeClr val="accent1"/>
+          </a:effectRef>
+          <a:fontRef idx="minor">
+            <a:schemeClr val="lt1"/>
+          </a:fontRef>
+        </p:style>
+        <p:txBody>
+          <a:bodyPr rtlCol="0" anchor="ctr"/>
+          <a:lstStyle/>
+          <a:p>
+            <a:pPr algn="ctr"/>
+            <a:endParaRPr lang="zh-CN" altLang="en-US"/>
+          </a:p>
+        </p:txBody>
+      </p:sp>
+    </p:spTree>
+    <p:extLst>
+      <p:ext uri="{BB962C8B-B14F-4D97-AF65-F5344CB8AC3E}">
+        <p14:creationId xmlns:p14="http://schemas.microsoft.com/office/powerpoint/2010/main" val="2557538535"/>
+      </p:ext>
+    </p:extLst>
+  </p:cSld>
+  <p:clrMapOvr>
+    <a:masterClrMapping/>
+  </p:clrMapOvr>
+  <p:timing>
+    <p:tnLst>
+      <p:par>
+        <p:cTn id="1" dur="indefinite" restart="never" nodeType="tmRoot">
+          <p:childTnLst>
+            <p:seq concurrent="1" nextAc="seek">
+              <p:cTn id="2" dur="indefinite" nodeType="mainSeq">
+                <p:childTnLst>
+                  <p:par>
+                    <p:cTn id="3" fill="hold">
+                      <p:stCondLst>
+                        <p:cond delay="indefinite"/>
+                      </p:stCondLst>
+                      <p:childTnLst>
+                        <p:par>
+                          <p:cTn id="4" fill="hold">
+                            <p:stCondLst>
+                              <p:cond delay="0"/>
+                            </p:stCondLst>
+                            <p:childTnLst>
+                              <p:par>
+                                <p:cTn id="5" presetID="1" presetClass="entr" presetSubtype="0" fill="hold" grpId="0" nodeType="clickEffect">
+                                  <p:stCondLst>
+                                    <p:cond delay="0"/>
+                                  </p:stCondLst>
+                                  <p:childTnLst>
+                                    <p:set>
+                                      <p:cBhvr>
+                                        <p:cTn id="6" dur="1" fill="hold">
+                                          <p:stCondLst>
+                                            <p:cond delay="0"/>
+                                          </p:stCondLst>
+                                        </p:cTn>
+                                        <p:tgtEl>
+                                          <p:spTgt spid="71"/>
+                                        </p:tgtEl>
+                                        <p:attrNameLst>
+                                          <p:attrName>style.visibility</p:attrName>
+                                        </p:attrNameLst>
+                                      </p:cBhvr>
+                                      <p:to>
+                                        <p:strVal val="visible"/>
+                                      </p:to>
+                                    </p:set>
+                                  </p:childTnLst>
+                                </p:cTn>
+                              </p:par>
+                            </p:childTnLst>
+                          </p:cTn>
+                        </p:par>
+                      </p:childTnLst>
+                    </p:cTn>
+                  </p:par>
+                  <p:par>
+                    <p:cTn id="7" fill="hold">
+                      <p:stCondLst>
+                        <p:cond delay="indefinite"/>
+                      </p:stCondLst>
+                      <p:childTnLst>
+                        <p:par>
+                          <p:cTn id="8" fill="hold">
+                            <p:stCondLst>
+                              <p:cond delay="0"/>
+                            </p:stCondLst>
+                            <p:childTnLst>
+                              <p:par>
+                                <p:cTn id="9" presetID="1" presetClass="entr" presetSubtype="0" fill="hold" grpId="0" nodeType="clickEffect">
+                                  <p:stCondLst>
+                                    <p:cond delay="0"/>
+                                  </p:stCondLst>
+                                  <p:childTnLst>
+                                    <p:set>
+                                      <p:cBhvr>
+                                        <p:cTn id="10" dur="1" fill="hold">
+                                          <p:stCondLst>
+                                            <p:cond delay="0"/>
+                                          </p:stCondLst>
+                                        </p:cTn>
+                                        <p:tgtEl>
+                                          <p:spTgt spid="174"/>
+                                        </p:tgtEl>
+                                        <p:attrNameLst>
+                                          <p:attrName>style.visibility</p:attrName>
+                                        </p:attrNameLst>
+                                      </p:cBhvr>
+                                      <p:to>
+                                        <p:strVal val="visible"/>
+                                      </p:to>
+                                    </p:set>
+                                  </p:childTnLst>
+                                </p:cTn>
+                              </p:par>
+                            </p:childTnLst>
+                          </p:cTn>
+                        </p:par>
+                      </p:childTnLst>
+                    </p:cTn>
+                  </p:par>
+                  <p:par>
+                    <p:cTn id="11" fill="hold">
+                      <p:stCondLst>
+                        <p:cond delay="indefinite"/>
+                      </p:stCondLst>
+                      <p:childTnLst>
+                        <p:par>
+                          <p:cTn id="12" fill="hold">
+                            <p:stCondLst>
+                              <p:cond delay="0"/>
+                            </p:stCondLst>
+                            <p:childTnLst>
+                              <p:par>
+                                <p:cTn id="13" presetID="1" presetClass="entr" presetSubtype="0" fill="hold" grpId="0" nodeType="clickEffect">
+                                  <p:stCondLst>
+                                    <p:cond delay="0"/>
+                                  </p:stCondLst>
+                                  <p:childTnLst>
+                                    <p:set>
+                                      <p:cBhvr>
+                                        <p:cTn id="14" dur="1" fill="hold">
+                                          <p:stCondLst>
+                                            <p:cond delay="0"/>
+                                          </p:stCondLst>
+                                        </p:cTn>
+                                        <p:tgtEl>
+                                          <p:spTgt spid="175"/>
+                                        </p:tgtEl>
+                                        <p:attrNameLst>
+                                          <p:attrName>style.visibility</p:attrName>
+                                        </p:attrNameLst>
+                                      </p:cBhvr>
+                                      <p:to>
+                                        <p:strVal val="visible"/>
+                                      </p:to>
+                                    </p:set>
+                                  </p:childTnLst>
+                                </p:cTn>
+                              </p:par>
+                              <p:par>
+                                <p:cTn id="15" presetID="1" presetClass="entr" presetSubtype="0" fill="hold" grpId="0" nodeType="withEffect">
+                                  <p:stCondLst>
+                                    <p:cond delay="0"/>
+                                  </p:stCondLst>
+                                  <p:childTnLst>
+                                    <p:set>
+                                      <p:cBhvr>
+                                        <p:cTn id="16" dur="1" fill="hold">
+                                          <p:stCondLst>
+                                            <p:cond delay="0"/>
+                                          </p:stCondLst>
+                                        </p:cTn>
+                                        <p:tgtEl>
+                                          <p:spTgt spid="176"/>
+                                        </p:tgtEl>
+                                        <p:attrNameLst>
+                                          <p:attrName>style.visibility</p:attrName>
+                                        </p:attrNameLst>
+                                      </p:cBhvr>
+                                      <p:to>
+                                        <p:strVal val="visible"/>
+                                      </p:to>
+                                    </p:set>
+                                  </p:childTnLst>
+                                </p:cTn>
+                              </p:par>
+                            </p:childTnLst>
+                          </p:cTn>
+                        </p:par>
+                      </p:childTnLst>
+                    </p:cTn>
+                  </p:par>
+                </p:childTnLst>
+              </p:cTn>
+              <p:prevCondLst>
+                <p:cond evt="onPrev" delay="0">
+                  <p:tgtEl>
+                    <p:sldTgt/>
+                  </p:tgtEl>
+                </p:cond>
+              </p:prevCondLst>
+              <p:nextCondLst>
+                <p:cond evt="onNext" delay="0">
+                  <p:tgtEl>
+                    <p:sldTgt/>
+                  </p:tgtEl>
+                </p:cond>
+              </p:nextCondLst>
+            </p:seq>
+          </p:childTnLst>
+        </p:cTn>
+      </p:par>
+    </p:tnLst>
+    <p:bldLst>
+      <p:bldP spid="71" grpId="0" animBg="1"/>
+      <p:bldP spid="176" grpId="0" animBg="1"/>
+      <p:bldP spid="174" grpId="0" animBg="1"/>
+      <p:bldP spid="175" grpId="0" animBg="1"/>
+    </p:bldLst>
+  </p:timing>
 </p:sld>
 </file>
 

--- a/Failures Handling for Multi-path TCP in Data Centers.pptx
+++ b/Failures Handling for Multi-path TCP in Data Centers.pptx
@@ -3647,7 +3647,6 @@
               <a:rPr lang="en-US" altLang="zh-CN" dirty="0" smtClean="0"/>
               <a:t>Single-path:</a:t>
             </a:r>
-            <a:endParaRPr lang="en-US" altLang="zh-CN" dirty="0" smtClean="0"/>
           </a:p>
           <a:p>
             <a:pPr marL="285750" indent="-285750">
@@ -3706,7 +3705,6 @@
               <a:rPr lang="en-US" altLang="zh-CN" dirty="0" smtClean="0"/>
               <a:t>Multi-path:</a:t>
             </a:r>
-            <a:endParaRPr lang="en-US" altLang="zh-CN" dirty="0" smtClean="0"/>
           </a:p>
           <a:p>
             <a:pPr marL="285750" indent="-285750">
@@ -3874,11 +3872,7 @@
             </a:r>
             <a:r>
               <a:rPr lang="en-US" altLang="zh-CN" dirty="0" smtClean="0"/>
-              <a:t>: efficient </a:t>
-            </a:r>
-            <a:r>
-              <a:rPr lang="en-US" altLang="zh-CN" dirty="0" smtClean="0"/>
-              <a:t>throughput</a:t>
+              <a:t>: efficient throughput</a:t>
             </a:r>
           </a:p>
           <a:p>
@@ -3890,6 +3884,88 @@
           </a:p>
         </p:txBody>
       </p:sp>
+      <p:cxnSp>
+        <p:nvCxnSpPr>
+          <p:cNvPr id="19" name="曲线连接符 18"/>
+          <p:cNvCxnSpPr/>
+          <p:nvPr/>
+        </p:nvCxnSpPr>
+        <p:spPr>
+          <a:xfrm rot="16200000" flipH="1">
+            <a:off x="2302530" y="1350319"/>
+            <a:ext cx="1082554" cy="1008113"/>
+          </a:xfrm>
+          <a:prstGeom prst="curvedConnector3">
+            <a:avLst>
+              <a:gd name="adj1" fmla="val 30187"/>
+            </a:avLst>
+          </a:prstGeom>
+          <a:ln w="76200">
+            <a:solidFill>
+              <a:schemeClr val="bg1">
+                <a:lumMod val="75000"/>
+              </a:schemeClr>
+            </a:solidFill>
+            <a:prstDash val="sysDash"/>
+            <a:headEnd type="none" w="med" len="med"/>
+            <a:tailEnd type="triangle" w="med" len="med"/>
+          </a:ln>
+        </p:spPr>
+        <p:style>
+          <a:lnRef idx="1">
+            <a:schemeClr val="accent1"/>
+          </a:lnRef>
+          <a:fillRef idx="0">
+            <a:schemeClr val="accent1"/>
+          </a:fillRef>
+          <a:effectRef idx="0">
+            <a:schemeClr val="accent1"/>
+          </a:effectRef>
+          <a:fontRef idx="minor">
+            <a:schemeClr val="tx1"/>
+          </a:fontRef>
+        </p:style>
+      </p:cxnSp>
+      <p:cxnSp>
+        <p:nvCxnSpPr>
+          <p:cNvPr id="20" name="直接箭头连接符 19"/>
+          <p:cNvCxnSpPr/>
+          <p:nvPr/>
+        </p:nvCxnSpPr>
+        <p:spPr>
+          <a:xfrm>
+            <a:off x="3347864" y="2960948"/>
+            <a:ext cx="0" cy="1584176"/>
+          </a:xfrm>
+          <a:prstGeom prst="straightConnector1">
+            <a:avLst/>
+          </a:prstGeom>
+          <a:ln w="76200">
+            <a:solidFill>
+              <a:schemeClr val="bg1">
+                <a:lumMod val="50000"/>
+              </a:schemeClr>
+            </a:solidFill>
+            <a:prstDash val="sysDash"/>
+            <a:headEnd type="none" w="med" len="med"/>
+            <a:tailEnd type="triangle" w="med" len="med"/>
+          </a:ln>
+        </p:spPr>
+        <p:style>
+          <a:lnRef idx="1">
+            <a:schemeClr val="accent1"/>
+          </a:lnRef>
+          <a:fillRef idx="0">
+            <a:schemeClr val="accent1"/>
+          </a:fillRef>
+          <a:effectRef idx="0">
+            <a:schemeClr val="accent1"/>
+          </a:effectRef>
+          <a:fontRef idx="minor">
+            <a:schemeClr val="tx1"/>
+          </a:fontRef>
+        </p:style>
+      </p:cxnSp>
     </p:spTree>
     <p:extLst>
       <p:ext uri="{BB962C8B-B14F-4D97-AF65-F5344CB8AC3E}">
@@ -4445,15 +4521,7 @@
           <a:p>
             <a:r>
               <a:rPr lang="en-US" altLang="zh-CN" dirty="0" smtClean="0"/>
-              <a:t>10G·μ-T(2</a:t>
-            </a:r>
-            <a:r>
-              <a:rPr lang="en-US" altLang="zh-CN" dirty="0" smtClean="0"/>
-              <a:t>,2</a:t>
-            </a:r>
-            <a:r>
-              <a:rPr lang="en-US" altLang="zh-CN" dirty="0" smtClean="0"/>
-              <a:t>)</a:t>
+              <a:t>10G·μ-T(2,2)</a:t>
             </a:r>
             <a:endParaRPr lang="zh-CN" altLang="en-US" dirty="0"/>
           </a:p>
@@ -4483,15 +4551,7 @@
           <a:p>
             <a:r>
               <a:rPr lang="en-US" altLang="zh-CN" dirty="0" smtClean="0"/>
-              <a:t>10G·μ-T(2,</a:t>
-            </a:r>
-            <a:r>
-              <a:rPr lang="en-US" altLang="zh-CN" dirty="0" smtClean="0"/>
-              <a:t>2</a:t>
-            </a:r>
-            <a:r>
-              <a:rPr lang="en-US" altLang="zh-CN" dirty="0" smtClean="0"/>
-              <a:t>)</a:t>
+              <a:t>10G·μ-T(2,2)</a:t>
             </a:r>
             <a:endParaRPr lang="zh-CN" altLang="en-US" dirty="0"/>
           </a:p>
@@ -5059,23 +5119,7 @@
             </a:r>
             <a:r>
               <a:rPr lang="en-US" altLang="zh-CN" dirty="0" smtClean="0"/>
-              <a:t>)</a:t>
-            </a:r>
-            <a:r>
-              <a:rPr lang="en-US" altLang="zh-CN" dirty="0" smtClean="0"/>
-              <a:t>: extra </a:t>
-            </a:r>
-            <a:r>
-              <a:rPr lang="en-US" altLang="zh-CN" dirty="0" smtClean="0"/>
-              <a:t> </a:t>
-            </a:r>
-            <a:r>
-              <a:rPr lang="en-US" altLang="zh-CN" dirty="0" smtClean="0"/>
-              <a:t>overhead </a:t>
-            </a:r>
-            <a:r>
-              <a:rPr lang="en-US" altLang="zh-CN" dirty="0" smtClean="0"/>
-              <a:t>of drops and retransmit.</a:t>
+              <a:t>): extra  overhead of drops and retransmit.</a:t>
             </a:r>
             <a:endParaRPr lang="zh-CN" altLang="en-US" dirty="0"/>
           </a:p>
@@ -7108,21 +7152,21 @@
       </p:sp>
       <p:sp>
         <p:nvSpPr>
-          <p:cNvPr id="38" name="下箭头 37"/>
+          <p:cNvPr id="5" name="矩形 4"/>
           <p:cNvSpPr/>
           <p:nvPr/>
         </p:nvSpPr>
         <p:spPr>
-          <a:xfrm rot="18900000" flipH="1">
-            <a:off x="8135068" y="3643002"/>
-            <a:ext cx="391477" cy="963283"/>
-          </a:xfrm>
-          <a:prstGeom prst="downArrow">
+          <a:xfrm>
+            <a:off x="1947169" y="2708920"/>
+            <a:ext cx="205680" cy="144016"/>
+          </a:xfrm>
+          <a:prstGeom prst="rect">
             <a:avLst/>
           </a:prstGeom>
           <a:solidFill>
             <a:schemeClr val="bg1">
-              <a:lumMod val="75000"/>
+              <a:lumMod val="50000"/>
             </a:schemeClr>
           </a:solidFill>
         </p:spPr>
@@ -7153,13 +7197,13 @@
       </p:sp>
       <p:sp>
         <p:nvSpPr>
-          <p:cNvPr id="5" name="矩形 4"/>
+          <p:cNvPr id="37" name="矩形 36"/>
           <p:cNvSpPr/>
           <p:nvPr/>
         </p:nvSpPr>
         <p:spPr>
           <a:xfrm>
-            <a:off x="1947169" y="2708920"/>
+            <a:off x="1947169" y="2861320"/>
             <a:ext cx="205680" cy="144016"/>
           </a:xfrm>
           <a:prstGeom prst="rect">
@@ -7198,13 +7242,13 @@
       </p:sp>
       <p:sp>
         <p:nvSpPr>
-          <p:cNvPr id="37" name="矩形 36"/>
+          <p:cNvPr id="39" name="矩形 38"/>
           <p:cNvSpPr/>
           <p:nvPr/>
         </p:nvSpPr>
         <p:spPr>
           <a:xfrm>
-            <a:off x="1947169" y="2861320"/>
+            <a:off x="1947169" y="3013720"/>
             <a:ext cx="205680" cy="144016"/>
           </a:xfrm>
           <a:prstGeom prst="rect">
@@ -7243,13 +7287,13 @@
       </p:sp>
       <p:sp>
         <p:nvSpPr>
-          <p:cNvPr id="39" name="矩形 38"/>
+          <p:cNvPr id="41" name="矩形 40"/>
           <p:cNvSpPr/>
           <p:nvPr/>
         </p:nvSpPr>
         <p:spPr>
           <a:xfrm>
-            <a:off x="1947169" y="3013720"/>
+            <a:off x="1947169" y="3166120"/>
             <a:ext cx="205680" cy="144016"/>
           </a:xfrm>
           <a:prstGeom prst="rect">
@@ -7288,13 +7332,13 @@
       </p:sp>
       <p:sp>
         <p:nvSpPr>
-          <p:cNvPr id="41" name="矩形 40"/>
+          <p:cNvPr id="42" name="矩形 41"/>
           <p:cNvSpPr/>
           <p:nvPr/>
         </p:nvSpPr>
         <p:spPr>
           <a:xfrm>
-            <a:off x="1947169" y="3166120"/>
+            <a:off x="1947169" y="3318520"/>
             <a:ext cx="205680" cy="144016"/>
           </a:xfrm>
           <a:prstGeom prst="rect">
@@ -7333,13 +7377,13 @@
       </p:sp>
       <p:sp>
         <p:nvSpPr>
-          <p:cNvPr id="42" name="矩形 41"/>
+          <p:cNvPr id="43" name="矩形 42"/>
           <p:cNvSpPr/>
           <p:nvPr/>
         </p:nvSpPr>
         <p:spPr>
           <a:xfrm>
-            <a:off x="1947169" y="3318520"/>
+            <a:off x="1947169" y="3470920"/>
             <a:ext cx="205680" cy="144016"/>
           </a:xfrm>
           <a:prstGeom prst="rect">
@@ -7378,13 +7422,13 @@
       </p:sp>
       <p:sp>
         <p:nvSpPr>
-          <p:cNvPr id="43" name="矩形 42"/>
+          <p:cNvPr id="44" name="矩形 43"/>
           <p:cNvSpPr/>
           <p:nvPr/>
         </p:nvSpPr>
         <p:spPr>
           <a:xfrm>
-            <a:off x="1947169" y="3470920"/>
+            <a:off x="1947169" y="3623320"/>
             <a:ext cx="205680" cy="144016"/>
           </a:xfrm>
           <a:prstGeom prst="rect">
@@ -7392,7 +7436,7 @@
           </a:prstGeom>
           <a:solidFill>
             <a:schemeClr val="bg1">
-              <a:lumMod val="50000"/>
+              <a:lumMod val="95000"/>
             </a:schemeClr>
           </a:solidFill>
         </p:spPr>
@@ -7423,13 +7467,13 @@
       </p:sp>
       <p:sp>
         <p:nvSpPr>
-          <p:cNvPr id="44" name="矩形 43"/>
+          <p:cNvPr id="45" name="矩形 44"/>
           <p:cNvSpPr/>
           <p:nvPr/>
         </p:nvSpPr>
         <p:spPr>
           <a:xfrm>
-            <a:off x="1947169" y="3623320"/>
+            <a:off x="1947169" y="3775720"/>
             <a:ext cx="205680" cy="144016"/>
           </a:xfrm>
           <a:prstGeom prst="rect">
@@ -7468,13 +7512,13 @@
       </p:sp>
       <p:sp>
         <p:nvSpPr>
-          <p:cNvPr id="45" name="矩形 44"/>
+          <p:cNvPr id="46" name="矩形 45"/>
           <p:cNvSpPr/>
           <p:nvPr/>
         </p:nvSpPr>
         <p:spPr>
           <a:xfrm>
-            <a:off x="1947169" y="3775720"/>
+            <a:off x="1947169" y="3928120"/>
             <a:ext cx="205680" cy="144016"/>
           </a:xfrm>
           <a:prstGeom prst="rect">
@@ -7513,13 +7557,13 @@
       </p:sp>
       <p:sp>
         <p:nvSpPr>
-          <p:cNvPr id="46" name="矩形 45"/>
+          <p:cNvPr id="47" name="矩形 46"/>
           <p:cNvSpPr/>
           <p:nvPr/>
         </p:nvSpPr>
         <p:spPr>
           <a:xfrm>
-            <a:off x="1947169" y="3928120"/>
+            <a:off x="1947169" y="4080520"/>
             <a:ext cx="205680" cy="144016"/>
           </a:xfrm>
           <a:prstGeom prst="rect">
@@ -7558,13 +7602,13 @@
       </p:sp>
       <p:sp>
         <p:nvSpPr>
-          <p:cNvPr id="47" name="矩形 46"/>
+          <p:cNvPr id="48" name="矩形 47"/>
           <p:cNvSpPr/>
           <p:nvPr/>
         </p:nvSpPr>
         <p:spPr>
           <a:xfrm>
-            <a:off x="1947169" y="4080520"/>
+            <a:off x="2452936" y="2708920"/>
             <a:ext cx="205680" cy="144016"/>
           </a:xfrm>
           <a:prstGeom prst="rect">
@@ -7572,7 +7616,7 @@
           </a:prstGeom>
           <a:solidFill>
             <a:schemeClr val="bg1">
-              <a:lumMod val="95000"/>
+              <a:lumMod val="75000"/>
             </a:schemeClr>
           </a:solidFill>
         </p:spPr>
@@ -7603,13 +7647,13 @@
       </p:sp>
       <p:sp>
         <p:nvSpPr>
-          <p:cNvPr id="48" name="矩形 47"/>
+          <p:cNvPr id="49" name="矩形 48"/>
           <p:cNvSpPr/>
           <p:nvPr/>
         </p:nvSpPr>
         <p:spPr>
           <a:xfrm>
-            <a:off x="2452936" y="2708920"/>
+            <a:off x="2452936" y="2861320"/>
             <a:ext cx="205680" cy="144016"/>
           </a:xfrm>
           <a:prstGeom prst="rect">
@@ -7648,13 +7692,13 @@
       </p:sp>
       <p:sp>
         <p:nvSpPr>
-          <p:cNvPr id="49" name="矩形 48"/>
+          <p:cNvPr id="50" name="矩形 49"/>
           <p:cNvSpPr/>
           <p:nvPr/>
         </p:nvSpPr>
         <p:spPr>
           <a:xfrm>
-            <a:off x="2452936" y="2861320"/>
+            <a:off x="2452936" y="3013720"/>
             <a:ext cx="205680" cy="144016"/>
           </a:xfrm>
           <a:prstGeom prst="rect">
@@ -7693,13 +7737,13 @@
       </p:sp>
       <p:sp>
         <p:nvSpPr>
-          <p:cNvPr id="50" name="矩形 49"/>
+          <p:cNvPr id="51" name="矩形 50"/>
           <p:cNvSpPr/>
           <p:nvPr/>
         </p:nvSpPr>
         <p:spPr>
           <a:xfrm>
-            <a:off x="2452936" y="3013720"/>
+            <a:off x="2452936" y="3166120"/>
             <a:ext cx="205680" cy="144016"/>
           </a:xfrm>
           <a:prstGeom prst="rect">
@@ -7738,13 +7782,13 @@
       </p:sp>
       <p:sp>
         <p:nvSpPr>
-          <p:cNvPr id="51" name="矩形 50"/>
+          <p:cNvPr id="52" name="矩形 51"/>
           <p:cNvSpPr/>
           <p:nvPr/>
         </p:nvSpPr>
         <p:spPr>
           <a:xfrm>
-            <a:off x="2452936" y="3166120"/>
+            <a:off x="2452936" y="3318520"/>
             <a:ext cx="205680" cy="144016"/>
           </a:xfrm>
           <a:prstGeom prst="rect">
@@ -7783,13 +7827,13 @@
       </p:sp>
       <p:sp>
         <p:nvSpPr>
-          <p:cNvPr id="52" name="矩形 51"/>
+          <p:cNvPr id="53" name="矩形 52"/>
           <p:cNvSpPr/>
           <p:nvPr/>
         </p:nvSpPr>
         <p:spPr>
           <a:xfrm>
-            <a:off x="2452936" y="3318520"/>
+            <a:off x="2452936" y="3470920"/>
             <a:ext cx="205680" cy="144016"/>
           </a:xfrm>
           <a:prstGeom prst="rect">
@@ -7828,22 +7872,20 @@
       </p:sp>
       <p:sp>
         <p:nvSpPr>
-          <p:cNvPr id="53" name="矩形 52"/>
+          <p:cNvPr id="54" name="矩形 53"/>
           <p:cNvSpPr/>
           <p:nvPr/>
         </p:nvSpPr>
         <p:spPr>
           <a:xfrm>
-            <a:off x="2452936" y="3470920"/>
+            <a:off x="2452936" y="3623320"/>
             <a:ext cx="205680" cy="144016"/>
           </a:xfrm>
           <a:prstGeom prst="rect">
             <a:avLst/>
           </a:prstGeom>
           <a:solidFill>
-            <a:schemeClr val="bg1">
-              <a:lumMod val="75000"/>
-            </a:schemeClr>
+            <a:schemeClr val="bg1"/>
           </a:solidFill>
         </p:spPr>
         <p:style>
@@ -7873,13 +7915,13 @@
       </p:sp>
       <p:sp>
         <p:nvSpPr>
-          <p:cNvPr id="54" name="矩形 53"/>
+          <p:cNvPr id="55" name="矩形 54"/>
           <p:cNvSpPr/>
           <p:nvPr/>
         </p:nvSpPr>
         <p:spPr>
           <a:xfrm>
-            <a:off x="2452936" y="3623320"/>
+            <a:off x="2452936" y="3775720"/>
             <a:ext cx="205680" cy="144016"/>
           </a:xfrm>
           <a:prstGeom prst="rect">
@@ -7916,13 +7958,13 @@
       </p:sp>
       <p:sp>
         <p:nvSpPr>
-          <p:cNvPr id="55" name="矩形 54"/>
+          <p:cNvPr id="56" name="矩形 55"/>
           <p:cNvSpPr/>
           <p:nvPr/>
         </p:nvSpPr>
         <p:spPr>
           <a:xfrm>
-            <a:off x="2452936" y="3775720"/>
+            <a:off x="2452936" y="3928120"/>
             <a:ext cx="205680" cy="144016"/>
           </a:xfrm>
           <a:prstGeom prst="rect">
@@ -7959,13 +8001,13 @@
       </p:sp>
       <p:sp>
         <p:nvSpPr>
-          <p:cNvPr id="56" name="矩形 55"/>
+          <p:cNvPr id="57" name="矩形 56"/>
           <p:cNvSpPr/>
           <p:nvPr/>
         </p:nvSpPr>
         <p:spPr>
           <a:xfrm>
-            <a:off x="2452936" y="3928120"/>
+            <a:off x="2452936" y="4080520"/>
             <a:ext cx="205680" cy="144016"/>
           </a:xfrm>
           <a:prstGeom prst="rect">
@@ -8002,49 +8044,6 @@
       </p:sp>
       <p:sp>
         <p:nvSpPr>
-          <p:cNvPr id="57" name="矩形 56"/>
-          <p:cNvSpPr/>
-          <p:nvPr/>
-        </p:nvSpPr>
-        <p:spPr>
-          <a:xfrm>
-            <a:off x="2452936" y="4080520"/>
-            <a:ext cx="205680" cy="144016"/>
-          </a:xfrm>
-          <a:prstGeom prst="rect">
-            <a:avLst/>
-          </a:prstGeom>
-          <a:solidFill>
-            <a:schemeClr val="bg1"/>
-          </a:solidFill>
-        </p:spPr>
-        <p:style>
-          <a:lnRef idx="2">
-            <a:schemeClr val="accent1">
-              <a:shade val="50000"/>
-            </a:schemeClr>
-          </a:lnRef>
-          <a:fillRef idx="1">
-            <a:schemeClr val="accent1"/>
-          </a:fillRef>
-          <a:effectRef idx="0">
-            <a:schemeClr val="accent1"/>
-          </a:effectRef>
-          <a:fontRef idx="minor">
-            <a:schemeClr val="lt1"/>
-          </a:fontRef>
-        </p:style>
-        <p:txBody>
-          <a:bodyPr rtlCol="0" anchor="ctr"/>
-          <a:lstStyle/>
-          <a:p>
-            <a:pPr algn="ctr"/>
-            <a:endParaRPr lang="zh-CN" altLang="en-US"/>
-          </a:p>
-        </p:txBody>
-      </p:sp>
-      <p:sp>
-        <p:nvSpPr>
           <p:cNvPr id="58" name="TextBox 28"/>
           <p:cNvSpPr txBox="1"/>
           <p:nvPr/>
@@ -8070,11 +8069,7 @@
             <a:pPr algn="ctr"/>
             <a:r>
               <a:rPr lang="en-US" altLang="zh-CN" dirty="0" smtClean="0"/>
-              <a:t>Backup </a:t>
-            </a:r>
-            <a:r>
-              <a:rPr lang="en-US" altLang="zh-CN" dirty="0" smtClean="0"/>
-              <a:t>pool</a:t>
+              <a:t>Backup pool</a:t>
             </a:r>
             <a:endParaRPr lang="zh-CN" altLang="en-US" dirty="0"/>
           </a:p>
@@ -8220,7 +8215,7 @@
         <p:spPr>
           <a:xfrm>
             <a:off x="4860032" y="5522256"/>
-            <a:ext cx="2991794" cy="923330"/>
+            <a:ext cx="2991794" cy="1200329"/>
           </a:xfrm>
           <a:prstGeom prst="rect">
             <a:avLst/>
@@ -8235,11 +8230,11 @@
           <a:p>
             <a:r>
               <a:rPr lang="en-US" altLang="zh-CN" dirty="0"/>
-              <a:t>Multi-path failures</a:t>
-            </a:r>
-            <a:r>
-              <a:rPr lang="zh-CN" altLang="en-US" dirty="0"/>
-              <a:t>：</a:t>
+              <a:t>Multi-path </a:t>
+            </a:r>
+            <a:r>
+              <a:rPr lang="en-US" altLang="zh-CN" dirty="0" smtClean="0"/>
+              <a:t>failures by backup:</a:t>
             </a:r>
             <a:endParaRPr lang="en-US" altLang="zh-CN" dirty="0"/>
           </a:p>
@@ -8273,11 +8268,37 @@
             </a:pPr>
             <a:r>
               <a:rPr lang="en-US" altLang="zh-CN" dirty="0"/>
-              <a:t>Retransmit one </a:t>
-            </a:r>
-            <a:r>
-              <a:rPr lang="en-US" altLang="zh-CN" dirty="0" err="1"/>
-              <a:t>subflow</a:t>
+              <a:t>Retransmit </a:t>
+            </a:r>
+            <a:r>
+              <a:rPr lang="en-US" altLang="zh-CN" dirty="0" smtClean="0"/>
+              <a:t>two </a:t>
+            </a:r>
+            <a:r>
+              <a:rPr lang="en-US" altLang="zh-CN" dirty="0" err="1" smtClean="0"/>
+              <a:t>subflows</a:t>
+            </a:r>
+            <a:r>
+              <a:rPr lang="en-US" altLang="zh-CN" dirty="0" smtClean="0"/>
+              <a:t>;</a:t>
+            </a:r>
+          </a:p>
+          <a:p>
+            <a:pPr marL="342900" indent="-342900">
+              <a:buFont typeface="+mj-lt"/>
+              <a:buAutoNum type="arabicPeriod"/>
+            </a:pPr>
+            <a:r>
+              <a:rPr lang="en-US" altLang="zh-CN" dirty="0" smtClean="0"/>
+              <a:t>Decoding </a:t>
+            </a:r>
+            <a:r>
+              <a:rPr lang="en-US" altLang="zh-CN" b="1" dirty="0" smtClean="0">
+                <a:solidFill>
+                  <a:srgbClr val="FF0000"/>
+                </a:solidFill>
+              </a:rPr>
+              <a:t>as transmitting</a:t>
             </a:r>
             <a:r>
               <a:rPr lang="en-US" altLang="zh-CN" dirty="0" smtClean="0"/>
@@ -9611,11 +9632,7 @@
             <a:pPr algn="ctr"/>
             <a:r>
               <a:rPr lang="en-US" altLang="zh-CN" dirty="0" smtClean="0"/>
-              <a:t>Backup </a:t>
-            </a:r>
-            <a:r>
-              <a:rPr lang="en-US" altLang="zh-CN" dirty="0" smtClean="0"/>
-              <a:t>pool</a:t>
+              <a:t>Backup pool</a:t>
             </a:r>
             <a:endParaRPr lang="zh-CN" altLang="en-US" dirty="0"/>
           </a:p>
@@ -9860,13 +9877,188 @@
       </p:sp>
       <p:sp>
         <p:nvSpPr>
+          <p:cNvPr id="103" name="文本框 102"/>
+          <p:cNvSpPr txBox="1"/>
+          <p:nvPr/>
+        </p:nvSpPr>
+        <p:spPr>
+          <a:xfrm>
+            <a:off x="3419869" y="4138720"/>
+            <a:ext cx="288034" cy="369332"/>
+          </a:xfrm>
+          <a:prstGeom prst="rect">
+            <a:avLst/>
+          </a:prstGeom>
+          <a:solidFill>
+            <a:srgbClr val="00B050"/>
+          </a:solidFill>
+        </p:spPr>
+        <p:txBody>
+          <a:bodyPr wrap="square" rtlCol="0">
+            <a:spAutoFit/>
+          </a:bodyPr>
+          <a:lstStyle/>
+          <a:p>
+            <a:r>
+              <a:rPr lang="en-US" altLang="zh-CN" dirty="0" smtClean="0"/>
+              <a:t>1</a:t>
+            </a:r>
+            <a:endParaRPr lang="zh-CN" altLang="en-US" dirty="0"/>
+          </a:p>
+        </p:txBody>
+      </p:sp>
+      <p:sp>
+        <p:nvSpPr>
+          <p:cNvPr id="104" name="TextBox 28"/>
+          <p:cNvSpPr txBox="1"/>
+          <p:nvPr/>
+        </p:nvSpPr>
+        <p:spPr>
+          <a:xfrm>
+            <a:off x="1642456" y="5153798"/>
+            <a:ext cx="1364476" cy="369332"/>
+          </a:xfrm>
+          <a:prstGeom prst="rect">
+            <a:avLst/>
+          </a:prstGeom>
+          <a:noFill/>
+        </p:spPr>
+        <p:txBody>
+          <a:bodyPr wrap="none" rtlCol="0">
+            <a:spAutoFit/>
+          </a:bodyPr>
+          <a:lstStyle/>
+          <a:p>
+            <a:r>
+              <a:rPr lang="en-US" altLang="zh-CN" dirty="0" smtClean="0"/>
+              <a:t>10G·μ-T(1,1)</a:t>
+            </a:r>
+            <a:endParaRPr lang="zh-CN" altLang="en-US" dirty="0"/>
+          </a:p>
+        </p:txBody>
+      </p:sp>
+      <p:sp>
+        <p:nvSpPr>
+          <p:cNvPr id="105" name="TextBox 29"/>
+          <p:cNvSpPr txBox="1"/>
+          <p:nvPr/>
+        </p:nvSpPr>
+        <p:spPr>
+          <a:xfrm>
+            <a:off x="6012160" y="5153798"/>
+            <a:ext cx="1417376" cy="369332"/>
+          </a:xfrm>
+          <a:prstGeom prst="rect">
+            <a:avLst/>
+          </a:prstGeom>
+          <a:noFill/>
+        </p:spPr>
+        <p:txBody>
+          <a:bodyPr wrap="none" rtlCol="0">
+            <a:spAutoFit/>
+          </a:bodyPr>
+          <a:lstStyle/>
+          <a:p>
+            <a:r>
+              <a:rPr lang="en-US" altLang="zh-CN" dirty="0" smtClean="0"/>
+              <a:t>10G·μ-T(2,2)</a:t>
+            </a:r>
+            <a:endParaRPr lang="zh-CN" altLang="en-US" dirty="0"/>
+          </a:p>
+        </p:txBody>
+      </p:sp>
+      <p:cxnSp>
+        <p:nvCxnSpPr>
+          <p:cNvPr id="106" name="曲线连接符 105"/>
+          <p:cNvCxnSpPr/>
+          <p:nvPr/>
+        </p:nvCxnSpPr>
+        <p:spPr>
+          <a:xfrm rot="5400000" flipH="1" flipV="1">
+            <a:off x="7337257" y="2027437"/>
+            <a:ext cx="288031" cy="1081830"/>
+          </a:xfrm>
+          <a:prstGeom prst="curvedConnector2">
+            <a:avLst/>
+          </a:prstGeom>
+          <a:ln w="76200">
+            <a:solidFill>
+              <a:schemeClr val="bg1">
+                <a:lumMod val="75000"/>
+              </a:schemeClr>
+            </a:solidFill>
+            <a:tailEnd type="triangle"/>
+          </a:ln>
+        </p:spPr>
+        <p:style>
+          <a:lnRef idx="1">
+            <a:schemeClr val="accent1"/>
+          </a:lnRef>
+          <a:fillRef idx="0">
+            <a:schemeClr val="accent1"/>
+          </a:fillRef>
+          <a:effectRef idx="0">
+            <a:schemeClr val="accent1"/>
+          </a:effectRef>
+          <a:fontRef idx="minor">
+            <a:schemeClr val="tx1"/>
+          </a:fontRef>
+        </p:style>
+      </p:cxnSp>
+      <p:sp>
+        <p:nvSpPr>
+          <p:cNvPr id="107" name="下箭头 106"/>
+          <p:cNvSpPr/>
+          <p:nvPr/>
+        </p:nvSpPr>
+        <p:spPr>
+          <a:xfrm>
+            <a:off x="7740352" y="3835382"/>
+            <a:ext cx="432048" cy="955269"/>
+          </a:xfrm>
+          <a:prstGeom prst="downArrow">
+            <a:avLst/>
+          </a:prstGeom>
+          <a:solidFill>
+            <a:schemeClr val="bg1">
+              <a:lumMod val="75000"/>
+            </a:schemeClr>
+          </a:solidFill>
+        </p:spPr>
+        <p:style>
+          <a:lnRef idx="2">
+            <a:schemeClr val="accent1">
+              <a:shade val="50000"/>
+            </a:schemeClr>
+          </a:lnRef>
+          <a:fillRef idx="1">
+            <a:schemeClr val="accent1"/>
+          </a:fillRef>
+          <a:effectRef idx="0">
+            <a:schemeClr val="accent1"/>
+          </a:effectRef>
+          <a:fontRef idx="minor">
+            <a:schemeClr val="lt1"/>
+          </a:fontRef>
+        </p:style>
+        <p:txBody>
+          <a:bodyPr rtlCol="0" anchor="ctr"/>
+          <a:lstStyle/>
+          <a:p>
+            <a:pPr algn="ctr"/>
+            <a:endParaRPr lang="zh-CN" altLang="en-US"/>
+          </a:p>
+        </p:txBody>
+      </p:sp>
+      <p:sp>
+        <p:nvSpPr>
           <p:cNvPr id="102" name="文本框 9"/>
           <p:cNvSpPr txBox="1"/>
           <p:nvPr/>
         </p:nvSpPr>
         <p:spPr>
           <a:xfrm>
-            <a:off x="6557543" y="2295416"/>
+            <a:off x="7020272" y="2295416"/>
             <a:ext cx="288034" cy="369332"/>
           </a:xfrm>
           <a:prstGeom prst="rect">
@@ -9986,13 +10178,13 @@
       </p:sp>
       <p:sp>
         <p:nvSpPr>
-          <p:cNvPr id="103" name="文本框 102"/>
+          <p:cNvPr id="108" name="文本框 9"/>
           <p:cNvSpPr txBox="1"/>
           <p:nvPr/>
         </p:nvSpPr>
         <p:spPr>
           <a:xfrm>
-            <a:off x="3419869" y="4138720"/>
+            <a:off x="7812357" y="4152097"/>
             <a:ext cx="288034" cy="369332"/>
           </a:xfrm>
           <a:prstGeom prst="rect">
@@ -10006,87 +10198,182 @@
           <a:bodyPr wrap="square" rtlCol="0">
             <a:spAutoFit/>
           </a:bodyPr>
+          <a:lstStyle>
+            <a:defPPr>
+              <a:defRPr lang="zh-CN"/>
+            </a:defPPr>
+            <a:lvl1pPr marL="0" algn="l" defTabSz="914400" rtl="0" eaLnBrk="1" latinLnBrk="0" hangingPunct="1">
+              <a:defRPr sz="1800" kern="1200">
+                <a:solidFill>
+                  <a:schemeClr val="tx1"/>
+                </a:solidFill>
+                <a:latin typeface="+mn-lt"/>
+                <a:ea typeface="+mn-ea"/>
+                <a:cs typeface="+mn-cs"/>
+              </a:defRPr>
+            </a:lvl1pPr>
+            <a:lvl2pPr marL="457200" algn="l" defTabSz="914400" rtl="0" eaLnBrk="1" latinLnBrk="0" hangingPunct="1">
+              <a:defRPr sz="1800" kern="1200">
+                <a:solidFill>
+                  <a:schemeClr val="tx1"/>
+                </a:solidFill>
+                <a:latin typeface="+mn-lt"/>
+                <a:ea typeface="+mn-ea"/>
+                <a:cs typeface="+mn-cs"/>
+              </a:defRPr>
+            </a:lvl2pPr>
+            <a:lvl3pPr marL="914400" algn="l" defTabSz="914400" rtl="0" eaLnBrk="1" latinLnBrk="0" hangingPunct="1">
+              <a:defRPr sz="1800" kern="1200">
+                <a:solidFill>
+                  <a:schemeClr val="tx1"/>
+                </a:solidFill>
+                <a:latin typeface="+mn-lt"/>
+                <a:ea typeface="+mn-ea"/>
+                <a:cs typeface="+mn-cs"/>
+              </a:defRPr>
+            </a:lvl3pPr>
+            <a:lvl4pPr marL="1371600" algn="l" defTabSz="914400" rtl="0" eaLnBrk="1" latinLnBrk="0" hangingPunct="1">
+              <a:defRPr sz="1800" kern="1200">
+                <a:solidFill>
+                  <a:schemeClr val="tx1"/>
+                </a:solidFill>
+                <a:latin typeface="+mn-lt"/>
+                <a:ea typeface="+mn-ea"/>
+                <a:cs typeface="+mn-cs"/>
+              </a:defRPr>
+            </a:lvl4pPr>
+            <a:lvl5pPr marL="1828800" algn="l" defTabSz="914400" rtl="0" eaLnBrk="1" latinLnBrk="0" hangingPunct="1">
+              <a:defRPr sz="1800" kern="1200">
+                <a:solidFill>
+                  <a:schemeClr val="tx1"/>
+                </a:solidFill>
+                <a:latin typeface="+mn-lt"/>
+                <a:ea typeface="+mn-ea"/>
+                <a:cs typeface="+mn-cs"/>
+              </a:defRPr>
+            </a:lvl5pPr>
+            <a:lvl6pPr marL="2286000" algn="l" defTabSz="914400" rtl="0" eaLnBrk="1" latinLnBrk="0" hangingPunct="1">
+              <a:defRPr sz="1800" kern="1200">
+                <a:solidFill>
+                  <a:schemeClr val="tx1"/>
+                </a:solidFill>
+                <a:latin typeface="+mn-lt"/>
+                <a:ea typeface="+mn-ea"/>
+                <a:cs typeface="+mn-cs"/>
+              </a:defRPr>
+            </a:lvl6pPr>
+            <a:lvl7pPr marL="2743200" algn="l" defTabSz="914400" rtl="0" eaLnBrk="1" latinLnBrk="0" hangingPunct="1">
+              <a:defRPr sz="1800" kern="1200">
+                <a:solidFill>
+                  <a:schemeClr val="tx1"/>
+                </a:solidFill>
+                <a:latin typeface="+mn-lt"/>
+                <a:ea typeface="+mn-ea"/>
+                <a:cs typeface="+mn-cs"/>
+              </a:defRPr>
+            </a:lvl7pPr>
+            <a:lvl8pPr marL="3200400" algn="l" defTabSz="914400" rtl="0" eaLnBrk="1" latinLnBrk="0" hangingPunct="1">
+              <a:defRPr sz="1800" kern="1200">
+                <a:solidFill>
+                  <a:schemeClr val="tx1"/>
+                </a:solidFill>
+                <a:latin typeface="+mn-lt"/>
+                <a:ea typeface="+mn-ea"/>
+                <a:cs typeface="+mn-cs"/>
+              </a:defRPr>
+            </a:lvl8pPr>
+            <a:lvl9pPr marL="3657600" algn="l" defTabSz="914400" rtl="0" eaLnBrk="1" latinLnBrk="0" hangingPunct="1">
+              <a:defRPr sz="1800" kern="1200">
+                <a:solidFill>
+                  <a:schemeClr val="tx1"/>
+                </a:solidFill>
+                <a:latin typeface="+mn-lt"/>
+                <a:ea typeface="+mn-ea"/>
+                <a:cs typeface="+mn-cs"/>
+              </a:defRPr>
+            </a:lvl9pPr>
+          </a:lstStyle>
+          <a:p>
+            <a:r>
+              <a:rPr lang="en-US" altLang="zh-CN" dirty="0" smtClean="0"/>
+              <a:t>2</a:t>
+            </a:r>
+            <a:endParaRPr lang="zh-CN" altLang="en-US" dirty="0"/>
+          </a:p>
+        </p:txBody>
+      </p:sp>
+      <p:sp>
+        <p:nvSpPr>
+          <p:cNvPr id="109" name="下箭头 108"/>
+          <p:cNvSpPr/>
+          <p:nvPr/>
+        </p:nvSpPr>
+        <p:spPr>
+          <a:xfrm rot="18900000" flipH="1">
+            <a:off x="8095602" y="2864733"/>
+            <a:ext cx="391477" cy="963283"/>
+          </a:xfrm>
+          <a:prstGeom prst="downArrow">
+            <a:avLst/>
+          </a:prstGeom>
+          <a:solidFill>
+            <a:schemeClr val="bg1">
+              <a:lumMod val="75000"/>
+            </a:schemeClr>
+          </a:solidFill>
+        </p:spPr>
+        <p:style>
+          <a:lnRef idx="2">
+            <a:schemeClr val="accent1">
+              <a:shade val="50000"/>
+            </a:schemeClr>
+          </a:lnRef>
+          <a:fillRef idx="1">
+            <a:schemeClr val="accent1"/>
+          </a:fillRef>
+          <a:effectRef idx="0">
+            <a:schemeClr val="accent1"/>
+          </a:effectRef>
+          <a:fontRef idx="minor">
+            <a:schemeClr val="lt1"/>
+          </a:fontRef>
+        </p:style>
+        <p:txBody>
+          <a:bodyPr rtlCol="0" anchor="ctr"/>
+          <a:lstStyle/>
+          <a:p>
+            <a:pPr algn="ctr"/>
+            <a:endParaRPr lang="zh-CN" altLang="en-US"/>
+          </a:p>
+        </p:txBody>
+      </p:sp>
+      <p:sp>
+        <p:nvSpPr>
+          <p:cNvPr id="110" name="文本框 109"/>
+          <p:cNvSpPr txBox="1"/>
+          <p:nvPr/>
+        </p:nvSpPr>
+        <p:spPr>
+          <a:xfrm>
+            <a:off x="8102099" y="3098103"/>
+            <a:ext cx="288034" cy="369332"/>
+          </a:xfrm>
+          <a:prstGeom prst="rect">
+            <a:avLst/>
+          </a:prstGeom>
+          <a:solidFill>
+            <a:srgbClr val="00B050"/>
+          </a:solidFill>
+        </p:spPr>
+        <p:txBody>
+          <a:bodyPr wrap="square" rtlCol="0">
+            <a:spAutoFit/>
+          </a:bodyPr>
           <a:lstStyle/>
           <a:p>
             <a:r>
               <a:rPr lang="en-US" altLang="zh-CN" dirty="0" smtClean="0"/>
               <a:t>1</a:t>
-            </a:r>
-            <a:endParaRPr lang="zh-CN" altLang="en-US" dirty="0"/>
-          </a:p>
-        </p:txBody>
-      </p:sp>
-      <p:sp>
-        <p:nvSpPr>
-          <p:cNvPr id="104" name="TextBox 28"/>
-          <p:cNvSpPr txBox="1"/>
-          <p:nvPr/>
-        </p:nvSpPr>
-        <p:spPr>
-          <a:xfrm>
-            <a:off x="1642456" y="5153798"/>
-            <a:ext cx="1364476" cy="369332"/>
-          </a:xfrm>
-          <a:prstGeom prst="rect">
-            <a:avLst/>
-          </a:prstGeom>
-          <a:noFill/>
-        </p:spPr>
-        <p:txBody>
-          <a:bodyPr wrap="none" rtlCol="0">
-            <a:spAutoFit/>
-          </a:bodyPr>
-          <a:lstStyle/>
-          <a:p>
-            <a:r>
-              <a:rPr lang="en-US" altLang="zh-CN" dirty="0" smtClean="0"/>
-              <a:t>10G·μ-T(1</a:t>
-            </a:r>
-            <a:r>
-              <a:rPr lang="en-US" altLang="zh-CN" dirty="0" smtClean="0"/>
-              <a:t>,1</a:t>
-            </a:r>
-            <a:r>
-              <a:rPr lang="en-US" altLang="zh-CN" dirty="0" smtClean="0"/>
-              <a:t>)</a:t>
-            </a:r>
-            <a:endParaRPr lang="zh-CN" altLang="en-US" dirty="0"/>
-          </a:p>
-        </p:txBody>
-      </p:sp>
-      <p:sp>
-        <p:nvSpPr>
-          <p:cNvPr id="105" name="TextBox 29"/>
-          <p:cNvSpPr txBox="1"/>
-          <p:nvPr/>
-        </p:nvSpPr>
-        <p:spPr>
-          <a:xfrm>
-            <a:off x="6012160" y="5153798"/>
-            <a:ext cx="1417376" cy="369332"/>
-          </a:xfrm>
-          <a:prstGeom prst="rect">
-            <a:avLst/>
-          </a:prstGeom>
-          <a:noFill/>
-        </p:spPr>
-        <p:txBody>
-          <a:bodyPr wrap="none" rtlCol="0">
-            <a:spAutoFit/>
-          </a:bodyPr>
-          <a:lstStyle/>
-          <a:p>
-            <a:r>
-              <a:rPr lang="en-US" altLang="zh-CN" dirty="0" smtClean="0"/>
-              <a:t>10G·μ-T(2,</a:t>
-            </a:r>
-            <a:r>
-              <a:rPr lang="en-US" altLang="zh-CN" dirty="0" smtClean="0"/>
-              <a:t>2</a:t>
-            </a:r>
-            <a:r>
-              <a:rPr lang="en-US" altLang="zh-CN" dirty="0" smtClean="0"/>
-              <a:t>)</a:t>
             </a:r>
             <a:endParaRPr lang="zh-CN" altLang="en-US" dirty="0"/>
           </a:p>
@@ -10389,6 +10676,96 @@
                       </p:childTnLst>
                     </p:cTn>
                   </p:par>
+                  <p:par>
+                    <p:cTn id="27" fill="hold">
+                      <p:stCondLst>
+                        <p:cond delay="indefinite"/>
+                      </p:stCondLst>
+                      <p:childTnLst>
+                        <p:par>
+                          <p:cTn id="28" fill="hold">
+                            <p:stCondLst>
+                              <p:cond delay="0"/>
+                            </p:stCondLst>
+                            <p:childTnLst>
+                              <p:par>
+                                <p:cTn id="29" presetID="1" presetClass="entr" presetSubtype="0" fill="hold" grpId="0" nodeType="clickEffect">
+                                  <p:stCondLst>
+                                    <p:cond delay="0"/>
+                                  </p:stCondLst>
+                                  <p:childTnLst>
+                                    <p:set>
+                                      <p:cBhvr>
+                                        <p:cTn id="30" dur="1" fill="hold">
+                                          <p:stCondLst>
+                                            <p:cond delay="0"/>
+                                          </p:stCondLst>
+                                        </p:cTn>
+                                        <p:tgtEl>
+                                          <p:spTgt spid="108"/>
+                                        </p:tgtEl>
+                                        <p:attrNameLst>
+                                          <p:attrName>style.visibility</p:attrName>
+                                        </p:attrNameLst>
+                                      </p:cBhvr>
+                                      <p:to>
+                                        <p:strVal val="visible"/>
+                                      </p:to>
+                                    </p:set>
+                                  </p:childTnLst>
+                                </p:cTn>
+                              </p:par>
+                            </p:childTnLst>
+                          </p:cTn>
+                        </p:par>
+                      </p:childTnLst>
+                    </p:cTn>
+                  </p:par>
+                  <p:par>
+                    <p:cTn id="31" fill="hold">
+                      <p:stCondLst>
+                        <p:cond delay="indefinite"/>
+                      </p:stCondLst>
+                      <p:childTnLst>
+                        <p:par>
+                          <p:cTn id="32" fill="hold">
+                            <p:stCondLst>
+                              <p:cond delay="0"/>
+                            </p:stCondLst>
+                            <p:childTnLst>
+                              <p:par>
+                                <p:cTn id="33" presetID="1" presetClass="entr" presetSubtype="0" fill="hold" grpId="0" nodeType="clickEffect">
+                                  <p:stCondLst>
+                                    <p:cond delay="0"/>
+                                  </p:stCondLst>
+                                  <p:childTnLst>
+                                    <p:set>
+                                      <p:cBhvr>
+                                        <p:cTn id="34" dur="1" fill="hold">
+                                          <p:stCondLst>
+                                            <p:cond delay="0"/>
+                                          </p:stCondLst>
+                                        </p:cTn>
+                                        <p:tgtEl>
+                                          <p:spTgt spid="110"/>
+                                        </p:tgtEl>
+                                        <p:attrNameLst>
+                                          <p:attrName>style.visibility</p:attrName>
+                                        </p:attrNameLst>
+                                      </p:cBhvr>
+                                      <p:to>
+                                        <p:strVal val="visible"/>
+                                      </p:to>
+                                    </p:set>
+                                  </p:childTnLst>
+                                </p:cTn>
+                              </p:par>
+                            </p:childTnLst>
+                          </p:cTn>
+                        </p:par>
+                      </p:childTnLst>
+                    </p:cTn>
+                  </p:par>
                 </p:childTnLst>
               </p:cTn>
               <p:prevCondLst>
@@ -10416,8 +10793,10 @@
       <p:bldP spid="73" grpId="0" animBg="1"/>
       <p:bldP spid="100" grpId="0" animBg="1"/>
       <p:bldP spid="101" grpId="0" animBg="1"/>
+      <p:bldP spid="103" grpId="0" animBg="1"/>
       <p:bldP spid="102" grpId="0" animBg="1"/>
-      <p:bldP spid="103" grpId="0" animBg="1"/>
+      <p:bldP spid="108" grpId="0" animBg="1"/>
+      <p:bldP spid="110" grpId="0" animBg="1"/>
     </p:bldLst>
   </p:timing>
 </p:sld>
@@ -10539,15 +10918,7 @@
           <a:p>
             <a:r>
               <a:rPr lang="en-US" altLang="zh-CN" dirty="0" smtClean="0"/>
-              <a:t>Flexible</a:t>
-            </a:r>
-            <a:r>
-              <a:rPr lang="en-US" altLang="zh-CN" dirty="0" smtClean="0"/>
-              <a:t> </a:t>
-            </a:r>
-            <a:r>
-              <a:rPr lang="en-US" altLang="zh-CN" dirty="0" smtClean="0"/>
-              <a:t>Data Centers</a:t>
+              <a:t>Flexible Data Centers</a:t>
             </a:r>
             <a:endParaRPr lang="zh-CN" altLang="en-US" dirty="0"/>
           </a:p>
@@ -11767,11 +12138,7 @@
             <a:pPr algn="ctr"/>
             <a:r>
               <a:rPr lang="en-US" altLang="zh-CN" dirty="0" smtClean="0"/>
-              <a:t>Backup </a:t>
-            </a:r>
-            <a:r>
-              <a:rPr lang="en-US" altLang="zh-CN" dirty="0" smtClean="0"/>
-              <a:t>pool</a:t>
+              <a:t>Backup pool</a:t>
             </a:r>
             <a:endParaRPr lang="zh-CN" altLang="en-US" dirty="0"/>
           </a:p>
@@ -11820,19 +12187,21 @@
       </p:cxnSp>
       <p:sp>
         <p:nvSpPr>
-          <p:cNvPr id="61" name="TextBox 26"/>
+          <p:cNvPr id="71" name="文本框 70"/>
           <p:cNvSpPr txBox="1"/>
           <p:nvPr/>
         </p:nvSpPr>
         <p:spPr>
           <a:xfrm>
-            <a:off x="2843808" y="5522256"/>
-            <a:ext cx="2952328" cy="1200329"/>
+            <a:off x="2163267" y="5160089"/>
+            <a:ext cx="288034" cy="369332"/>
           </a:xfrm>
           <a:prstGeom prst="rect">
             <a:avLst/>
           </a:prstGeom>
-          <a:noFill/>
+          <a:solidFill>
+            <a:srgbClr val="00B050"/>
+          </a:solidFill>
         </p:spPr>
         <p:txBody>
           <a:bodyPr wrap="square" rtlCol="0">
@@ -11841,68 +12210,42 @@
           <a:lstStyle/>
           <a:p>
             <a:r>
-              <a:rPr lang="en-US" altLang="zh-CN" dirty="0"/>
-              <a:t>Multi-path </a:t>
-            </a:r>
-            <a:r>
               <a:rPr lang="en-US" altLang="zh-CN" dirty="0" smtClean="0"/>
-              <a:t>failures by backup:</a:t>
-            </a:r>
-            <a:endParaRPr lang="en-US" altLang="zh-CN" dirty="0"/>
-          </a:p>
-          <a:p>
-            <a:pPr marL="342900" indent="-342900">
-              <a:buFont typeface="+mj-lt"/>
-              <a:buAutoNum type="arabicPeriod"/>
-            </a:pPr>
-            <a:r>
-              <a:rPr lang="en-US" altLang="zh-CN" dirty="0"/>
-              <a:t>Drop </a:t>
-            </a:r>
-            <a:r>
-              <a:rPr lang="en-US" altLang="zh-CN" dirty="0" smtClean="0"/>
-              <a:t>one </a:t>
-            </a:r>
-            <a:r>
-              <a:rPr lang="en-US" altLang="zh-CN" dirty="0" err="1" smtClean="0"/>
-              <a:t>subflow</a:t>
-            </a:r>
-            <a:r>
-              <a:rPr lang="en-US" altLang="zh-CN" dirty="0" smtClean="0"/>
-              <a:t>;</a:t>
-            </a:r>
-            <a:endParaRPr lang="en-US" altLang="zh-CN" dirty="0"/>
-          </a:p>
-          <a:p>
-            <a:pPr marL="342900" indent="-342900">
-              <a:buFont typeface="+mj-lt"/>
-              <a:buAutoNum type="arabicPeriod"/>
-            </a:pPr>
-            <a:r>
-              <a:rPr lang="en-US" altLang="zh-CN" dirty="0"/>
-              <a:t>Retransmit </a:t>
-            </a:r>
-            <a:r>
-              <a:rPr lang="en-US" altLang="zh-CN" dirty="0" smtClean="0"/>
-              <a:t>one </a:t>
-            </a:r>
-            <a:r>
-              <a:rPr lang="en-US" altLang="zh-CN" dirty="0" err="1" smtClean="0"/>
-              <a:t>subflow</a:t>
-            </a:r>
-            <a:r>
-              <a:rPr lang="en-US" altLang="zh-CN" dirty="0" smtClean="0"/>
-              <a:t>;</a:t>
-            </a:r>
-          </a:p>
-          <a:p>
-            <a:pPr marL="342900" indent="-342900">
-              <a:buFont typeface="+mj-lt"/>
-              <a:buAutoNum type="arabicPeriod"/>
-            </a:pPr>
-            <a:r>
-              <a:rPr lang="en-US" altLang="zh-CN" dirty="0" smtClean="0"/>
-              <a:t>Decoding </a:t>
+              <a:t>1</a:t>
+            </a:r>
+            <a:endParaRPr lang="zh-CN" altLang="en-US" dirty="0"/>
+          </a:p>
+        </p:txBody>
+      </p:sp>
+      <p:sp>
+        <p:nvSpPr>
+          <p:cNvPr id="104" name="TextBox 28"/>
+          <p:cNvSpPr txBox="1"/>
+          <p:nvPr/>
+        </p:nvSpPr>
+        <p:spPr>
+          <a:xfrm>
+            <a:off x="3658680" y="5153798"/>
+            <a:ext cx="1364476" cy="369332"/>
+          </a:xfrm>
+          <a:prstGeom prst="rect">
+            <a:avLst/>
+          </a:prstGeom>
+          <a:noFill/>
+        </p:spPr>
+        <p:txBody>
+          <a:bodyPr wrap="none" rtlCol="0">
+            <a:spAutoFit/>
+          </a:bodyPr>
+          <a:lstStyle/>
+          <a:p>
+            <a:r>
+              <a:rPr lang="en-US" altLang="zh-CN" b="1" dirty="0">
+                <a:solidFill>
+                  <a:srgbClr val="FF0000"/>
+                </a:solidFill>
+              </a:rPr>
+              <a:t>2</a:t>
             </a:r>
             <a:r>
               <a:rPr lang="en-US" altLang="zh-CN" b="1" dirty="0" smtClean="0">
@@ -11910,81 +12253,19 @@
                   <a:srgbClr val="FF0000"/>
                 </a:solidFill>
               </a:rPr>
-              <a:t>as transmitting</a:t>
+              <a:t>0G</a:t>
             </a:r>
             <a:r>
               <a:rPr lang="en-US" altLang="zh-CN" dirty="0" smtClean="0"/>
-              <a:t>.</a:t>
-            </a:r>
-            <a:endParaRPr lang="en-US" altLang="zh-CN" i="1" dirty="0"/>
-          </a:p>
-        </p:txBody>
-      </p:sp>
-      <p:sp>
-        <p:nvSpPr>
-          <p:cNvPr id="71" name="文本框 70"/>
-          <p:cNvSpPr txBox="1"/>
-          <p:nvPr/>
-        </p:nvSpPr>
-        <p:spPr>
-          <a:xfrm>
-            <a:off x="755575" y="3928788"/>
-            <a:ext cx="288034" cy="369332"/>
-          </a:xfrm>
-          <a:prstGeom prst="rect">
-            <a:avLst/>
-          </a:prstGeom>
-          <a:solidFill>
-            <a:srgbClr val="00B050"/>
-          </a:solidFill>
-        </p:spPr>
-        <p:txBody>
-          <a:bodyPr wrap="square" rtlCol="0">
-            <a:spAutoFit/>
-          </a:bodyPr>
-          <a:lstStyle/>
-          <a:p>
-            <a:r>
-              <a:rPr lang="en-US" altLang="zh-CN" dirty="0" smtClean="0"/>
-              <a:t>1</a:t>
-            </a:r>
-            <a:endParaRPr lang="zh-CN" altLang="en-US" dirty="0"/>
-          </a:p>
-        </p:txBody>
-      </p:sp>
-      <p:sp>
-        <p:nvSpPr>
-          <p:cNvPr id="104" name="TextBox 28"/>
-          <p:cNvSpPr txBox="1"/>
-          <p:nvPr/>
-        </p:nvSpPr>
-        <p:spPr>
-          <a:xfrm>
-            <a:off x="3658680" y="5153798"/>
-            <a:ext cx="1364476" cy="369332"/>
-          </a:xfrm>
-          <a:prstGeom prst="rect">
-            <a:avLst/>
-          </a:prstGeom>
-          <a:noFill/>
-        </p:spPr>
-        <p:txBody>
-          <a:bodyPr wrap="none" rtlCol="0">
-            <a:spAutoFit/>
-          </a:bodyPr>
-          <a:lstStyle/>
-          <a:p>
-            <a:r>
-              <a:rPr lang="en-US" altLang="zh-CN" dirty="0"/>
-              <a:t>2</a:t>
-            </a:r>
-            <a:r>
-              <a:rPr lang="en-US" altLang="zh-CN" dirty="0" smtClean="0"/>
-              <a:t>0G·μ-T(1</a:t>
-            </a:r>
-            <a:r>
-              <a:rPr lang="en-US" altLang="zh-CN" dirty="0" smtClean="0"/>
-              <a:t>,1</a:t>
+              <a:t>·μ-T(</a:t>
+            </a:r>
+            <a:r>
+              <a:rPr lang="en-US" altLang="zh-CN" b="1" dirty="0" smtClean="0">
+                <a:solidFill>
+                  <a:srgbClr val="FF0000"/>
+                </a:solidFill>
+              </a:rPr>
+              <a:t>1,1</a:t>
             </a:r>
             <a:r>
               <a:rPr lang="en-US" altLang="zh-CN" dirty="0" smtClean="0"/>
@@ -13161,11 +13442,7 @@
             <a:pPr algn="ctr"/>
             <a:r>
               <a:rPr lang="en-US" altLang="zh-CN" dirty="0" smtClean="0"/>
-              <a:t>Backup </a:t>
-            </a:r>
-            <a:r>
-              <a:rPr lang="en-US" altLang="zh-CN" dirty="0" smtClean="0"/>
-              <a:t>pool</a:t>
+              <a:t>Backup pool</a:t>
             </a:r>
             <a:endParaRPr lang="zh-CN" altLang="en-US" dirty="0"/>
           </a:p>
@@ -13222,7 +13499,7 @@
         </p:nvSpPr>
         <p:spPr>
           <a:xfrm>
-            <a:off x="5969186" y="2123564"/>
+            <a:off x="6569574" y="5153798"/>
             <a:ext cx="288034" cy="369332"/>
           </a:xfrm>
           <a:prstGeom prst="rect">
@@ -13552,132 +13829,6 @@
       </p:sp>
       <p:sp>
         <p:nvSpPr>
-          <p:cNvPr id="175" name="文本框 9"/>
-          <p:cNvSpPr txBox="1"/>
-          <p:nvPr/>
-        </p:nvSpPr>
-        <p:spPr>
-          <a:xfrm>
-            <a:off x="5580111" y="3646893"/>
-            <a:ext cx="288034" cy="369332"/>
-          </a:xfrm>
-          <a:prstGeom prst="rect">
-            <a:avLst/>
-          </a:prstGeom>
-          <a:solidFill>
-            <a:srgbClr val="00B050"/>
-          </a:solidFill>
-        </p:spPr>
-        <p:txBody>
-          <a:bodyPr wrap="square" rtlCol="0">
-            <a:spAutoFit/>
-          </a:bodyPr>
-          <a:lstStyle>
-            <a:defPPr>
-              <a:defRPr lang="zh-CN"/>
-            </a:defPPr>
-            <a:lvl1pPr marL="0" algn="l" defTabSz="914400" rtl="0" eaLnBrk="1" latinLnBrk="0" hangingPunct="1">
-              <a:defRPr sz="1800" kern="1200">
-                <a:solidFill>
-                  <a:schemeClr val="tx1"/>
-                </a:solidFill>
-                <a:latin typeface="+mn-lt"/>
-                <a:ea typeface="+mn-ea"/>
-                <a:cs typeface="+mn-cs"/>
-              </a:defRPr>
-            </a:lvl1pPr>
-            <a:lvl2pPr marL="457200" algn="l" defTabSz="914400" rtl="0" eaLnBrk="1" latinLnBrk="0" hangingPunct="1">
-              <a:defRPr sz="1800" kern="1200">
-                <a:solidFill>
-                  <a:schemeClr val="tx1"/>
-                </a:solidFill>
-                <a:latin typeface="+mn-lt"/>
-                <a:ea typeface="+mn-ea"/>
-                <a:cs typeface="+mn-cs"/>
-              </a:defRPr>
-            </a:lvl2pPr>
-            <a:lvl3pPr marL="914400" algn="l" defTabSz="914400" rtl="0" eaLnBrk="1" latinLnBrk="0" hangingPunct="1">
-              <a:defRPr sz="1800" kern="1200">
-                <a:solidFill>
-                  <a:schemeClr val="tx1"/>
-                </a:solidFill>
-                <a:latin typeface="+mn-lt"/>
-                <a:ea typeface="+mn-ea"/>
-                <a:cs typeface="+mn-cs"/>
-              </a:defRPr>
-            </a:lvl3pPr>
-            <a:lvl4pPr marL="1371600" algn="l" defTabSz="914400" rtl="0" eaLnBrk="1" latinLnBrk="0" hangingPunct="1">
-              <a:defRPr sz="1800" kern="1200">
-                <a:solidFill>
-                  <a:schemeClr val="tx1"/>
-                </a:solidFill>
-                <a:latin typeface="+mn-lt"/>
-                <a:ea typeface="+mn-ea"/>
-                <a:cs typeface="+mn-cs"/>
-              </a:defRPr>
-            </a:lvl4pPr>
-            <a:lvl5pPr marL="1828800" algn="l" defTabSz="914400" rtl="0" eaLnBrk="1" latinLnBrk="0" hangingPunct="1">
-              <a:defRPr sz="1800" kern="1200">
-                <a:solidFill>
-                  <a:schemeClr val="tx1"/>
-                </a:solidFill>
-                <a:latin typeface="+mn-lt"/>
-                <a:ea typeface="+mn-ea"/>
-                <a:cs typeface="+mn-cs"/>
-              </a:defRPr>
-            </a:lvl5pPr>
-            <a:lvl6pPr marL="2286000" algn="l" defTabSz="914400" rtl="0" eaLnBrk="1" latinLnBrk="0" hangingPunct="1">
-              <a:defRPr sz="1800" kern="1200">
-                <a:solidFill>
-                  <a:schemeClr val="tx1"/>
-                </a:solidFill>
-                <a:latin typeface="+mn-lt"/>
-                <a:ea typeface="+mn-ea"/>
-                <a:cs typeface="+mn-cs"/>
-              </a:defRPr>
-            </a:lvl6pPr>
-            <a:lvl7pPr marL="2743200" algn="l" defTabSz="914400" rtl="0" eaLnBrk="1" latinLnBrk="0" hangingPunct="1">
-              <a:defRPr sz="1800" kern="1200">
-                <a:solidFill>
-                  <a:schemeClr val="tx1"/>
-                </a:solidFill>
-                <a:latin typeface="+mn-lt"/>
-                <a:ea typeface="+mn-ea"/>
-                <a:cs typeface="+mn-cs"/>
-              </a:defRPr>
-            </a:lvl7pPr>
-            <a:lvl8pPr marL="3200400" algn="l" defTabSz="914400" rtl="0" eaLnBrk="1" latinLnBrk="0" hangingPunct="1">
-              <a:defRPr sz="1800" kern="1200">
-                <a:solidFill>
-                  <a:schemeClr val="tx1"/>
-                </a:solidFill>
-                <a:latin typeface="+mn-lt"/>
-                <a:ea typeface="+mn-ea"/>
-                <a:cs typeface="+mn-cs"/>
-              </a:defRPr>
-            </a:lvl8pPr>
-            <a:lvl9pPr marL="3657600" algn="l" defTabSz="914400" rtl="0" eaLnBrk="1" latinLnBrk="0" hangingPunct="1">
-              <a:defRPr sz="1800" kern="1200">
-                <a:solidFill>
-                  <a:schemeClr val="tx1"/>
-                </a:solidFill>
-                <a:latin typeface="+mn-lt"/>
-                <a:ea typeface="+mn-ea"/>
-                <a:cs typeface="+mn-cs"/>
-              </a:defRPr>
-            </a:lvl9pPr>
-          </a:lstStyle>
-          <a:p>
-            <a:r>
-              <a:rPr lang="en-US" altLang="zh-CN" dirty="0" smtClean="0"/>
-              <a:t>2</a:t>
-            </a:r>
-            <a:endParaRPr lang="zh-CN" altLang="en-US" dirty="0"/>
-          </a:p>
-        </p:txBody>
-      </p:sp>
-      <p:sp>
-        <p:nvSpPr>
           <p:cNvPr id="187" name="下箭头 186"/>
           <p:cNvSpPr/>
           <p:nvPr/>
@@ -13766,6 +13917,119 @@
           <a:p>
             <a:pPr algn="ctr"/>
             <a:endParaRPr lang="zh-CN" altLang="en-US"/>
+          </a:p>
+        </p:txBody>
+      </p:sp>
+      <p:sp>
+        <p:nvSpPr>
+          <p:cNvPr id="73" name="TextBox 26"/>
+          <p:cNvSpPr txBox="1"/>
+          <p:nvPr/>
+        </p:nvSpPr>
+        <p:spPr>
+          <a:xfrm>
+            <a:off x="3059832" y="5522256"/>
+            <a:ext cx="3168352" cy="1200329"/>
+          </a:xfrm>
+          <a:prstGeom prst="rect">
+            <a:avLst/>
+          </a:prstGeom>
+          <a:noFill/>
+        </p:spPr>
+        <p:txBody>
+          <a:bodyPr wrap="square" rtlCol="0">
+            <a:spAutoFit/>
+          </a:bodyPr>
+          <a:lstStyle/>
+          <a:p>
+            <a:r>
+              <a:rPr lang="en-US" altLang="zh-CN" dirty="0"/>
+              <a:t>Multi-path failures by backup:</a:t>
+            </a:r>
+          </a:p>
+          <a:p>
+            <a:pPr marL="342900" indent="-342900">
+              <a:buFont typeface="+mj-lt"/>
+              <a:buAutoNum type="arabicPeriod"/>
+            </a:pPr>
+            <a:r>
+              <a:rPr lang="en-US" altLang="zh-CN" dirty="0"/>
+              <a:t>Drop </a:t>
+            </a:r>
+            <a:r>
+              <a:rPr lang="en-US" altLang="zh-CN" b="1" dirty="0" smtClean="0">
+                <a:solidFill>
+                  <a:srgbClr val="FF0000"/>
+                </a:solidFill>
+              </a:rPr>
+              <a:t>one </a:t>
+            </a:r>
+            <a:r>
+              <a:rPr lang="en-US" altLang="zh-CN" b="1" dirty="0" err="1" smtClean="0">
+                <a:solidFill>
+                  <a:srgbClr val="FF0000"/>
+                </a:solidFill>
+              </a:rPr>
+              <a:t>subflow</a:t>
+            </a:r>
+            <a:r>
+              <a:rPr lang="en-US" altLang="zh-CN" dirty="0" smtClean="0"/>
+              <a:t>;</a:t>
+            </a:r>
+            <a:endParaRPr lang="zh-CN" altLang="en-US" dirty="0"/>
+          </a:p>
+          <a:p>
+            <a:pPr marL="342900" indent="-342900">
+              <a:buFont typeface="+mj-lt"/>
+              <a:buAutoNum type="arabicPeriod"/>
+            </a:pPr>
+            <a:r>
+              <a:rPr lang="en-US" altLang="zh-CN" dirty="0"/>
+              <a:t>Retransmit </a:t>
+            </a:r>
+            <a:r>
+              <a:rPr lang="en-US" altLang="zh-CN" b="1" dirty="0" smtClean="0">
+                <a:solidFill>
+                  <a:srgbClr val="FF0000"/>
+                </a:solidFill>
+              </a:rPr>
+              <a:t>one </a:t>
+            </a:r>
+            <a:r>
+              <a:rPr lang="en-US" altLang="zh-CN" b="1" dirty="0" err="1" smtClean="0">
+                <a:solidFill>
+                  <a:srgbClr val="FF0000"/>
+                </a:solidFill>
+              </a:rPr>
+              <a:t>subflow</a:t>
+            </a:r>
+            <a:r>
+              <a:rPr lang="en-US" altLang="zh-CN" dirty="0" smtClean="0"/>
+              <a:t>;</a:t>
+            </a:r>
+            <a:endParaRPr lang="en-US" altLang="zh-CN" dirty="0"/>
+          </a:p>
+          <a:p>
+            <a:pPr marL="342900" indent="-342900">
+              <a:buFont typeface="+mj-lt"/>
+              <a:buAutoNum type="arabicPeriod"/>
+            </a:pPr>
+            <a:r>
+              <a:rPr lang="en-US" altLang="zh-CN" dirty="0"/>
+              <a:t>Decoding </a:t>
+            </a:r>
+            <a:r>
+              <a:rPr lang="en-US" altLang="zh-CN" b="1" dirty="0">
+                <a:solidFill>
+                  <a:srgbClr val="FF0000"/>
+                </a:solidFill>
+              </a:rPr>
+              <a:t>as transmitting</a:t>
+            </a:r>
+            <a:r>
+              <a:rPr lang="en-US" altLang="zh-CN" dirty="0"/>
+              <a:t>.</a:t>
+            </a:r>
           </a:p>
         </p:txBody>
       </p:sp>
@@ -13871,60 +14135,15 @@
                                   </p:childTnLst>
                                 </p:cTn>
                               </p:par>
-                            </p:childTnLst>
-                          </p:cTn>
-                        </p:par>
-                      </p:childTnLst>
-                    </p:cTn>
-                  </p:par>
-                  <p:par>
-                    <p:cTn id="11" fill="hold">
-                      <p:stCondLst>
-                        <p:cond delay="indefinite"/>
-                      </p:stCondLst>
-                      <p:childTnLst>
-                        <p:par>
-                          <p:cTn id="12" fill="hold">
-                            <p:stCondLst>
-                              <p:cond delay="0"/>
-                            </p:stCondLst>
-                            <p:childTnLst>
                               <p:par>
-                                <p:cTn id="13" presetID="1" presetClass="entr" presetSubtype="0" fill="hold" grpId="0" nodeType="clickEffect">
+                                <p:cTn id="11" presetID="1" presetClass="entr" presetSubtype="0" fill="hold" grpId="0" nodeType="withEffect">
                                   <p:stCondLst>
                                     <p:cond delay="0"/>
                                   </p:stCondLst>
                                   <p:childTnLst>
                                     <p:set>
                                       <p:cBhvr>
-                                        <p:cTn id="14" dur="1" fill="hold">
-                                          <p:stCondLst>
-                                            <p:cond delay="0"/>
-                                          </p:stCondLst>
-                                        </p:cTn>
-                                        <p:tgtEl>
-                                          <p:spTgt spid="175"/>
-                                        </p:tgtEl>
-                                        <p:attrNameLst>
-                                          <p:attrName>style.visibility</p:attrName>
-                                        </p:attrNameLst>
-                                      </p:cBhvr>
-                                      <p:to>
-                                        <p:strVal val="visible"/>
-                                      </p:to>
-                                    </p:set>
-                                  </p:childTnLst>
-                                </p:cTn>
-                              </p:par>
-                              <p:par>
-                                <p:cTn id="15" presetID="1" presetClass="entr" presetSubtype="0" fill="hold" grpId="0" nodeType="withEffect">
-                                  <p:stCondLst>
-                                    <p:cond delay="0"/>
-                                  </p:stCondLst>
-                                  <p:childTnLst>
-                                    <p:set>
-                                      <p:cBhvr>
-                                        <p:cTn id="16" dur="1" fill="hold">
+                                        <p:cTn id="12" dur="1" fill="hold">
                                           <p:stCondLst>
                                             <p:cond delay="0"/>
                                           </p:stCondLst>
@@ -13974,7 +14193,6 @@
       <p:bldP spid="71" grpId="0" animBg="1"/>
       <p:bldP spid="176" grpId="0" animBg="1"/>
       <p:bldP spid="174" grpId="0" animBg="1"/>
-      <p:bldP spid="175" grpId="0" animBg="1"/>
     </p:bldLst>
   </p:timing>
 </p:sld>

--- a/Failures Handling for Multi-path TCP in Data Centers.pptx
+++ b/Failures Handling for Multi-path TCP in Data Centers.pptx
@@ -4702,6 +4702,12 @@
               <a:lumMod val="50000"/>
             </a:schemeClr>
           </a:solidFill>
+          <a:ln>
+            <a:solidFill>
+              <a:schemeClr val="tx1"/>
+            </a:solidFill>
+            <a:prstDash val="dash"/>
+          </a:ln>
         </p:spPr>
         <p:style>
           <a:lnRef idx="2">
@@ -4960,6 +4966,12 @@
               <a:lumMod val="50000"/>
             </a:schemeClr>
           </a:solidFill>
+          <a:ln>
+            <a:solidFill>
+              <a:schemeClr val="tx1"/>
+            </a:solidFill>
+            <a:prstDash val="dash"/>
+          </a:ln>
         </p:spPr>
         <p:style>
           <a:lnRef idx="2">
@@ -5037,7 +5049,7 @@
         </p:nvSpPr>
         <p:spPr>
           <a:xfrm rot="18900000" flipH="1">
-            <a:off x="3684586" y="3472810"/>
+            <a:off x="3684586" y="2994291"/>
             <a:ext cx="391477" cy="963283"/>
           </a:xfrm>
           <a:prstGeom prst="downArrow">
@@ -5048,6 +5060,12 @@
               <a:lumMod val="75000"/>
             </a:schemeClr>
           </a:solidFill>
+          <a:ln>
+            <a:solidFill>
+              <a:schemeClr val="tx1"/>
+            </a:solidFill>
+            <a:prstDash val="dash"/>
+          </a:ln>
         </p:spPr>
         <p:style>
           <a:lnRef idx="2">
@@ -5165,7 +5183,7 @@
         </p:nvSpPr>
         <p:spPr>
           <a:xfrm>
-            <a:off x="3747413" y="3769785"/>
+            <a:off x="3747413" y="3291266"/>
             <a:ext cx="288034" cy="369332"/>
           </a:xfrm>
           <a:prstGeom prst="rect">
@@ -5814,6 +5832,89 @@
             <a:r>
               <a:rPr lang="en-US" altLang="zh-CN" dirty="0" smtClean="0"/>
               <a:t>2</a:t>
+            </a:r>
+            <a:endParaRPr lang="zh-CN" altLang="en-US" dirty="0"/>
+          </a:p>
+        </p:txBody>
+      </p:sp>
+      <p:sp>
+        <p:nvSpPr>
+          <p:cNvPr id="37" name="下箭头 36"/>
+          <p:cNvSpPr/>
+          <p:nvPr/>
+        </p:nvSpPr>
+        <p:spPr>
+          <a:xfrm rot="18900000" flipH="1">
+            <a:off x="8095602" y="2864733"/>
+            <a:ext cx="391477" cy="963283"/>
+          </a:xfrm>
+          <a:prstGeom prst="downArrow">
+            <a:avLst/>
+          </a:prstGeom>
+          <a:solidFill>
+            <a:schemeClr val="bg1">
+              <a:lumMod val="75000"/>
+            </a:schemeClr>
+          </a:solidFill>
+          <a:ln>
+            <a:solidFill>
+              <a:schemeClr val="tx1"/>
+            </a:solidFill>
+            <a:prstDash val="dash"/>
+          </a:ln>
+        </p:spPr>
+        <p:style>
+          <a:lnRef idx="2">
+            <a:schemeClr val="accent1">
+              <a:shade val="50000"/>
+            </a:schemeClr>
+          </a:lnRef>
+          <a:fillRef idx="1">
+            <a:schemeClr val="accent1"/>
+          </a:fillRef>
+          <a:effectRef idx="0">
+            <a:schemeClr val="accent1"/>
+          </a:effectRef>
+          <a:fontRef idx="minor">
+            <a:schemeClr val="lt1"/>
+          </a:fontRef>
+        </p:style>
+        <p:txBody>
+          <a:bodyPr rtlCol="0" anchor="ctr"/>
+          <a:lstStyle/>
+          <a:p>
+            <a:pPr algn="ctr"/>
+            <a:endParaRPr lang="zh-CN" altLang="en-US"/>
+          </a:p>
+        </p:txBody>
+      </p:sp>
+      <p:sp>
+        <p:nvSpPr>
+          <p:cNvPr id="46" name="文本框 45"/>
+          <p:cNvSpPr txBox="1"/>
+          <p:nvPr/>
+        </p:nvSpPr>
+        <p:spPr>
+          <a:xfrm>
+            <a:off x="8102099" y="3098103"/>
+            <a:ext cx="288034" cy="369332"/>
+          </a:xfrm>
+          <a:prstGeom prst="rect">
+            <a:avLst/>
+          </a:prstGeom>
+          <a:solidFill>
+            <a:srgbClr val="00B050"/>
+          </a:solidFill>
+        </p:spPr>
+        <p:txBody>
+          <a:bodyPr wrap="square" rtlCol="0">
+            <a:spAutoFit/>
+          </a:bodyPr>
+          <a:lstStyle/>
+          <a:p>
+            <a:r>
+              <a:rPr lang="en-US" altLang="zh-CN" dirty="0" smtClean="0"/>
+              <a:t>1</a:t>
             </a:r>
             <a:endParaRPr lang="zh-CN" altLang="en-US" dirty="0"/>
           </a:p>
@@ -6314,6 +6415,51 @@
                       </p:childTnLst>
                     </p:cTn>
                   </p:par>
+                  <p:par>
+                    <p:cTn id="41" fill="hold">
+                      <p:stCondLst>
+                        <p:cond delay="indefinite"/>
+                      </p:stCondLst>
+                      <p:childTnLst>
+                        <p:par>
+                          <p:cTn id="42" fill="hold">
+                            <p:stCondLst>
+                              <p:cond delay="0"/>
+                            </p:stCondLst>
+                            <p:childTnLst>
+                              <p:par>
+                                <p:cTn id="43" presetID="1" presetClass="entr" presetSubtype="0" fill="hold" grpId="0" nodeType="clickEffect">
+                                  <p:stCondLst>
+                                    <p:cond delay="0"/>
+                                  </p:stCondLst>
+                                  <p:childTnLst>
+                                    <p:set>
+                                      <p:cBhvr>
+                                        <p:cTn id="44" dur="1" fill="hold">
+                                          <p:stCondLst>
+                                            <p:cond delay="0"/>
+                                          </p:stCondLst>
+                                        </p:cTn>
+                                        <p:tgtEl>
+                                          <p:spTgt spid="46"/>
+                                        </p:tgtEl>
+                                        <p:attrNameLst>
+                                          <p:attrName>style.visibility</p:attrName>
+                                        </p:attrNameLst>
+                                      </p:cBhvr>
+                                      <p:to>
+                                        <p:strVal val="visible"/>
+                                      </p:to>
+                                    </p:set>
+                                  </p:childTnLst>
+                                </p:cTn>
+                              </p:par>
+                            </p:childTnLst>
+                          </p:cTn>
+                        </p:par>
+                      </p:childTnLst>
+                    </p:cTn>
+                  </p:par>
                 </p:childTnLst>
               </p:cTn>
               <p:prevCondLst>
@@ -6348,6 +6494,7 @@
       <p:bldP spid="43" grpId="0" animBg="1"/>
       <p:bldP spid="44" grpId="0" animBg="1"/>
       <p:bldP spid="45" grpId="0" animBg="1"/>
+      <p:bldP spid="46" grpId="0" animBg="1"/>
     </p:bldLst>
   </p:timing>
 </p:sld>
@@ -6903,6 +7050,12 @@
               <a:lumMod val="50000"/>
             </a:schemeClr>
           </a:solidFill>
+          <a:ln>
+            <a:solidFill>
+              <a:schemeClr val="tx1"/>
+            </a:solidFill>
+            <a:prstDash val="dash"/>
+          </a:ln>
         </p:spPr>
         <p:style>
           <a:lnRef idx="2">
@@ -7081,6 +7234,12 @@
               <a:lumMod val="50000"/>
             </a:schemeClr>
           </a:solidFill>
+          <a:ln>
+            <a:solidFill>
+              <a:schemeClr val="tx1"/>
+            </a:solidFill>
+            <a:prstDash val="dash"/>
+          </a:ln>
         </p:spPr>
         <p:style>
           <a:lnRef idx="2">
@@ -10321,6 +10480,12 @@
               <a:lumMod val="75000"/>
             </a:schemeClr>
           </a:solidFill>
+          <a:ln>
+            <a:solidFill>
+              <a:schemeClr val="tx1"/>
+            </a:solidFill>
+            <a:prstDash val="dash"/>
+          </a:ln>
         </p:spPr>
         <p:style>
           <a:lnRef idx="2">
@@ -11150,6 +11315,12 @@
               <a:lumMod val="50000"/>
             </a:schemeClr>
           </a:solidFill>
+          <a:ln>
+            <a:solidFill>
+              <a:schemeClr val="tx1"/>
+            </a:solidFill>
+            <a:prstDash val="dash"/>
+          </a:ln>
         </p:spPr>
         <p:style>
           <a:lnRef idx="2">
@@ -13636,6 +13807,12 @@
               <a:lumMod val="50000"/>
             </a:schemeClr>
           </a:solidFill>
+          <a:ln>
+            <a:solidFill>
+              <a:schemeClr val="tx1"/>
+            </a:solidFill>
+            <a:prstDash val="dash"/>
+          </a:ln>
         </p:spPr>
         <p:style>
           <a:lnRef idx="2">

--- a/Failures Handling for Multi-path TCP in Data Centers.pptx
+++ b/Failures Handling for Multi-path TCP in Data Centers.pptx
@@ -10,6 +10,7 @@
     <p:sldId id="258" r:id="rId4"/>
     <p:sldId id="259" r:id="rId5"/>
     <p:sldId id="260" r:id="rId6"/>
+    <p:sldId id="261" r:id="rId7"/>
   </p:sldIdLst>
   <p:sldSz cx="9144000" cy="6858000" type="screen4x3"/>
   <p:notesSz cx="6858000" cy="9144000"/>
@@ -308,7 +309,7 @@
           <a:p>
             <a:fld id="{730569AD-5EDC-4929-AE9A-26AAD131CF66}" type="datetimeFigureOut">
               <a:rPr lang="zh-CN" altLang="en-US" smtClean="0"/>
-              <a:t>2013/1/9</a:t>
+              <a:t>2013/2/2</a:t>
             </a:fld>
             <a:endParaRPr lang="zh-CN" altLang="en-US"/>
           </a:p>
@@ -478,7 +479,7 @@
           <a:p>
             <a:fld id="{730569AD-5EDC-4929-AE9A-26AAD131CF66}" type="datetimeFigureOut">
               <a:rPr lang="zh-CN" altLang="en-US" smtClean="0"/>
-              <a:t>2013/1/9</a:t>
+              <a:t>2013/2/2</a:t>
             </a:fld>
             <a:endParaRPr lang="zh-CN" altLang="en-US"/>
           </a:p>
@@ -658,7 +659,7 @@
           <a:p>
             <a:fld id="{730569AD-5EDC-4929-AE9A-26AAD131CF66}" type="datetimeFigureOut">
               <a:rPr lang="zh-CN" altLang="en-US" smtClean="0"/>
-              <a:t>2013/1/9</a:t>
+              <a:t>2013/2/2</a:t>
             </a:fld>
             <a:endParaRPr lang="zh-CN" altLang="en-US"/>
           </a:p>
@@ -828,7 +829,7 @@
           <a:p>
             <a:fld id="{730569AD-5EDC-4929-AE9A-26AAD131CF66}" type="datetimeFigureOut">
               <a:rPr lang="zh-CN" altLang="en-US" smtClean="0"/>
-              <a:t>2013/1/9</a:t>
+              <a:t>2013/2/2</a:t>
             </a:fld>
             <a:endParaRPr lang="zh-CN" altLang="en-US"/>
           </a:p>
@@ -1074,7 +1075,7 @@
           <a:p>
             <a:fld id="{730569AD-5EDC-4929-AE9A-26AAD131CF66}" type="datetimeFigureOut">
               <a:rPr lang="zh-CN" altLang="en-US" smtClean="0"/>
-              <a:t>2013/1/9</a:t>
+              <a:t>2013/2/2</a:t>
             </a:fld>
             <a:endParaRPr lang="zh-CN" altLang="en-US"/>
           </a:p>
@@ -1362,7 +1363,7 @@
           <a:p>
             <a:fld id="{730569AD-5EDC-4929-AE9A-26AAD131CF66}" type="datetimeFigureOut">
               <a:rPr lang="zh-CN" altLang="en-US" smtClean="0"/>
-              <a:t>2013/1/9</a:t>
+              <a:t>2013/2/2</a:t>
             </a:fld>
             <a:endParaRPr lang="zh-CN" altLang="en-US"/>
           </a:p>
@@ -1784,7 +1785,7 @@
           <a:p>
             <a:fld id="{730569AD-5EDC-4929-AE9A-26AAD131CF66}" type="datetimeFigureOut">
               <a:rPr lang="zh-CN" altLang="en-US" smtClean="0"/>
-              <a:t>2013/1/9</a:t>
+              <a:t>2013/2/2</a:t>
             </a:fld>
             <a:endParaRPr lang="zh-CN" altLang="en-US"/>
           </a:p>
@@ -1902,7 +1903,7 @@
           <a:p>
             <a:fld id="{730569AD-5EDC-4929-AE9A-26AAD131CF66}" type="datetimeFigureOut">
               <a:rPr lang="zh-CN" altLang="en-US" smtClean="0"/>
-              <a:t>2013/1/9</a:t>
+              <a:t>2013/2/2</a:t>
             </a:fld>
             <a:endParaRPr lang="zh-CN" altLang="en-US"/>
           </a:p>
@@ -1997,7 +1998,7 @@
           <a:p>
             <a:fld id="{730569AD-5EDC-4929-AE9A-26AAD131CF66}" type="datetimeFigureOut">
               <a:rPr lang="zh-CN" altLang="en-US" smtClean="0"/>
-              <a:t>2013/1/9</a:t>
+              <a:t>2013/2/2</a:t>
             </a:fld>
             <a:endParaRPr lang="zh-CN" altLang="en-US"/>
           </a:p>
@@ -2274,7 +2275,7 @@
           <a:p>
             <a:fld id="{730569AD-5EDC-4929-AE9A-26AAD131CF66}" type="datetimeFigureOut">
               <a:rPr lang="zh-CN" altLang="en-US" smtClean="0"/>
-              <a:t>2013/1/9</a:t>
+              <a:t>2013/2/2</a:t>
             </a:fld>
             <a:endParaRPr lang="zh-CN" altLang="en-US"/>
           </a:p>
@@ -2527,7 +2528,7 @@
           <a:p>
             <a:fld id="{730569AD-5EDC-4929-AE9A-26AAD131CF66}" type="datetimeFigureOut">
               <a:rPr lang="zh-CN" altLang="en-US" smtClean="0"/>
-              <a:t>2013/1/9</a:t>
+              <a:t>2013/2/2</a:t>
             </a:fld>
             <a:endParaRPr lang="zh-CN" altLang="en-US"/>
           </a:p>
@@ -2740,7 +2741,7 @@
           <a:p>
             <a:fld id="{730569AD-5EDC-4929-AE9A-26AAD131CF66}" type="datetimeFigureOut">
               <a:rPr lang="zh-CN" altLang="en-US" smtClean="0"/>
-              <a:t>2013/1/9</a:t>
+              <a:t>2013/2/2</a:t>
             </a:fld>
             <a:endParaRPr lang="zh-CN" altLang="en-US"/>
           </a:p>
@@ -14375,6 +14376,43 @@
 </p:sld>
 </file>
 
+<file path=ppt/slides/slide6.xml><?xml version="1.0" encoding="utf-8"?>
+<p:sld xmlns:a="http://schemas.openxmlformats.org/drawingml/2006/main" xmlns:r="http://schemas.openxmlformats.org/officeDocument/2006/relationships" xmlns:p="http://schemas.openxmlformats.org/presentationml/2006/main">
+  <p:cSld>
+    <p:spTree>
+      <p:nvGrpSpPr>
+        <p:cNvPr id="1" name=""/>
+        <p:cNvGrpSpPr/>
+        <p:nvPr/>
+      </p:nvGrpSpPr>
+      <p:grpSpPr>
+        <a:xfrm>
+          <a:off x="0" y="0"/>
+          <a:ext cx="0" cy="0"/>
+          <a:chOff x="0" y="0"/>
+          <a:chExt cx="0" cy="0"/>
+        </a:xfrm>
+      </p:grpSpPr>
+    </p:spTree>
+    <p:extLst>
+      <p:ext uri="{BB962C8B-B14F-4D97-AF65-F5344CB8AC3E}">
+        <p14:creationId xmlns:p14="http://schemas.microsoft.com/office/powerpoint/2010/main" val="2738406565"/>
+      </p:ext>
+    </p:extLst>
+  </p:cSld>
+  <p:clrMapOvr>
+    <a:masterClrMapping/>
+  </p:clrMapOvr>
+  <p:timing>
+    <p:tnLst>
+      <p:par>
+        <p:cTn id="1" dur="indefinite" restart="never" nodeType="tmRoot"/>
+      </p:par>
+    </p:tnLst>
+  </p:timing>
+</p:sld>
+</file>
+
 <file path=ppt/theme/theme1.xml><?xml version="1.0" encoding="utf-8"?>
 <a:theme xmlns:a="http://schemas.openxmlformats.org/drawingml/2006/main" name="Office 主题​​">
   <a:themeElements>
